--- a/source/musicpage/Documents/Music page.pptx
+++ b/source/musicpage/Documents/Music page.pptx
@@ -9,6 +9,7 @@
     <p:sldId id="257" r:id="rId3"/>
     <p:sldId id="258" r:id="rId4"/>
     <p:sldId id="259" r:id="rId5"/>
+    <p:sldId id="260" r:id="rId6"/>
   </p:sldIdLst>
   <p:sldSz cx="9144000" cy="6858000" type="screen4x3"/>
   <p:notesSz cx="6858000" cy="9144000"/>
@@ -291,7 +292,7 @@
           <a:p>
             <a:fld id="{7DDD6D33-52EB-4E0A-A3B0-B44F76A61690}" type="datetimeFigureOut">
               <a:rPr lang="en-US" smtClean="0"/>
-              <a:t>3/23/2013</a:t>
+              <a:t>3/30/2013</a:t>
             </a:fld>
             <a:endParaRPr lang="en-US"/>
           </a:p>
@@ -461,7 +462,7 @@
           <a:p>
             <a:fld id="{7DDD6D33-52EB-4E0A-A3B0-B44F76A61690}" type="datetimeFigureOut">
               <a:rPr lang="en-US" smtClean="0"/>
-              <a:t>3/23/2013</a:t>
+              <a:t>3/30/2013</a:t>
             </a:fld>
             <a:endParaRPr lang="en-US"/>
           </a:p>
@@ -641,7 +642,7 @@
           <a:p>
             <a:fld id="{7DDD6D33-52EB-4E0A-A3B0-B44F76A61690}" type="datetimeFigureOut">
               <a:rPr lang="en-US" smtClean="0"/>
-              <a:t>3/23/2013</a:t>
+              <a:t>3/30/2013</a:t>
             </a:fld>
             <a:endParaRPr lang="en-US"/>
           </a:p>
@@ -811,7 +812,7 @@
           <a:p>
             <a:fld id="{7DDD6D33-52EB-4E0A-A3B0-B44F76A61690}" type="datetimeFigureOut">
               <a:rPr lang="en-US" smtClean="0"/>
-              <a:t>3/23/2013</a:t>
+              <a:t>3/30/2013</a:t>
             </a:fld>
             <a:endParaRPr lang="en-US"/>
           </a:p>
@@ -1057,7 +1058,7 @@
           <a:p>
             <a:fld id="{7DDD6D33-52EB-4E0A-A3B0-B44F76A61690}" type="datetimeFigureOut">
               <a:rPr lang="en-US" smtClean="0"/>
-              <a:t>3/23/2013</a:t>
+              <a:t>3/30/2013</a:t>
             </a:fld>
             <a:endParaRPr lang="en-US"/>
           </a:p>
@@ -1345,7 +1346,7 @@
           <a:p>
             <a:fld id="{7DDD6D33-52EB-4E0A-A3B0-B44F76A61690}" type="datetimeFigureOut">
               <a:rPr lang="en-US" smtClean="0"/>
-              <a:t>3/23/2013</a:t>
+              <a:t>3/30/2013</a:t>
             </a:fld>
             <a:endParaRPr lang="en-US"/>
           </a:p>
@@ -1767,7 +1768,7 @@
           <a:p>
             <a:fld id="{7DDD6D33-52EB-4E0A-A3B0-B44F76A61690}" type="datetimeFigureOut">
               <a:rPr lang="en-US" smtClean="0"/>
-              <a:t>3/23/2013</a:t>
+              <a:t>3/30/2013</a:t>
             </a:fld>
             <a:endParaRPr lang="en-US"/>
           </a:p>
@@ -1885,7 +1886,7 @@
           <a:p>
             <a:fld id="{7DDD6D33-52EB-4E0A-A3B0-B44F76A61690}" type="datetimeFigureOut">
               <a:rPr lang="en-US" smtClean="0"/>
-              <a:t>3/23/2013</a:t>
+              <a:t>3/30/2013</a:t>
             </a:fld>
             <a:endParaRPr lang="en-US"/>
           </a:p>
@@ -1980,7 +1981,7 @@
           <a:p>
             <a:fld id="{7DDD6D33-52EB-4E0A-A3B0-B44F76A61690}" type="datetimeFigureOut">
               <a:rPr lang="en-US" smtClean="0"/>
-              <a:t>3/23/2013</a:t>
+              <a:t>3/30/2013</a:t>
             </a:fld>
             <a:endParaRPr lang="en-US"/>
           </a:p>
@@ -2257,7 +2258,7 @@
           <a:p>
             <a:fld id="{7DDD6D33-52EB-4E0A-A3B0-B44F76A61690}" type="datetimeFigureOut">
               <a:rPr lang="en-US" smtClean="0"/>
-              <a:t>3/23/2013</a:t>
+              <a:t>3/30/2013</a:t>
             </a:fld>
             <a:endParaRPr lang="en-US"/>
           </a:p>
@@ -2510,7 +2511,7 @@
           <a:p>
             <a:fld id="{7DDD6D33-52EB-4E0A-A3B0-B44F76A61690}" type="datetimeFigureOut">
               <a:rPr lang="en-US" smtClean="0"/>
-              <a:t>3/23/2013</a:t>
+              <a:t>3/30/2013</a:t>
             </a:fld>
             <a:endParaRPr lang="en-US"/>
           </a:p>
@@ -2723,7 +2724,7 @@
           <a:p>
             <a:fld id="{7DDD6D33-52EB-4E0A-A3B0-B44F76A61690}" type="datetimeFigureOut">
               <a:rPr lang="en-US" smtClean="0"/>
-              <a:t>3/23/2013</a:t>
+              <a:t>3/30/2013</a:t>
             </a:fld>
             <a:endParaRPr lang="en-US"/>
           </a:p>
@@ -3232,6 +3233,13 @@
             </a:r>
           </a:p>
           <a:p>
+            <a:r>
+              <a:rPr lang="en-US" dirty="0" smtClean="0"/>
+              <a:t>Using java backend</a:t>
+            </a:r>
+            <a:endParaRPr lang="en-US" dirty="0" smtClean="0"/>
+          </a:p>
+          <a:p>
             <a:endParaRPr lang="en-US" dirty="0"/>
           </a:p>
         </p:txBody>
@@ -4013,6 +4021,104 @@
     <p:extLst>
       <p:ext uri="{BB962C8B-B14F-4D97-AF65-F5344CB8AC3E}">
         <p14:creationId xmlns:p14="http://schemas.microsoft.com/office/powerpoint/2010/main" val="4166333432"/>
+      </p:ext>
+    </p:extLst>
+  </p:cSld>
+  <p:clrMapOvr>
+    <a:masterClrMapping/>
+  </p:clrMapOvr>
+</p:sld>
+</file>
+
+<file path=ppt/slides/slide5.xml><?xml version="1.0" encoding="utf-8"?>
+<p:sld xmlns:a="http://schemas.openxmlformats.org/drawingml/2006/main" xmlns:r="http://schemas.openxmlformats.org/officeDocument/2006/relationships" xmlns:p="http://schemas.openxmlformats.org/presentationml/2006/main">
+  <p:cSld>
+    <p:spTree>
+      <p:nvGrpSpPr>
+        <p:cNvPr id="1" name=""/>
+        <p:cNvGrpSpPr/>
+        <p:nvPr/>
+      </p:nvGrpSpPr>
+      <p:grpSpPr>
+        <a:xfrm>
+          <a:off x="0" y="0"/>
+          <a:ext cx="0" cy="0"/>
+          <a:chOff x="0" y="0"/>
+          <a:chExt cx="0" cy="0"/>
+        </a:xfrm>
+      </p:grpSpPr>
+      <p:sp>
+        <p:nvSpPr>
+          <p:cNvPr id="2" name="Title 1"/>
+          <p:cNvSpPr>
+            <a:spLocks noGrp="1"/>
+          </p:cNvSpPr>
+          <p:nvPr>
+            <p:ph type="title"/>
+          </p:nvPr>
+        </p:nvSpPr>
+        <p:spPr/>
+        <p:txBody>
+          <a:bodyPr/>
+          <a:lstStyle/>
+          <a:p>
+            <a:r>
+              <a:rPr lang="en-US" dirty="0" smtClean="0"/>
+              <a:t>Project setup</a:t>
+            </a:r>
+            <a:endParaRPr lang="en-US" dirty="0"/>
+          </a:p>
+        </p:txBody>
+      </p:sp>
+      <p:sp>
+        <p:nvSpPr>
+          <p:cNvPr id="3" name="Content Placeholder 2"/>
+          <p:cNvSpPr>
+            <a:spLocks noGrp="1"/>
+          </p:cNvSpPr>
+          <p:nvPr>
+            <p:ph idx="1"/>
+          </p:nvPr>
+        </p:nvSpPr>
+        <p:spPr/>
+        <p:txBody>
+          <a:bodyPr/>
+          <a:lstStyle/>
+          <a:p>
+            <a:r>
+              <a:rPr lang="en-US" dirty="0" smtClean="0"/>
+              <a:t>Code html</a:t>
+            </a:r>
+          </a:p>
+          <a:p>
+            <a:r>
+              <a:rPr lang="en-US" dirty="0" smtClean="0"/>
+              <a:t>Code java – hibernate – jersey</a:t>
+            </a:r>
+          </a:p>
+          <a:p>
+            <a:r>
+              <a:rPr lang="en-US" dirty="0" smtClean="0"/>
+              <a:t>Setup apache </a:t>
+            </a:r>
+          </a:p>
+          <a:p>
+            <a:r>
+              <a:rPr lang="en-US" dirty="0" smtClean="0"/>
+              <a:t>Setup </a:t>
+            </a:r>
+            <a:r>
+              <a:rPr lang="en-US" smtClean="0"/>
+              <a:t>tomcat start</a:t>
+            </a:r>
+            <a:endParaRPr lang="en-US" dirty="0"/>
+          </a:p>
+        </p:txBody>
+      </p:sp>
+    </p:spTree>
+    <p:extLst>
+      <p:ext uri="{BB962C8B-B14F-4D97-AF65-F5344CB8AC3E}">
+        <p14:creationId xmlns:p14="http://schemas.microsoft.com/office/powerpoint/2010/main" val="1241568379"/>
       </p:ext>
     </p:extLst>
   </p:cSld>

--- a/source/musicpage/Documents/Music page.pptx
+++ b/source/musicpage/Documents/Music page.pptx
@@ -10,6 +10,8 @@
     <p:sldId id="258" r:id="rId4"/>
     <p:sldId id="259" r:id="rId5"/>
     <p:sldId id="260" r:id="rId6"/>
+    <p:sldId id="261" r:id="rId7"/>
+    <p:sldId id="262" r:id="rId8"/>
   </p:sldIdLst>
   <p:sldSz cx="9144000" cy="6858000" type="screen4x3"/>
   <p:notesSz cx="6858000" cy="9144000"/>
@@ -292,7 +294,7 @@
           <a:p>
             <a:fld id="{7DDD6D33-52EB-4E0A-A3B0-B44F76A61690}" type="datetimeFigureOut">
               <a:rPr lang="en-US" smtClean="0"/>
-              <a:t>3/30/2013</a:t>
+              <a:t>4/7/2013</a:t>
             </a:fld>
             <a:endParaRPr lang="en-US"/>
           </a:p>
@@ -462,7 +464,7 @@
           <a:p>
             <a:fld id="{7DDD6D33-52EB-4E0A-A3B0-B44F76A61690}" type="datetimeFigureOut">
               <a:rPr lang="en-US" smtClean="0"/>
-              <a:t>3/30/2013</a:t>
+              <a:t>4/7/2013</a:t>
             </a:fld>
             <a:endParaRPr lang="en-US"/>
           </a:p>
@@ -642,7 +644,7 @@
           <a:p>
             <a:fld id="{7DDD6D33-52EB-4E0A-A3B0-B44F76A61690}" type="datetimeFigureOut">
               <a:rPr lang="en-US" smtClean="0"/>
-              <a:t>3/30/2013</a:t>
+              <a:t>4/7/2013</a:t>
             </a:fld>
             <a:endParaRPr lang="en-US"/>
           </a:p>
@@ -812,7 +814,7 @@
           <a:p>
             <a:fld id="{7DDD6D33-52EB-4E0A-A3B0-B44F76A61690}" type="datetimeFigureOut">
               <a:rPr lang="en-US" smtClean="0"/>
-              <a:t>3/30/2013</a:t>
+              <a:t>4/7/2013</a:t>
             </a:fld>
             <a:endParaRPr lang="en-US"/>
           </a:p>
@@ -1058,7 +1060,7 @@
           <a:p>
             <a:fld id="{7DDD6D33-52EB-4E0A-A3B0-B44F76A61690}" type="datetimeFigureOut">
               <a:rPr lang="en-US" smtClean="0"/>
-              <a:t>3/30/2013</a:t>
+              <a:t>4/7/2013</a:t>
             </a:fld>
             <a:endParaRPr lang="en-US"/>
           </a:p>
@@ -1346,7 +1348,7 @@
           <a:p>
             <a:fld id="{7DDD6D33-52EB-4E0A-A3B0-B44F76A61690}" type="datetimeFigureOut">
               <a:rPr lang="en-US" smtClean="0"/>
-              <a:t>3/30/2013</a:t>
+              <a:t>4/7/2013</a:t>
             </a:fld>
             <a:endParaRPr lang="en-US"/>
           </a:p>
@@ -1768,7 +1770,7 @@
           <a:p>
             <a:fld id="{7DDD6D33-52EB-4E0A-A3B0-B44F76A61690}" type="datetimeFigureOut">
               <a:rPr lang="en-US" smtClean="0"/>
-              <a:t>3/30/2013</a:t>
+              <a:t>4/7/2013</a:t>
             </a:fld>
             <a:endParaRPr lang="en-US"/>
           </a:p>
@@ -1886,7 +1888,7 @@
           <a:p>
             <a:fld id="{7DDD6D33-52EB-4E0A-A3B0-B44F76A61690}" type="datetimeFigureOut">
               <a:rPr lang="en-US" smtClean="0"/>
-              <a:t>3/30/2013</a:t>
+              <a:t>4/7/2013</a:t>
             </a:fld>
             <a:endParaRPr lang="en-US"/>
           </a:p>
@@ -1981,7 +1983,7 @@
           <a:p>
             <a:fld id="{7DDD6D33-52EB-4E0A-A3B0-B44F76A61690}" type="datetimeFigureOut">
               <a:rPr lang="en-US" smtClean="0"/>
-              <a:t>3/30/2013</a:t>
+              <a:t>4/7/2013</a:t>
             </a:fld>
             <a:endParaRPr lang="en-US"/>
           </a:p>
@@ -2258,7 +2260,7 @@
           <a:p>
             <a:fld id="{7DDD6D33-52EB-4E0A-A3B0-B44F76A61690}" type="datetimeFigureOut">
               <a:rPr lang="en-US" smtClean="0"/>
-              <a:t>3/30/2013</a:t>
+              <a:t>4/7/2013</a:t>
             </a:fld>
             <a:endParaRPr lang="en-US"/>
           </a:p>
@@ -2511,7 +2513,7 @@
           <a:p>
             <a:fld id="{7DDD6D33-52EB-4E0A-A3B0-B44F76A61690}" type="datetimeFigureOut">
               <a:rPr lang="en-US" smtClean="0"/>
-              <a:t>3/30/2013</a:t>
+              <a:t>4/7/2013</a:t>
             </a:fld>
             <a:endParaRPr lang="en-US"/>
           </a:p>
@@ -2724,7 +2726,7 @@
           <a:p>
             <a:fld id="{7DDD6D33-52EB-4E0A-A3B0-B44F76A61690}" type="datetimeFigureOut">
               <a:rPr lang="en-US" smtClean="0"/>
-              <a:t>3/30/2013</a:t>
+              <a:t>4/7/2013</a:t>
             </a:fld>
             <a:endParaRPr lang="en-US"/>
           </a:p>
@@ -3237,7 +3239,6 @@
               <a:rPr lang="en-US" dirty="0" smtClean="0"/>
               <a:t>Using java backend</a:t>
             </a:r>
-            <a:endParaRPr lang="en-US" dirty="0" smtClean="0"/>
           </a:p>
           <a:p>
             <a:endParaRPr lang="en-US" dirty="0"/>
@@ -4119,6 +4120,747 @@
     <p:extLst>
       <p:ext uri="{BB962C8B-B14F-4D97-AF65-F5344CB8AC3E}">
         <p14:creationId xmlns:p14="http://schemas.microsoft.com/office/powerpoint/2010/main" val="1241568379"/>
+      </p:ext>
+    </p:extLst>
+  </p:cSld>
+  <p:clrMapOvr>
+    <a:masterClrMapping/>
+  </p:clrMapOvr>
+</p:sld>
+</file>
+
+<file path=ppt/slides/slide6.xml><?xml version="1.0" encoding="utf-8"?>
+<p:sld xmlns:a="http://schemas.openxmlformats.org/drawingml/2006/main" xmlns:r="http://schemas.openxmlformats.org/officeDocument/2006/relationships" xmlns:p="http://schemas.openxmlformats.org/presentationml/2006/main">
+  <p:cSld>
+    <p:spTree>
+      <p:nvGrpSpPr>
+        <p:cNvPr id="1" name=""/>
+        <p:cNvGrpSpPr/>
+        <p:nvPr/>
+      </p:nvGrpSpPr>
+      <p:grpSpPr>
+        <a:xfrm>
+          <a:off x="0" y="0"/>
+          <a:ext cx="0" cy="0"/>
+          <a:chOff x="0" y="0"/>
+          <a:chExt cx="0" cy="0"/>
+        </a:xfrm>
+      </p:grpSpPr>
+      <p:sp>
+        <p:nvSpPr>
+          <p:cNvPr id="2" name="Title 1"/>
+          <p:cNvSpPr>
+            <a:spLocks noGrp="1"/>
+          </p:cNvSpPr>
+          <p:nvPr>
+            <p:ph type="title"/>
+          </p:nvPr>
+        </p:nvSpPr>
+        <p:spPr/>
+        <p:txBody>
+          <a:bodyPr/>
+          <a:lstStyle/>
+          <a:p>
+            <a:endParaRPr lang="en-US"/>
+          </a:p>
+        </p:txBody>
+      </p:sp>
+      <p:sp>
+        <p:nvSpPr>
+          <p:cNvPr id="3" name="Content Placeholder 2"/>
+          <p:cNvSpPr>
+            <a:spLocks noGrp="1"/>
+          </p:cNvSpPr>
+          <p:nvPr>
+            <p:ph idx="1"/>
+          </p:nvPr>
+        </p:nvSpPr>
+        <p:spPr/>
+        <p:txBody>
+          <a:bodyPr>
+            <a:normAutofit/>
+          </a:bodyPr>
+          <a:lstStyle/>
+          <a:p>
+            <a:r>
+              <a:rPr lang="en-US" sz="2400" dirty="0" err="1" smtClean="0"/>
+              <a:t>Với</a:t>
+            </a:r>
+            <a:r>
+              <a:rPr lang="en-US" sz="2400" dirty="0" smtClean="0"/>
+              <a:t> </a:t>
+            </a:r>
+            <a:r>
+              <a:rPr lang="en-US" sz="2400" dirty="0" err="1" smtClean="0"/>
+              <a:t>cách</a:t>
+            </a:r>
+            <a:r>
+              <a:rPr lang="en-US" sz="2400" dirty="0" smtClean="0"/>
+              <a:t> </a:t>
+            </a:r>
+            <a:r>
+              <a:rPr lang="en-US" sz="2400" dirty="0" err="1" smtClean="0"/>
+              <a:t>sắp</a:t>
+            </a:r>
+            <a:r>
+              <a:rPr lang="en-US" sz="2400" dirty="0" smtClean="0"/>
+              <a:t> </a:t>
+            </a:r>
+            <a:r>
+              <a:rPr lang="en-US" sz="2400" dirty="0" err="1" smtClean="0"/>
+              <a:t>xếp</a:t>
+            </a:r>
+            <a:r>
+              <a:rPr lang="en-US" sz="2400" dirty="0" smtClean="0"/>
+              <a:t> album </a:t>
+            </a:r>
+            <a:r>
+              <a:rPr lang="en-US" sz="2400" dirty="0" err="1" smtClean="0"/>
+              <a:t>trên</a:t>
+            </a:r>
+            <a:r>
+              <a:rPr lang="en-US" sz="2400" dirty="0" smtClean="0"/>
+              <a:t> ta </a:t>
+            </a:r>
+            <a:r>
+              <a:rPr lang="en-US" sz="2400" dirty="0" err="1" smtClean="0"/>
+              <a:t>sẽ</a:t>
+            </a:r>
+            <a:r>
+              <a:rPr lang="en-US" sz="2400" dirty="0" smtClean="0"/>
+              <a:t> </a:t>
+            </a:r>
+            <a:r>
+              <a:rPr lang="en-US" sz="2400" dirty="0" err="1" smtClean="0"/>
+              <a:t>thực</a:t>
+            </a:r>
+            <a:r>
+              <a:rPr lang="en-US" sz="2400" dirty="0" smtClean="0"/>
+              <a:t> </a:t>
+            </a:r>
+            <a:r>
+              <a:rPr lang="en-US" sz="2400" dirty="0" err="1" smtClean="0"/>
+              <a:t>hiện</a:t>
+            </a:r>
+            <a:r>
+              <a:rPr lang="en-US" sz="2400" dirty="0" smtClean="0"/>
+              <a:t> </a:t>
+            </a:r>
+            <a:r>
+              <a:rPr lang="en-US" sz="2400" dirty="0" err="1" smtClean="0"/>
+              <a:t>như</a:t>
+            </a:r>
+            <a:r>
+              <a:rPr lang="en-US" sz="2400" dirty="0" smtClean="0"/>
+              <a:t> </a:t>
+            </a:r>
+            <a:r>
+              <a:rPr lang="en-US" sz="2400" dirty="0" err="1" smtClean="0"/>
+              <a:t>sau</a:t>
+            </a:r>
+            <a:endParaRPr lang="en-US" sz="2400" dirty="0" smtClean="0"/>
+          </a:p>
+          <a:p>
+            <a:pPr lvl="1"/>
+            <a:r>
+              <a:rPr lang="en-US" sz="2000" dirty="0" smtClean="0"/>
+              <a:t>3 </a:t>
+            </a:r>
+            <a:r>
+              <a:rPr lang="en-US" sz="2000" dirty="0" err="1" smtClean="0"/>
+              <a:t>loại</a:t>
+            </a:r>
+            <a:r>
+              <a:rPr lang="en-US" sz="2000" dirty="0"/>
+              <a:t> image </a:t>
+            </a:r>
+            <a:r>
+              <a:rPr lang="en-US" sz="2000" dirty="0" smtClean="0"/>
+              <a:t>538 x 265 , 229x 85,  85 x 85, 322 x 87,  427 x 263</a:t>
+            </a:r>
+          </a:p>
+          <a:p>
+            <a:pPr lvl="1"/>
+            <a:r>
+              <a:rPr lang="en-US" sz="2000" dirty="0" err="1" smtClean="0"/>
+              <a:t>Những</a:t>
+            </a:r>
+            <a:r>
+              <a:rPr lang="en-US" sz="2000" dirty="0" smtClean="0"/>
+              <a:t> </a:t>
+            </a:r>
+            <a:r>
+              <a:rPr lang="en-US" sz="2000" dirty="0" err="1" smtClean="0"/>
+              <a:t>khung</a:t>
+            </a:r>
+            <a:r>
+              <a:rPr lang="en-US" sz="2000" dirty="0" smtClean="0"/>
+              <a:t> </a:t>
+            </a:r>
+            <a:r>
+              <a:rPr lang="en-US" sz="2000" dirty="0" err="1" smtClean="0"/>
+              <a:t>hình</a:t>
+            </a:r>
+            <a:r>
+              <a:rPr lang="en-US" sz="2000" dirty="0" smtClean="0"/>
+              <a:t> </a:t>
+            </a:r>
+            <a:r>
+              <a:rPr lang="en-US" sz="2000" dirty="0" err="1" smtClean="0"/>
+              <a:t>này</a:t>
+            </a:r>
+            <a:r>
+              <a:rPr lang="en-US" sz="2000" dirty="0" smtClean="0"/>
+              <a:t> </a:t>
+            </a:r>
+            <a:r>
+              <a:rPr lang="en-US" sz="2000" dirty="0" err="1" smtClean="0"/>
+              <a:t>sẽ</a:t>
+            </a:r>
+            <a:r>
+              <a:rPr lang="en-US" sz="2000" dirty="0" smtClean="0"/>
+              <a:t> </a:t>
+            </a:r>
+            <a:r>
+              <a:rPr lang="en-US" sz="2000" dirty="0" err="1" smtClean="0"/>
+              <a:t>cố</a:t>
+            </a:r>
+            <a:r>
+              <a:rPr lang="en-US" sz="2000" dirty="0" smtClean="0"/>
+              <a:t> </a:t>
+            </a:r>
+            <a:r>
+              <a:rPr lang="en-US" sz="2000" dirty="0" err="1" smtClean="0"/>
+              <a:t>định</a:t>
+            </a:r>
+            <a:r>
+              <a:rPr lang="en-US" sz="2000" dirty="0" smtClean="0"/>
+              <a:t> </a:t>
+            </a:r>
+            <a:r>
+              <a:rPr lang="en-US" sz="2000" dirty="0" err="1" smtClean="0"/>
+              <a:t>vĩnh</a:t>
+            </a:r>
+            <a:r>
+              <a:rPr lang="en-US" sz="2000" dirty="0" smtClean="0"/>
+              <a:t> </a:t>
+            </a:r>
+            <a:r>
+              <a:rPr lang="en-US" sz="2000" dirty="0" err="1" smtClean="0"/>
+              <a:t>viễn</a:t>
+            </a:r>
+            <a:r>
+              <a:rPr lang="en-US" sz="2000" dirty="0" smtClean="0"/>
+              <a:t>, </a:t>
+            </a:r>
+            <a:r>
+              <a:rPr lang="en-US" sz="2000" dirty="0" err="1" smtClean="0"/>
+              <a:t>và</a:t>
+            </a:r>
+            <a:r>
+              <a:rPr lang="en-US" sz="2000" dirty="0" smtClean="0"/>
+              <a:t> </a:t>
+            </a:r>
+            <a:r>
+              <a:rPr lang="en-US" sz="2000" dirty="0" err="1" smtClean="0"/>
+              <a:t>sẽ</a:t>
+            </a:r>
+            <a:r>
+              <a:rPr lang="en-US" sz="2000" dirty="0" smtClean="0"/>
+              <a:t> </a:t>
+            </a:r>
+            <a:r>
+              <a:rPr lang="en-US" sz="2000" dirty="0" err="1" smtClean="0"/>
+              <a:t>dùng</a:t>
+            </a:r>
+            <a:r>
+              <a:rPr lang="en-US" sz="2000" dirty="0" smtClean="0"/>
+              <a:t> BOM </a:t>
+            </a:r>
+            <a:r>
+              <a:rPr lang="en-US" sz="2000" dirty="0" err="1" smtClean="0"/>
+              <a:t>để</a:t>
+            </a:r>
+            <a:r>
+              <a:rPr lang="en-US" sz="2000" dirty="0" smtClean="0"/>
+              <a:t> add data</a:t>
+            </a:r>
+          </a:p>
+          <a:p>
+            <a:pPr lvl="1"/>
+            <a:endParaRPr lang="en-US" sz="2000" dirty="0"/>
+          </a:p>
+          <a:p>
+            <a:pPr lvl="1"/>
+            <a:r>
+              <a:rPr lang="en-US" sz="2000" dirty="0" smtClean="0"/>
+              <a:t>Ý </a:t>
+            </a:r>
+            <a:r>
+              <a:rPr lang="en-US" sz="2000" dirty="0" err="1" smtClean="0"/>
+              <a:t>tưởng</a:t>
+            </a:r>
+            <a:r>
+              <a:rPr lang="en-US" sz="2000" dirty="0" smtClean="0"/>
+              <a:t> </a:t>
+            </a:r>
+            <a:r>
+              <a:rPr lang="en-US" sz="2000" dirty="0" err="1" smtClean="0"/>
+              <a:t>khác</a:t>
+            </a:r>
+            <a:r>
+              <a:rPr lang="en-US" sz="2000" dirty="0" smtClean="0"/>
+              <a:t>, </a:t>
+            </a:r>
+            <a:r>
+              <a:rPr lang="en-US" sz="2000" dirty="0" err="1" smtClean="0"/>
+              <a:t>sẽ</a:t>
+            </a:r>
+            <a:r>
+              <a:rPr lang="en-US" sz="2000" dirty="0" smtClean="0"/>
+              <a:t> </a:t>
+            </a:r>
+            <a:r>
+              <a:rPr lang="en-US" sz="2000" dirty="0" err="1" smtClean="0"/>
+              <a:t>thiết</a:t>
+            </a:r>
+            <a:r>
+              <a:rPr lang="en-US" sz="2000" dirty="0" smtClean="0"/>
+              <a:t> </a:t>
+            </a:r>
+            <a:r>
+              <a:rPr lang="en-US" sz="2000" dirty="0" err="1" smtClean="0"/>
+              <a:t>kế</a:t>
+            </a:r>
+            <a:r>
+              <a:rPr lang="en-US" sz="2000" dirty="0" smtClean="0"/>
+              <a:t> 1 BOM </a:t>
+            </a:r>
+            <a:r>
+              <a:rPr lang="en-US" sz="2000" dirty="0" err="1" smtClean="0"/>
+              <a:t>dùng</a:t>
+            </a:r>
+            <a:r>
+              <a:rPr lang="en-US" sz="2000" dirty="0" smtClean="0"/>
+              <a:t> </a:t>
+            </a:r>
+            <a:r>
+              <a:rPr lang="en-US" sz="2000" dirty="0" err="1" smtClean="0"/>
+              <a:t>để</a:t>
+            </a:r>
+            <a:r>
+              <a:rPr lang="en-US" sz="2000" dirty="0" smtClean="0"/>
+              <a:t> design </a:t>
+            </a:r>
+            <a:r>
+              <a:rPr lang="en-US" sz="2000" dirty="0" err="1" smtClean="0"/>
+              <a:t>cho</a:t>
+            </a:r>
+            <a:r>
+              <a:rPr lang="en-US" sz="2000" dirty="0" smtClean="0"/>
+              <a:t> header </a:t>
+            </a:r>
+            <a:r>
+              <a:rPr lang="en-US" sz="2000" dirty="0" err="1" smtClean="0"/>
+              <a:t>kiểu</a:t>
+            </a:r>
+            <a:r>
+              <a:rPr lang="en-US" sz="2000" dirty="0" smtClean="0"/>
+              <a:t> </a:t>
+            </a:r>
+            <a:r>
+              <a:rPr lang="en-US" sz="2000" dirty="0" err="1" smtClean="0"/>
+              <a:t>này</a:t>
+            </a:r>
+            <a:r>
+              <a:rPr lang="en-US" sz="2000" dirty="0" smtClean="0"/>
+              <a:t>. </a:t>
+            </a:r>
+            <a:r>
+              <a:rPr lang="en-US" sz="2000" dirty="0" err="1" smtClean="0"/>
+              <a:t>Kiểu</a:t>
+            </a:r>
+            <a:r>
+              <a:rPr lang="en-US" sz="2000" dirty="0" smtClean="0"/>
+              <a:t> </a:t>
+            </a:r>
+            <a:r>
+              <a:rPr lang="en-US" sz="2000" dirty="0" err="1" smtClean="0"/>
+              <a:t>kiểu</a:t>
+            </a:r>
+            <a:r>
+              <a:rPr lang="en-US" sz="2000" dirty="0" smtClean="0"/>
+              <a:t> </a:t>
+            </a:r>
+            <a:r>
+              <a:rPr lang="en-US" sz="2000" dirty="0" err="1" smtClean="0"/>
+              <a:t>như</a:t>
+            </a:r>
+            <a:r>
+              <a:rPr lang="en-US" sz="2000" dirty="0" smtClean="0"/>
+              <a:t> tags friend </a:t>
+            </a:r>
+            <a:r>
+              <a:rPr lang="en-US" sz="2000" dirty="0" err="1" smtClean="0"/>
+              <a:t>của</a:t>
+            </a:r>
+            <a:r>
+              <a:rPr lang="en-US" sz="2000" dirty="0" smtClean="0"/>
+              <a:t> </a:t>
+            </a:r>
+            <a:r>
+              <a:rPr lang="en-US" sz="2000" dirty="0" err="1" smtClean="0"/>
+              <a:t>facebook</a:t>
+            </a:r>
+            <a:r>
+              <a:rPr lang="en-US" sz="2000" dirty="0" smtClean="0"/>
+              <a:t>. :D </a:t>
+            </a:r>
+            <a:r>
+              <a:rPr lang="en-US" sz="2000" dirty="0" err="1" smtClean="0"/>
+              <a:t>ngon</a:t>
+            </a:r>
+            <a:r>
+              <a:rPr lang="en-US" sz="2000" dirty="0" smtClean="0"/>
+              <a:t> à</a:t>
+            </a:r>
+          </a:p>
+        </p:txBody>
+      </p:sp>
+      <p:pic>
+        <p:nvPicPr>
+          <p:cNvPr id="1027" name="Picture 3"/>
+          <p:cNvPicPr>
+            <a:picLocks noChangeAspect="1" noChangeArrowheads="1"/>
+          </p:cNvPicPr>
+          <p:nvPr/>
+        </p:nvPicPr>
+        <p:blipFill>
+          <a:blip r:embed="rId2">
+            <a:extLst>
+              <a:ext uri="{28A0092B-C50C-407E-A947-70E740481C1C}">
+                <a14:useLocalDpi xmlns:a14="http://schemas.microsoft.com/office/drawing/2010/main" val="0"/>
+              </a:ext>
+            </a:extLst>
+          </a:blip>
+          <a:srcRect/>
+          <a:stretch>
+            <a:fillRect/>
+          </a:stretch>
+        </p:blipFill>
+        <p:spPr bwMode="auto">
+          <a:xfrm>
+            <a:off x="-685800" y="-228600"/>
+            <a:ext cx="10534650" cy="1657350"/>
+          </a:xfrm>
+          <a:prstGeom prst="rect">
+            <a:avLst/>
+          </a:prstGeom>
+          <a:noFill/>
+          <a:ln>
+            <a:noFill/>
+          </a:ln>
+          <a:effectLst/>
+          <a:extLst>
+            <a:ext uri="{909E8E84-426E-40DD-AFC4-6F175D3DCCD1}">
+              <a14:hiddenFill xmlns:a14="http://schemas.microsoft.com/office/drawing/2010/main">
+                <a:solidFill>
+                  <a:schemeClr val="accent1"/>
+                </a:solidFill>
+              </a14:hiddenFill>
+            </a:ext>
+            <a:ext uri="{91240B29-F687-4F45-9708-019B960494DF}">
+              <a14:hiddenLine xmlns:a14="http://schemas.microsoft.com/office/drawing/2010/main" w="9525">
+                <a:solidFill>
+                  <a:schemeClr val="tx1"/>
+                </a:solidFill>
+                <a:miter lim="800000"/>
+                <a:headEnd/>
+                <a:tailEnd/>
+              </a14:hiddenLine>
+            </a:ext>
+            <a:ext uri="{AF507438-7753-43E0-B8FC-AC1667EBCBE1}">
+              <a14:hiddenEffects xmlns:a14="http://schemas.microsoft.com/office/drawing/2010/main">
+                <a:effectLst>
+                  <a:outerShdw dist="35921" dir="2700000" algn="ctr" rotWithShape="0">
+                    <a:schemeClr val="bg2"/>
+                  </a:outerShdw>
+                </a:effectLst>
+              </a14:hiddenEffects>
+            </a:ext>
+          </a:extLst>
+        </p:spPr>
+      </p:pic>
+      <p:sp>
+        <p:nvSpPr>
+          <p:cNvPr id="4" name="TextBox 3"/>
+          <p:cNvSpPr txBox="1"/>
+          <p:nvPr/>
+        </p:nvSpPr>
+        <p:spPr>
+          <a:xfrm>
+            <a:off x="1954665" y="415409"/>
+            <a:ext cx="1091966" cy="369332"/>
+          </a:xfrm>
+          <a:prstGeom prst="rect">
+            <a:avLst/>
+          </a:prstGeom>
+          <a:noFill/>
+        </p:spPr>
+        <p:txBody>
+          <a:bodyPr wrap="none" rtlCol="0">
+            <a:spAutoFit/>
+          </a:bodyPr>
+          <a:lstStyle/>
+          <a:p>
+            <a:r>
+              <a:rPr lang="en-US" dirty="0">
+                <a:solidFill>
+                  <a:schemeClr val="tx2">
+                    <a:lumMod val="60000"/>
+                    <a:lumOff val="40000"/>
+                  </a:schemeClr>
+                </a:solidFill>
+              </a:rPr>
+              <a:t>427 x 263</a:t>
+            </a:r>
+          </a:p>
+        </p:txBody>
+      </p:sp>
+      <p:sp>
+        <p:nvSpPr>
+          <p:cNvPr id="7" name="TextBox 6"/>
+          <p:cNvSpPr txBox="1"/>
+          <p:nvPr/>
+        </p:nvSpPr>
+        <p:spPr>
+          <a:xfrm>
+            <a:off x="-685800" y="285544"/>
+            <a:ext cx="1091966" cy="369332"/>
+          </a:xfrm>
+          <a:prstGeom prst="rect">
+            <a:avLst/>
+          </a:prstGeom>
+          <a:noFill/>
+        </p:spPr>
+        <p:txBody>
+          <a:bodyPr wrap="none" rtlCol="0">
+            <a:spAutoFit/>
+          </a:bodyPr>
+          <a:lstStyle/>
+          <a:p>
+            <a:r>
+              <a:rPr lang="en-US" dirty="0">
+                <a:solidFill>
+                  <a:schemeClr val="bg1"/>
+                </a:solidFill>
+              </a:rPr>
+              <a:t>538 x 265</a:t>
+            </a:r>
+          </a:p>
+        </p:txBody>
+      </p:sp>
+      <p:sp>
+        <p:nvSpPr>
+          <p:cNvPr id="8" name="TextBox 7"/>
+          <p:cNvSpPr txBox="1"/>
+          <p:nvPr/>
+        </p:nvSpPr>
+        <p:spPr>
+          <a:xfrm>
+            <a:off x="-723363" y="1047678"/>
+            <a:ext cx="922047" cy="369332"/>
+          </a:xfrm>
+          <a:prstGeom prst="rect">
+            <a:avLst/>
+          </a:prstGeom>
+          <a:noFill/>
+        </p:spPr>
+        <p:txBody>
+          <a:bodyPr wrap="none" rtlCol="0">
+            <a:spAutoFit/>
+          </a:bodyPr>
+          <a:lstStyle/>
+          <a:p>
+            <a:r>
+              <a:rPr lang="en-US" dirty="0">
+                <a:solidFill>
+                  <a:schemeClr val="bg1"/>
+                </a:solidFill>
+              </a:rPr>
+              <a:t>229x 85</a:t>
+            </a:r>
+          </a:p>
+        </p:txBody>
+      </p:sp>
+      <p:sp>
+        <p:nvSpPr>
+          <p:cNvPr id="9" name="TextBox 8"/>
+          <p:cNvSpPr txBox="1"/>
+          <p:nvPr/>
+        </p:nvSpPr>
+        <p:spPr>
+          <a:xfrm>
+            <a:off x="553334" y="1277760"/>
+            <a:ext cx="857927" cy="369332"/>
+          </a:xfrm>
+          <a:prstGeom prst="rect">
+            <a:avLst/>
+          </a:prstGeom>
+          <a:noFill/>
+        </p:spPr>
+        <p:txBody>
+          <a:bodyPr wrap="none" rtlCol="0">
+            <a:spAutoFit/>
+          </a:bodyPr>
+          <a:lstStyle/>
+          <a:p>
+            <a:r>
+              <a:rPr lang="en-US" dirty="0"/>
+              <a:t>85 x 85</a:t>
+            </a:r>
+            <a:endParaRPr lang="en-US" dirty="0">
+              <a:solidFill>
+                <a:schemeClr val="bg1"/>
+              </a:solidFill>
+            </a:endParaRPr>
+          </a:p>
+        </p:txBody>
+      </p:sp>
+      <p:sp>
+        <p:nvSpPr>
+          <p:cNvPr id="10" name="TextBox 9"/>
+          <p:cNvSpPr txBox="1"/>
+          <p:nvPr/>
+        </p:nvSpPr>
+        <p:spPr>
+          <a:xfrm>
+            <a:off x="1752600" y="-184666"/>
+            <a:ext cx="974947" cy="369332"/>
+          </a:xfrm>
+          <a:prstGeom prst="rect">
+            <a:avLst/>
+          </a:prstGeom>
+          <a:noFill/>
+        </p:spPr>
+        <p:txBody>
+          <a:bodyPr wrap="none" rtlCol="0">
+            <a:spAutoFit/>
+          </a:bodyPr>
+          <a:lstStyle/>
+          <a:p>
+            <a:r>
+              <a:rPr lang="en-US" dirty="0" smtClean="0">
+                <a:solidFill>
+                  <a:schemeClr val="bg1"/>
+                </a:solidFill>
+              </a:rPr>
+              <a:t>325 </a:t>
+            </a:r>
+            <a:r>
+              <a:rPr lang="en-US" dirty="0">
+                <a:solidFill>
+                  <a:schemeClr val="bg1"/>
+                </a:solidFill>
+              </a:rPr>
+              <a:t>x </a:t>
+            </a:r>
+            <a:r>
+              <a:rPr lang="en-US" dirty="0" smtClean="0">
+                <a:solidFill>
+                  <a:schemeClr val="bg1"/>
+                </a:solidFill>
+              </a:rPr>
+              <a:t>87</a:t>
+            </a:r>
+            <a:endParaRPr lang="en-US" dirty="0">
+              <a:solidFill>
+                <a:schemeClr val="bg1"/>
+              </a:solidFill>
+            </a:endParaRPr>
+          </a:p>
+        </p:txBody>
+      </p:sp>
+    </p:spTree>
+    <p:extLst>
+      <p:ext uri="{BB962C8B-B14F-4D97-AF65-F5344CB8AC3E}">
+        <p14:creationId xmlns:p14="http://schemas.microsoft.com/office/powerpoint/2010/main" val="1546411836"/>
+      </p:ext>
+    </p:extLst>
+  </p:cSld>
+  <p:clrMapOvr>
+    <a:masterClrMapping/>
+  </p:clrMapOvr>
+</p:sld>
+</file>
+
+<file path=ppt/slides/slide7.xml><?xml version="1.0" encoding="utf-8"?>
+<p:sld xmlns:a="http://schemas.openxmlformats.org/drawingml/2006/main" xmlns:r="http://schemas.openxmlformats.org/officeDocument/2006/relationships" xmlns:p="http://schemas.openxmlformats.org/presentationml/2006/main">
+  <p:cSld>
+    <p:spTree>
+      <p:nvGrpSpPr>
+        <p:cNvPr id="1" name=""/>
+        <p:cNvGrpSpPr/>
+        <p:nvPr/>
+      </p:nvGrpSpPr>
+      <p:grpSpPr>
+        <a:xfrm>
+          <a:off x="0" y="0"/>
+          <a:ext cx="0" cy="0"/>
+          <a:chOff x="0" y="0"/>
+          <a:chExt cx="0" cy="0"/>
+        </a:xfrm>
+      </p:grpSpPr>
+      <p:sp>
+        <p:nvSpPr>
+          <p:cNvPr id="2" name="Title 1"/>
+          <p:cNvSpPr>
+            <a:spLocks noGrp="1"/>
+          </p:cNvSpPr>
+          <p:nvPr>
+            <p:ph type="title"/>
+          </p:nvPr>
+        </p:nvSpPr>
+        <p:spPr/>
+        <p:txBody>
+          <a:bodyPr/>
+          <a:lstStyle/>
+          <a:p>
+            <a:r>
+              <a:rPr lang="en-US" dirty="0" smtClean="0"/>
+              <a:t>BOM of </a:t>
+            </a:r>
+            <a:r>
+              <a:rPr lang="en-US" smtClean="0"/>
+              <a:t>AlbumHeader</a:t>
+            </a:r>
+            <a:endParaRPr lang="en-US" dirty="0"/>
+          </a:p>
+        </p:txBody>
+      </p:sp>
+      <p:sp>
+        <p:nvSpPr>
+          <p:cNvPr id="3" name="Content Placeholder 2"/>
+          <p:cNvSpPr>
+            <a:spLocks noGrp="1"/>
+          </p:cNvSpPr>
+          <p:nvPr>
+            <p:ph idx="1"/>
+          </p:nvPr>
+        </p:nvSpPr>
+        <p:spPr/>
+        <p:txBody>
+          <a:bodyPr/>
+          <a:lstStyle/>
+          <a:p>
+            <a:endParaRPr lang="en-US" dirty="0"/>
+          </a:p>
+        </p:txBody>
+      </p:sp>
+    </p:spTree>
+    <p:extLst>
+      <p:ext uri="{BB962C8B-B14F-4D97-AF65-F5344CB8AC3E}">
+        <p14:creationId xmlns:p14="http://schemas.microsoft.com/office/powerpoint/2010/main" val="638362898"/>
       </p:ext>
     </p:extLst>
   </p:cSld>

--- a/source/musicpage/Documents/Music page.pptx
+++ b/source/musicpage/Documents/Music page.pptx
@@ -12,6 +12,7 @@
     <p:sldId id="260" r:id="rId6"/>
     <p:sldId id="261" r:id="rId7"/>
     <p:sldId id="262" r:id="rId8"/>
+    <p:sldId id="263" r:id="rId9"/>
   </p:sldIdLst>
   <p:sldSz cx="9144000" cy="6858000" type="screen4x3"/>
   <p:notesSz cx="6858000" cy="9144000"/>
@@ -294,7 +295,7 @@
           <a:p>
             <a:fld id="{7DDD6D33-52EB-4E0A-A3B0-B44F76A61690}" type="datetimeFigureOut">
               <a:rPr lang="en-US" smtClean="0"/>
-              <a:t>4/7/2013</a:t>
+              <a:t>4/11/2013</a:t>
             </a:fld>
             <a:endParaRPr lang="en-US"/>
           </a:p>
@@ -464,7 +465,7 @@
           <a:p>
             <a:fld id="{7DDD6D33-52EB-4E0A-A3B0-B44F76A61690}" type="datetimeFigureOut">
               <a:rPr lang="en-US" smtClean="0"/>
-              <a:t>4/7/2013</a:t>
+              <a:t>4/11/2013</a:t>
             </a:fld>
             <a:endParaRPr lang="en-US"/>
           </a:p>
@@ -644,7 +645,7 @@
           <a:p>
             <a:fld id="{7DDD6D33-52EB-4E0A-A3B0-B44F76A61690}" type="datetimeFigureOut">
               <a:rPr lang="en-US" smtClean="0"/>
-              <a:t>4/7/2013</a:t>
+              <a:t>4/11/2013</a:t>
             </a:fld>
             <a:endParaRPr lang="en-US"/>
           </a:p>
@@ -814,7 +815,7 @@
           <a:p>
             <a:fld id="{7DDD6D33-52EB-4E0A-A3B0-B44F76A61690}" type="datetimeFigureOut">
               <a:rPr lang="en-US" smtClean="0"/>
-              <a:t>4/7/2013</a:t>
+              <a:t>4/11/2013</a:t>
             </a:fld>
             <a:endParaRPr lang="en-US"/>
           </a:p>
@@ -1060,7 +1061,7 @@
           <a:p>
             <a:fld id="{7DDD6D33-52EB-4E0A-A3B0-B44F76A61690}" type="datetimeFigureOut">
               <a:rPr lang="en-US" smtClean="0"/>
-              <a:t>4/7/2013</a:t>
+              <a:t>4/11/2013</a:t>
             </a:fld>
             <a:endParaRPr lang="en-US"/>
           </a:p>
@@ -1348,7 +1349,7 @@
           <a:p>
             <a:fld id="{7DDD6D33-52EB-4E0A-A3B0-B44F76A61690}" type="datetimeFigureOut">
               <a:rPr lang="en-US" smtClean="0"/>
-              <a:t>4/7/2013</a:t>
+              <a:t>4/11/2013</a:t>
             </a:fld>
             <a:endParaRPr lang="en-US"/>
           </a:p>
@@ -1770,7 +1771,7 @@
           <a:p>
             <a:fld id="{7DDD6D33-52EB-4E0A-A3B0-B44F76A61690}" type="datetimeFigureOut">
               <a:rPr lang="en-US" smtClean="0"/>
-              <a:t>4/7/2013</a:t>
+              <a:t>4/11/2013</a:t>
             </a:fld>
             <a:endParaRPr lang="en-US"/>
           </a:p>
@@ -1888,7 +1889,7 @@
           <a:p>
             <a:fld id="{7DDD6D33-52EB-4E0A-A3B0-B44F76A61690}" type="datetimeFigureOut">
               <a:rPr lang="en-US" smtClean="0"/>
-              <a:t>4/7/2013</a:t>
+              <a:t>4/11/2013</a:t>
             </a:fld>
             <a:endParaRPr lang="en-US"/>
           </a:p>
@@ -1983,7 +1984,7 @@
           <a:p>
             <a:fld id="{7DDD6D33-52EB-4E0A-A3B0-B44F76A61690}" type="datetimeFigureOut">
               <a:rPr lang="en-US" smtClean="0"/>
-              <a:t>4/7/2013</a:t>
+              <a:t>4/11/2013</a:t>
             </a:fld>
             <a:endParaRPr lang="en-US"/>
           </a:p>
@@ -2260,7 +2261,7 @@
           <a:p>
             <a:fld id="{7DDD6D33-52EB-4E0A-A3B0-B44F76A61690}" type="datetimeFigureOut">
               <a:rPr lang="en-US" smtClean="0"/>
-              <a:t>4/7/2013</a:t>
+              <a:t>4/11/2013</a:t>
             </a:fld>
             <a:endParaRPr lang="en-US"/>
           </a:p>
@@ -2513,7 +2514,7 @@
           <a:p>
             <a:fld id="{7DDD6D33-52EB-4E0A-A3B0-B44F76A61690}" type="datetimeFigureOut">
               <a:rPr lang="en-US" smtClean="0"/>
-              <a:t>4/7/2013</a:t>
+              <a:t>4/11/2013</a:t>
             </a:fld>
             <a:endParaRPr lang="en-US"/>
           </a:p>
@@ -2726,7 +2727,7 @@
           <a:p>
             <a:fld id="{7DDD6D33-52EB-4E0A-A3B0-B44F76A61690}" type="datetimeFigureOut">
               <a:rPr lang="en-US" smtClean="0"/>
-              <a:t>4/7/2013</a:t>
+              <a:t>4/11/2013</a:t>
             </a:fld>
             <a:endParaRPr lang="en-US"/>
           </a:p>
@@ -4831,7 +4832,7 @@
               <a:t>BOM of </a:t>
             </a:r>
             <a:r>
-              <a:rPr lang="en-US" smtClean="0"/>
+              <a:rPr lang="en-US" dirty="0" err="1" smtClean="0"/>
               <a:t>AlbumHeader</a:t>
             </a:r>
             <a:endParaRPr lang="en-US" dirty="0"/>
@@ -4840,20 +4841,579 @@
       </p:sp>
       <p:sp>
         <p:nvSpPr>
-          <p:cNvPr id="3" name="Content Placeholder 2"/>
-          <p:cNvSpPr>
-            <a:spLocks noGrp="1"/>
-          </p:cNvSpPr>
-          <p:nvPr>
-            <p:ph idx="1"/>
-          </p:nvPr>
-        </p:nvSpPr>
-        <p:spPr/>
-        <p:txBody>
-          <a:bodyPr/>
-          <a:lstStyle/>
-          <a:p>
+          <p:cNvPr id="4" name="Rectangle 3"/>
+          <p:cNvSpPr/>
+          <p:nvPr/>
+        </p:nvSpPr>
+        <p:spPr>
+          <a:xfrm>
+            <a:off x="762000" y="1676400"/>
+            <a:ext cx="7620000" cy="3810000"/>
+          </a:xfrm>
+          <a:prstGeom prst="rect">
+            <a:avLst/>
+          </a:prstGeom>
+        </p:spPr>
+        <p:style>
+          <a:lnRef idx="2">
+            <a:schemeClr val="accent1">
+              <a:shade val="50000"/>
+            </a:schemeClr>
+          </a:lnRef>
+          <a:fillRef idx="1">
+            <a:schemeClr val="accent1"/>
+          </a:fillRef>
+          <a:effectRef idx="0">
+            <a:schemeClr val="accent1"/>
+          </a:effectRef>
+          <a:fontRef idx="minor">
+            <a:schemeClr val="lt1"/>
+          </a:fontRef>
+        </p:style>
+        <p:txBody>
+          <a:bodyPr rtlCol="0" anchor="ctr"/>
+          <a:lstStyle/>
+          <a:p>
+            <a:pPr algn="ctr"/>
+            <a:endParaRPr lang="en-US"/>
+          </a:p>
+        </p:txBody>
+      </p:sp>
+      <p:sp>
+        <p:nvSpPr>
+          <p:cNvPr id="5" name="Rectangle 4"/>
+          <p:cNvSpPr/>
+          <p:nvPr/>
+        </p:nvSpPr>
+        <p:spPr>
+          <a:xfrm>
+            <a:off x="1981200" y="2438400"/>
+            <a:ext cx="4800600" cy="381000"/>
+          </a:xfrm>
+          <a:prstGeom prst="rect">
+            <a:avLst/>
+          </a:prstGeom>
+          <a:solidFill>
+            <a:schemeClr val="accent2">
+              <a:lumMod val="20000"/>
+              <a:lumOff val="80000"/>
+            </a:schemeClr>
+          </a:solidFill>
+        </p:spPr>
+        <p:style>
+          <a:lnRef idx="2">
+            <a:schemeClr val="accent1">
+              <a:shade val="50000"/>
+            </a:schemeClr>
+          </a:lnRef>
+          <a:fillRef idx="1">
+            <a:schemeClr val="accent1"/>
+          </a:fillRef>
+          <a:effectRef idx="0">
+            <a:schemeClr val="accent1"/>
+          </a:effectRef>
+          <a:fontRef idx="minor">
+            <a:schemeClr val="lt1"/>
+          </a:fontRef>
+        </p:style>
+        <p:txBody>
+          <a:bodyPr rtlCol="0" anchor="ctr"/>
+          <a:lstStyle/>
+          <a:p>
+            <a:pPr algn="ctr"/>
+            <a:r>
+              <a:rPr lang="en-US" dirty="0" smtClean="0"/>
+              <a:t>Name of Image 1</a:t>
+            </a:r>
             <a:endParaRPr lang="en-US" dirty="0"/>
+          </a:p>
+        </p:txBody>
+      </p:sp>
+      <p:sp>
+        <p:nvSpPr>
+          <p:cNvPr id="6" name="Rectangle 5"/>
+          <p:cNvSpPr/>
+          <p:nvPr/>
+        </p:nvSpPr>
+        <p:spPr>
+          <a:xfrm>
+            <a:off x="1981200" y="2930237"/>
+            <a:ext cx="4800600" cy="381000"/>
+          </a:xfrm>
+          <a:prstGeom prst="rect">
+            <a:avLst/>
+          </a:prstGeom>
+          <a:solidFill>
+            <a:schemeClr val="accent2">
+              <a:lumMod val="20000"/>
+              <a:lumOff val="80000"/>
+            </a:schemeClr>
+          </a:solidFill>
+        </p:spPr>
+        <p:style>
+          <a:lnRef idx="2">
+            <a:schemeClr val="accent1">
+              <a:shade val="50000"/>
+            </a:schemeClr>
+          </a:lnRef>
+          <a:fillRef idx="1">
+            <a:schemeClr val="accent1"/>
+          </a:fillRef>
+          <a:effectRef idx="0">
+            <a:schemeClr val="accent1"/>
+          </a:effectRef>
+          <a:fontRef idx="minor">
+            <a:schemeClr val="lt1"/>
+          </a:fontRef>
+        </p:style>
+        <p:txBody>
+          <a:bodyPr rtlCol="0" anchor="ctr"/>
+          <a:lstStyle/>
+          <a:p>
+            <a:pPr algn="ctr"/>
+            <a:r>
+              <a:rPr lang="en-US" dirty="0"/>
+              <a:t>Name of Image </a:t>
+            </a:r>
+            <a:r>
+              <a:rPr lang="en-US" dirty="0" smtClean="0"/>
+              <a:t>2</a:t>
+            </a:r>
+            <a:endParaRPr lang="en-US" dirty="0"/>
+          </a:p>
+        </p:txBody>
+      </p:sp>
+      <p:sp>
+        <p:nvSpPr>
+          <p:cNvPr id="7" name="Rectangle 6"/>
+          <p:cNvSpPr/>
+          <p:nvPr/>
+        </p:nvSpPr>
+        <p:spPr>
+          <a:xfrm>
+            <a:off x="1981200" y="3429000"/>
+            <a:ext cx="4800600" cy="381000"/>
+          </a:xfrm>
+          <a:prstGeom prst="rect">
+            <a:avLst/>
+          </a:prstGeom>
+          <a:solidFill>
+            <a:schemeClr val="accent2">
+              <a:lumMod val="20000"/>
+              <a:lumOff val="80000"/>
+            </a:schemeClr>
+          </a:solidFill>
+        </p:spPr>
+        <p:style>
+          <a:lnRef idx="2">
+            <a:schemeClr val="accent1">
+              <a:shade val="50000"/>
+            </a:schemeClr>
+          </a:lnRef>
+          <a:fillRef idx="1">
+            <a:schemeClr val="accent1"/>
+          </a:fillRef>
+          <a:effectRef idx="0">
+            <a:schemeClr val="accent1"/>
+          </a:effectRef>
+          <a:fontRef idx="minor">
+            <a:schemeClr val="lt1"/>
+          </a:fontRef>
+        </p:style>
+        <p:txBody>
+          <a:bodyPr rtlCol="0" anchor="ctr"/>
+          <a:lstStyle/>
+          <a:p>
+            <a:pPr algn="ctr"/>
+            <a:r>
+              <a:rPr lang="en-US" dirty="0"/>
+              <a:t>Name of Image </a:t>
+            </a:r>
+            <a:r>
+              <a:rPr lang="en-US" dirty="0" smtClean="0"/>
+              <a:t>3</a:t>
+            </a:r>
+            <a:endParaRPr lang="en-US" dirty="0"/>
+          </a:p>
+        </p:txBody>
+      </p:sp>
+      <p:sp>
+        <p:nvSpPr>
+          <p:cNvPr id="8" name="Rectangle 7"/>
+          <p:cNvSpPr/>
+          <p:nvPr/>
+        </p:nvSpPr>
+        <p:spPr>
+          <a:xfrm>
+            <a:off x="1985818" y="3908137"/>
+            <a:ext cx="4800600" cy="381000"/>
+          </a:xfrm>
+          <a:prstGeom prst="rect">
+            <a:avLst/>
+          </a:prstGeom>
+          <a:solidFill>
+            <a:schemeClr val="accent2">
+              <a:lumMod val="20000"/>
+              <a:lumOff val="80000"/>
+            </a:schemeClr>
+          </a:solidFill>
+        </p:spPr>
+        <p:style>
+          <a:lnRef idx="2">
+            <a:schemeClr val="accent1">
+              <a:shade val="50000"/>
+            </a:schemeClr>
+          </a:lnRef>
+          <a:fillRef idx="1">
+            <a:schemeClr val="accent1"/>
+          </a:fillRef>
+          <a:effectRef idx="0">
+            <a:schemeClr val="accent1"/>
+          </a:effectRef>
+          <a:fontRef idx="minor">
+            <a:schemeClr val="lt1"/>
+          </a:fontRef>
+        </p:style>
+        <p:txBody>
+          <a:bodyPr rtlCol="0" anchor="ctr"/>
+          <a:lstStyle/>
+          <a:p>
+            <a:pPr algn="ctr"/>
+            <a:r>
+              <a:rPr lang="en-US" dirty="0"/>
+              <a:t>Name of </a:t>
+            </a:r>
+            <a:r>
+              <a:rPr lang="en-US" dirty="0" smtClean="0"/>
+              <a:t>Image 4</a:t>
+            </a:r>
+            <a:endParaRPr lang="en-US" dirty="0"/>
+          </a:p>
+        </p:txBody>
+      </p:sp>
+      <p:sp>
+        <p:nvSpPr>
+          <p:cNvPr id="9" name="Rectangle 8"/>
+          <p:cNvSpPr/>
+          <p:nvPr/>
+        </p:nvSpPr>
+        <p:spPr>
+          <a:xfrm>
+            <a:off x="1971964" y="4419600"/>
+            <a:ext cx="4800600" cy="381000"/>
+          </a:xfrm>
+          <a:prstGeom prst="rect">
+            <a:avLst/>
+          </a:prstGeom>
+          <a:solidFill>
+            <a:schemeClr val="accent2">
+              <a:lumMod val="20000"/>
+              <a:lumOff val="80000"/>
+            </a:schemeClr>
+          </a:solidFill>
+        </p:spPr>
+        <p:style>
+          <a:lnRef idx="2">
+            <a:schemeClr val="accent1">
+              <a:shade val="50000"/>
+            </a:schemeClr>
+          </a:lnRef>
+          <a:fillRef idx="1">
+            <a:schemeClr val="accent1"/>
+          </a:fillRef>
+          <a:effectRef idx="0">
+            <a:schemeClr val="accent1"/>
+          </a:effectRef>
+          <a:fontRef idx="minor">
+            <a:schemeClr val="lt1"/>
+          </a:fontRef>
+        </p:style>
+        <p:txBody>
+          <a:bodyPr rtlCol="0" anchor="ctr"/>
+          <a:lstStyle/>
+          <a:p>
+            <a:pPr algn="ctr"/>
+            <a:r>
+              <a:rPr lang="en-US" dirty="0"/>
+              <a:t>Name </a:t>
+            </a:r>
+            <a:r>
+              <a:rPr lang="en-US"/>
+              <a:t>of </a:t>
+            </a:r>
+            <a:r>
+              <a:rPr lang="en-US" smtClean="0"/>
+              <a:t>Image 5</a:t>
+            </a:r>
+            <a:endParaRPr lang="en-US" dirty="0"/>
+          </a:p>
+        </p:txBody>
+      </p:sp>
+      <p:sp>
+        <p:nvSpPr>
+          <p:cNvPr id="11" name="Rectangle 10"/>
+          <p:cNvSpPr/>
+          <p:nvPr/>
+        </p:nvSpPr>
+        <p:spPr>
+          <a:xfrm>
+            <a:off x="6934200" y="2438400"/>
+            <a:ext cx="381000" cy="2362200"/>
+          </a:xfrm>
+          <a:prstGeom prst="rect">
+            <a:avLst/>
+          </a:prstGeom>
+          <a:solidFill>
+            <a:schemeClr val="accent5">
+              <a:lumMod val="60000"/>
+              <a:lumOff val="40000"/>
+            </a:schemeClr>
+          </a:solidFill>
+        </p:spPr>
+        <p:style>
+          <a:lnRef idx="2">
+            <a:schemeClr val="accent1">
+              <a:shade val="50000"/>
+            </a:schemeClr>
+          </a:lnRef>
+          <a:fillRef idx="1">
+            <a:schemeClr val="accent1"/>
+          </a:fillRef>
+          <a:effectRef idx="0">
+            <a:schemeClr val="accent1"/>
+          </a:effectRef>
+          <a:fontRef idx="minor">
+            <a:schemeClr val="lt1"/>
+          </a:fontRef>
+        </p:style>
+        <p:txBody>
+          <a:bodyPr rtlCol="0" anchor="ctr"/>
+          <a:lstStyle/>
+          <a:p>
+            <a:pPr algn="ctr"/>
+            <a:endParaRPr lang="en-US"/>
+          </a:p>
+        </p:txBody>
+      </p:sp>
+      <p:sp>
+        <p:nvSpPr>
+          <p:cNvPr id="12" name="Rectangle 11"/>
+          <p:cNvSpPr/>
+          <p:nvPr/>
+        </p:nvSpPr>
+        <p:spPr>
+          <a:xfrm>
+            <a:off x="7010400" y="2514600"/>
+            <a:ext cx="228600" cy="606137"/>
+          </a:xfrm>
+          <a:prstGeom prst="rect">
+            <a:avLst/>
+          </a:prstGeom>
+        </p:spPr>
+        <p:style>
+          <a:lnRef idx="2">
+            <a:schemeClr val="accent1">
+              <a:shade val="50000"/>
+            </a:schemeClr>
+          </a:lnRef>
+          <a:fillRef idx="1">
+            <a:schemeClr val="accent1"/>
+          </a:fillRef>
+          <a:effectRef idx="0">
+            <a:schemeClr val="accent1"/>
+          </a:effectRef>
+          <a:fontRef idx="minor">
+            <a:schemeClr val="lt1"/>
+          </a:fontRef>
+        </p:style>
+        <p:txBody>
+          <a:bodyPr rtlCol="0" anchor="ctr"/>
+          <a:lstStyle/>
+          <a:p>
+            <a:pPr algn="ctr"/>
+            <a:endParaRPr lang="en-US"/>
+          </a:p>
+        </p:txBody>
+      </p:sp>
+      <p:cxnSp>
+        <p:nvCxnSpPr>
+          <p:cNvPr id="14" name="Straight Arrow Connector 13"/>
+          <p:cNvCxnSpPr/>
+          <p:nvPr/>
+        </p:nvCxnSpPr>
+        <p:spPr>
+          <a:xfrm flipV="1">
+            <a:off x="3200400" y="4610100"/>
+            <a:ext cx="1066800" cy="1181100"/>
+          </a:xfrm>
+          <a:prstGeom prst="straightConnector1">
+            <a:avLst/>
+          </a:prstGeom>
+          <a:ln w="57150">
+            <a:solidFill>
+              <a:srgbClr val="FF0000"/>
+            </a:solidFill>
+            <a:tailEnd type="arrow"/>
+          </a:ln>
+        </p:spPr>
+        <p:style>
+          <a:lnRef idx="1">
+            <a:schemeClr val="accent1"/>
+          </a:lnRef>
+          <a:fillRef idx="0">
+            <a:schemeClr val="accent1"/>
+          </a:fillRef>
+          <a:effectRef idx="0">
+            <a:schemeClr val="accent1"/>
+          </a:effectRef>
+          <a:fontRef idx="minor">
+            <a:schemeClr val="tx1"/>
+          </a:fontRef>
+        </p:style>
+      </p:cxnSp>
+      <p:sp>
+        <p:nvSpPr>
+          <p:cNvPr id="15" name="Rectangle 14"/>
+          <p:cNvSpPr/>
+          <p:nvPr/>
+        </p:nvSpPr>
+        <p:spPr>
+          <a:xfrm>
+            <a:off x="1752600" y="5791200"/>
+            <a:ext cx="3124200" cy="609600"/>
+          </a:xfrm>
+          <a:prstGeom prst="rect">
+            <a:avLst/>
+          </a:prstGeom>
+          <a:solidFill>
+            <a:schemeClr val="accent5">
+              <a:lumMod val="20000"/>
+              <a:lumOff val="80000"/>
+            </a:schemeClr>
+          </a:solidFill>
+        </p:spPr>
+        <p:style>
+          <a:lnRef idx="2">
+            <a:schemeClr val="accent1">
+              <a:shade val="50000"/>
+            </a:schemeClr>
+          </a:lnRef>
+          <a:fillRef idx="1">
+            <a:schemeClr val="accent1"/>
+          </a:fillRef>
+          <a:effectRef idx="0">
+            <a:schemeClr val="accent1"/>
+          </a:effectRef>
+          <a:fontRef idx="minor">
+            <a:schemeClr val="lt1"/>
+          </a:fontRef>
+        </p:style>
+        <p:txBody>
+          <a:bodyPr rtlCol="0" anchor="ctr"/>
+          <a:lstStyle/>
+          <a:p>
+            <a:pPr algn="ctr"/>
+            <a:r>
+              <a:rPr lang="en-US" dirty="0" err="1" smtClean="0">
+                <a:solidFill>
+                  <a:schemeClr val="tx1"/>
+                </a:solidFill>
+              </a:rPr>
+              <a:t>Bấm</a:t>
+            </a:r>
+            <a:r>
+              <a:rPr lang="en-US" dirty="0" smtClean="0">
+                <a:solidFill>
+                  <a:schemeClr val="tx1"/>
+                </a:solidFill>
+              </a:rPr>
+              <a:t> </a:t>
+            </a:r>
+            <a:r>
+              <a:rPr lang="en-US" dirty="0" err="1" smtClean="0">
+                <a:solidFill>
+                  <a:schemeClr val="tx1"/>
+                </a:solidFill>
+              </a:rPr>
+              <a:t>vào</a:t>
+            </a:r>
+            <a:r>
+              <a:rPr lang="en-US" dirty="0" smtClean="0">
+                <a:solidFill>
+                  <a:schemeClr val="tx1"/>
+                </a:solidFill>
+              </a:rPr>
+              <a:t> </a:t>
+            </a:r>
+            <a:r>
+              <a:rPr lang="en-US" dirty="0" err="1" smtClean="0">
+                <a:solidFill>
+                  <a:schemeClr val="tx1"/>
+                </a:solidFill>
+              </a:rPr>
+              <a:t>là</a:t>
+            </a:r>
+            <a:r>
+              <a:rPr lang="en-US" dirty="0" smtClean="0">
+                <a:solidFill>
+                  <a:schemeClr val="tx1"/>
+                </a:solidFill>
+              </a:rPr>
+              <a:t> </a:t>
+            </a:r>
+            <a:r>
+              <a:rPr lang="en-US" dirty="0" err="1" smtClean="0">
+                <a:solidFill>
+                  <a:schemeClr val="tx1"/>
+                </a:solidFill>
+              </a:rPr>
+              <a:t>vô</a:t>
+            </a:r>
+            <a:r>
+              <a:rPr lang="en-US" dirty="0" smtClean="0">
+                <a:solidFill>
+                  <a:schemeClr val="tx1"/>
+                </a:solidFill>
+              </a:rPr>
+              <a:t> </a:t>
+            </a:r>
+            <a:r>
+              <a:rPr lang="en-US" dirty="0" err="1" smtClean="0">
+                <a:solidFill>
+                  <a:schemeClr val="tx1"/>
+                </a:solidFill>
+              </a:rPr>
+              <a:t>màn</a:t>
+            </a:r>
+            <a:r>
+              <a:rPr lang="en-US" dirty="0" smtClean="0">
+                <a:solidFill>
+                  <a:schemeClr val="tx1"/>
+                </a:solidFill>
+              </a:rPr>
+              <a:t> </a:t>
+            </a:r>
+            <a:r>
+              <a:rPr lang="en-US" dirty="0" err="1" smtClean="0">
+                <a:solidFill>
+                  <a:schemeClr val="tx1"/>
+                </a:solidFill>
+              </a:rPr>
+              <a:t>hình</a:t>
+            </a:r>
+            <a:r>
+              <a:rPr lang="en-US" dirty="0" smtClean="0">
+                <a:solidFill>
+                  <a:schemeClr val="tx1"/>
+                </a:solidFill>
+              </a:rPr>
+              <a:t> detail</a:t>
+            </a:r>
+            <a:endParaRPr lang="en-US" dirty="0">
+              <a:solidFill>
+                <a:schemeClr val="tx1"/>
+              </a:solidFill>
+            </a:endParaRPr>
           </a:p>
         </p:txBody>
       </p:sp>
@@ -4861,6 +5421,1031 @@
     <p:extLst>
       <p:ext uri="{BB962C8B-B14F-4D97-AF65-F5344CB8AC3E}">
         <p14:creationId xmlns:p14="http://schemas.microsoft.com/office/powerpoint/2010/main" val="638362898"/>
+      </p:ext>
+    </p:extLst>
+  </p:cSld>
+  <p:clrMapOvr>
+    <a:masterClrMapping/>
+  </p:clrMapOvr>
+</p:sld>
+</file>
+
+<file path=ppt/slides/slide8.xml><?xml version="1.0" encoding="utf-8"?>
+<p:sld xmlns:a="http://schemas.openxmlformats.org/drawingml/2006/main" xmlns:r="http://schemas.openxmlformats.org/officeDocument/2006/relationships" xmlns:p="http://schemas.openxmlformats.org/presentationml/2006/main">
+  <p:cSld>
+    <p:spTree>
+      <p:nvGrpSpPr>
+        <p:cNvPr id="1" name=""/>
+        <p:cNvGrpSpPr/>
+        <p:nvPr/>
+      </p:nvGrpSpPr>
+      <p:grpSpPr>
+        <a:xfrm>
+          <a:off x="0" y="0"/>
+          <a:ext cx="0" cy="0"/>
+          <a:chOff x="0" y="0"/>
+          <a:chExt cx="0" cy="0"/>
+        </a:xfrm>
+      </p:grpSpPr>
+      <p:sp>
+        <p:nvSpPr>
+          <p:cNvPr id="2" name="Title 1"/>
+          <p:cNvSpPr>
+            <a:spLocks noGrp="1"/>
+          </p:cNvSpPr>
+          <p:nvPr>
+            <p:ph type="title"/>
+          </p:nvPr>
+        </p:nvSpPr>
+        <p:spPr/>
+        <p:txBody>
+          <a:bodyPr/>
+          <a:lstStyle/>
+          <a:p>
+            <a:r>
+              <a:rPr lang="en-US" dirty="0"/>
+              <a:t>BOM of </a:t>
+            </a:r>
+            <a:r>
+              <a:rPr lang="en-US" dirty="0" err="1"/>
+              <a:t>AlbumHeader</a:t>
+            </a:r>
+            <a:endParaRPr lang="en-US" dirty="0"/>
+          </a:p>
+        </p:txBody>
+      </p:sp>
+      <p:sp>
+        <p:nvSpPr>
+          <p:cNvPr id="4" name="Rectangle 3"/>
+          <p:cNvSpPr/>
+          <p:nvPr/>
+        </p:nvSpPr>
+        <p:spPr>
+          <a:xfrm>
+            <a:off x="533400" y="1371600"/>
+            <a:ext cx="8077200" cy="5029200"/>
+          </a:xfrm>
+          <a:prstGeom prst="rect">
+            <a:avLst/>
+          </a:prstGeom>
+          <a:solidFill>
+            <a:schemeClr val="accent1">
+              <a:lumMod val="20000"/>
+              <a:lumOff val="80000"/>
+            </a:schemeClr>
+          </a:solidFill>
+          <a:ln w="12700"/>
+        </p:spPr>
+        <p:style>
+          <a:lnRef idx="2">
+            <a:schemeClr val="accent1">
+              <a:shade val="50000"/>
+            </a:schemeClr>
+          </a:lnRef>
+          <a:fillRef idx="1">
+            <a:schemeClr val="accent1"/>
+          </a:fillRef>
+          <a:effectRef idx="0">
+            <a:schemeClr val="accent1"/>
+          </a:effectRef>
+          <a:fontRef idx="minor">
+            <a:schemeClr val="lt1"/>
+          </a:fontRef>
+        </p:style>
+        <p:txBody>
+          <a:bodyPr rtlCol="0" anchor="ctr"/>
+          <a:lstStyle/>
+          <a:p>
+            <a:pPr algn="ctr"/>
+            <a:endParaRPr lang="en-US"/>
+          </a:p>
+        </p:txBody>
+      </p:sp>
+      <p:sp>
+        <p:nvSpPr>
+          <p:cNvPr id="5" name="Rectangle 4"/>
+          <p:cNvSpPr/>
+          <p:nvPr/>
+        </p:nvSpPr>
+        <p:spPr>
+          <a:xfrm>
+            <a:off x="763155" y="1524001"/>
+            <a:ext cx="608445" cy="457200"/>
+          </a:xfrm>
+          <a:prstGeom prst="rect">
+            <a:avLst/>
+          </a:prstGeom>
+          <a:solidFill>
+            <a:schemeClr val="bg2">
+              <a:lumMod val="75000"/>
+            </a:schemeClr>
+          </a:solidFill>
+          <a:ln w="12700"/>
+        </p:spPr>
+        <p:style>
+          <a:lnRef idx="2">
+            <a:schemeClr val="accent1">
+              <a:shade val="50000"/>
+            </a:schemeClr>
+          </a:lnRef>
+          <a:fillRef idx="1">
+            <a:schemeClr val="accent1"/>
+          </a:fillRef>
+          <a:effectRef idx="0">
+            <a:schemeClr val="accent1"/>
+          </a:effectRef>
+          <a:fontRef idx="minor">
+            <a:schemeClr val="lt1"/>
+          </a:fontRef>
+        </p:style>
+        <p:txBody>
+          <a:bodyPr rtlCol="0" anchor="ctr"/>
+          <a:lstStyle/>
+          <a:p>
+            <a:pPr algn="ctr"/>
+            <a:endParaRPr lang="en-US"/>
+          </a:p>
+        </p:txBody>
+      </p:sp>
+      <p:sp>
+        <p:nvSpPr>
+          <p:cNvPr id="6" name="Right Triangle 5"/>
+          <p:cNvSpPr/>
+          <p:nvPr/>
+        </p:nvSpPr>
+        <p:spPr>
+          <a:xfrm rot="3009404">
+            <a:off x="994659" y="1651648"/>
+            <a:ext cx="229958" cy="201222"/>
+          </a:xfrm>
+          <a:prstGeom prst="rtTriangle">
+            <a:avLst/>
+          </a:prstGeom>
+          <a:ln w="12700"/>
+        </p:spPr>
+        <p:style>
+          <a:lnRef idx="2">
+            <a:schemeClr val="accent1">
+              <a:shade val="50000"/>
+            </a:schemeClr>
+          </a:lnRef>
+          <a:fillRef idx="1">
+            <a:schemeClr val="accent1"/>
+          </a:fillRef>
+          <a:effectRef idx="0">
+            <a:schemeClr val="accent1"/>
+          </a:effectRef>
+          <a:fontRef idx="minor">
+            <a:schemeClr val="lt1"/>
+          </a:fontRef>
+        </p:style>
+        <p:txBody>
+          <a:bodyPr rtlCol="0" anchor="ctr"/>
+          <a:lstStyle/>
+          <a:p>
+            <a:pPr algn="ctr"/>
+            <a:endParaRPr lang="en-US"/>
+          </a:p>
+        </p:txBody>
+      </p:sp>
+      <p:sp>
+        <p:nvSpPr>
+          <p:cNvPr id="7" name="Rectangle 6"/>
+          <p:cNvSpPr/>
+          <p:nvPr/>
+        </p:nvSpPr>
+        <p:spPr>
+          <a:xfrm>
+            <a:off x="533400" y="2133600"/>
+            <a:ext cx="8077200" cy="2057400"/>
+          </a:xfrm>
+          <a:prstGeom prst="rect">
+            <a:avLst/>
+          </a:prstGeom>
+          <a:solidFill>
+            <a:schemeClr val="accent6">
+              <a:lumMod val="20000"/>
+              <a:lumOff val="80000"/>
+            </a:schemeClr>
+          </a:solidFill>
+          <a:ln w="12700"/>
+        </p:spPr>
+        <p:style>
+          <a:lnRef idx="2">
+            <a:schemeClr val="accent1">
+              <a:shade val="50000"/>
+            </a:schemeClr>
+          </a:lnRef>
+          <a:fillRef idx="1">
+            <a:schemeClr val="accent1"/>
+          </a:fillRef>
+          <a:effectRef idx="0">
+            <a:schemeClr val="accent1"/>
+          </a:effectRef>
+          <a:fontRef idx="minor">
+            <a:schemeClr val="lt1"/>
+          </a:fontRef>
+        </p:style>
+        <p:txBody>
+          <a:bodyPr rtlCol="0" anchor="ctr"/>
+          <a:lstStyle/>
+          <a:p>
+            <a:pPr algn="ctr"/>
+            <a:r>
+              <a:rPr lang="en-US" dirty="0" smtClean="0">
+                <a:solidFill>
+                  <a:schemeClr val="tx1"/>
+                </a:solidFill>
+              </a:rPr>
+              <a:t>Image of banner</a:t>
+            </a:r>
+            <a:endParaRPr lang="en-US" dirty="0">
+              <a:solidFill>
+                <a:schemeClr val="tx1"/>
+              </a:solidFill>
+            </a:endParaRPr>
+          </a:p>
+        </p:txBody>
+      </p:sp>
+      <p:sp>
+        <p:nvSpPr>
+          <p:cNvPr id="8" name="Rectangle 7"/>
+          <p:cNvSpPr/>
+          <p:nvPr/>
+        </p:nvSpPr>
+        <p:spPr>
+          <a:xfrm>
+            <a:off x="609600" y="4343400"/>
+            <a:ext cx="4953000" cy="1905000"/>
+          </a:xfrm>
+          <a:prstGeom prst="rect">
+            <a:avLst/>
+          </a:prstGeom>
+          <a:solidFill>
+            <a:schemeClr val="accent1">
+              <a:lumMod val="20000"/>
+              <a:lumOff val="80000"/>
+            </a:schemeClr>
+          </a:solidFill>
+          <a:ln w="12700"/>
+        </p:spPr>
+        <p:style>
+          <a:lnRef idx="2">
+            <a:schemeClr val="accent1">
+              <a:shade val="50000"/>
+            </a:schemeClr>
+          </a:lnRef>
+          <a:fillRef idx="1">
+            <a:schemeClr val="accent1"/>
+          </a:fillRef>
+          <a:effectRef idx="0">
+            <a:schemeClr val="accent1"/>
+          </a:effectRef>
+          <a:fontRef idx="minor">
+            <a:schemeClr val="lt1"/>
+          </a:fontRef>
+        </p:style>
+        <p:txBody>
+          <a:bodyPr rtlCol="0" anchor="ctr"/>
+          <a:lstStyle/>
+          <a:p>
+            <a:pPr algn="ctr"/>
+            <a:endParaRPr lang="en-US"/>
+          </a:p>
+        </p:txBody>
+      </p:sp>
+      <p:sp>
+        <p:nvSpPr>
+          <p:cNvPr id="9" name="Rectangle 8"/>
+          <p:cNvSpPr/>
+          <p:nvPr/>
+        </p:nvSpPr>
+        <p:spPr>
+          <a:xfrm>
+            <a:off x="685800" y="4495800"/>
+            <a:ext cx="4419600" cy="304800"/>
+          </a:xfrm>
+          <a:prstGeom prst="rect">
+            <a:avLst/>
+          </a:prstGeom>
+          <a:solidFill>
+            <a:schemeClr val="bg2"/>
+          </a:solidFill>
+          <a:ln w="12700"/>
+        </p:spPr>
+        <p:style>
+          <a:lnRef idx="2">
+            <a:schemeClr val="accent1">
+              <a:shade val="50000"/>
+            </a:schemeClr>
+          </a:lnRef>
+          <a:fillRef idx="1">
+            <a:schemeClr val="accent1"/>
+          </a:fillRef>
+          <a:effectRef idx="0">
+            <a:schemeClr val="accent1"/>
+          </a:effectRef>
+          <a:fontRef idx="minor">
+            <a:schemeClr val="lt1"/>
+          </a:fontRef>
+        </p:style>
+        <p:txBody>
+          <a:bodyPr rtlCol="0" anchor="ctr"/>
+          <a:lstStyle/>
+          <a:p>
+            <a:r>
+              <a:rPr lang="en-US" dirty="0" smtClean="0">
+                <a:solidFill>
+                  <a:schemeClr val="accent2">
+                    <a:lumMod val="50000"/>
+                  </a:schemeClr>
+                </a:solidFill>
+              </a:rPr>
+              <a:t>Album name 1</a:t>
+            </a:r>
+            <a:endParaRPr lang="en-US" dirty="0">
+              <a:solidFill>
+                <a:schemeClr val="accent2">
+                  <a:lumMod val="50000"/>
+                </a:schemeClr>
+              </a:solidFill>
+            </a:endParaRPr>
+          </a:p>
+        </p:txBody>
+      </p:sp>
+      <p:sp>
+        <p:nvSpPr>
+          <p:cNvPr id="11" name="Rectangle 10"/>
+          <p:cNvSpPr/>
+          <p:nvPr/>
+        </p:nvSpPr>
+        <p:spPr>
+          <a:xfrm>
+            <a:off x="685800" y="4876800"/>
+            <a:ext cx="4419600" cy="304800"/>
+          </a:xfrm>
+          <a:prstGeom prst="rect">
+            <a:avLst/>
+          </a:prstGeom>
+          <a:solidFill>
+            <a:schemeClr val="bg2"/>
+          </a:solidFill>
+          <a:ln w="12700"/>
+        </p:spPr>
+        <p:style>
+          <a:lnRef idx="2">
+            <a:schemeClr val="accent1">
+              <a:shade val="50000"/>
+            </a:schemeClr>
+          </a:lnRef>
+          <a:fillRef idx="1">
+            <a:schemeClr val="accent1"/>
+          </a:fillRef>
+          <a:effectRef idx="0">
+            <a:schemeClr val="accent1"/>
+          </a:effectRef>
+          <a:fontRef idx="minor">
+            <a:schemeClr val="lt1"/>
+          </a:fontRef>
+        </p:style>
+        <p:txBody>
+          <a:bodyPr rtlCol="0" anchor="ctr"/>
+          <a:lstStyle/>
+          <a:p>
+            <a:r>
+              <a:rPr lang="en-US" dirty="0">
+                <a:solidFill>
+                  <a:schemeClr val="accent2">
+                    <a:lumMod val="50000"/>
+                  </a:schemeClr>
+                </a:solidFill>
+              </a:rPr>
+              <a:t>Album name </a:t>
+            </a:r>
+            <a:r>
+              <a:rPr lang="en-US" dirty="0" smtClean="0">
+                <a:solidFill>
+                  <a:schemeClr val="accent2">
+                    <a:lumMod val="50000"/>
+                  </a:schemeClr>
+                </a:solidFill>
+              </a:rPr>
+              <a:t>2</a:t>
+            </a:r>
+            <a:endParaRPr lang="en-US" dirty="0">
+              <a:solidFill>
+                <a:schemeClr val="accent2">
+                  <a:lumMod val="50000"/>
+                </a:schemeClr>
+              </a:solidFill>
+            </a:endParaRPr>
+          </a:p>
+        </p:txBody>
+      </p:sp>
+      <p:sp>
+        <p:nvSpPr>
+          <p:cNvPr id="12" name="Rectangle 11"/>
+          <p:cNvSpPr/>
+          <p:nvPr/>
+        </p:nvSpPr>
+        <p:spPr>
+          <a:xfrm>
+            <a:off x="685800" y="5295900"/>
+            <a:ext cx="4419600" cy="304800"/>
+          </a:xfrm>
+          <a:prstGeom prst="rect">
+            <a:avLst/>
+          </a:prstGeom>
+          <a:solidFill>
+            <a:schemeClr val="bg2"/>
+          </a:solidFill>
+          <a:ln w="12700"/>
+        </p:spPr>
+        <p:style>
+          <a:lnRef idx="2">
+            <a:schemeClr val="accent1">
+              <a:shade val="50000"/>
+            </a:schemeClr>
+          </a:lnRef>
+          <a:fillRef idx="1">
+            <a:schemeClr val="accent1"/>
+          </a:fillRef>
+          <a:effectRef idx="0">
+            <a:schemeClr val="accent1"/>
+          </a:effectRef>
+          <a:fontRef idx="minor">
+            <a:schemeClr val="lt1"/>
+          </a:fontRef>
+        </p:style>
+        <p:txBody>
+          <a:bodyPr rtlCol="0" anchor="ctr"/>
+          <a:lstStyle/>
+          <a:p>
+            <a:r>
+              <a:rPr lang="en-US" dirty="0">
+                <a:solidFill>
+                  <a:schemeClr val="accent2">
+                    <a:lumMod val="50000"/>
+                  </a:schemeClr>
+                </a:solidFill>
+              </a:rPr>
+              <a:t>Album name </a:t>
+            </a:r>
+            <a:r>
+              <a:rPr lang="en-US" dirty="0" smtClean="0">
+                <a:solidFill>
+                  <a:schemeClr val="accent2">
+                    <a:lumMod val="50000"/>
+                  </a:schemeClr>
+                </a:solidFill>
+              </a:rPr>
+              <a:t>3</a:t>
+            </a:r>
+            <a:endParaRPr lang="en-US" dirty="0">
+              <a:solidFill>
+                <a:schemeClr val="accent2">
+                  <a:lumMod val="50000"/>
+                </a:schemeClr>
+              </a:solidFill>
+            </a:endParaRPr>
+          </a:p>
+        </p:txBody>
+      </p:sp>
+      <p:sp>
+        <p:nvSpPr>
+          <p:cNvPr id="15" name="Rectangle 14"/>
+          <p:cNvSpPr/>
+          <p:nvPr/>
+        </p:nvSpPr>
+        <p:spPr>
+          <a:xfrm>
+            <a:off x="685800" y="5715000"/>
+            <a:ext cx="4419600" cy="304800"/>
+          </a:xfrm>
+          <a:prstGeom prst="rect">
+            <a:avLst/>
+          </a:prstGeom>
+          <a:solidFill>
+            <a:schemeClr val="bg2"/>
+          </a:solidFill>
+          <a:ln w="12700"/>
+        </p:spPr>
+        <p:style>
+          <a:lnRef idx="2">
+            <a:schemeClr val="accent1">
+              <a:shade val="50000"/>
+            </a:schemeClr>
+          </a:lnRef>
+          <a:fillRef idx="1">
+            <a:schemeClr val="accent1"/>
+          </a:fillRef>
+          <a:effectRef idx="0">
+            <a:schemeClr val="accent1"/>
+          </a:effectRef>
+          <a:fontRef idx="minor">
+            <a:schemeClr val="lt1"/>
+          </a:fontRef>
+        </p:style>
+        <p:txBody>
+          <a:bodyPr rtlCol="0" anchor="ctr"/>
+          <a:lstStyle/>
+          <a:p>
+            <a:r>
+              <a:rPr lang="en-US" dirty="0">
+                <a:solidFill>
+                  <a:schemeClr val="accent2">
+                    <a:lumMod val="50000"/>
+                  </a:schemeClr>
+                </a:solidFill>
+              </a:rPr>
+              <a:t>Album name </a:t>
+            </a:r>
+            <a:r>
+              <a:rPr lang="en-US" dirty="0" smtClean="0">
+                <a:solidFill>
+                  <a:schemeClr val="accent2">
+                    <a:lumMod val="50000"/>
+                  </a:schemeClr>
+                </a:solidFill>
+              </a:rPr>
+              <a:t>4</a:t>
+            </a:r>
+            <a:endParaRPr lang="en-US" dirty="0">
+              <a:solidFill>
+                <a:schemeClr val="accent2">
+                  <a:lumMod val="50000"/>
+                </a:schemeClr>
+              </a:solidFill>
+            </a:endParaRPr>
+          </a:p>
+        </p:txBody>
+      </p:sp>
+      <p:sp>
+        <p:nvSpPr>
+          <p:cNvPr id="16" name="Rectangle 15"/>
+          <p:cNvSpPr/>
+          <p:nvPr/>
+        </p:nvSpPr>
+        <p:spPr>
+          <a:xfrm>
+            <a:off x="5238173" y="4495800"/>
+            <a:ext cx="228600" cy="1524000"/>
+          </a:xfrm>
+          <a:prstGeom prst="rect">
+            <a:avLst/>
+          </a:prstGeom>
+          <a:solidFill>
+            <a:schemeClr val="accent6">
+              <a:lumMod val="20000"/>
+              <a:lumOff val="80000"/>
+            </a:schemeClr>
+          </a:solidFill>
+          <a:ln w="12700"/>
+        </p:spPr>
+        <p:style>
+          <a:lnRef idx="2">
+            <a:schemeClr val="accent1">
+              <a:shade val="50000"/>
+            </a:schemeClr>
+          </a:lnRef>
+          <a:fillRef idx="1">
+            <a:schemeClr val="accent1"/>
+          </a:fillRef>
+          <a:effectRef idx="0">
+            <a:schemeClr val="accent1"/>
+          </a:effectRef>
+          <a:fontRef idx="minor">
+            <a:schemeClr val="lt1"/>
+          </a:fontRef>
+        </p:style>
+        <p:txBody>
+          <a:bodyPr rtlCol="0" anchor="ctr"/>
+          <a:lstStyle/>
+          <a:p>
+            <a:pPr algn="ctr"/>
+            <a:endParaRPr lang="en-US"/>
+          </a:p>
+        </p:txBody>
+      </p:sp>
+      <p:sp>
+        <p:nvSpPr>
+          <p:cNvPr id="17" name="Rectangle 16"/>
+          <p:cNvSpPr/>
+          <p:nvPr/>
+        </p:nvSpPr>
+        <p:spPr>
+          <a:xfrm>
+            <a:off x="5276273" y="4648200"/>
+            <a:ext cx="152400" cy="228600"/>
+          </a:xfrm>
+          <a:prstGeom prst="rect">
+            <a:avLst/>
+          </a:prstGeom>
+          <a:solidFill>
+            <a:schemeClr val="accent2">
+              <a:lumMod val="60000"/>
+              <a:lumOff val="40000"/>
+            </a:schemeClr>
+          </a:solidFill>
+          <a:ln w="12700"/>
+        </p:spPr>
+        <p:style>
+          <a:lnRef idx="2">
+            <a:schemeClr val="accent1">
+              <a:shade val="50000"/>
+            </a:schemeClr>
+          </a:lnRef>
+          <a:fillRef idx="1">
+            <a:schemeClr val="accent1"/>
+          </a:fillRef>
+          <a:effectRef idx="0">
+            <a:schemeClr val="accent1"/>
+          </a:effectRef>
+          <a:fontRef idx="minor">
+            <a:schemeClr val="lt1"/>
+          </a:fontRef>
+        </p:style>
+        <p:txBody>
+          <a:bodyPr rtlCol="0" anchor="ctr"/>
+          <a:lstStyle/>
+          <a:p>
+            <a:pPr algn="ctr"/>
+            <a:endParaRPr lang="en-US"/>
+          </a:p>
+        </p:txBody>
+      </p:sp>
+      <p:sp>
+        <p:nvSpPr>
+          <p:cNvPr id="18" name="Rectangle 17"/>
+          <p:cNvSpPr/>
+          <p:nvPr/>
+        </p:nvSpPr>
+        <p:spPr>
+          <a:xfrm>
+            <a:off x="3810000" y="4495800"/>
+            <a:ext cx="457200" cy="304800"/>
+          </a:xfrm>
+          <a:prstGeom prst="rect">
+            <a:avLst/>
+          </a:prstGeom>
+          <a:solidFill>
+            <a:schemeClr val="bg2">
+              <a:lumMod val="90000"/>
+            </a:schemeClr>
+          </a:solidFill>
+          <a:ln w="6350"/>
+        </p:spPr>
+        <p:style>
+          <a:lnRef idx="2">
+            <a:schemeClr val="accent1">
+              <a:shade val="50000"/>
+            </a:schemeClr>
+          </a:lnRef>
+          <a:fillRef idx="1">
+            <a:schemeClr val="accent1"/>
+          </a:fillRef>
+          <a:effectRef idx="0">
+            <a:schemeClr val="accent1"/>
+          </a:effectRef>
+          <a:fontRef idx="minor">
+            <a:schemeClr val="lt1"/>
+          </a:fontRef>
+        </p:style>
+        <p:txBody>
+          <a:bodyPr rtlCol="0" anchor="ctr"/>
+          <a:lstStyle/>
+          <a:p>
+            <a:pPr algn="ctr"/>
+            <a:endParaRPr lang="en-US"/>
+          </a:p>
+        </p:txBody>
+      </p:sp>
+      <p:sp>
+        <p:nvSpPr>
+          <p:cNvPr id="19" name="Rectangle 18"/>
+          <p:cNvSpPr/>
+          <p:nvPr/>
+        </p:nvSpPr>
+        <p:spPr>
+          <a:xfrm>
+            <a:off x="3810000" y="4876800"/>
+            <a:ext cx="457200" cy="304800"/>
+          </a:xfrm>
+          <a:prstGeom prst="rect">
+            <a:avLst/>
+          </a:prstGeom>
+          <a:solidFill>
+            <a:schemeClr val="bg2">
+              <a:lumMod val="90000"/>
+            </a:schemeClr>
+          </a:solidFill>
+          <a:ln w="6350"/>
+        </p:spPr>
+        <p:style>
+          <a:lnRef idx="2">
+            <a:schemeClr val="accent1">
+              <a:shade val="50000"/>
+            </a:schemeClr>
+          </a:lnRef>
+          <a:fillRef idx="1">
+            <a:schemeClr val="accent1"/>
+          </a:fillRef>
+          <a:effectRef idx="0">
+            <a:schemeClr val="accent1"/>
+          </a:effectRef>
+          <a:fontRef idx="minor">
+            <a:schemeClr val="lt1"/>
+          </a:fontRef>
+        </p:style>
+        <p:txBody>
+          <a:bodyPr rtlCol="0" anchor="ctr"/>
+          <a:lstStyle/>
+          <a:p>
+            <a:pPr algn="ctr"/>
+            <a:endParaRPr lang="en-US"/>
+          </a:p>
+        </p:txBody>
+      </p:sp>
+      <p:sp>
+        <p:nvSpPr>
+          <p:cNvPr id="20" name="Rectangle 19"/>
+          <p:cNvSpPr/>
+          <p:nvPr/>
+        </p:nvSpPr>
+        <p:spPr>
+          <a:xfrm>
+            <a:off x="3810000" y="5295900"/>
+            <a:ext cx="457200" cy="304800"/>
+          </a:xfrm>
+          <a:prstGeom prst="rect">
+            <a:avLst/>
+          </a:prstGeom>
+          <a:solidFill>
+            <a:schemeClr val="bg2">
+              <a:lumMod val="90000"/>
+            </a:schemeClr>
+          </a:solidFill>
+          <a:ln w="6350"/>
+        </p:spPr>
+        <p:style>
+          <a:lnRef idx="2">
+            <a:schemeClr val="accent1">
+              <a:shade val="50000"/>
+            </a:schemeClr>
+          </a:lnRef>
+          <a:fillRef idx="1">
+            <a:schemeClr val="accent1"/>
+          </a:fillRef>
+          <a:effectRef idx="0">
+            <a:schemeClr val="accent1"/>
+          </a:effectRef>
+          <a:fontRef idx="minor">
+            <a:schemeClr val="lt1"/>
+          </a:fontRef>
+        </p:style>
+        <p:txBody>
+          <a:bodyPr rtlCol="0" anchor="ctr"/>
+          <a:lstStyle/>
+          <a:p>
+            <a:pPr algn="ctr"/>
+            <a:endParaRPr lang="en-US"/>
+          </a:p>
+        </p:txBody>
+      </p:sp>
+      <p:sp>
+        <p:nvSpPr>
+          <p:cNvPr id="21" name="Rectangle 20"/>
+          <p:cNvSpPr/>
+          <p:nvPr/>
+        </p:nvSpPr>
+        <p:spPr>
+          <a:xfrm>
+            <a:off x="3810000" y="5715000"/>
+            <a:ext cx="457200" cy="304800"/>
+          </a:xfrm>
+          <a:prstGeom prst="rect">
+            <a:avLst/>
+          </a:prstGeom>
+          <a:solidFill>
+            <a:schemeClr val="bg2">
+              <a:lumMod val="90000"/>
+            </a:schemeClr>
+          </a:solidFill>
+          <a:ln w="6350"/>
+        </p:spPr>
+        <p:style>
+          <a:lnRef idx="2">
+            <a:schemeClr val="accent1">
+              <a:shade val="50000"/>
+            </a:schemeClr>
+          </a:lnRef>
+          <a:fillRef idx="1">
+            <a:schemeClr val="accent1"/>
+          </a:fillRef>
+          <a:effectRef idx="0">
+            <a:schemeClr val="accent1"/>
+          </a:effectRef>
+          <a:fontRef idx="minor">
+            <a:schemeClr val="lt1"/>
+          </a:fontRef>
+        </p:style>
+        <p:txBody>
+          <a:bodyPr rtlCol="0" anchor="ctr"/>
+          <a:lstStyle/>
+          <a:p>
+            <a:pPr algn="ctr"/>
+            <a:endParaRPr lang="en-US"/>
+          </a:p>
+        </p:txBody>
+      </p:sp>
+      <p:sp>
+        <p:nvSpPr>
+          <p:cNvPr id="22" name="Rectangle 21"/>
+          <p:cNvSpPr/>
+          <p:nvPr/>
+        </p:nvSpPr>
+        <p:spPr>
+          <a:xfrm>
+            <a:off x="4343400" y="4495800"/>
+            <a:ext cx="457200" cy="304800"/>
+          </a:xfrm>
+          <a:prstGeom prst="rect">
+            <a:avLst/>
+          </a:prstGeom>
+          <a:solidFill>
+            <a:schemeClr val="bg2">
+              <a:lumMod val="90000"/>
+            </a:schemeClr>
+          </a:solidFill>
+          <a:ln w="6350"/>
+        </p:spPr>
+        <p:style>
+          <a:lnRef idx="2">
+            <a:schemeClr val="accent1">
+              <a:shade val="50000"/>
+            </a:schemeClr>
+          </a:lnRef>
+          <a:fillRef idx="1">
+            <a:schemeClr val="accent1"/>
+          </a:fillRef>
+          <a:effectRef idx="0">
+            <a:schemeClr val="accent1"/>
+          </a:effectRef>
+          <a:fontRef idx="minor">
+            <a:schemeClr val="lt1"/>
+          </a:fontRef>
+        </p:style>
+        <p:txBody>
+          <a:bodyPr rtlCol="0" anchor="ctr"/>
+          <a:lstStyle/>
+          <a:p>
+            <a:pPr algn="ctr"/>
+            <a:endParaRPr lang="en-US"/>
+          </a:p>
+        </p:txBody>
+      </p:sp>
+      <p:sp>
+        <p:nvSpPr>
+          <p:cNvPr id="23" name="Rectangle 22"/>
+          <p:cNvSpPr/>
+          <p:nvPr/>
+        </p:nvSpPr>
+        <p:spPr>
+          <a:xfrm>
+            <a:off x="4343400" y="4876800"/>
+            <a:ext cx="457200" cy="304800"/>
+          </a:xfrm>
+          <a:prstGeom prst="rect">
+            <a:avLst/>
+          </a:prstGeom>
+          <a:solidFill>
+            <a:schemeClr val="bg2">
+              <a:lumMod val="90000"/>
+            </a:schemeClr>
+          </a:solidFill>
+          <a:ln w="6350"/>
+        </p:spPr>
+        <p:style>
+          <a:lnRef idx="2">
+            <a:schemeClr val="accent1">
+              <a:shade val="50000"/>
+            </a:schemeClr>
+          </a:lnRef>
+          <a:fillRef idx="1">
+            <a:schemeClr val="accent1"/>
+          </a:fillRef>
+          <a:effectRef idx="0">
+            <a:schemeClr val="accent1"/>
+          </a:effectRef>
+          <a:fontRef idx="minor">
+            <a:schemeClr val="lt1"/>
+          </a:fontRef>
+        </p:style>
+        <p:txBody>
+          <a:bodyPr rtlCol="0" anchor="ctr"/>
+          <a:lstStyle/>
+          <a:p>
+            <a:pPr algn="ctr"/>
+            <a:endParaRPr lang="en-US"/>
+          </a:p>
+        </p:txBody>
+      </p:sp>
+      <p:sp>
+        <p:nvSpPr>
+          <p:cNvPr id="24" name="Rectangle 23"/>
+          <p:cNvSpPr/>
+          <p:nvPr/>
+        </p:nvSpPr>
+        <p:spPr>
+          <a:xfrm>
+            <a:off x="4343400" y="5295900"/>
+            <a:ext cx="457200" cy="304800"/>
+          </a:xfrm>
+          <a:prstGeom prst="rect">
+            <a:avLst/>
+          </a:prstGeom>
+          <a:solidFill>
+            <a:schemeClr val="bg2">
+              <a:lumMod val="90000"/>
+            </a:schemeClr>
+          </a:solidFill>
+          <a:ln w="6350"/>
+        </p:spPr>
+        <p:style>
+          <a:lnRef idx="2">
+            <a:schemeClr val="accent1">
+              <a:shade val="50000"/>
+            </a:schemeClr>
+          </a:lnRef>
+          <a:fillRef idx="1">
+            <a:schemeClr val="accent1"/>
+          </a:fillRef>
+          <a:effectRef idx="0">
+            <a:schemeClr val="accent1"/>
+          </a:effectRef>
+          <a:fontRef idx="minor">
+            <a:schemeClr val="lt1"/>
+          </a:fontRef>
+        </p:style>
+        <p:txBody>
+          <a:bodyPr rtlCol="0" anchor="ctr"/>
+          <a:lstStyle/>
+          <a:p>
+            <a:pPr algn="ctr"/>
+            <a:endParaRPr lang="en-US"/>
+          </a:p>
+        </p:txBody>
+      </p:sp>
+      <p:sp>
+        <p:nvSpPr>
+          <p:cNvPr id="25" name="Rectangle 24"/>
+          <p:cNvSpPr/>
+          <p:nvPr/>
+        </p:nvSpPr>
+        <p:spPr>
+          <a:xfrm>
+            <a:off x="4343400" y="5715000"/>
+            <a:ext cx="457200" cy="304800"/>
+          </a:xfrm>
+          <a:prstGeom prst="rect">
+            <a:avLst/>
+          </a:prstGeom>
+          <a:solidFill>
+            <a:schemeClr val="bg2">
+              <a:lumMod val="90000"/>
+            </a:schemeClr>
+          </a:solidFill>
+          <a:ln w="6350"/>
+        </p:spPr>
+        <p:style>
+          <a:lnRef idx="2">
+            <a:schemeClr val="accent1">
+              <a:shade val="50000"/>
+            </a:schemeClr>
+          </a:lnRef>
+          <a:fillRef idx="1">
+            <a:schemeClr val="accent1"/>
+          </a:fillRef>
+          <a:effectRef idx="0">
+            <a:schemeClr val="accent1"/>
+          </a:effectRef>
+          <a:fontRef idx="minor">
+            <a:schemeClr val="lt1"/>
+          </a:fontRef>
+        </p:style>
+        <p:txBody>
+          <a:bodyPr rtlCol="0" anchor="ctr"/>
+          <a:lstStyle/>
+          <a:p>
+            <a:pPr algn="ctr"/>
+            <a:endParaRPr lang="en-US"/>
+          </a:p>
+        </p:txBody>
+      </p:sp>
+    </p:spTree>
+    <p:extLst>
+      <p:ext uri="{BB962C8B-B14F-4D97-AF65-F5344CB8AC3E}">
+        <p14:creationId xmlns:p14="http://schemas.microsoft.com/office/powerpoint/2010/main" val="2126693657"/>
       </p:ext>
     </p:extLst>
   </p:cSld>

--- a/source/musicpage/Documents/Music page.pptx
+++ b/source/musicpage/Documents/Music page.pptx
@@ -6439,6 +6439,510 @@
           <a:p>
             <a:pPr algn="ctr"/>
             <a:endParaRPr lang="en-US"/>
+          </a:p>
+        </p:txBody>
+      </p:sp>
+      <p:sp>
+        <p:nvSpPr>
+          <p:cNvPr id="3" name="Right Arrow 2"/>
+          <p:cNvSpPr/>
+          <p:nvPr/>
+        </p:nvSpPr>
+        <p:spPr>
+          <a:xfrm rot="16200000">
+            <a:off x="3962401" y="4571999"/>
+            <a:ext cx="152401" cy="152400"/>
+          </a:xfrm>
+          <a:prstGeom prst="rightArrow">
+            <a:avLst/>
+          </a:prstGeom>
+        </p:spPr>
+        <p:style>
+          <a:lnRef idx="2">
+            <a:schemeClr val="accent1">
+              <a:shade val="50000"/>
+            </a:schemeClr>
+          </a:lnRef>
+          <a:fillRef idx="1">
+            <a:schemeClr val="accent1"/>
+          </a:fillRef>
+          <a:effectRef idx="0">
+            <a:schemeClr val="accent1"/>
+          </a:effectRef>
+          <a:fontRef idx="minor">
+            <a:schemeClr val="lt1"/>
+          </a:fontRef>
+        </p:style>
+        <p:txBody>
+          <a:bodyPr rtlCol="0" anchor="ctr"/>
+          <a:lstStyle/>
+          <a:p>
+            <a:pPr algn="ctr"/>
+            <a:endParaRPr lang="en-US"/>
+          </a:p>
+        </p:txBody>
+      </p:sp>
+      <p:sp>
+        <p:nvSpPr>
+          <p:cNvPr id="26" name="Right Arrow 25"/>
+          <p:cNvSpPr/>
+          <p:nvPr/>
+        </p:nvSpPr>
+        <p:spPr>
+          <a:xfrm rot="16200000">
+            <a:off x="3962400" y="4952999"/>
+            <a:ext cx="152401" cy="152400"/>
+          </a:xfrm>
+          <a:prstGeom prst="rightArrow">
+            <a:avLst/>
+          </a:prstGeom>
+        </p:spPr>
+        <p:style>
+          <a:lnRef idx="2">
+            <a:schemeClr val="accent1">
+              <a:shade val="50000"/>
+            </a:schemeClr>
+          </a:lnRef>
+          <a:fillRef idx="1">
+            <a:schemeClr val="accent1"/>
+          </a:fillRef>
+          <a:effectRef idx="0">
+            <a:schemeClr val="accent1"/>
+          </a:effectRef>
+          <a:fontRef idx="minor">
+            <a:schemeClr val="lt1"/>
+          </a:fontRef>
+        </p:style>
+        <p:txBody>
+          <a:bodyPr rtlCol="0" anchor="ctr"/>
+          <a:lstStyle/>
+          <a:p>
+            <a:pPr algn="ctr"/>
+            <a:endParaRPr lang="en-US"/>
+          </a:p>
+        </p:txBody>
+      </p:sp>
+      <p:sp>
+        <p:nvSpPr>
+          <p:cNvPr id="27" name="Right Arrow 26"/>
+          <p:cNvSpPr/>
+          <p:nvPr/>
+        </p:nvSpPr>
+        <p:spPr>
+          <a:xfrm rot="16200000">
+            <a:off x="3962402" y="5372099"/>
+            <a:ext cx="152401" cy="152400"/>
+          </a:xfrm>
+          <a:prstGeom prst="rightArrow">
+            <a:avLst/>
+          </a:prstGeom>
+        </p:spPr>
+        <p:style>
+          <a:lnRef idx="2">
+            <a:schemeClr val="accent1">
+              <a:shade val="50000"/>
+            </a:schemeClr>
+          </a:lnRef>
+          <a:fillRef idx="1">
+            <a:schemeClr val="accent1"/>
+          </a:fillRef>
+          <a:effectRef idx="0">
+            <a:schemeClr val="accent1"/>
+          </a:effectRef>
+          <a:fontRef idx="minor">
+            <a:schemeClr val="lt1"/>
+          </a:fontRef>
+        </p:style>
+        <p:txBody>
+          <a:bodyPr rtlCol="0" anchor="ctr"/>
+          <a:lstStyle/>
+          <a:p>
+            <a:pPr algn="ctr"/>
+            <a:endParaRPr lang="en-US"/>
+          </a:p>
+        </p:txBody>
+      </p:sp>
+      <p:sp>
+        <p:nvSpPr>
+          <p:cNvPr id="28" name="Right Arrow 27"/>
+          <p:cNvSpPr/>
+          <p:nvPr/>
+        </p:nvSpPr>
+        <p:spPr>
+          <a:xfrm rot="16200000">
+            <a:off x="3962400" y="5791199"/>
+            <a:ext cx="152401" cy="152400"/>
+          </a:xfrm>
+          <a:prstGeom prst="rightArrow">
+            <a:avLst/>
+          </a:prstGeom>
+        </p:spPr>
+        <p:style>
+          <a:lnRef idx="2">
+            <a:schemeClr val="accent1">
+              <a:shade val="50000"/>
+            </a:schemeClr>
+          </a:lnRef>
+          <a:fillRef idx="1">
+            <a:schemeClr val="accent1"/>
+          </a:fillRef>
+          <a:effectRef idx="0">
+            <a:schemeClr val="accent1"/>
+          </a:effectRef>
+          <a:fontRef idx="minor">
+            <a:schemeClr val="lt1"/>
+          </a:fontRef>
+        </p:style>
+        <p:txBody>
+          <a:bodyPr rtlCol="0" anchor="ctr"/>
+          <a:lstStyle/>
+          <a:p>
+            <a:pPr algn="ctr"/>
+            <a:endParaRPr lang="en-US"/>
+          </a:p>
+        </p:txBody>
+      </p:sp>
+      <p:sp>
+        <p:nvSpPr>
+          <p:cNvPr id="13" name="Minus 12"/>
+          <p:cNvSpPr/>
+          <p:nvPr/>
+        </p:nvSpPr>
+        <p:spPr>
+          <a:xfrm rot="18511165">
+            <a:off x="4457699" y="4525689"/>
+            <a:ext cx="228600" cy="228600"/>
+          </a:xfrm>
+          <a:prstGeom prst="mathMinus">
+            <a:avLst/>
+          </a:prstGeom>
+        </p:spPr>
+        <p:style>
+          <a:lnRef idx="2">
+            <a:schemeClr val="accent1">
+              <a:shade val="50000"/>
+            </a:schemeClr>
+          </a:lnRef>
+          <a:fillRef idx="1">
+            <a:schemeClr val="accent1"/>
+          </a:fillRef>
+          <a:effectRef idx="0">
+            <a:schemeClr val="accent1"/>
+          </a:effectRef>
+          <a:fontRef idx="minor">
+            <a:schemeClr val="lt1"/>
+          </a:fontRef>
+        </p:style>
+        <p:txBody>
+          <a:bodyPr rtlCol="0" anchor="ctr"/>
+          <a:lstStyle/>
+          <a:p>
+            <a:pPr algn="ctr"/>
+            <a:endParaRPr lang="en-US"/>
+          </a:p>
+        </p:txBody>
+      </p:sp>
+      <p:sp>
+        <p:nvSpPr>
+          <p:cNvPr id="29" name="Minus 28"/>
+          <p:cNvSpPr/>
+          <p:nvPr/>
+        </p:nvSpPr>
+        <p:spPr>
+          <a:xfrm rot="18511165">
+            <a:off x="4457700" y="4914899"/>
+            <a:ext cx="228600" cy="228600"/>
+          </a:xfrm>
+          <a:prstGeom prst="mathMinus">
+            <a:avLst/>
+          </a:prstGeom>
+        </p:spPr>
+        <p:style>
+          <a:lnRef idx="2">
+            <a:schemeClr val="accent1">
+              <a:shade val="50000"/>
+            </a:schemeClr>
+          </a:lnRef>
+          <a:fillRef idx="1">
+            <a:schemeClr val="accent1"/>
+          </a:fillRef>
+          <a:effectRef idx="0">
+            <a:schemeClr val="accent1"/>
+          </a:effectRef>
+          <a:fontRef idx="minor">
+            <a:schemeClr val="lt1"/>
+          </a:fontRef>
+        </p:style>
+        <p:txBody>
+          <a:bodyPr rtlCol="0" anchor="ctr"/>
+          <a:lstStyle/>
+          <a:p>
+            <a:pPr algn="ctr"/>
+            <a:endParaRPr lang="en-US"/>
+          </a:p>
+        </p:txBody>
+      </p:sp>
+      <p:sp>
+        <p:nvSpPr>
+          <p:cNvPr id="30" name="Minus 29"/>
+          <p:cNvSpPr/>
+          <p:nvPr/>
+        </p:nvSpPr>
+        <p:spPr>
+          <a:xfrm rot="18511165">
+            <a:off x="4457699" y="5334000"/>
+            <a:ext cx="228600" cy="228600"/>
+          </a:xfrm>
+          <a:prstGeom prst="mathMinus">
+            <a:avLst/>
+          </a:prstGeom>
+        </p:spPr>
+        <p:style>
+          <a:lnRef idx="2">
+            <a:schemeClr val="accent1">
+              <a:shade val="50000"/>
+            </a:schemeClr>
+          </a:lnRef>
+          <a:fillRef idx="1">
+            <a:schemeClr val="accent1"/>
+          </a:fillRef>
+          <a:effectRef idx="0">
+            <a:schemeClr val="accent1"/>
+          </a:effectRef>
+          <a:fontRef idx="minor">
+            <a:schemeClr val="lt1"/>
+          </a:fontRef>
+        </p:style>
+        <p:txBody>
+          <a:bodyPr rtlCol="0" anchor="ctr"/>
+          <a:lstStyle/>
+          <a:p>
+            <a:pPr algn="ctr"/>
+            <a:endParaRPr lang="en-US"/>
+          </a:p>
+        </p:txBody>
+      </p:sp>
+      <p:sp>
+        <p:nvSpPr>
+          <p:cNvPr id="31" name="Minus 30"/>
+          <p:cNvSpPr/>
+          <p:nvPr/>
+        </p:nvSpPr>
+        <p:spPr>
+          <a:xfrm rot="18511165">
+            <a:off x="4457700" y="5753098"/>
+            <a:ext cx="228600" cy="228600"/>
+          </a:xfrm>
+          <a:prstGeom prst="mathMinus">
+            <a:avLst/>
+          </a:prstGeom>
+        </p:spPr>
+        <p:style>
+          <a:lnRef idx="2">
+            <a:schemeClr val="accent1">
+              <a:shade val="50000"/>
+            </a:schemeClr>
+          </a:lnRef>
+          <a:fillRef idx="1">
+            <a:schemeClr val="accent1"/>
+          </a:fillRef>
+          <a:effectRef idx="0">
+            <a:schemeClr val="accent1"/>
+          </a:effectRef>
+          <a:fontRef idx="minor">
+            <a:schemeClr val="lt1"/>
+          </a:fontRef>
+        </p:style>
+        <p:txBody>
+          <a:bodyPr rtlCol="0" anchor="ctr"/>
+          <a:lstStyle/>
+          <a:p>
+            <a:pPr algn="ctr"/>
+            <a:endParaRPr lang="en-US"/>
+          </a:p>
+        </p:txBody>
+      </p:sp>
+      <p:cxnSp>
+        <p:nvCxnSpPr>
+          <p:cNvPr id="32" name="Straight Arrow Connector 31"/>
+          <p:cNvCxnSpPr/>
+          <p:nvPr/>
+        </p:nvCxnSpPr>
+        <p:spPr>
+          <a:xfrm flipH="1">
+            <a:off x="4627418" y="4655127"/>
+            <a:ext cx="1773382" cy="1"/>
+          </a:xfrm>
+          <a:prstGeom prst="straightConnector1">
+            <a:avLst/>
+          </a:prstGeom>
+          <a:ln w="19050">
+            <a:solidFill>
+              <a:srgbClr val="FF0000"/>
+            </a:solidFill>
+            <a:tailEnd type="arrow"/>
+          </a:ln>
+        </p:spPr>
+        <p:style>
+          <a:lnRef idx="1">
+            <a:schemeClr val="accent1"/>
+          </a:lnRef>
+          <a:fillRef idx="0">
+            <a:schemeClr val="accent1"/>
+          </a:fillRef>
+          <a:effectRef idx="0">
+            <a:schemeClr val="accent1"/>
+          </a:effectRef>
+          <a:fontRef idx="minor">
+            <a:schemeClr val="tx1"/>
+          </a:fontRef>
+        </p:style>
+      </p:cxnSp>
+      <p:sp>
+        <p:nvSpPr>
+          <p:cNvPr id="34" name="Rectangle 33"/>
+          <p:cNvSpPr/>
+          <p:nvPr/>
+        </p:nvSpPr>
+        <p:spPr>
+          <a:xfrm>
+            <a:off x="6400800" y="4569689"/>
+            <a:ext cx="1524000" cy="228603"/>
+          </a:xfrm>
+          <a:prstGeom prst="rect">
+            <a:avLst/>
+          </a:prstGeom>
+          <a:solidFill>
+            <a:schemeClr val="bg2"/>
+          </a:solidFill>
+          <a:ln w="12700"/>
+        </p:spPr>
+        <p:style>
+          <a:lnRef idx="2">
+            <a:schemeClr val="accent1">
+              <a:shade val="50000"/>
+            </a:schemeClr>
+          </a:lnRef>
+          <a:fillRef idx="1">
+            <a:schemeClr val="accent1"/>
+          </a:fillRef>
+          <a:effectRef idx="0">
+            <a:schemeClr val="accent1"/>
+          </a:effectRef>
+          <a:fontRef idx="minor">
+            <a:schemeClr val="lt1"/>
+          </a:fontRef>
+        </p:style>
+        <p:txBody>
+          <a:bodyPr rtlCol="0" anchor="ctr"/>
+          <a:lstStyle/>
+          <a:p>
+            <a:pPr algn="ctr"/>
+            <a:r>
+              <a:rPr lang="en-US" dirty="0" smtClean="0">
+                <a:solidFill>
+                  <a:schemeClr val="tx1"/>
+                </a:solidFill>
+              </a:rPr>
+              <a:t>Edit</a:t>
+            </a:r>
+            <a:endParaRPr lang="en-US" dirty="0">
+              <a:solidFill>
+                <a:schemeClr val="tx1"/>
+              </a:solidFill>
+            </a:endParaRPr>
+          </a:p>
+        </p:txBody>
+      </p:sp>
+      <p:cxnSp>
+        <p:nvCxnSpPr>
+          <p:cNvPr id="35" name="Straight Arrow Connector 34"/>
+          <p:cNvCxnSpPr/>
+          <p:nvPr/>
+        </p:nvCxnSpPr>
+        <p:spPr>
+          <a:xfrm flipH="1">
+            <a:off x="4114803" y="5943600"/>
+            <a:ext cx="2209797" cy="0"/>
+          </a:xfrm>
+          <a:prstGeom prst="straightConnector1">
+            <a:avLst/>
+          </a:prstGeom>
+          <a:ln w="19050">
+            <a:solidFill>
+              <a:srgbClr val="FF0000"/>
+            </a:solidFill>
+            <a:tailEnd type="arrow"/>
+          </a:ln>
+        </p:spPr>
+        <p:style>
+          <a:lnRef idx="1">
+            <a:schemeClr val="accent1"/>
+          </a:lnRef>
+          <a:fillRef idx="0">
+            <a:schemeClr val="accent1"/>
+          </a:fillRef>
+          <a:effectRef idx="0">
+            <a:schemeClr val="accent1"/>
+          </a:effectRef>
+          <a:fontRef idx="minor">
+            <a:schemeClr val="tx1"/>
+          </a:fontRef>
+        </p:style>
+      </p:cxnSp>
+      <p:sp>
+        <p:nvSpPr>
+          <p:cNvPr id="37" name="Rectangle 36"/>
+          <p:cNvSpPr/>
+          <p:nvPr/>
+        </p:nvSpPr>
+        <p:spPr>
+          <a:xfrm>
+            <a:off x="6324600" y="5829298"/>
+            <a:ext cx="1524000" cy="228603"/>
+          </a:xfrm>
+          <a:prstGeom prst="rect">
+            <a:avLst/>
+          </a:prstGeom>
+          <a:solidFill>
+            <a:schemeClr val="bg2"/>
+          </a:solidFill>
+          <a:ln w="12700"/>
+        </p:spPr>
+        <p:style>
+          <a:lnRef idx="2">
+            <a:schemeClr val="accent1">
+              <a:shade val="50000"/>
+            </a:schemeClr>
+          </a:lnRef>
+          <a:fillRef idx="1">
+            <a:schemeClr val="accent1"/>
+          </a:fillRef>
+          <a:effectRef idx="0">
+            <a:schemeClr val="accent1"/>
+          </a:effectRef>
+          <a:fontRef idx="minor">
+            <a:schemeClr val="lt1"/>
+          </a:fontRef>
+        </p:style>
+        <p:txBody>
+          <a:bodyPr rtlCol="0" anchor="ctr"/>
+          <a:lstStyle/>
+          <a:p>
+            <a:pPr algn="ctr"/>
+            <a:r>
+              <a:rPr lang="en-US" dirty="0" smtClean="0">
+                <a:solidFill>
+                  <a:schemeClr val="tx1"/>
+                </a:solidFill>
+              </a:rPr>
+              <a:t>show</a:t>
+            </a:r>
+            <a:endParaRPr lang="en-US" dirty="0">
+              <a:solidFill>
+                <a:schemeClr val="tx1"/>
+              </a:solidFill>
+            </a:endParaRPr>
           </a:p>
         </p:txBody>
       </p:sp>

--- a/source/musicpage/Documents/Music page.pptx
+++ b/source/musicpage/Documents/Music page.pptx
@@ -13,6 +13,10 @@
     <p:sldId id="261" r:id="rId7"/>
     <p:sldId id="262" r:id="rId8"/>
     <p:sldId id="263" r:id="rId9"/>
+    <p:sldId id="264" r:id="rId10"/>
+    <p:sldId id="265" r:id="rId11"/>
+    <p:sldId id="266" r:id="rId12"/>
+    <p:sldId id="267" r:id="rId13"/>
   </p:sldIdLst>
   <p:sldSz cx="9144000" cy="6858000" type="screen4x3"/>
   <p:notesSz cx="6858000" cy="9144000"/>
@@ -295,7 +299,7 @@
           <a:p>
             <a:fld id="{7DDD6D33-52EB-4E0A-A3B0-B44F76A61690}" type="datetimeFigureOut">
               <a:rPr lang="en-US" smtClean="0"/>
-              <a:t>4/11/2013</a:t>
+              <a:t>4/14/2013</a:t>
             </a:fld>
             <a:endParaRPr lang="en-US"/>
           </a:p>
@@ -465,7 +469,7 @@
           <a:p>
             <a:fld id="{7DDD6D33-52EB-4E0A-A3B0-B44F76A61690}" type="datetimeFigureOut">
               <a:rPr lang="en-US" smtClean="0"/>
-              <a:t>4/11/2013</a:t>
+              <a:t>4/14/2013</a:t>
             </a:fld>
             <a:endParaRPr lang="en-US"/>
           </a:p>
@@ -645,7 +649,7 @@
           <a:p>
             <a:fld id="{7DDD6D33-52EB-4E0A-A3B0-B44F76A61690}" type="datetimeFigureOut">
               <a:rPr lang="en-US" smtClean="0"/>
-              <a:t>4/11/2013</a:t>
+              <a:t>4/14/2013</a:t>
             </a:fld>
             <a:endParaRPr lang="en-US"/>
           </a:p>
@@ -815,7 +819,7 @@
           <a:p>
             <a:fld id="{7DDD6D33-52EB-4E0A-A3B0-B44F76A61690}" type="datetimeFigureOut">
               <a:rPr lang="en-US" smtClean="0"/>
-              <a:t>4/11/2013</a:t>
+              <a:t>4/14/2013</a:t>
             </a:fld>
             <a:endParaRPr lang="en-US"/>
           </a:p>
@@ -1061,7 +1065,7 @@
           <a:p>
             <a:fld id="{7DDD6D33-52EB-4E0A-A3B0-B44F76A61690}" type="datetimeFigureOut">
               <a:rPr lang="en-US" smtClean="0"/>
-              <a:t>4/11/2013</a:t>
+              <a:t>4/14/2013</a:t>
             </a:fld>
             <a:endParaRPr lang="en-US"/>
           </a:p>
@@ -1349,7 +1353,7 @@
           <a:p>
             <a:fld id="{7DDD6D33-52EB-4E0A-A3B0-B44F76A61690}" type="datetimeFigureOut">
               <a:rPr lang="en-US" smtClean="0"/>
-              <a:t>4/11/2013</a:t>
+              <a:t>4/14/2013</a:t>
             </a:fld>
             <a:endParaRPr lang="en-US"/>
           </a:p>
@@ -1771,7 +1775,7 @@
           <a:p>
             <a:fld id="{7DDD6D33-52EB-4E0A-A3B0-B44F76A61690}" type="datetimeFigureOut">
               <a:rPr lang="en-US" smtClean="0"/>
-              <a:t>4/11/2013</a:t>
+              <a:t>4/14/2013</a:t>
             </a:fld>
             <a:endParaRPr lang="en-US"/>
           </a:p>
@@ -1889,7 +1893,7 @@
           <a:p>
             <a:fld id="{7DDD6D33-52EB-4E0A-A3B0-B44F76A61690}" type="datetimeFigureOut">
               <a:rPr lang="en-US" smtClean="0"/>
-              <a:t>4/11/2013</a:t>
+              <a:t>4/14/2013</a:t>
             </a:fld>
             <a:endParaRPr lang="en-US"/>
           </a:p>
@@ -1984,7 +1988,7 @@
           <a:p>
             <a:fld id="{7DDD6D33-52EB-4E0A-A3B0-B44F76A61690}" type="datetimeFigureOut">
               <a:rPr lang="en-US" smtClean="0"/>
-              <a:t>4/11/2013</a:t>
+              <a:t>4/14/2013</a:t>
             </a:fld>
             <a:endParaRPr lang="en-US"/>
           </a:p>
@@ -2261,7 +2265,7 @@
           <a:p>
             <a:fld id="{7DDD6D33-52EB-4E0A-A3B0-B44F76A61690}" type="datetimeFigureOut">
               <a:rPr lang="en-US" smtClean="0"/>
-              <a:t>4/11/2013</a:t>
+              <a:t>4/14/2013</a:t>
             </a:fld>
             <a:endParaRPr lang="en-US"/>
           </a:p>
@@ -2514,7 +2518,7 @@
           <a:p>
             <a:fld id="{7DDD6D33-52EB-4E0A-A3B0-B44F76A61690}" type="datetimeFigureOut">
               <a:rPr lang="en-US" smtClean="0"/>
-              <a:t>4/11/2013</a:t>
+              <a:t>4/14/2013</a:t>
             </a:fld>
             <a:endParaRPr lang="en-US"/>
           </a:p>
@@ -2727,7 +2731,7 @@
           <a:p>
             <a:fld id="{7DDD6D33-52EB-4E0A-A3B0-B44F76A61690}" type="datetimeFigureOut">
               <a:rPr lang="en-US" smtClean="0"/>
-              <a:t>4/11/2013</a:t>
+              <a:t>4/14/2013</a:t>
             </a:fld>
             <a:endParaRPr lang="en-US"/>
           </a:p>
@@ -3157,6 +3161,3054 @@
 </p:sld>
 </file>
 
+<file path=ppt/slides/slide10.xml><?xml version="1.0" encoding="utf-8"?>
+<p:sld xmlns:a="http://schemas.openxmlformats.org/drawingml/2006/main" xmlns:r="http://schemas.openxmlformats.org/officeDocument/2006/relationships" xmlns:p="http://schemas.openxmlformats.org/presentationml/2006/main">
+  <p:cSld>
+    <p:spTree>
+      <p:nvGrpSpPr>
+        <p:cNvPr id="1" name=""/>
+        <p:cNvGrpSpPr/>
+        <p:nvPr/>
+      </p:nvGrpSpPr>
+      <p:grpSpPr>
+        <a:xfrm>
+          <a:off x="0" y="0"/>
+          <a:ext cx="0" cy="0"/>
+          <a:chOff x="0" y="0"/>
+          <a:chExt cx="0" cy="0"/>
+        </a:xfrm>
+      </p:grpSpPr>
+      <p:sp>
+        <p:nvSpPr>
+          <p:cNvPr id="2" name="Title 1"/>
+          <p:cNvSpPr>
+            <a:spLocks noGrp="1"/>
+          </p:cNvSpPr>
+          <p:nvPr>
+            <p:ph type="title"/>
+          </p:nvPr>
+        </p:nvSpPr>
+        <p:spPr/>
+        <p:txBody>
+          <a:bodyPr/>
+          <a:lstStyle/>
+          <a:p>
+            <a:r>
+              <a:rPr lang="en-US" dirty="0"/>
+              <a:t>BOM of </a:t>
+            </a:r>
+            <a:r>
+              <a:rPr lang="en-US" dirty="0" err="1"/>
+              <a:t>AlbumHeader</a:t>
+            </a:r>
+            <a:endParaRPr lang="en-US" dirty="0"/>
+          </a:p>
+        </p:txBody>
+      </p:sp>
+      <p:sp>
+        <p:nvSpPr>
+          <p:cNvPr id="3" name="Content Placeholder 2"/>
+          <p:cNvSpPr>
+            <a:spLocks noGrp="1"/>
+          </p:cNvSpPr>
+          <p:nvPr>
+            <p:ph idx="1"/>
+          </p:nvPr>
+        </p:nvSpPr>
+        <p:spPr/>
+        <p:txBody>
+          <a:bodyPr>
+            <a:normAutofit lnSpcReduction="10000"/>
+          </a:bodyPr>
+          <a:lstStyle/>
+          <a:p>
+            <a:r>
+              <a:rPr lang="en-US" dirty="0" err="1" smtClean="0"/>
+              <a:t>Quy</a:t>
+            </a:r>
+            <a:r>
+              <a:rPr lang="en-US" dirty="0" smtClean="0"/>
+              <a:t> </a:t>
+            </a:r>
+            <a:r>
+              <a:rPr lang="en-US" dirty="0" err="1" smtClean="0"/>
+              <a:t>trình</a:t>
+            </a:r>
+            <a:r>
+              <a:rPr lang="en-US" dirty="0" smtClean="0"/>
+              <a:t> </a:t>
+            </a:r>
+            <a:r>
+              <a:rPr lang="en-US" dirty="0" err="1" smtClean="0"/>
+              <a:t>thêm</a:t>
+            </a:r>
+            <a:r>
+              <a:rPr lang="en-US" smtClean="0"/>
+              <a:t> tag:</a:t>
+            </a:r>
+            <a:endParaRPr lang="en-US" dirty="0" smtClean="0"/>
+          </a:p>
+          <a:p>
+            <a:pPr lvl="1"/>
+            <a:r>
+              <a:rPr lang="en-US" dirty="0" err="1" smtClean="0"/>
+              <a:t>Đầu</a:t>
+            </a:r>
+            <a:r>
+              <a:rPr lang="en-US" dirty="0" smtClean="0"/>
+              <a:t> </a:t>
+            </a:r>
+            <a:r>
+              <a:rPr lang="en-US" dirty="0" err="1" smtClean="0"/>
+              <a:t>tiên</a:t>
+            </a:r>
+            <a:r>
+              <a:rPr lang="en-US" dirty="0" smtClean="0"/>
+              <a:t> user </a:t>
+            </a:r>
+            <a:r>
+              <a:rPr lang="en-US" dirty="0" err="1" smtClean="0"/>
+              <a:t>sẽ</a:t>
+            </a:r>
+            <a:r>
+              <a:rPr lang="en-US" dirty="0" smtClean="0"/>
+              <a:t> </a:t>
+            </a:r>
+            <a:r>
+              <a:rPr lang="en-US" dirty="0" err="1" smtClean="0"/>
+              <a:t>dùng</a:t>
+            </a:r>
+            <a:r>
+              <a:rPr lang="en-US" dirty="0" smtClean="0"/>
+              <a:t> mouse drag 1 position </a:t>
+            </a:r>
+            <a:r>
+              <a:rPr lang="en-US" dirty="0" err="1" smtClean="0"/>
+              <a:t>trên</a:t>
+            </a:r>
+            <a:r>
+              <a:rPr lang="en-US" dirty="0" smtClean="0"/>
+              <a:t> Image of Banner</a:t>
+            </a:r>
+          </a:p>
+          <a:p>
+            <a:pPr lvl="1"/>
+            <a:r>
+              <a:rPr lang="en-US" dirty="0" err="1" smtClean="0"/>
+              <a:t>Sau</a:t>
+            </a:r>
+            <a:r>
+              <a:rPr lang="en-US" dirty="0" smtClean="0"/>
+              <a:t> </a:t>
+            </a:r>
+            <a:r>
+              <a:rPr lang="en-US" dirty="0" err="1" smtClean="0"/>
+              <a:t>khi</a:t>
+            </a:r>
+            <a:r>
+              <a:rPr lang="en-US" dirty="0" smtClean="0"/>
+              <a:t> release mouse </a:t>
+            </a:r>
+            <a:r>
+              <a:rPr lang="en-US" dirty="0" err="1" smtClean="0"/>
+              <a:t>thì</a:t>
+            </a:r>
+            <a:r>
+              <a:rPr lang="en-US" dirty="0" smtClean="0"/>
+              <a:t> </a:t>
+            </a:r>
+            <a:r>
+              <a:rPr lang="en-US" dirty="0" err="1" smtClean="0"/>
+              <a:t>ngay</a:t>
+            </a:r>
+            <a:r>
+              <a:rPr lang="en-US" dirty="0" smtClean="0"/>
+              <a:t> </a:t>
+            </a:r>
+            <a:r>
+              <a:rPr lang="en-US" dirty="0" err="1" smtClean="0"/>
+              <a:t>bên</a:t>
+            </a:r>
+            <a:r>
+              <a:rPr lang="en-US" dirty="0" smtClean="0"/>
+              <a:t> </a:t>
+            </a:r>
+            <a:r>
+              <a:rPr lang="en-US" dirty="0" err="1" smtClean="0"/>
+              <a:t>dưới</a:t>
+            </a:r>
+            <a:r>
+              <a:rPr lang="en-US" dirty="0" smtClean="0"/>
+              <a:t> list tags of Banner </a:t>
+            </a:r>
+            <a:r>
+              <a:rPr lang="en-US" dirty="0" err="1" smtClean="0"/>
+              <a:t>sẽ</a:t>
+            </a:r>
+            <a:r>
+              <a:rPr lang="en-US" dirty="0" smtClean="0"/>
+              <a:t> </a:t>
+            </a:r>
+            <a:r>
+              <a:rPr lang="en-US" dirty="0" err="1" smtClean="0"/>
+              <a:t>tự</a:t>
+            </a:r>
+            <a:r>
+              <a:rPr lang="en-US" dirty="0" smtClean="0"/>
+              <a:t> </a:t>
+            </a:r>
+            <a:r>
+              <a:rPr lang="en-US" dirty="0" err="1" smtClean="0"/>
+              <a:t>động</a:t>
+            </a:r>
+            <a:r>
+              <a:rPr lang="en-US" dirty="0" smtClean="0"/>
+              <a:t> </a:t>
+            </a:r>
+            <a:r>
+              <a:rPr lang="en-US" dirty="0" err="1" smtClean="0"/>
+              <a:t>thêm</a:t>
+            </a:r>
+            <a:r>
+              <a:rPr lang="en-US" dirty="0" smtClean="0"/>
+              <a:t> 1 tag </a:t>
+            </a:r>
+            <a:r>
+              <a:rPr lang="en-US" dirty="0" err="1" smtClean="0"/>
+              <a:t>mới</a:t>
+            </a:r>
+            <a:r>
+              <a:rPr lang="en-US" dirty="0" smtClean="0"/>
+              <a:t> </a:t>
+            </a:r>
+            <a:r>
+              <a:rPr lang="en-US" dirty="0" err="1" smtClean="0"/>
+              <a:t>để</a:t>
+            </a:r>
+            <a:r>
+              <a:rPr lang="en-US" dirty="0" smtClean="0"/>
+              <a:t> </a:t>
+            </a:r>
+            <a:r>
+              <a:rPr lang="en-US" dirty="0" err="1" smtClean="0"/>
+              <a:t>đánh</a:t>
+            </a:r>
+            <a:r>
+              <a:rPr lang="en-US" dirty="0" smtClean="0"/>
+              <a:t> </a:t>
+            </a:r>
+            <a:r>
+              <a:rPr lang="en-US" dirty="0" err="1" smtClean="0"/>
+              <a:t>dấu</a:t>
+            </a:r>
+            <a:r>
+              <a:rPr lang="en-US" dirty="0" smtClean="0"/>
+              <a:t> tag </a:t>
+            </a:r>
+            <a:r>
+              <a:rPr lang="en-US" dirty="0" err="1" smtClean="0"/>
+              <a:t>vừa</a:t>
+            </a:r>
+            <a:r>
+              <a:rPr lang="en-US" dirty="0" smtClean="0"/>
+              <a:t> </a:t>
+            </a:r>
+            <a:r>
+              <a:rPr lang="en-US" dirty="0" err="1" smtClean="0"/>
+              <a:t>tạo</a:t>
+            </a:r>
+            <a:r>
+              <a:rPr lang="en-US" dirty="0" smtClean="0"/>
+              <a:t> </a:t>
+            </a:r>
+            <a:r>
+              <a:rPr lang="en-US" dirty="0" err="1" smtClean="0"/>
+              <a:t>ra</a:t>
+            </a:r>
+            <a:r>
+              <a:rPr lang="en-US" dirty="0" smtClean="0"/>
+              <a:t> </a:t>
+            </a:r>
+            <a:r>
+              <a:rPr lang="en-US" dirty="0" err="1" smtClean="0"/>
+              <a:t>trên</a:t>
+            </a:r>
+            <a:r>
+              <a:rPr lang="en-US" dirty="0" smtClean="0"/>
+              <a:t> banner, </a:t>
+            </a:r>
+            <a:r>
+              <a:rPr lang="en-US" dirty="0" err="1" smtClean="0"/>
+              <a:t>với</a:t>
+            </a:r>
+            <a:r>
+              <a:rPr lang="en-US" dirty="0" smtClean="0"/>
+              <a:t> </a:t>
+            </a:r>
+            <a:r>
+              <a:rPr lang="en-US" dirty="0" err="1" smtClean="0"/>
+              <a:t>tilte</a:t>
+            </a:r>
+            <a:r>
+              <a:rPr lang="en-US" dirty="0" smtClean="0"/>
+              <a:t> </a:t>
+            </a:r>
+            <a:r>
+              <a:rPr lang="en-US" dirty="0" err="1" smtClean="0"/>
+              <a:t>là</a:t>
+            </a:r>
+            <a:r>
+              <a:rPr lang="en-US" dirty="0" smtClean="0"/>
+              <a:t> “please change album name”</a:t>
+            </a:r>
+          </a:p>
+          <a:p>
+            <a:pPr lvl="1"/>
+            <a:r>
+              <a:rPr lang="en-US" dirty="0" err="1" smtClean="0"/>
+              <a:t>Tiếp</a:t>
+            </a:r>
+            <a:r>
+              <a:rPr lang="en-US" dirty="0" smtClean="0"/>
+              <a:t> </a:t>
+            </a:r>
+            <a:r>
+              <a:rPr lang="en-US" dirty="0" err="1" smtClean="0"/>
+              <a:t>theo</a:t>
+            </a:r>
+            <a:r>
+              <a:rPr lang="en-US" dirty="0" smtClean="0"/>
+              <a:t> </a:t>
+            </a:r>
+            <a:r>
+              <a:rPr lang="en-US" dirty="0" err="1" smtClean="0"/>
+              <a:t>để</a:t>
+            </a:r>
+            <a:r>
+              <a:rPr lang="en-US" dirty="0" smtClean="0"/>
+              <a:t> </a:t>
+            </a:r>
+            <a:r>
+              <a:rPr lang="en-US" dirty="0" err="1" smtClean="0"/>
+              <a:t>đổi</a:t>
+            </a:r>
+            <a:r>
+              <a:rPr lang="en-US" dirty="0" smtClean="0"/>
+              <a:t> album title </a:t>
+            </a:r>
+            <a:r>
+              <a:rPr lang="en-US" dirty="0" err="1" smtClean="0"/>
+              <a:t>thì</a:t>
+            </a:r>
+            <a:r>
+              <a:rPr lang="en-US" dirty="0" smtClean="0"/>
+              <a:t> </a:t>
+            </a:r>
+            <a:r>
+              <a:rPr lang="en-US" dirty="0" err="1" smtClean="0"/>
+              <a:t>bấm</a:t>
+            </a:r>
+            <a:r>
+              <a:rPr lang="en-US" dirty="0" smtClean="0"/>
+              <a:t> </a:t>
+            </a:r>
+            <a:r>
+              <a:rPr lang="en-US" dirty="0" err="1" smtClean="0"/>
+              <a:t>vào</a:t>
+            </a:r>
+            <a:r>
+              <a:rPr lang="en-US" dirty="0" smtClean="0"/>
+              <a:t> </a:t>
+            </a:r>
+            <a:r>
+              <a:rPr lang="en-US" dirty="0" err="1" smtClean="0"/>
+              <a:t>nút</a:t>
+            </a:r>
+            <a:r>
+              <a:rPr lang="en-US" dirty="0" smtClean="0"/>
+              <a:t> edit</a:t>
+            </a:r>
+          </a:p>
+          <a:p>
+            <a:pPr lvl="1"/>
+            <a:r>
+              <a:rPr lang="en-US" dirty="0" err="1" smtClean="0"/>
+              <a:t>Nút</a:t>
+            </a:r>
+            <a:r>
+              <a:rPr lang="en-US" dirty="0" smtClean="0"/>
+              <a:t> remove </a:t>
+            </a:r>
+            <a:r>
+              <a:rPr lang="en-US" dirty="0" err="1" smtClean="0"/>
+              <a:t>sẽ</a:t>
+            </a:r>
+            <a:r>
+              <a:rPr lang="en-US" dirty="0" smtClean="0"/>
+              <a:t> </a:t>
+            </a:r>
+            <a:r>
+              <a:rPr lang="en-US" dirty="0" err="1" smtClean="0"/>
+              <a:t>đc</a:t>
+            </a:r>
+            <a:r>
+              <a:rPr lang="en-US" dirty="0" smtClean="0"/>
+              <a:t> </a:t>
+            </a:r>
+            <a:r>
+              <a:rPr lang="en-US" dirty="0" err="1" smtClean="0"/>
+              <a:t>thay</a:t>
+            </a:r>
+            <a:r>
+              <a:rPr lang="en-US" dirty="0" smtClean="0"/>
+              <a:t> </a:t>
+            </a:r>
+            <a:r>
+              <a:rPr lang="en-US" dirty="0" err="1" smtClean="0"/>
+              <a:t>bằng</a:t>
+            </a:r>
+            <a:r>
+              <a:rPr lang="en-US" dirty="0" smtClean="0"/>
+              <a:t> </a:t>
+            </a:r>
+            <a:r>
+              <a:rPr lang="en-US" dirty="0" err="1" smtClean="0"/>
+              <a:t>nút</a:t>
+            </a:r>
+            <a:r>
+              <a:rPr lang="en-US" dirty="0" smtClean="0"/>
+              <a:t> add, </a:t>
+            </a:r>
+            <a:r>
+              <a:rPr lang="en-US" dirty="0" err="1" smtClean="0"/>
+              <a:t>và</a:t>
+            </a:r>
+            <a:r>
+              <a:rPr lang="en-US" dirty="0" smtClean="0"/>
+              <a:t> </a:t>
+            </a:r>
+            <a:r>
+              <a:rPr lang="en-US" dirty="0" err="1" smtClean="0"/>
+              <a:t>khi</a:t>
+            </a:r>
+            <a:r>
+              <a:rPr lang="en-US" dirty="0" smtClean="0"/>
+              <a:t> user </a:t>
+            </a:r>
+            <a:r>
+              <a:rPr lang="en-US" dirty="0" err="1" smtClean="0"/>
+              <a:t>bấm</a:t>
+            </a:r>
+            <a:r>
+              <a:rPr lang="en-US" dirty="0" smtClean="0"/>
+              <a:t> add </a:t>
+            </a:r>
+            <a:r>
+              <a:rPr lang="en-US" dirty="0" err="1" smtClean="0"/>
+              <a:t>thì</a:t>
+            </a:r>
+            <a:r>
+              <a:rPr lang="en-US" dirty="0" smtClean="0"/>
+              <a:t> tag </a:t>
+            </a:r>
+            <a:r>
+              <a:rPr lang="en-US" dirty="0" err="1" smtClean="0"/>
+              <a:t>mới</a:t>
+            </a:r>
+            <a:r>
+              <a:rPr lang="en-US" dirty="0" smtClean="0"/>
+              <a:t> </a:t>
+            </a:r>
+            <a:r>
+              <a:rPr lang="en-US" dirty="0" err="1" smtClean="0"/>
+              <a:t>thực</a:t>
+            </a:r>
+            <a:r>
+              <a:rPr lang="en-US" dirty="0" smtClean="0"/>
+              <a:t> </a:t>
+            </a:r>
+            <a:r>
+              <a:rPr lang="en-US" dirty="0" err="1" smtClean="0"/>
+              <a:t>đc</a:t>
+            </a:r>
+            <a:r>
+              <a:rPr lang="en-US" dirty="0" smtClean="0"/>
+              <a:t> </a:t>
+            </a:r>
+            <a:r>
+              <a:rPr lang="en-US" dirty="0" err="1" smtClean="0"/>
+              <a:t>thêm</a:t>
+            </a:r>
+            <a:r>
+              <a:rPr lang="en-US" dirty="0" smtClean="0"/>
+              <a:t> </a:t>
+            </a:r>
+            <a:r>
+              <a:rPr lang="en-US" dirty="0" err="1" smtClean="0"/>
+              <a:t>vào</a:t>
+            </a:r>
+            <a:endParaRPr lang="en-US" dirty="0"/>
+          </a:p>
+        </p:txBody>
+      </p:sp>
+    </p:spTree>
+    <p:extLst>
+      <p:ext uri="{BB962C8B-B14F-4D97-AF65-F5344CB8AC3E}">
+        <p14:creationId xmlns:p14="http://schemas.microsoft.com/office/powerpoint/2010/main" val="2971488412"/>
+      </p:ext>
+    </p:extLst>
+  </p:cSld>
+  <p:clrMapOvr>
+    <a:masterClrMapping/>
+  </p:clrMapOvr>
+</p:sld>
+</file>
+
+<file path=ppt/slides/slide11.xml><?xml version="1.0" encoding="utf-8"?>
+<p:sld xmlns:a="http://schemas.openxmlformats.org/drawingml/2006/main" xmlns:r="http://schemas.openxmlformats.org/officeDocument/2006/relationships" xmlns:p="http://schemas.openxmlformats.org/presentationml/2006/main">
+  <p:cSld>
+    <p:spTree>
+      <p:nvGrpSpPr>
+        <p:cNvPr id="1" name=""/>
+        <p:cNvGrpSpPr/>
+        <p:nvPr/>
+      </p:nvGrpSpPr>
+      <p:grpSpPr>
+        <a:xfrm>
+          <a:off x="0" y="0"/>
+          <a:ext cx="0" cy="0"/>
+          <a:chOff x="0" y="0"/>
+          <a:chExt cx="0" cy="0"/>
+        </a:xfrm>
+      </p:grpSpPr>
+      <p:sp>
+        <p:nvSpPr>
+          <p:cNvPr id="2" name="Title 1"/>
+          <p:cNvSpPr>
+            <a:spLocks noGrp="1"/>
+          </p:cNvSpPr>
+          <p:nvPr>
+            <p:ph type="title"/>
+          </p:nvPr>
+        </p:nvSpPr>
+        <p:spPr/>
+        <p:txBody>
+          <a:bodyPr/>
+          <a:lstStyle/>
+          <a:p>
+            <a:r>
+              <a:rPr lang="en-US" dirty="0" smtClean="0"/>
+              <a:t>Add button</a:t>
+            </a:r>
+            <a:endParaRPr lang="en-US" dirty="0"/>
+          </a:p>
+        </p:txBody>
+      </p:sp>
+      <p:sp>
+        <p:nvSpPr>
+          <p:cNvPr id="4" name="Rectangle 3"/>
+          <p:cNvSpPr/>
+          <p:nvPr/>
+        </p:nvSpPr>
+        <p:spPr>
+          <a:xfrm>
+            <a:off x="533400" y="1371600"/>
+            <a:ext cx="8077200" cy="5029200"/>
+          </a:xfrm>
+          <a:prstGeom prst="rect">
+            <a:avLst/>
+          </a:prstGeom>
+          <a:solidFill>
+            <a:schemeClr val="accent1">
+              <a:lumMod val="20000"/>
+              <a:lumOff val="80000"/>
+            </a:schemeClr>
+          </a:solidFill>
+          <a:ln w="12700"/>
+        </p:spPr>
+        <p:style>
+          <a:lnRef idx="2">
+            <a:schemeClr val="accent1">
+              <a:shade val="50000"/>
+            </a:schemeClr>
+          </a:lnRef>
+          <a:fillRef idx="1">
+            <a:schemeClr val="accent1"/>
+          </a:fillRef>
+          <a:effectRef idx="0">
+            <a:schemeClr val="accent1"/>
+          </a:effectRef>
+          <a:fontRef idx="minor">
+            <a:schemeClr val="lt1"/>
+          </a:fontRef>
+        </p:style>
+        <p:txBody>
+          <a:bodyPr rtlCol="0" anchor="ctr"/>
+          <a:lstStyle/>
+          <a:p>
+            <a:pPr algn="ctr"/>
+            <a:endParaRPr lang="en-US"/>
+          </a:p>
+        </p:txBody>
+      </p:sp>
+      <p:sp>
+        <p:nvSpPr>
+          <p:cNvPr id="5" name="Rectangle 4"/>
+          <p:cNvSpPr/>
+          <p:nvPr/>
+        </p:nvSpPr>
+        <p:spPr>
+          <a:xfrm>
+            <a:off x="763155" y="1524001"/>
+            <a:ext cx="608445" cy="457200"/>
+          </a:xfrm>
+          <a:prstGeom prst="rect">
+            <a:avLst/>
+          </a:prstGeom>
+          <a:solidFill>
+            <a:schemeClr val="bg2">
+              <a:lumMod val="75000"/>
+            </a:schemeClr>
+          </a:solidFill>
+          <a:ln w="12700"/>
+        </p:spPr>
+        <p:style>
+          <a:lnRef idx="2">
+            <a:schemeClr val="accent1">
+              <a:shade val="50000"/>
+            </a:schemeClr>
+          </a:lnRef>
+          <a:fillRef idx="1">
+            <a:schemeClr val="accent1"/>
+          </a:fillRef>
+          <a:effectRef idx="0">
+            <a:schemeClr val="accent1"/>
+          </a:effectRef>
+          <a:fontRef idx="minor">
+            <a:schemeClr val="lt1"/>
+          </a:fontRef>
+        </p:style>
+        <p:txBody>
+          <a:bodyPr rtlCol="0" anchor="ctr"/>
+          <a:lstStyle/>
+          <a:p>
+            <a:pPr algn="ctr"/>
+            <a:endParaRPr lang="en-US"/>
+          </a:p>
+        </p:txBody>
+      </p:sp>
+      <p:sp>
+        <p:nvSpPr>
+          <p:cNvPr id="6" name="Right Triangle 5"/>
+          <p:cNvSpPr/>
+          <p:nvPr/>
+        </p:nvSpPr>
+        <p:spPr>
+          <a:xfrm rot="3009404">
+            <a:off x="994659" y="1651648"/>
+            <a:ext cx="229958" cy="201222"/>
+          </a:xfrm>
+          <a:prstGeom prst="rtTriangle">
+            <a:avLst/>
+          </a:prstGeom>
+          <a:ln w="12700"/>
+        </p:spPr>
+        <p:style>
+          <a:lnRef idx="2">
+            <a:schemeClr val="accent1">
+              <a:shade val="50000"/>
+            </a:schemeClr>
+          </a:lnRef>
+          <a:fillRef idx="1">
+            <a:schemeClr val="accent1"/>
+          </a:fillRef>
+          <a:effectRef idx="0">
+            <a:schemeClr val="accent1"/>
+          </a:effectRef>
+          <a:fontRef idx="minor">
+            <a:schemeClr val="lt1"/>
+          </a:fontRef>
+        </p:style>
+        <p:txBody>
+          <a:bodyPr rtlCol="0" anchor="ctr"/>
+          <a:lstStyle/>
+          <a:p>
+            <a:pPr algn="ctr"/>
+            <a:endParaRPr lang="en-US"/>
+          </a:p>
+        </p:txBody>
+      </p:sp>
+      <p:sp>
+        <p:nvSpPr>
+          <p:cNvPr id="7" name="Rectangle 6"/>
+          <p:cNvSpPr/>
+          <p:nvPr/>
+        </p:nvSpPr>
+        <p:spPr>
+          <a:xfrm>
+            <a:off x="533400" y="2133600"/>
+            <a:ext cx="8077200" cy="2057400"/>
+          </a:xfrm>
+          <a:prstGeom prst="rect">
+            <a:avLst/>
+          </a:prstGeom>
+          <a:solidFill>
+            <a:schemeClr val="accent6">
+              <a:lumMod val="20000"/>
+              <a:lumOff val="80000"/>
+            </a:schemeClr>
+          </a:solidFill>
+          <a:ln w="12700"/>
+        </p:spPr>
+        <p:style>
+          <a:lnRef idx="2">
+            <a:schemeClr val="accent1">
+              <a:shade val="50000"/>
+            </a:schemeClr>
+          </a:lnRef>
+          <a:fillRef idx="1">
+            <a:schemeClr val="accent1"/>
+          </a:fillRef>
+          <a:effectRef idx="0">
+            <a:schemeClr val="accent1"/>
+          </a:effectRef>
+          <a:fontRef idx="minor">
+            <a:schemeClr val="lt1"/>
+          </a:fontRef>
+        </p:style>
+        <p:txBody>
+          <a:bodyPr rtlCol="0" anchor="ctr"/>
+          <a:lstStyle/>
+          <a:p>
+            <a:pPr algn="ctr"/>
+            <a:r>
+              <a:rPr lang="en-US" dirty="0" smtClean="0">
+                <a:solidFill>
+                  <a:schemeClr val="tx1"/>
+                </a:solidFill>
+              </a:rPr>
+              <a:t>Image of banner</a:t>
+            </a:r>
+            <a:endParaRPr lang="en-US" dirty="0">
+              <a:solidFill>
+                <a:schemeClr val="tx1"/>
+              </a:solidFill>
+            </a:endParaRPr>
+          </a:p>
+        </p:txBody>
+      </p:sp>
+      <p:sp>
+        <p:nvSpPr>
+          <p:cNvPr id="8" name="Rectangle 7"/>
+          <p:cNvSpPr/>
+          <p:nvPr/>
+        </p:nvSpPr>
+        <p:spPr>
+          <a:xfrm>
+            <a:off x="609600" y="4343400"/>
+            <a:ext cx="4953000" cy="1905000"/>
+          </a:xfrm>
+          <a:prstGeom prst="rect">
+            <a:avLst/>
+          </a:prstGeom>
+          <a:solidFill>
+            <a:schemeClr val="accent1">
+              <a:lumMod val="20000"/>
+              <a:lumOff val="80000"/>
+            </a:schemeClr>
+          </a:solidFill>
+          <a:ln w="12700"/>
+        </p:spPr>
+        <p:style>
+          <a:lnRef idx="2">
+            <a:schemeClr val="accent1">
+              <a:shade val="50000"/>
+            </a:schemeClr>
+          </a:lnRef>
+          <a:fillRef idx="1">
+            <a:schemeClr val="accent1"/>
+          </a:fillRef>
+          <a:effectRef idx="0">
+            <a:schemeClr val="accent1"/>
+          </a:effectRef>
+          <a:fontRef idx="minor">
+            <a:schemeClr val="lt1"/>
+          </a:fontRef>
+        </p:style>
+        <p:txBody>
+          <a:bodyPr rtlCol="0" anchor="ctr"/>
+          <a:lstStyle/>
+          <a:p>
+            <a:pPr algn="ctr"/>
+            <a:endParaRPr lang="en-US"/>
+          </a:p>
+        </p:txBody>
+      </p:sp>
+      <p:sp>
+        <p:nvSpPr>
+          <p:cNvPr id="9" name="Rectangle 8"/>
+          <p:cNvSpPr/>
+          <p:nvPr/>
+        </p:nvSpPr>
+        <p:spPr>
+          <a:xfrm>
+            <a:off x="685800" y="4495800"/>
+            <a:ext cx="4419600" cy="304800"/>
+          </a:xfrm>
+          <a:prstGeom prst="rect">
+            <a:avLst/>
+          </a:prstGeom>
+          <a:solidFill>
+            <a:schemeClr val="bg2"/>
+          </a:solidFill>
+          <a:ln w="12700"/>
+        </p:spPr>
+        <p:style>
+          <a:lnRef idx="2">
+            <a:schemeClr val="accent1">
+              <a:shade val="50000"/>
+            </a:schemeClr>
+          </a:lnRef>
+          <a:fillRef idx="1">
+            <a:schemeClr val="accent1"/>
+          </a:fillRef>
+          <a:effectRef idx="0">
+            <a:schemeClr val="accent1"/>
+          </a:effectRef>
+          <a:fontRef idx="minor">
+            <a:schemeClr val="lt1"/>
+          </a:fontRef>
+        </p:style>
+        <p:txBody>
+          <a:bodyPr rtlCol="0" anchor="ctr"/>
+          <a:lstStyle/>
+          <a:p>
+            <a:r>
+              <a:rPr lang="en-US" dirty="0" smtClean="0">
+                <a:solidFill>
+                  <a:schemeClr val="accent2">
+                    <a:lumMod val="50000"/>
+                  </a:schemeClr>
+                </a:solidFill>
+              </a:rPr>
+              <a:t>Album name 1</a:t>
+            </a:r>
+            <a:endParaRPr lang="en-US" dirty="0">
+              <a:solidFill>
+                <a:schemeClr val="accent2">
+                  <a:lumMod val="50000"/>
+                </a:schemeClr>
+              </a:solidFill>
+            </a:endParaRPr>
+          </a:p>
+        </p:txBody>
+      </p:sp>
+      <p:sp>
+        <p:nvSpPr>
+          <p:cNvPr id="11" name="Rectangle 10"/>
+          <p:cNvSpPr/>
+          <p:nvPr/>
+        </p:nvSpPr>
+        <p:spPr>
+          <a:xfrm>
+            <a:off x="685800" y="4876800"/>
+            <a:ext cx="4419600" cy="304800"/>
+          </a:xfrm>
+          <a:prstGeom prst="rect">
+            <a:avLst/>
+          </a:prstGeom>
+          <a:solidFill>
+            <a:schemeClr val="bg2"/>
+          </a:solidFill>
+          <a:ln w="12700"/>
+        </p:spPr>
+        <p:style>
+          <a:lnRef idx="2">
+            <a:schemeClr val="accent1">
+              <a:shade val="50000"/>
+            </a:schemeClr>
+          </a:lnRef>
+          <a:fillRef idx="1">
+            <a:schemeClr val="accent1"/>
+          </a:fillRef>
+          <a:effectRef idx="0">
+            <a:schemeClr val="accent1"/>
+          </a:effectRef>
+          <a:fontRef idx="minor">
+            <a:schemeClr val="lt1"/>
+          </a:fontRef>
+        </p:style>
+        <p:txBody>
+          <a:bodyPr rtlCol="0" anchor="ctr"/>
+          <a:lstStyle/>
+          <a:p>
+            <a:r>
+              <a:rPr lang="en-US" dirty="0">
+                <a:solidFill>
+                  <a:schemeClr val="accent2">
+                    <a:lumMod val="50000"/>
+                  </a:schemeClr>
+                </a:solidFill>
+              </a:rPr>
+              <a:t>Album name </a:t>
+            </a:r>
+            <a:r>
+              <a:rPr lang="en-US" dirty="0" smtClean="0">
+                <a:solidFill>
+                  <a:schemeClr val="accent2">
+                    <a:lumMod val="50000"/>
+                  </a:schemeClr>
+                </a:solidFill>
+              </a:rPr>
+              <a:t>2</a:t>
+            </a:r>
+            <a:endParaRPr lang="en-US" dirty="0">
+              <a:solidFill>
+                <a:schemeClr val="accent2">
+                  <a:lumMod val="50000"/>
+                </a:schemeClr>
+              </a:solidFill>
+            </a:endParaRPr>
+          </a:p>
+        </p:txBody>
+      </p:sp>
+      <p:sp>
+        <p:nvSpPr>
+          <p:cNvPr id="12" name="Rectangle 11"/>
+          <p:cNvSpPr/>
+          <p:nvPr/>
+        </p:nvSpPr>
+        <p:spPr>
+          <a:xfrm>
+            <a:off x="685800" y="5295900"/>
+            <a:ext cx="4419600" cy="304800"/>
+          </a:xfrm>
+          <a:prstGeom prst="rect">
+            <a:avLst/>
+          </a:prstGeom>
+          <a:solidFill>
+            <a:schemeClr val="bg2"/>
+          </a:solidFill>
+          <a:ln w="12700"/>
+        </p:spPr>
+        <p:style>
+          <a:lnRef idx="2">
+            <a:schemeClr val="accent1">
+              <a:shade val="50000"/>
+            </a:schemeClr>
+          </a:lnRef>
+          <a:fillRef idx="1">
+            <a:schemeClr val="accent1"/>
+          </a:fillRef>
+          <a:effectRef idx="0">
+            <a:schemeClr val="accent1"/>
+          </a:effectRef>
+          <a:fontRef idx="minor">
+            <a:schemeClr val="lt1"/>
+          </a:fontRef>
+        </p:style>
+        <p:txBody>
+          <a:bodyPr rtlCol="0" anchor="ctr"/>
+          <a:lstStyle/>
+          <a:p>
+            <a:r>
+              <a:rPr lang="en-US" dirty="0">
+                <a:solidFill>
+                  <a:schemeClr val="accent2">
+                    <a:lumMod val="50000"/>
+                  </a:schemeClr>
+                </a:solidFill>
+              </a:rPr>
+              <a:t>Album name </a:t>
+            </a:r>
+            <a:r>
+              <a:rPr lang="en-US" dirty="0" smtClean="0">
+                <a:solidFill>
+                  <a:schemeClr val="accent2">
+                    <a:lumMod val="50000"/>
+                  </a:schemeClr>
+                </a:solidFill>
+              </a:rPr>
+              <a:t>3</a:t>
+            </a:r>
+            <a:endParaRPr lang="en-US" dirty="0">
+              <a:solidFill>
+                <a:schemeClr val="accent2">
+                  <a:lumMod val="50000"/>
+                </a:schemeClr>
+              </a:solidFill>
+            </a:endParaRPr>
+          </a:p>
+        </p:txBody>
+      </p:sp>
+      <p:sp>
+        <p:nvSpPr>
+          <p:cNvPr id="15" name="Rectangle 14"/>
+          <p:cNvSpPr/>
+          <p:nvPr/>
+        </p:nvSpPr>
+        <p:spPr>
+          <a:xfrm>
+            <a:off x="685800" y="5715000"/>
+            <a:ext cx="4419600" cy="304800"/>
+          </a:xfrm>
+          <a:prstGeom prst="rect">
+            <a:avLst/>
+          </a:prstGeom>
+          <a:solidFill>
+            <a:schemeClr val="bg2"/>
+          </a:solidFill>
+          <a:ln w="12700"/>
+        </p:spPr>
+        <p:style>
+          <a:lnRef idx="2">
+            <a:schemeClr val="accent1">
+              <a:shade val="50000"/>
+            </a:schemeClr>
+          </a:lnRef>
+          <a:fillRef idx="1">
+            <a:schemeClr val="accent1"/>
+          </a:fillRef>
+          <a:effectRef idx="0">
+            <a:schemeClr val="accent1"/>
+          </a:effectRef>
+          <a:fontRef idx="minor">
+            <a:schemeClr val="lt1"/>
+          </a:fontRef>
+        </p:style>
+        <p:txBody>
+          <a:bodyPr rtlCol="0" anchor="ctr"/>
+          <a:lstStyle/>
+          <a:p>
+            <a:r>
+              <a:rPr lang="en-US" dirty="0">
+                <a:solidFill>
+                  <a:schemeClr val="accent2">
+                    <a:lumMod val="50000"/>
+                  </a:schemeClr>
+                </a:solidFill>
+              </a:rPr>
+              <a:t>Album name </a:t>
+            </a:r>
+            <a:r>
+              <a:rPr lang="en-US" dirty="0" smtClean="0">
+                <a:solidFill>
+                  <a:schemeClr val="accent2">
+                    <a:lumMod val="50000"/>
+                  </a:schemeClr>
+                </a:solidFill>
+              </a:rPr>
+              <a:t>4</a:t>
+            </a:r>
+            <a:endParaRPr lang="en-US" dirty="0">
+              <a:solidFill>
+                <a:schemeClr val="accent2">
+                  <a:lumMod val="50000"/>
+                </a:schemeClr>
+              </a:solidFill>
+            </a:endParaRPr>
+          </a:p>
+        </p:txBody>
+      </p:sp>
+      <p:sp>
+        <p:nvSpPr>
+          <p:cNvPr id="16" name="Rectangle 15"/>
+          <p:cNvSpPr/>
+          <p:nvPr/>
+        </p:nvSpPr>
+        <p:spPr>
+          <a:xfrm>
+            <a:off x="5238173" y="4495800"/>
+            <a:ext cx="228600" cy="1524000"/>
+          </a:xfrm>
+          <a:prstGeom prst="rect">
+            <a:avLst/>
+          </a:prstGeom>
+          <a:solidFill>
+            <a:schemeClr val="accent6">
+              <a:lumMod val="20000"/>
+              <a:lumOff val="80000"/>
+            </a:schemeClr>
+          </a:solidFill>
+          <a:ln w="12700"/>
+        </p:spPr>
+        <p:style>
+          <a:lnRef idx="2">
+            <a:schemeClr val="accent1">
+              <a:shade val="50000"/>
+            </a:schemeClr>
+          </a:lnRef>
+          <a:fillRef idx="1">
+            <a:schemeClr val="accent1"/>
+          </a:fillRef>
+          <a:effectRef idx="0">
+            <a:schemeClr val="accent1"/>
+          </a:effectRef>
+          <a:fontRef idx="minor">
+            <a:schemeClr val="lt1"/>
+          </a:fontRef>
+        </p:style>
+        <p:txBody>
+          <a:bodyPr rtlCol="0" anchor="ctr"/>
+          <a:lstStyle/>
+          <a:p>
+            <a:pPr algn="ctr"/>
+            <a:endParaRPr lang="en-US"/>
+          </a:p>
+        </p:txBody>
+      </p:sp>
+      <p:sp>
+        <p:nvSpPr>
+          <p:cNvPr id="17" name="Rectangle 16"/>
+          <p:cNvSpPr/>
+          <p:nvPr/>
+        </p:nvSpPr>
+        <p:spPr>
+          <a:xfrm>
+            <a:off x="5276273" y="4648200"/>
+            <a:ext cx="152400" cy="228600"/>
+          </a:xfrm>
+          <a:prstGeom prst="rect">
+            <a:avLst/>
+          </a:prstGeom>
+          <a:solidFill>
+            <a:schemeClr val="accent2">
+              <a:lumMod val="60000"/>
+              <a:lumOff val="40000"/>
+            </a:schemeClr>
+          </a:solidFill>
+          <a:ln w="12700"/>
+        </p:spPr>
+        <p:style>
+          <a:lnRef idx="2">
+            <a:schemeClr val="accent1">
+              <a:shade val="50000"/>
+            </a:schemeClr>
+          </a:lnRef>
+          <a:fillRef idx="1">
+            <a:schemeClr val="accent1"/>
+          </a:fillRef>
+          <a:effectRef idx="0">
+            <a:schemeClr val="accent1"/>
+          </a:effectRef>
+          <a:fontRef idx="minor">
+            <a:schemeClr val="lt1"/>
+          </a:fontRef>
+        </p:style>
+        <p:txBody>
+          <a:bodyPr rtlCol="0" anchor="ctr"/>
+          <a:lstStyle/>
+          <a:p>
+            <a:pPr algn="ctr"/>
+            <a:endParaRPr lang="en-US"/>
+          </a:p>
+        </p:txBody>
+      </p:sp>
+      <p:sp>
+        <p:nvSpPr>
+          <p:cNvPr id="18" name="Rectangle 17"/>
+          <p:cNvSpPr/>
+          <p:nvPr/>
+        </p:nvSpPr>
+        <p:spPr>
+          <a:xfrm>
+            <a:off x="3810000" y="4495800"/>
+            <a:ext cx="457200" cy="304800"/>
+          </a:xfrm>
+          <a:prstGeom prst="rect">
+            <a:avLst/>
+          </a:prstGeom>
+          <a:solidFill>
+            <a:schemeClr val="bg2">
+              <a:lumMod val="90000"/>
+            </a:schemeClr>
+          </a:solidFill>
+          <a:ln w="6350"/>
+        </p:spPr>
+        <p:style>
+          <a:lnRef idx="2">
+            <a:schemeClr val="accent1">
+              <a:shade val="50000"/>
+            </a:schemeClr>
+          </a:lnRef>
+          <a:fillRef idx="1">
+            <a:schemeClr val="accent1"/>
+          </a:fillRef>
+          <a:effectRef idx="0">
+            <a:schemeClr val="accent1"/>
+          </a:effectRef>
+          <a:fontRef idx="minor">
+            <a:schemeClr val="lt1"/>
+          </a:fontRef>
+        </p:style>
+        <p:txBody>
+          <a:bodyPr rtlCol="0" anchor="ctr"/>
+          <a:lstStyle/>
+          <a:p>
+            <a:pPr algn="ctr"/>
+            <a:endParaRPr lang="en-US"/>
+          </a:p>
+        </p:txBody>
+      </p:sp>
+      <p:sp>
+        <p:nvSpPr>
+          <p:cNvPr id="19" name="Rectangle 18"/>
+          <p:cNvSpPr/>
+          <p:nvPr/>
+        </p:nvSpPr>
+        <p:spPr>
+          <a:xfrm>
+            <a:off x="3810000" y="4876800"/>
+            <a:ext cx="457200" cy="304800"/>
+          </a:xfrm>
+          <a:prstGeom prst="rect">
+            <a:avLst/>
+          </a:prstGeom>
+          <a:solidFill>
+            <a:schemeClr val="bg2">
+              <a:lumMod val="90000"/>
+            </a:schemeClr>
+          </a:solidFill>
+          <a:ln w="6350"/>
+        </p:spPr>
+        <p:style>
+          <a:lnRef idx="2">
+            <a:schemeClr val="accent1">
+              <a:shade val="50000"/>
+            </a:schemeClr>
+          </a:lnRef>
+          <a:fillRef idx="1">
+            <a:schemeClr val="accent1"/>
+          </a:fillRef>
+          <a:effectRef idx="0">
+            <a:schemeClr val="accent1"/>
+          </a:effectRef>
+          <a:fontRef idx="minor">
+            <a:schemeClr val="lt1"/>
+          </a:fontRef>
+        </p:style>
+        <p:txBody>
+          <a:bodyPr rtlCol="0" anchor="ctr"/>
+          <a:lstStyle/>
+          <a:p>
+            <a:pPr algn="ctr"/>
+            <a:endParaRPr lang="en-US"/>
+          </a:p>
+        </p:txBody>
+      </p:sp>
+      <p:sp>
+        <p:nvSpPr>
+          <p:cNvPr id="20" name="Rectangle 19"/>
+          <p:cNvSpPr/>
+          <p:nvPr/>
+        </p:nvSpPr>
+        <p:spPr>
+          <a:xfrm>
+            <a:off x="3810000" y="5295900"/>
+            <a:ext cx="457200" cy="304800"/>
+          </a:xfrm>
+          <a:prstGeom prst="rect">
+            <a:avLst/>
+          </a:prstGeom>
+          <a:solidFill>
+            <a:schemeClr val="bg2">
+              <a:lumMod val="90000"/>
+            </a:schemeClr>
+          </a:solidFill>
+          <a:ln w="6350"/>
+        </p:spPr>
+        <p:style>
+          <a:lnRef idx="2">
+            <a:schemeClr val="accent1">
+              <a:shade val="50000"/>
+            </a:schemeClr>
+          </a:lnRef>
+          <a:fillRef idx="1">
+            <a:schemeClr val="accent1"/>
+          </a:fillRef>
+          <a:effectRef idx="0">
+            <a:schemeClr val="accent1"/>
+          </a:effectRef>
+          <a:fontRef idx="minor">
+            <a:schemeClr val="lt1"/>
+          </a:fontRef>
+        </p:style>
+        <p:txBody>
+          <a:bodyPr rtlCol="0" anchor="ctr"/>
+          <a:lstStyle/>
+          <a:p>
+            <a:pPr algn="ctr"/>
+            <a:endParaRPr lang="en-US"/>
+          </a:p>
+        </p:txBody>
+      </p:sp>
+      <p:sp>
+        <p:nvSpPr>
+          <p:cNvPr id="21" name="Rectangle 20"/>
+          <p:cNvSpPr/>
+          <p:nvPr/>
+        </p:nvSpPr>
+        <p:spPr>
+          <a:xfrm>
+            <a:off x="3810000" y="5715000"/>
+            <a:ext cx="457200" cy="304800"/>
+          </a:xfrm>
+          <a:prstGeom prst="rect">
+            <a:avLst/>
+          </a:prstGeom>
+          <a:solidFill>
+            <a:schemeClr val="bg2">
+              <a:lumMod val="90000"/>
+            </a:schemeClr>
+          </a:solidFill>
+          <a:ln w="6350"/>
+        </p:spPr>
+        <p:style>
+          <a:lnRef idx="2">
+            <a:schemeClr val="accent1">
+              <a:shade val="50000"/>
+            </a:schemeClr>
+          </a:lnRef>
+          <a:fillRef idx="1">
+            <a:schemeClr val="accent1"/>
+          </a:fillRef>
+          <a:effectRef idx="0">
+            <a:schemeClr val="accent1"/>
+          </a:effectRef>
+          <a:fontRef idx="minor">
+            <a:schemeClr val="lt1"/>
+          </a:fontRef>
+        </p:style>
+        <p:txBody>
+          <a:bodyPr rtlCol="0" anchor="ctr"/>
+          <a:lstStyle/>
+          <a:p>
+            <a:pPr algn="ctr"/>
+            <a:endParaRPr lang="en-US"/>
+          </a:p>
+        </p:txBody>
+      </p:sp>
+      <p:sp>
+        <p:nvSpPr>
+          <p:cNvPr id="22" name="Rectangle 21"/>
+          <p:cNvSpPr/>
+          <p:nvPr/>
+        </p:nvSpPr>
+        <p:spPr>
+          <a:xfrm>
+            <a:off x="4343400" y="4495800"/>
+            <a:ext cx="457200" cy="304800"/>
+          </a:xfrm>
+          <a:prstGeom prst="rect">
+            <a:avLst/>
+          </a:prstGeom>
+          <a:solidFill>
+            <a:schemeClr val="bg2">
+              <a:lumMod val="90000"/>
+            </a:schemeClr>
+          </a:solidFill>
+          <a:ln w="6350"/>
+        </p:spPr>
+        <p:style>
+          <a:lnRef idx="2">
+            <a:schemeClr val="accent1">
+              <a:shade val="50000"/>
+            </a:schemeClr>
+          </a:lnRef>
+          <a:fillRef idx="1">
+            <a:schemeClr val="accent1"/>
+          </a:fillRef>
+          <a:effectRef idx="0">
+            <a:schemeClr val="accent1"/>
+          </a:effectRef>
+          <a:fontRef idx="minor">
+            <a:schemeClr val="lt1"/>
+          </a:fontRef>
+        </p:style>
+        <p:txBody>
+          <a:bodyPr rtlCol="0" anchor="ctr"/>
+          <a:lstStyle/>
+          <a:p>
+            <a:pPr algn="ctr"/>
+            <a:endParaRPr lang="en-US"/>
+          </a:p>
+        </p:txBody>
+      </p:sp>
+      <p:sp>
+        <p:nvSpPr>
+          <p:cNvPr id="23" name="Rectangle 22"/>
+          <p:cNvSpPr/>
+          <p:nvPr/>
+        </p:nvSpPr>
+        <p:spPr>
+          <a:xfrm>
+            <a:off x="4343400" y="4876800"/>
+            <a:ext cx="457200" cy="304800"/>
+          </a:xfrm>
+          <a:prstGeom prst="rect">
+            <a:avLst/>
+          </a:prstGeom>
+          <a:solidFill>
+            <a:schemeClr val="bg2">
+              <a:lumMod val="90000"/>
+            </a:schemeClr>
+          </a:solidFill>
+          <a:ln w="6350"/>
+        </p:spPr>
+        <p:style>
+          <a:lnRef idx="2">
+            <a:schemeClr val="accent1">
+              <a:shade val="50000"/>
+            </a:schemeClr>
+          </a:lnRef>
+          <a:fillRef idx="1">
+            <a:schemeClr val="accent1"/>
+          </a:fillRef>
+          <a:effectRef idx="0">
+            <a:schemeClr val="accent1"/>
+          </a:effectRef>
+          <a:fontRef idx="minor">
+            <a:schemeClr val="lt1"/>
+          </a:fontRef>
+        </p:style>
+        <p:txBody>
+          <a:bodyPr rtlCol="0" anchor="ctr"/>
+          <a:lstStyle/>
+          <a:p>
+            <a:pPr algn="ctr"/>
+            <a:endParaRPr lang="en-US"/>
+          </a:p>
+        </p:txBody>
+      </p:sp>
+      <p:sp>
+        <p:nvSpPr>
+          <p:cNvPr id="24" name="Rectangle 23"/>
+          <p:cNvSpPr/>
+          <p:nvPr/>
+        </p:nvSpPr>
+        <p:spPr>
+          <a:xfrm>
+            <a:off x="4343400" y="5295900"/>
+            <a:ext cx="457200" cy="304800"/>
+          </a:xfrm>
+          <a:prstGeom prst="rect">
+            <a:avLst/>
+          </a:prstGeom>
+          <a:solidFill>
+            <a:schemeClr val="bg2">
+              <a:lumMod val="90000"/>
+            </a:schemeClr>
+          </a:solidFill>
+          <a:ln w="6350"/>
+        </p:spPr>
+        <p:style>
+          <a:lnRef idx="2">
+            <a:schemeClr val="accent1">
+              <a:shade val="50000"/>
+            </a:schemeClr>
+          </a:lnRef>
+          <a:fillRef idx="1">
+            <a:schemeClr val="accent1"/>
+          </a:fillRef>
+          <a:effectRef idx="0">
+            <a:schemeClr val="accent1"/>
+          </a:effectRef>
+          <a:fontRef idx="minor">
+            <a:schemeClr val="lt1"/>
+          </a:fontRef>
+        </p:style>
+        <p:txBody>
+          <a:bodyPr rtlCol="0" anchor="ctr"/>
+          <a:lstStyle/>
+          <a:p>
+            <a:pPr algn="ctr"/>
+            <a:endParaRPr lang="en-US"/>
+          </a:p>
+        </p:txBody>
+      </p:sp>
+      <p:sp>
+        <p:nvSpPr>
+          <p:cNvPr id="25" name="Rectangle 24"/>
+          <p:cNvSpPr/>
+          <p:nvPr/>
+        </p:nvSpPr>
+        <p:spPr>
+          <a:xfrm>
+            <a:off x="4343400" y="5715000"/>
+            <a:ext cx="457200" cy="304800"/>
+          </a:xfrm>
+          <a:prstGeom prst="rect">
+            <a:avLst/>
+          </a:prstGeom>
+          <a:solidFill>
+            <a:schemeClr val="bg2">
+              <a:lumMod val="90000"/>
+            </a:schemeClr>
+          </a:solidFill>
+          <a:ln w="6350"/>
+        </p:spPr>
+        <p:style>
+          <a:lnRef idx="2">
+            <a:schemeClr val="accent1">
+              <a:shade val="50000"/>
+            </a:schemeClr>
+          </a:lnRef>
+          <a:fillRef idx="1">
+            <a:schemeClr val="accent1"/>
+          </a:fillRef>
+          <a:effectRef idx="0">
+            <a:schemeClr val="accent1"/>
+          </a:effectRef>
+          <a:fontRef idx="minor">
+            <a:schemeClr val="lt1"/>
+          </a:fontRef>
+        </p:style>
+        <p:txBody>
+          <a:bodyPr rtlCol="0" anchor="ctr"/>
+          <a:lstStyle/>
+          <a:p>
+            <a:pPr algn="ctr"/>
+            <a:endParaRPr lang="en-US"/>
+          </a:p>
+        </p:txBody>
+      </p:sp>
+      <p:sp>
+        <p:nvSpPr>
+          <p:cNvPr id="3" name="Right Arrow 2"/>
+          <p:cNvSpPr/>
+          <p:nvPr/>
+        </p:nvSpPr>
+        <p:spPr>
+          <a:xfrm rot="16200000">
+            <a:off x="3962401" y="4571999"/>
+            <a:ext cx="152401" cy="152400"/>
+          </a:xfrm>
+          <a:prstGeom prst="rightArrow">
+            <a:avLst/>
+          </a:prstGeom>
+        </p:spPr>
+        <p:style>
+          <a:lnRef idx="2">
+            <a:schemeClr val="accent1">
+              <a:shade val="50000"/>
+            </a:schemeClr>
+          </a:lnRef>
+          <a:fillRef idx="1">
+            <a:schemeClr val="accent1"/>
+          </a:fillRef>
+          <a:effectRef idx="0">
+            <a:schemeClr val="accent1"/>
+          </a:effectRef>
+          <a:fontRef idx="minor">
+            <a:schemeClr val="lt1"/>
+          </a:fontRef>
+        </p:style>
+        <p:txBody>
+          <a:bodyPr rtlCol="0" anchor="ctr"/>
+          <a:lstStyle/>
+          <a:p>
+            <a:pPr algn="ctr"/>
+            <a:endParaRPr lang="en-US"/>
+          </a:p>
+        </p:txBody>
+      </p:sp>
+      <p:sp>
+        <p:nvSpPr>
+          <p:cNvPr id="26" name="Right Arrow 25"/>
+          <p:cNvSpPr/>
+          <p:nvPr/>
+        </p:nvSpPr>
+        <p:spPr>
+          <a:xfrm rot="16200000">
+            <a:off x="3962400" y="4952999"/>
+            <a:ext cx="152401" cy="152400"/>
+          </a:xfrm>
+          <a:prstGeom prst="rightArrow">
+            <a:avLst/>
+          </a:prstGeom>
+        </p:spPr>
+        <p:style>
+          <a:lnRef idx="2">
+            <a:schemeClr val="accent1">
+              <a:shade val="50000"/>
+            </a:schemeClr>
+          </a:lnRef>
+          <a:fillRef idx="1">
+            <a:schemeClr val="accent1"/>
+          </a:fillRef>
+          <a:effectRef idx="0">
+            <a:schemeClr val="accent1"/>
+          </a:effectRef>
+          <a:fontRef idx="minor">
+            <a:schemeClr val="lt1"/>
+          </a:fontRef>
+        </p:style>
+        <p:txBody>
+          <a:bodyPr rtlCol="0" anchor="ctr"/>
+          <a:lstStyle/>
+          <a:p>
+            <a:pPr algn="ctr"/>
+            <a:endParaRPr lang="en-US"/>
+          </a:p>
+        </p:txBody>
+      </p:sp>
+      <p:sp>
+        <p:nvSpPr>
+          <p:cNvPr id="27" name="Right Arrow 26"/>
+          <p:cNvSpPr/>
+          <p:nvPr/>
+        </p:nvSpPr>
+        <p:spPr>
+          <a:xfrm rot="16200000">
+            <a:off x="3962402" y="5372099"/>
+            <a:ext cx="152401" cy="152400"/>
+          </a:xfrm>
+          <a:prstGeom prst="rightArrow">
+            <a:avLst/>
+          </a:prstGeom>
+        </p:spPr>
+        <p:style>
+          <a:lnRef idx="2">
+            <a:schemeClr val="accent1">
+              <a:shade val="50000"/>
+            </a:schemeClr>
+          </a:lnRef>
+          <a:fillRef idx="1">
+            <a:schemeClr val="accent1"/>
+          </a:fillRef>
+          <a:effectRef idx="0">
+            <a:schemeClr val="accent1"/>
+          </a:effectRef>
+          <a:fontRef idx="minor">
+            <a:schemeClr val="lt1"/>
+          </a:fontRef>
+        </p:style>
+        <p:txBody>
+          <a:bodyPr rtlCol="0" anchor="ctr"/>
+          <a:lstStyle/>
+          <a:p>
+            <a:pPr algn="ctr"/>
+            <a:endParaRPr lang="en-US"/>
+          </a:p>
+        </p:txBody>
+      </p:sp>
+      <p:sp>
+        <p:nvSpPr>
+          <p:cNvPr id="28" name="Right Arrow 27"/>
+          <p:cNvSpPr/>
+          <p:nvPr/>
+        </p:nvSpPr>
+        <p:spPr>
+          <a:xfrm rot="16200000">
+            <a:off x="3962400" y="5791199"/>
+            <a:ext cx="152401" cy="152400"/>
+          </a:xfrm>
+          <a:prstGeom prst="rightArrow">
+            <a:avLst/>
+          </a:prstGeom>
+        </p:spPr>
+        <p:style>
+          <a:lnRef idx="2">
+            <a:schemeClr val="accent1">
+              <a:shade val="50000"/>
+            </a:schemeClr>
+          </a:lnRef>
+          <a:fillRef idx="1">
+            <a:schemeClr val="accent1"/>
+          </a:fillRef>
+          <a:effectRef idx="0">
+            <a:schemeClr val="accent1"/>
+          </a:effectRef>
+          <a:fontRef idx="minor">
+            <a:schemeClr val="lt1"/>
+          </a:fontRef>
+        </p:style>
+        <p:txBody>
+          <a:bodyPr rtlCol="0" anchor="ctr"/>
+          <a:lstStyle/>
+          <a:p>
+            <a:pPr algn="ctr"/>
+            <a:endParaRPr lang="en-US"/>
+          </a:p>
+        </p:txBody>
+      </p:sp>
+      <p:sp>
+        <p:nvSpPr>
+          <p:cNvPr id="13" name="Minus 12"/>
+          <p:cNvSpPr/>
+          <p:nvPr/>
+        </p:nvSpPr>
+        <p:spPr>
+          <a:xfrm rot="18511165">
+            <a:off x="4457699" y="4525689"/>
+            <a:ext cx="228600" cy="228600"/>
+          </a:xfrm>
+          <a:prstGeom prst="mathMinus">
+            <a:avLst/>
+          </a:prstGeom>
+        </p:spPr>
+        <p:style>
+          <a:lnRef idx="2">
+            <a:schemeClr val="accent1">
+              <a:shade val="50000"/>
+            </a:schemeClr>
+          </a:lnRef>
+          <a:fillRef idx="1">
+            <a:schemeClr val="accent1"/>
+          </a:fillRef>
+          <a:effectRef idx="0">
+            <a:schemeClr val="accent1"/>
+          </a:effectRef>
+          <a:fontRef idx="minor">
+            <a:schemeClr val="lt1"/>
+          </a:fontRef>
+        </p:style>
+        <p:txBody>
+          <a:bodyPr rtlCol="0" anchor="ctr"/>
+          <a:lstStyle/>
+          <a:p>
+            <a:pPr algn="ctr"/>
+            <a:endParaRPr lang="en-US"/>
+          </a:p>
+        </p:txBody>
+      </p:sp>
+      <p:sp>
+        <p:nvSpPr>
+          <p:cNvPr id="29" name="Minus 28"/>
+          <p:cNvSpPr/>
+          <p:nvPr/>
+        </p:nvSpPr>
+        <p:spPr>
+          <a:xfrm rot="18511165">
+            <a:off x="4457700" y="4914899"/>
+            <a:ext cx="228600" cy="228600"/>
+          </a:xfrm>
+          <a:prstGeom prst="mathMinus">
+            <a:avLst/>
+          </a:prstGeom>
+        </p:spPr>
+        <p:style>
+          <a:lnRef idx="2">
+            <a:schemeClr val="accent1">
+              <a:shade val="50000"/>
+            </a:schemeClr>
+          </a:lnRef>
+          <a:fillRef idx="1">
+            <a:schemeClr val="accent1"/>
+          </a:fillRef>
+          <a:effectRef idx="0">
+            <a:schemeClr val="accent1"/>
+          </a:effectRef>
+          <a:fontRef idx="minor">
+            <a:schemeClr val="lt1"/>
+          </a:fontRef>
+        </p:style>
+        <p:txBody>
+          <a:bodyPr rtlCol="0" anchor="ctr"/>
+          <a:lstStyle/>
+          <a:p>
+            <a:pPr algn="ctr"/>
+            <a:endParaRPr lang="en-US"/>
+          </a:p>
+        </p:txBody>
+      </p:sp>
+      <p:sp>
+        <p:nvSpPr>
+          <p:cNvPr id="30" name="Minus 29"/>
+          <p:cNvSpPr/>
+          <p:nvPr/>
+        </p:nvSpPr>
+        <p:spPr>
+          <a:xfrm rot="18511165">
+            <a:off x="4457699" y="5334000"/>
+            <a:ext cx="228600" cy="228600"/>
+          </a:xfrm>
+          <a:prstGeom prst="mathMinus">
+            <a:avLst/>
+          </a:prstGeom>
+        </p:spPr>
+        <p:style>
+          <a:lnRef idx="2">
+            <a:schemeClr val="accent1">
+              <a:shade val="50000"/>
+            </a:schemeClr>
+          </a:lnRef>
+          <a:fillRef idx="1">
+            <a:schemeClr val="accent1"/>
+          </a:fillRef>
+          <a:effectRef idx="0">
+            <a:schemeClr val="accent1"/>
+          </a:effectRef>
+          <a:fontRef idx="minor">
+            <a:schemeClr val="lt1"/>
+          </a:fontRef>
+        </p:style>
+        <p:txBody>
+          <a:bodyPr rtlCol="0" anchor="ctr"/>
+          <a:lstStyle/>
+          <a:p>
+            <a:pPr algn="ctr"/>
+            <a:endParaRPr lang="en-US"/>
+          </a:p>
+        </p:txBody>
+      </p:sp>
+      <p:sp>
+        <p:nvSpPr>
+          <p:cNvPr id="31" name="Minus 30"/>
+          <p:cNvSpPr/>
+          <p:nvPr/>
+        </p:nvSpPr>
+        <p:spPr>
+          <a:xfrm rot="18511165">
+            <a:off x="4457700" y="5753098"/>
+            <a:ext cx="228600" cy="228600"/>
+          </a:xfrm>
+          <a:prstGeom prst="mathMinus">
+            <a:avLst/>
+          </a:prstGeom>
+        </p:spPr>
+        <p:style>
+          <a:lnRef idx="2">
+            <a:schemeClr val="accent1">
+              <a:shade val="50000"/>
+            </a:schemeClr>
+          </a:lnRef>
+          <a:fillRef idx="1">
+            <a:schemeClr val="accent1"/>
+          </a:fillRef>
+          <a:effectRef idx="0">
+            <a:schemeClr val="accent1"/>
+          </a:effectRef>
+          <a:fontRef idx="minor">
+            <a:schemeClr val="lt1"/>
+          </a:fontRef>
+        </p:style>
+        <p:txBody>
+          <a:bodyPr rtlCol="0" anchor="ctr"/>
+          <a:lstStyle/>
+          <a:p>
+            <a:pPr algn="ctr"/>
+            <a:endParaRPr lang="en-US"/>
+          </a:p>
+        </p:txBody>
+      </p:sp>
+      <p:cxnSp>
+        <p:nvCxnSpPr>
+          <p:cNvPr id="32" name="Straight Arrow Connector 31"/>
+          <p:cNvCxnSpPr/>
+          <p:nvPr/>
+        </p:nvCxnSpPr>
+        <p:spPr>
+          <a:xfrm flipH="1">
+            <a:off x="4627418" y="4655127"/>
+            <a:ext cx="1773382" cy="1"/>
+          </a:xfrm>
+          <a:prstGeom prst="straightConnector1">
+            <a:avLst/>
+          </a:prstGeom>
+          <a:ln w="19050">
+            <a:solidFill>
+              <a:srgbClr val="FF0000"/>
+            </a:solidFill>
+            <a:tailEnd type="arrow"/>
+          </a:ln>
+        </p:spPr>
+        <p:style>
+          <a:lnRef idx="1">
+            <a:schemeClr val="accent1"/>
+          </a:lnRef>
+          <a:fillRef idx="0">
+            <a:schemeClr val="accent1"/>
+          </a:fillRef>
+          <a:effectRef idx="0">
+            <a:schemeClr val="accent1"/>
+          </a:effectRef>
+          <a:fontRef idx="minor">
+            <a:schemeClr val="tx1"/>
+          </a:fontRef>
+        </p:style>
+      </p:cxnSp>
+      <p:sp>
+        <p:nvSpPr>
+          <p:cNvPr id="34" name="Rectangle 33"/>
+          <p:cNvSpPr/>
+          <p:nvPr/>
+        </p:nvSpPr>
+        <p:spPr>
+          <a:xfrm>
+            <a:off x="6400800" y="4569689"/>
+            <a:ext cx="1524000" cy="228603"/>
+          </a:xfrm>
+          <a:prstGeom prst="rect">
+            <a:avLst/>
+          </a:prstGeom>
+          <a:solidFill>
+            <a:schemeClr val="bg2"/>
+          </a:solidFill>
+          <a:ln w="12700"/>
+        </p:spPr>
+        <p:style>
+          <a:lnRef idx="2">
+            <a:schemeClr val="accent1">
+              <a:shade val="50000"/>
+            </a:schemeClr>
+          </a:lnRef>
+          <a:fillRef idx="1">
+            <a:schemeClr val="accent1"/>
+          </a:fillRef>
+          <a:effectRef idx="0">
+            <a:schemeClr val="accent1"/>
+          </a:effectRef>
+          <a:fontRef idx="minor">
+            <a:schemeClr val="lt1"/>
+          </a:fontRef>
+        </p:style>
+        <p:txBody>
+          <a:bodyPr rtlCol="0" anchor="ctr"/>
+          <a:lstStyle/>
+          <a:p>
+            <a:pPr algn="ctr"/>
+            <a:r>
+              <a:rPr lang="en-US" dirty="0" smtClean="0">
+                <a:solidFill>
+                  <a:schemeClr val="tx1"/>
+                </a:solidFill>
+              </a:rPr>
+              <a:t>Edit</a:t>
+            </a:r>
+            <a:endParaRPr lang="en-US" dirty="0">
+              <a:solidFill>
+                <a:schemeClr val="tx1"/>
+              </a:solidFill>
+            </a:endParaRPr>
+          </a:p>
+        </p:txBody>
+      </p:sp>
+      <p:cxnSp>
+        <p:nvCxnSpPr>
+          <p:cNvPr id="35" name="Straight Arrow Connector 34"/>
+          <p:cNvCxnSpPr/>
+          <p:nvPr/>
+        </p:nvCxnSpPr>
+        <p:spPr>
+          <a:xfrm flipH="1">
+            <a:off x="4114803" y="5943600"/>
+            <a:ext cx="2209797" cy="0"/>
+          </a:xfrm>
+          <a:prstGeom prst="straightConnector1">
+            <a:avLst/>
+          </a:prstGeom>
+          <a:ln w="19050">
+            <a:solidFill>
+              <a:srgbClr val="FF0000"/>
+            </a:solidFill>
+            <a:tailEnd type="arrow"/>
+          </a:ln>
+        </p:spPr>
+        <p:style>
+          <a:lnRef idx="1">
+            <a:schemeClr val="accent1"/>
+          </a:lnRef>
+          <a:fillRef idx="0">
+            <a:schemeClr val="accent1"/>
+          </a:fillRef>
+          <a:effectRef idx="0">
+            <a:schemeClr val="accent1"/>
+          </a:effectRef>
+          <a:fontRef idx="minor">
+            <a:schemeClr val="tx1"/>
+          </a:fontRef>
+        </p:style>
+      </p:cxnSp>
+      <p:sp>
+        <p:nvSpPr>
+          <p:cNvPr id="37" name="Rectangle 36"/>
+          <p:cNvSpPr/>
+          <p:nvPr/>
+        </p:nvSpPr>
+        <p:spPr>
+          <a:xfrm>
+            <a:off x="6324600" y="5829298"/>
+            <a:ext cx="1524000" cy="228603"/>
+          </a:xfrm>
+          <a:prstGeom prst="rect">
+            <a:avLst/>
+          </a:prstGeom>
+          <a:solidFill>
+            <a:schemeClr val="bg2"/>
+          </a:solidFill>
+          <a:ln w="12700"/>
+        </p:spPr>
+        <p:style>
+          <a:lnRef idx="2">
+            <a:schemeClr val="accent1">
+              <a:shade val="50000"/>
+            </a:schemeClr>
+          </a:lnRef>
+          <a:fillRef idx="1">
+            <a:schemeClr val="accent1"/>
+          </a:fillRef>
+          <a:effectRef idx="0">
+            <a:schemeClr val="accent1"/>
+          </a:effectRef>
+          <a:fontRef idx="minor">
+            <a:schemeClr val="lt1"/>
+          </a:fontRef>
+        </p:style>
+        <p:txBody>
+          <a:bodyPr rtlCol="0" anchor="ctr"/>
+          <a:lstStyle/>
+          <a:p>
+            <a:pPr algn="ctr"/>
+            <a:r>
+              <a:rPr lang="en-US" dirty="0" smtClean="0">
+                <a:solidFill>
+                  <a:schemeClr val="tx1"/>
+                </a:solidFill>
+              </a:rPr>
+              <a:t>show</a:t>
+            </a:r>
+            <a:endParaRPr lang="en-US" dirty="0">
+              <a:solidFill>
+                <a:schemeClr val="tx1"/>
+              </a:solidFill>
+            </a:endParaRPr>
+          </a:p>
+        </p:txBody>
+      </p:sp>
+      <p:sp>
+        <p:nvSpPr>
+          <p:cNvPr id="36" name="Rectangle 35"/>
+          <p:cNvSpPr/>
+          <p:nvPr/>
+        </p:nvSpPr>
+        <p:spPr>
+          <a:xfrm>
+            <a:off x="3276600" y="4494617"/>
+            <a:ext cx="457200" cy="304800"/>
+          </a:xfrm>
+          <a:prstGeom prst="rect">
+            <a:avLst/>
+          </a:prstGeom>
+          <a:solidFill>
+            <a:schemeClr val="bg2">
+              <a:lumMod val="90000"/>
+            </a:schemeClr>
+          </a:solidFill>
+          <a:ln w="6350"/>
+        </p:spPr>
+        <p:style>
+          <a:lnRef idx="2">
+            <a:schemeClr val="accent1">
+              <a:shade val="50000"/>
+            </a:schemeClr>
+          </a:lnRef>
+          <a:fillRef idx="1">
+            <a:schemeClr val="accent1"/>
+          </a:fillRef>
+          <a:effectRef idx="0">
+            <a:schemeClr val="accent1"/>
+          </a:effectRef>
+          <a:fontRef idx="minor">
+            <a:schemeClr val="lt1"/>
+          </a:fontRef>
+        </p:style>
+        <p:txBody>
+          <a:bodyPr rtlCol="0" anchor="ctr"/>
+          <a:lstStyle/>
+          <a:p>
+            <a:pPr algn="ctr"/>
+            <a:endParaRPr lang="en-US"/>
+          </a:p>
+        </p:txBody>
+      </p:sp>
+      <p:sp>
+        <p:nvSpPr>
+          <p:cNvPr id="38" name="Rectangle 37"/>
+          <p:cNvSpPr/>
+          <p:nvPr/>
+        </p:nvSpPr>
+        <p:spPr>
+          <a:xfrm>
+            <a:off x="3276600" y="4876799"/>
+            <a:ext cx="457200" cy="304800"/>
+          </a:xfrm>
+          <a:prstGeom prst="rect">
+            <a:avLst/>
+          </a:prstGeom>
+          <a:solidFill>
+            <a:schemeClr val="bg2">
+              <a:lumMod val="90000"/>
+            </a:schemeClr>
+          </a:solidFill>
+          <a:ln w="6350"/>
+        </p:spPr>
+        <p:style>
+          <a:lnRef idx="2">
+            <a:schemeClr val="accent1">
+              <a:shade val="50000"/>
+            </a:schemeClr>
+          </a:lnRef>
+          <a:fillRef idx="1">
+            <a:schemeClr val="accent1"/>
+          </a:fillRef>
+          <a:effectRef idx="0">
+            <a:schemeClr val="accent1"/>
+          </a:effectRef>
+          <a:fontRef idx="minor">
+            <a:schemeClr val="lt1"/>
+          </a:fontRef>
+        </p:style>
+        <p:txBody>
+          <a:bodyPr rtlCol="0" anchor="ctr"/>
+          <a:lstStyle/>
+          <a:p>
+            <a:pPr algn="ctr"/>
+            <a:endParaRPr lang="en-US"/>
+          </a:p>
+        </p:txBody>
+      </p:sp>
+      <p:sp>
+        <p:nvSpPr>
+          <p:cNvPr id="39" name="Multiply 38"/>
+          <p:cNvSpPr/>
+          <p:nvPr/>
+        </p:nvSpPr>
+        <p:spPr>
+          <a:xfrm>
+            <a:off x="3390900" y="4933948"/>
+            <a:ext cx="228600" cy="190502"/>
+          </a:xfrm>
+          <a:prstGeom prst="mathMultiply">
+            <a:avLst/>
+          </a:prstGeom>
+        </p:spPr>
+        <p:style>
+          <a:lnRef idx="2">
+            <a:schemeClr val="accent1">
+              <a:shade val="50000"/>
+            </a:schemeClr>
+          </a:lnRef>
+          <a:fillRef idx="1">
+            <a:schemeClr val="accent1"/>
+          </a:fillRef>
+          <a:effectRef idx="0">
+            <a:schemeClr val="accent1"/>
+          </a:effectRef>
+          <a:fontRef idx="minor">
+            <a:schemeClr val="lt1"/>
+          </a:fontRef>
+        </p:style>
+        <p:txBody>
+          <a:bodyPr rtlCol="0" anchor="ctr"/>
+          <a:lstStyle/>
+          <a:p>
+            <a:pPr algn="ctr"/>
+            <a:endParaRPr lang="en-US"/>
+          </a:p>
+        </p:txBody>
+      </p:sp>
+      <p:sp>
+        <p:nvSpPr>
+          <p:cNvPr id="40" name="Rectangle 39"/>
+          <p:cNvSpPr/>
+          <p:nvPr/>
+        </p:nvSpPr>
+        <p:spPr>
+          <a:xfrm>
+            <a:off x="3276600" y="5287688"/>
+            <a:ext cx="457200" cy="304800"/>
+          </a:xfrm>
+          <a:prstGeom prst="rect">
+            <a:avLst/>
+          </a:prstGeom>
+          <a:solidFill>
+            <a:schemeClr val="bg2">
+              <a:lumMod val="90000"/>
+            </a:schemeClr>
+          </a:solidFill>
+          <a:ln w="6350"/>
+        </p:spPr>
+        <p:style>
+          <a:lnRef idx="2">
+            <a:schemeClr val="accent1">
+              <a:shade val="50000"/>
+            </a:schemeClr>
+          </a:lnRef>
+          <a:fillRef idx="1">
+            <a:schemeClr val="accent1"/>
+          </a:fillRef>
+          <a:effectRef idx="0">
+            <a:schemeClr val="accent1"/>
+          </a:effectRef>
+          <a:fontRef idx="minor">
+            <a:schemeClr val="lt1"/>
+          </a:fontRef>
+        </p:style>
+        <p:txBody>
+          <a:bodyPr rtlCol="0" anchor="ctr"/>
+          <a:lstStyle/>
+          <a:p>
+            <a:pPr algn="ctr"/>
+            <a:endParaRPr lang="en-US"/>
+          </a:p>
+        </p:txBody>
+      </p:sp>
+      <p:sp>
+        <p:nvSpPr>
+          <p:cNvPr id="41" name="Multiply 40"/>
+          <p:cNvSpPr/>
+          <p:nvPr/>
+        </p:nvSpPr>
+        <p:spPr>
+          <a:xfrm>
+            <a:off x="3390900" y="5344837"/>
+            <a:ext cx="228600" cy="190502"/>
+          </a:xfrm>
+          <a:prstGeom prst="mathMultiply">
+            <a:avLst/>
+          </a:prstGeom>
+        </p:spPr>
+        <p:style>
+          <a:lnRef idx="2">
+            <a:schemeClr val="accent1">
+              <a:shade val="50000"/>
+            </a:schemeClr>
+          </a:lnRef>
+          <a:fillRef idx="1">
+            <a:schemeClr val="accent1"/>
+          </a:fillRef>
+          <a:effectRef idx="0">
+            <a:schemeClr val="accent1"/>
+          </a:effectRef>
+          <a:fontRef idx="minor">
+            <a:schemeClr val="lt1"/>
+          </a:fontRef>
+        </p:style>
+        <p:txBody>
+          <a:bodyPr rtlCol="0" anchor="ctr"/>
+          <a:lstStyle/>
+          <a:p>
+            <a:pPr algn="ctr"/>
+            <a:endParaRPr lang="en-US"/>
+          </a:p>
+        </p:txBody>
+      </p:sp>
+      <p:sp>
+        <p:nvSpPr>
+          <p:cNvPr id="42" name="Rectangle 41"/>
+          <p:cNvSpPr/>
+          <p:nvPr/>
+        </p:nvSpPr>
+        <p:spPr>
+          <a:xfrm>
+            <a:off x="3276600" y="5714998"/>
+            <a:ext cx="457200" cy="304800"/>
+          </a:xfrm>
+          <a:prstGeom prst="rect">
+            <a:avLst/>
+          </a:prstGeom>
+          <a:solidFill>
+            <a:schemeClr val="bg2">
+              <a:lumMod val="90000"/>
+            </a:schemeClr>
+          </a:solidFill>
+          <a:ln w="6350"/>
+        </p:spPr>
+        <p:style>
+          <a:lnRef idx="2">
+            <a:schemeClr val="accent1">
+              <a:shade val="50000"/>
+            </a:schemeClr>
+          </a:lnRef>
+          <a:fillRef idx="1">
+            <a:schemeClr val="accent1"/>
+          </a:fillRef>
+          <a:effectRef idx="0">
+            <a:schemeClr val="accent1"/>
+          </a:effectRef>
+          <a:fontRef idx="minor">
+            <a:schemeClr val="lt1"/>
+          </a:fontRef>
+        </p:style>
+        <p:txBody>
+          <a:bodyPr rtlCol="0" anchor="ctr"/>
+          <a:lstStyle/>
+          <a:p>
+            <a:pPr algn="ctr"/>
+            <a:endParaRPr lang="en-US"/>
+          </a:p>
+        </p:txBody>
+      </p:sp>
+      <p:sp>
+        <p:nvSpPr>
+          <p:cNvPr id="43" name="Multiply 42"/>
+          <p:cNvSpPr/>
+          <p:nvPr/>
+        </p:nvSpPr>
+        <p:spPr>
+          <a:xfrm>
+            <a:off x="3390900" y="5772147"/>
+            <a:ext cx="228600" cy="190502"/>
+          </a:xfrm>
+          <a:prstGeom prst="mathMultiply">
+            <a:avLst/>
+          </a:prstGeom>
+        </p:spPr>
+        <p:style>
+          <a:lnRef idx="2">
+            <a:schemeClr val="accent1">
+              <a:shade val="50000"/>
+            </a:schemeClr>
+          </a:lnRef>
+          <a:fillRef idx="1">
+            <a:schemeClr val="accent1"/>
+          </a:fillRef>
+          <a:effectRef idx="0">
+            <a:schemeClr val="accent1"/>
+          </a:effectRef>
+          <a:fontRef idx="minor">
+            <a:schemeClr val="lt1"/>
+          </a:fontRef>
+        </p:style>
+        <p:txBody>
+          <a:bodyPr rtlCol="0" anchor="ctr"/>
+          <a:lstStyle/>
+          <a:p>
+            <a:pPr algn="ctr"/>
+            <a:endParaRPr lang="en-US"/>
+          </a:p>
+        </p:txBody>
+      </p:sp>
+      <p:sp>
+        <p:nvSpPr>
+          <p:cNvPr id="14" name="Rectangle 13"/>
+          <p:cNvSpPr/>
+          <p:nvPr/>
+        </p:nvSpPr>
+        <p:spPr>
+          <a:xfrm>
+            <a:off x="1109638" y="2286000"/>
+            <a:ext cx="1371600" cy="1143000"/>
+          </a:xfrm>
+          <a:prstGeom prst="rect">
+            <a:avLst/>
+          </a:prstGeom>
+          <a:solidFill>
+            <a:schemeClr val="accent6">
+              <a:lumMod val="20000"/>
+              <a:lumOff val="80000"/>
+            </a:schemeClr>
+          </a:solidFill>
+          <a:ln w="3175"/>
+        </p:spPr>
+        <p:style>
+          <a:lnRef idx="2">
+            <a:schemeClr val="accent1">
+              <a:shade val="50000"/>
+            </a:schemeClr>
+          </a:lnRef>
+          <a:fillRef idx="1">
+            <a:schemeClr val="accent1"/>
+          </a:fillRef>
+          <a:effectRef idx="0">
+            <a:schemeClr val="accent1"/>
+          </a:effectRef>
+          <a:fontRef idx="minor">
+            <a:schemeClr val="lt1"/>
+          </a:fontRef>
+        </p:style>
+        <p:txBody>
+          <a:bodyPr rtlCol="0" anchor="ctr"/>
+          <a:lstStyle/>
+          <a:p>
+            <a:pPr algn="ctr"/>
+            <a:r>
+              <a:rPr lang="en-US" dirty="0" smtClean="0">
+                <a:solidFill>
+                  <a:schemeClr val="tx1"/>
+                </a:solidFill>
+              </a:rPr>
+              <a:t>Tag position</a:t>
+            </a:r>
+            <a:endParaRPr lang="en-US" dirty="0">
+              <a:solidFill>
+                <a:schemeClr val="tx1"/>
+              </a:solidFill>
+            </a:endParaRPr>
+          </a:p>
+        </p:txBody>
+      </p:sp>
+      <p:sp>
+        <p:nvSpPr>
+          <p:cNvPr id="33" name="Plus 32"/>
+          <p:cNvSpPr/>
+          <p:nvPr/>
+        </p:nvSpPr>
+        <p:spPr>
+          <a:xfrm>
+            <a:off x="3390900" y="4574822"/>
+            <a:ext cx="228600" cy="160612"/>
+          </a:xfrm>
+          <a:prstGeom prst="mathPlus">
+            <a:avLst/>
+          </a:prstGeom>
+        </p:spPr>
+        <p:style>
+          <a:lnRef idx="2">
+            <a:schemeClr val="accent1">
+              <a:shade val="50000"/>
+            </a:schemeClr>
+          </a:lnRef>
+          <a:fillRef idx="1">
+            <a:schemeClr val="accent1"/>
+          </a:fillRef>
+          <a:effectRef idx="0">
+            <a:schemeClr val="accent1"/>
+          </a:effectRef>
+          <a:fontRef idx="minor">
+            <a:schemeClr val="lt1"/>
+          </a:fontRef>
+        </p:style>
+        <p:txBody>
+          <a:bodyPr rtlCol="0" anchor="ctr"/>
+          <a:lstStyle/>
+          <a:p>
+            <a:pPr algn="ctr"/>
+            <a:endParaRPr lang="en-US"/>
+          </a:p>
+        </p:txBody>
+      </p:sp>
+    </p:spTree>
+    <p:extLst>
+      <p:ext uri="{BB962C8B-B14F-4D97-AF65-F5344CB8AC3E}">
+        <p14:creationId xmlns:p14="http://schemas.microsoft.com/office/powerpoint/2010/main" val="511610541"/>
+      </p:ext>
+    </p:extLst>
+  </p:cSld>
+  <p:clrMapOvr>
+    <a:masterClrMapping/>
+  </p:clrMapOvr>
+</p:sld>
+</file>
+
+<file path=ppt/slides/slide12.xml><?xml version="1.0" encoding="utf-8"?>
+<p:sld xmlns:a="http://schemas.openxmlformats.org/drawingml/2006/main" xmlns:r="http://schemas.openxmlformats.org/officeDocument/2006/relationships" xmlns:p="http://schemas.openxmlformats.org/presentationml/2006/main">
+  <p:cSld>
+    <p:spTree>
+      <p:nvGrpSpPr>
+        <p:cNvPr id="1" name=""/>
+        <p:cNvGrpSpPr/>
+        <p:nvPr/>
+      </p:nvGrpSpPr>
+      <p:grpSpPr>
+        <a:xfrm>
+          <a:off x="0" y="0"/>
+          <a:ext cx="0" cy="0"/>
+          <a:chOff x="0" y="0"/>
+          <a:chExt cx="0" cy="0"/>
+        </a:xfrm>
+      </p:grpSpPr>
+      <p:sp>
+        <p:nvSpPr>
+          <p:cNvPr id="2" name="Title 1"/>
+          <p:cNvSpPr>
+            <a:spLocks noGrp="1"/>
+          </p:cNvSpPr>
+          <p:nvPr>
+            <p:ph type="title"/>
+          </p:nvPr>
+        </p:nvSpPr>
+        <p:spPr/>
+        <p:txBody>
+          <a:bodyPr/>
+          <a:lstStyle/>
+          <a:p>
+            <a:r>
+              <a:rPr lang="en-US" dirty="0" err="1" smtClean="0"/>
+              <a:t>Quy</a:t>
+            </a:r>
+            <a:r>
+              <a:rPr lang="en-US" dirty="0" smtClean="0"/>
+              <a:t> </a:t>
+            </a:r>
+            <a:r>
+              <a:rPr lang="en-US" dirty="0" err="1" smtClean="0"/>
+              <a:t>trình</a:t>
+            </a:r>
+            <a:r>
+              <a:rPr lang="en-US" dirty="0" smtClean="0"/>
+              <a:t> edit tag</a:t>
+            </a:r>
+            <a:endParaRPr lang="en-US" dirty="0"/>
+          </a:p>
+        </p:txBody>
+      </p:sp>
+      <p:sp>
+        <p:nvSpPr>
+          <p:cNvPr id="3" name="Content Placeholder 2"/>
+          <p:cNvSpPr>
+            <a:spLocks noGrp="1"/>
+          </p:cNvSpPr>
+          <p:nvPr>
+            <p:ph idx="1"/>
+          </p:nvPr>
+        </p:nvSpPr>
+        <p:spPr/>
+        <p:txBody>
+          <a:bodyPr>
+            <a:normAutofit fontScale="92500" lnSpcReduction="10000"/>
+          </a:bodyPr>
+          <a:lstStyle/>
+          <a:p>
+            <a:r>
+              <a:rPr lang="en-US" dirty="0" err="1" smtClean="0"/>
+              <a:t>Khi</a:t>
+            </a:r>
+            <a:r>
+              <a:rPr lang="en-US" dirty="0" smtClean="0"/>
+              <a:t> </a:t>
+            </a:r>
+            <a:r>
+              <a:rPr lang="en-US" dirty="0" err="1" smtClean="0"/>
+              <a:t>bấm</a:t>
+            </a:r>
+            <a:r>
+              <a:rPr lang="en-US" dirty="0" smtClean="0"/>
+              <a:t> </a:t>
+            </a:r>
+            <a:r>
+              <a:rPr lang="en-US" dirty="0" err="1" smtClean="0"/>
+              <a:t>vào</a:t>
+            </a:r>
+            <a:r>
+              <a:rPr lang="en-US" dirty="0" smtClean="0"/>
+              <a:t> </a:t>
+            </a:r>
+            <a:r>
+              <a:rPr lang="en-US" dirty="0" err="1" smtClean="0"/>
+              <a:t>nút</a:t>
+            </a:r>
+            <a:r>
+              <a:rPr lang="en-US" dirty="0" smtClean="0"/>
+              <a:t> edit </a:t>
+            </a:r>
+            <a:r>
+              <a:rPr lang="en-US" dirty="0" err="1" smtClean="0"/>
+              <a:t>trên</a:t>
+            </a:r>
+            <a:r>
+              <a:rPr lang="en-US" dirty="0" smtClean="0"/>
+              <a:t> list tag -&gt;</a:t>
+            </a:r>
+            <a:r>
+              <a:rPr lang="en-US" dirty="0" err="1" smtClean="0"/>
+              <a:t>nút</a:t>
+            </a:r>
+            <a:r>
+              <a:rPr lang="en-US" dirty="0" smtClean="0"/>
+              <a:t> </a:t>
+            </a:r>
+            <a:r>
+              <a:rPr lang="en-US" dirty="0" err="1" smtClean="0"/>
+              <a:t>chuyển</a:t>
+            </a:r>
+            <a:r>
+              <a:rPr lang="en-US" dirty="0" smtClean="0"/>
+              <a:t> </a:t>
+            </a:r>
+            <a:r>
+              <a:rPr lang="en-US" dirty="0" err="1" smtClean="0"/>
+              <a:t>hiệu</a:t>
+            </a:r>
+            <a:r>
+              <a:rPr lang="en-US" dirty="0" smtClean="0"/>
+              <a:t> </a:t>
+            </a:r>
+            <a:r>
+              <a:rPr lang="en-US" dirty="0" err="1" smtClean="0"/>
+              <a:t>ứng</a:t>
+            </a:r>
+            <a:r>
+              <a:rPr lang="en-US" dirty="0" smtClean="0"/>
+              <a:t> </a:t>
+            </a:r>
+            <a:r>
+              <a:rPr lang="en-US" dirty="0" err="1" smtClean="0"/>
+              <a:t>để</a:t>
+            </a:r>
+            <a:r>
+              <a:rPr lang="en-US" dirty="0" smtClean="0"/>
+              <a:t> </a:t>
+            </a:r>
+            <a:r>
+              <a:rPr lang="en-US" dirty="0" err="1" smtClean="0"/>
+              <a:t>biết</a:t>
+            </a:r>
+            <a:r>
+              <a:rPr lang="en-US" dirty="0" smtClean="0"/>
+              <a:t> </a:t>
+            </a:r>
+            <a:r>
+              <a:rPr lang="en-US" dirty="0" err="1" smtClean="0"/>
+              <a:t>là</a:t>
+            </a:r>
+            <a:r>
+              <a:rPr lang="en-US" dirty="0" smtClean="0"/>
+              <a:t> </a:t>
+            </a:r>
+            <a:r>
+              <a:rPr lang="en-US" dirty="0" err="1" smtClean="0"/>
+              <a:t>đã</a:t>
+            </a:r>
+            <a:r>
+              <a:rPr lang="en-US" dirty="0" smtClean="0"/>
+              <a:t> click, </a:t>
+            </a:r>
+            <a:r>
+              <a:rPr lang="en-US" dirty="0" err="1" smtClean="0"/>
+              <a:t>hiển</a:t>
+            </a:r>
+            <a:r>
+              <a:rPr lang="en-US" dirty="0" smtClean="0"/>
+              <a:t> </a:t>
+            </a:r>
+            <a:r>
+              <a:rPr lang="en-US" dirty="0" err="1" smtClean="0"/>
+              <a:t>thị</a:t>
+            </a:r>
+            <a:r>
+              <a:rPr lang="en-US" dirty="0" smtClean="0"/>
+              <a:t> position, </a:t>
+            </a:r>
+            <a:r>
+              <a:rPr lang="en-US" dirty="0" err="1" smtClean="0"/>
+              <a:t>hiển</a:t>
+            </a:r>
+            <a:r>
+              <a:rPr lang="en-US" dirty="0" smtClean="0"/>
+              <a:t> </a:t>
+            </a:r>
+            <a:r>
+              <a:rPr lang="en-US" dirty="0" err="1" smtClean="0"/>
+              <a:t>thị</a:t>
+            </a:r>
+            <a:r>
+              <a:rPr lang="en-US" dirty="0" smtClean="0"/>
+              <a:t> autocomplete box, </a:t>
+            </a:r>
+            <a:r>
+              <a:rPr lang="en-US" dirty="0" err="1" smtClean="0"/>
+              <a:t>báo</a:t>
+            </a:r>
+            <a:r>
+              <a:rPr lang="en-US" dirty="0" smtClean="0"/>
+              <a:t> </a:t>
+            </a:r>
+            <a:r>
+              <a:rPr lang="en-US" dirty="0" err="1" smtClean="0"/>
+              <a:t>hiệu</a:t>
+            </a:r>
+            <a:r>
+              <a:rPr lang="en-US" dirty="0" smtClean="0"/>
+              <a:t> ở </a:t>
+            </a:r>
+            <a:r>
+              <a:rPr lang="en-US" dirty="0" err="1" smtClean="0"/>
+              <a:t>trạng</a:t>
+            </a:r>
+            <a:r>
+              <a:rPr lang="en-US" dirty="0" smtClean="0"/>
+              <a:t> </a:t>
+            </a:r>
+            <a:r>
+              <a:rPr lang="en-US" dirty="0" err="1" smtClean="0"/>
+              <a:t>thái</a:t>
+            </a:r>
+            <a:r>
+              <a:rPr lang="en-US" dirty="0" smtClean="0"/>
+              <a:t> edition </a:t>
+            </a:r>
+          </a:p>
+          <a:p>
+            <a:r>
+              <a:rPr lang="en-US" dirty="0" err="1" smtClean="0"/>
+              <a:t>Sau</a:t>
+            </a:r>
+            <a:r>
+              <a:rPr lang="en-US" dirty="0" smtClean="0"/>
+              <a:t> </a:t>
+            </a:r>
+            <a:r>
+              <a:rPr lang="en-US" dirty="0" err="1" smtClean="0"/>
+              <a:t>khi</a:t>
+            </a:r>
+            <a:r>
+              <a:rPr lang="en-US" dirty="0" smtClean="0"/>
+              <a:t> </a:t>
+            </a:r>
+            <a:r>
+              <a:rPr lang="en-US" dirty="0" err="1" smtClean="0"/>
+              <a:t>thõa</a:t>
+            </a:r>
+            <a:r>
+              <a:rPr lang="en-US" dirty="0" smtClean="0"/>
+              <a:t> </a:t>
+            </a:r>
+            <a:r>
+              <a:rPr lang="en-US" dirty="0" err="1" smtClean="0"/>
+              <a:t>mản</a:t>
+            </a:r>
+            <a:r>
+              <a:rPr lang="en-US" dirty="0" smtClean="0"/>
+              <a:t> </a:t>
+            </a:r>
+            <a:r>
+              <a:rPr lang="en-US" dirty="0" err="1" smtClean="0"/>
+              <a:t>chỉnh</a:t>
+            </a:r>
+            <a:r>
+              <a:rPr lang="en-US" dirty="0" smtClean="0"/>
+              <a:t> </a:t>
+            </a:r>
+            <a:r>
+              <a:rPr lang="en-US" dirty="0" err="1" smtClean="0"/>
+              <a:t>sửa</a:t>
+            </a:r>
+            <a:r>
+              <a:rPr lang="en-US" dirty="0" smtClean="0"/>
+              <a:t> position and </a:t>
+            </a:r>
+            <a:r>
+              <a:rPr lang="en-US" dirty="0" err="1" smtClean="0"/>
+              <a:t>albumName</a:t>
+            </a:r>
+            <a:r>
+              <a:rPr lang="en-US" dirty="0" smtClean="0"/>
+              <a:t>, </a:t>
+            </a:r>
+            <a:r>
+              <a:rPr lang="en-US" dirty="0" err="1" smtClean="0"/>
+              <a:t>bấm</a:t>
+            </a:r>
+            <a:r>
+              <a:rPr lang="en-US" dirty="0" smtClean="0"/>
+              <a:t> </a:t>
+            </a:r>
+            <a:r>
+              <a:rPr lang="en-US" dirty="0" err="1" smtClean="0"/>
+              <a:t>chọn</a:t>
+            </a:r>
+            <a:r>
+              <a:rPr lang="en-US" dirty="0" smtClean="0"/>
+              <a:t> 1 </a:t>
+            </a:r>
+            <a:r>
+              <a:rPr lang="en-US" dirty="0" err="1" smtClean="0"/>
+              <a:t>lần</a:t>
+            </a:r>
+            <a:r>
+              <a:rPr lang="en-US" dirty="0" smtClean="0"/>
+              <a:t> </a:t>
+            </a:r>
+            <a:r>
+              <a:rPr lang="en-US" dirty="0" err="1" smtClean="0"/>
+              <a:t>nữa</a:t>
+            </a:r>
+            <a:r>
+              <a:rPr lang="en-US" dirty="0" smtClean="0"/>
+              <a:t> </a:t>
+            </a:r>
+            <a:r>
+              <a:rPr lang="en-US" dirty="0" err="1" smtClean="0"/>
+              <a:t>nút</a:t>
+            </a:r>
+            <a:r>
+              <a:rPr lang="en-US" dirty="0" smtClean="0"/>
+              <a:t> edit (</a:t>
+            </a:r>
+            <a:r>
+              <a:rPr lang="en-US" dirty="0" err="1" smtClean="0"/>
+              <a:t>lúc</a:t>
+            </a:r>
+            <a:r>
+              <a:rPr lang="en-US" dirty="0" smtClean="0"/>
+              <a:t> </a:t>
+            </a:r>
+            <a:r>
+              <a:rPr lang="en-US" dirty="0" err="1" smtClean="0"/>
+              <a:t>này</a:t>
+            </a:r>
+            <a:r>
+              <a:rPr lang="en-US" dirty="0" smtClean="0"/>
+              <a:t> </a:t>
+            </a:r>
+            <a:r>
+              <a:rPr lang="en-US" dirty="0" err="1" smtClean="0"/>
+              <a:t>màu</a:t>
+            </a:r>
+            <a:r>
+              <a:rPr lang="en-US" dirty="0" smtClean="0"/>
+              <a:t> </a:t>
+            </a:r>
+            <a:r>
+              <a:rPr lang="en-US" dirty="0" err="1" smtClean="0"/>
+              <a:t>đỏ</a:t>
+            </a:r>
+            <a:r>
+              <a:rPr lang="en-US" dirty="0" smtClean="0"/>
+              <a:t> </a:t>
+            </a:r>
+            <a:r>
+              <a:rPr lang="en-US" dirty="0" err="1" smtClean="0"/>
+              <a:t>chẵn</a:t>
+            </a:r>
+            <a:r>
+              <a:rPr lang="en-US" dirty="0" smtClean="0"/>
+              <a:t> </a:t>
+            </a:r>
+            <a:r>
+              <a:rPr lang="en-US" dirty="0" err="1" smtClean="0"/>
+              <a:t>hạn</a:t>
+            </a:r>
+            <a:r>
+              <a:rPr lang="en-US" dirty="0" smtClean="0"/>
+              <a:t>) </a:t>
+            </a:r>
+            <a:r>
+              <a:rPr lang="en-US" dirty="0" err="1" smtClean="0"/>
+              <a:t>để</a:t>
+            </a:r>
+            <a:r>
+              <a:rPr lang="en-US" dirty="0" smtClean="0"/>
+              <a:t> </a:t>
+            </a:r>
+            <a:r>
+              <a:rPr lang="en-US" dirty="0" err="1" smtClean="0"/>
+              <a:t>kết</a:t>
+            </a:r>
+            <a:r>
+              <a:rPr lang="en-US" dirty="0" smtClean="0"/>
+              <a:t> </a:t>
+            </a:r>
+            <a:r>
+              <a:rPr lang="en-US" dirty="0" err="1" smtClean="0"/>
+              <a:t>thúc</a:t>
+            </a:r>
+            <a:r>
+              <a:rPr lang="en-US" dirty="0" smtClean="0"/>
+              <a:t> edit. </a:t>
+            </a:r>
+            <a:r>
+              <a:rPr lang="en-US" dirty="0" err="1" smtClean="0"/>
+              <a:t>Nút</a:t>
+            </a:r>
+            <a:r>
+              <a:rPr lang="en-US" dirty="0" smtClean="0"/>
+              <a:t> edit </a:t>
+            </a:r>
+            <a:r>
+              <a:rPr lang="en-US" dirty="0" err="1" smtClean="0"/>
+              <a:t>trở</a:t>
+            </a:r>
+            <a:r>
+              <a:rPr lang="en-US" dirty="0" smtClean="0"/>
+              <a:t> </a:t>
+            </a:r>
+            <a:r>
+              <a:rPr lang="en-US" dirty="0" err="1" smtClean="0"/>
+              <a:t>về</a:t>
+            </a:r>
+            <a:r>
+              <a:rPr lang="en-US" dirty="0" smtClean="0"/>
+              <a:t> </a:t>
+            </a:r>
+            <a:r>
+              <a:rPr lang="en-US" dirty="0" err="1" smtClean="0"/>
+              <a:t>bình</a:t>
+            </a:r>
+            <a:r>
+              <a:rPr lang="en-US" dirty="0" smtClean="0"/>
+              <a:t> </a:t>
+            </a:r>
+            <a:r>
+              <a:rPr lang="en-US" dirty="0" err="1" smtClean="0"/>
+              <a:t>thường</a:t>
+            </a:r>
+            <a:r>
+              <a:rPr lang="en-US" dirty="0" smtClean="0"/>
+              <a:t>.</a:t>
+            </a:r>
+          </a:p>
+          <a:p>
+            <a:r>
+              <a:rPr lang="en-US" dirty="0" err="1" smtClean="0"/>
+              <a:t>Trong</a:t>
+            </a:r>
+            <a:r>
+              <a:rPr lang="en-US" dirty="0" smtClean="0"/>
+              <a:t> </a:t>
+            </a:r>
+            <a:r>
+              <a:rPr lang="en-US" dirty="0" err="1" smtClean="0"/>
+              <a:t>trạng</a:t>
+            </a:r>
+            <a:r>
+              <a:rPr lang="en-US" dirty="0" smtClean="0"/>
+              <a:t> </a:t>
+            </a:r>
+            <a:r>
+              <a:rPr lang="en-US" dirty="0" err="1" smtClean="0"/>
+              <a:t>thái</a:t>
+            </a:r>
+            <a:r>
+              <a:rPr lang="en-US" dirty="0" smtClean="0"/>
+              <a:t> </a:t>
+            </a:r>
+            <a:r>
+              <a:rPr lang="en-US" dirty="0" err="1" smtClean="0"/>
+              <a:t>nút</a:t>
+            </a:r>
+            <a:r>
+              <a:rPr lang="en-US" dirty="0" smtClean="0"/>
+              <a:t> edit </a:t>
+            </a:r>
+            <a:r>
+              <a:rPr lang="en-US" dirty="0" err="1" smtClean="0"/>
+              <a:t>nào</a:t>
+            </a:r>
+            <a:r>
+              <a:rPr lang="en-US" dirty="0" smtClean="0"/>
+              <a:t> </a:t>
+            </a:r>
+            <a:r>
+              <a:rPr lang="en-US" dirty="0" err="1" smtClean="0"/>
+              <a:t>thì</a:t>
+            </a:r>
+            <a:r>
+              <a:rPr lang="en-US" dirty="0" smtClean="0"/>
+              <a:t> </a:t>
+            </a:r>
+            <a:r>
+              <a:rPr lang="en-US" dirty="0" err="1" smtClean="0"/>
+              <a:t>chỉ</a:t>
+            </a:r>
+            <a:r>
+              <a:rPr lang="en-US" dirty="0" smtClean="0"/>
+              <a:t> </a:t>
+            </a:r>
+            <a:r>
+              <a:rPr lang="en-US" dirty="0" err="1" smtClean="0"/>
+              <a:t>có</a:t>
+            </a:r>
+            <a:r>
+              <a:rPr lang="en-US" dirty="0" smtClean="0"/>
+              <a:t> </a:t>
+            </a:r>
+            <a:r>
+              <a:rPr lang="en-US" dirty="0" err="1" smtClean="0"/>
+              <a:t>nút</a:t>
+            </a:r>
+            <a:r>
+              <a:rPr lang="en-US" dirty="0" smtClean="0"/>
+              <a:t> </a:t>
+            </a:r>
+            <a:r>
+              <a:rPr lang="en-US" dirty="0" err="1" smtClean="0"/>
+              <a:t>đó</a:t>
+            </a:r>
+            <a:r>
+              <a:rPr lang="en-US" dirty="0" smtClean="0"/>
+              <a:t> </a:t>
+            </a:r>
+            <a:r>
+              <a:rPr lang="en-US" dirty="0" err="1" smtClean="0"/>
+              <a:t>được</a:t>
+            </a:r>
+            <a:r>
+              <a:rPr lang="en-US" dirty="0" smtClean="0"/>
+              <a:t> </a:t>
+            </a:r>
+            <a:r>
+              <a:rPr lang="en-US" dirty="0" err="1" smtClean="0"/>
+              <a:t>bấm</a:t>
+            </a:r>
+            <a:r>
+              <a:rPr lang="en-US" dirty="0" smtClean="0"/>
+              <a:t>. </a:t>
+            </a:r>
+            <a:r>
+              <a:rPr lang="en-US" dirty="0" err="1" smtClean="0"/>
+              <a:t>Không</a:t>
+            </a:r>
+            <a:r>
+              <a:rPr lang="en-US" dirty="0" smtClean="0"/>
+              <a:t> </a:t>
+            </a:r>
+            <a:r>
+              <a:rPr lang="en-US" dirty="0" err="1" smtClean="0"/>
+              <a:t>có</a:t>
+            </a:r>
+            <a:r>
+              <a:rPr lang="en-US" dirty="0" smtClean="0"/>
+              <a:t> </a:t>
+            </a:r>
+            <a:r>
+              <a:rPr lang="en-US" dirty="0" err="1" smtClean="0"/>
+              <a:t>nút</a:t>
+            </a:r>
+            <a:r>
+              <a:rPr lang="en-US" dirty="0" smtClean="0"/>
+              <a:t> </a:t>
+            </a:r>
+            <a:r>
+              <a:rPr lang="en-US" dirty="0" err="1" smtClean="0"/>
+              <a:t>nào</a:t>
+            </a:r>
+            <a:r>
+              <a:rPr lang="en-US" dirty="0" smtClean="0"/>
+              <a:t> </a:t>
+            </a:r>
+            <a:r>
+              <a:rPr lang="en-US" dirty="0" err="1" smtClean="0"/>
+              <a:t>đc</a:t>
+            </a:r>
+            <a:r>
+              <a:rPr lang="en-US" dirty="0" smtClean="0"/>
+              <a:t> </a:t>
+            </a:r>
+            <a:r>
+              <a:rPr lang="en-US" dirty="0" err="1" smtClean="0"/>
+              <a:t>bấm</a:t>
+            </a:r>
+            <a:r>
+              <a:rPr lang="en-US" dirty="0" smtClean="0"/>
+              <a:t> </a:t>
+            </a:r>
+            <a:r>
+              <a:rPr lang="en-US" dirty="0" err="1" smtClean="0"/>
+              <a:t>nữa</a:t>
+            </a:r>
+            <a:endParaRPr lang="en-US" dirty="0" smtClean="0"/>
+          </a:p>
+          <a:p>
+            <a:endParaRPr lang="en-US" dirty="0"/>
+          </a:p>
+        </p:txBody>
+      </p:sp>
+    </p:spTree>
+    <p:extLst>
+      <p:ext uri="{BB962C8B-B14F-4D97-AF65-F5344CB8AC3E}">
+        <p14:creationId xmlns:p14="http://schemas.microsoft.com/office/powerpoint/2010/main" val="2018152531"/>
+      </p:ext>
+    </p:extLst>
+  </p:cSld>
+  <p:clrMapOvr>
+    <a:masterClrMapping/>
+  </p:clrMapOvr>
+</p:sld>
+</file>
+
 <file path=ppt/slides/slide2.xml><?xml version="1.0" encoding="utf-8"?>
 <p:sld xmlns:a="http://schemas.openxmlformats.org/drawingml/2006/main" xmlns:r="http://schemas.openxmlformats.org/officeDocument/2006/relationships" xmlns:p="http://schemas.openxmlformats.org/presentationml/2006/main">
   <p:cSld>
@@ -6946,10 +9998,791 @@
           </a:p>
         </p:txBody>
       </p:sp>
+      <p:sp>
+        <p:nvSpPr>
+          <p:cNvPr id="36" name="Rectangle 35"/>
+          <p:cNvSpPr/>
+          <p:nvPr/>
+        </p:nvSpPr>
+        <p:spPr>
+          <a:xfrm>
+            <a:off x="3276600" y="4494617"/>
+            <a:ext cx="457200" cy="304800"/>
+          </a:xfrm>
+          <a:prstGeom prst="rect">
+            <a:avLst/>
+          </a:prstGeom>
+          <a:solidFill>
+            <a:schemeClr val="bg2">
+              <a:lumMod val="90000"/>
+            </a:schemeClr>
+          </a:solidFill>
+          <a:ln w="6350"/>
+        </p:spPr>
+        <p:style>
+          <a:lnRef idx="2">
+            <a:schemeClr val="accent1">
+              <a:shade val="50000"/>
+            </a:schemeClr>
+          </a:lnRef>
+          <a:fillRef idx="1">
+            <a:schemeClr val="accent1"/>
+          </a:fillRef>
+          <a:effectRef idx="0">
+            <a:schemeClr val="accent1"/>
+          </a:effectRef>
+          <a:fontRef idx="minor">
+            <a:schemeClr val="lt1"/>
+          </a:fontRef>
+        </p:style>
+        <p:txBody>
+          <a:bodyPr rtlCol="0" anchor="ctr"/>
+          <a:lstStyle/>
+          <a:p>
+            <a:pPr algn="ctr"/>
+            <a:endParaRPr lang="en-US"/>
+          </a:p>
+        </p:txBody>
+      </p:sp>
+      <p:sp>
+        <p:nvSpPr>
+          <p:cNvPr id="10" name="Multiply 9"/>
+          <p:cNvSpPr/>
+          <p:nvPr/>
+        </p:nvSpPr>
+        <p:spPr>
+          <a:xfrm>
+            <a:off x="3390900" y="4551766"/>
+            <a:ext cx="228600" cy="190502"/>
+          </a:xfrm>
+          <a:prstGeom prst="mathMultiply">
+            <a:avLst/>
+          </a:prstGeom>
+        </p:spPr>
+        <p:style>
+          <a:lnRef idx="2">
+            <a:schemeClr val="accent1">
+              <a:shade val="50000"/>
+            </a:schemeClr>
+          </a:lnRef>
+          <a:fillRef idx="1">
+            <a:schemeClr val="accent1"/>
+          </a:fillRef>
+          <a:effectRef idx="0">
+            <a:schemeClr val="accent1"/>
+          </a:effectRef>
+          <a:fontRef idx="minor">
+            <a:schemeClr val="lt1"/>
+          </a:fontRef>
+        </p:style>
+        <p:txBody>
+          <a:bodyPr rtlCol="0" anchor="ctr"/>
+          <a:lstStyle/>
+          <a:p>
+            <a:pPr algn="ctr"/>
+            <a:endParaRPr lang="en-US"/>
+          </a:p>
+        </p:txBody>
+      </p:sp>
+      <p:sp>
+        <p:nvSpPr>
+          <p:cNvPr id="38" name="Rectangle 37"/>
+          <p:cNvSpPr/>
+          <p:nvPr/>
+        </p:nvSpPr>
+        <p:spPr>
+          <a:xfrm>
+            <a:off x="3276600" y="4876799"/>
+            <a:ext cx="457200" cy="304800"/>
+          </a:xfrm>
+          <a:prstGeom prst="rect">
+            <a:avLst/>
+          </a:prstGeom>
+          <a:solidFill>
+            <a:schemeClr val="bg2">
+              <a:lumMod val="90000"/>
+            </a:schemeClr>
+          </a:solidFill>
+          <a:ln w="6350"/>
+        </p:spPr>
+        <p:style>
+          <a:lnRef idx="2">
+            <a:schemeClr val="accent1">
+              <a:shade val="50000"/>
+            </a:schemeClr>
+          </a:lnRef>
+          <a:fillRef idx="1">
+            <a:schemeClr val="accent1"/>
+          </a:fillRef>
+          <a:effectRef idx="0">
+            <a:schemeClr val="accent1"/>
+          </a:effectRef>
+          <a:fontRef idx="minor">
+            <a:schemeClr val="lt1"/>
+          </a:fontRef>
+        </p:style>
+        <p:txBody>
+          <a:bodyPr rtlCol="0" anchor="ctr"/>
+          <a:lstStyle/>
+          <a:p>
+            <a:pPr algn="ctr"/>
+            <a:endParaRPr lang="en-US"/>
+          </a:p>
+        </p:txBody>
+      </p:sp>
+      <p:sp>
+        <p:nvSpPr>
+          <p:cNvPr id="39" name="Multiply 38"/>
+          <p:cNvSpPr/>
+          <p:nvPr/>
+        </p:nvSpPr>
+        <p:spPr>
+          <a:xfrm>
+            <a:off x="3390900" y="4933948"/>
+            <a:ext cx="228600" cy="190502"/>
+          </a:xfrm>
+          <a:prstGeom prst="mathMultiply">
+            <a:avLst/>
+          </a:prstGeom>
+        </p:spPr>
+        <p:style>
+          <a:lnRef idx="2">
+            <a:schemeClr val="accent1">
+              <a:shade val="50000"/>
+            </a:schemeClr>
+          </a:lnRef>
+          <a:fillRef idx="1">
+            <a:schemeClr val="accent1"/>
+          </a:fillRef>
+          <a:effectRef idx="0">
+            <a:schemeClr val="accent1"/>
+          </a:effectRef>
+          <a:fontRef idx="minor">
+            <a:schemeClr val="lt1"/>
+          </a:fontRef>
+        </p:style>
+        <p:txBody>
+          <a:bodyPr rtlCol="0" anchor="ctr"/>
+          <a:lstStyle/>
+          <a:p>
+            <a:pPr algn="ctr"/>
+            <a:endParaRPr lang="en-US"/>
+          </a:p>
+        </p:txBody>
+      </p:sp>
+      <p:sp>
+        <p:nvSpPr>
+          <p:cNvPr id="40" name="Rectangle 39"/>
+          <p:cNvSpPr/>
+          <p:nvPr/>
+        </p:nvSpPr>
+        <p:spPr>
+          <a:xfrm>
+            <a:off x="3276600" y="5287688"/>
+            <a:ext cx="457200" cy="304800"/>
+          </a:xfrm>
+          <a:prstGeom prst="rect">
+            <a:avLst/>
+          </a:prstGeom>
+          <a:solidFill>
+            <a:schemeClr val="bg2">
+              <a:lumMod val="90000"/>
+            </a:schemeClr>
+          </a:solidFill>
+          <a:ln w="6350"/>
+        </p:spPr>
+        <p:style>
+          <a:lnRef idx="2">
+            <a:schemeClr val="accent1">
+              <a:shade val="50000"/>
+            </a:schemeClr>
+          </a:lnRef>
+          <a:fillRef idx="1">
+            <a:schemeClr val="accent1"/>
+          </a:fillRef>
+          <a:effectRef idx="0">
+            <a:schemeClr val="accent1"/>
+          </a:effectRef>
+          <a:fontRef idx="minor">
+            <a:schemeClr val="lt1"/>
+          </a:fontRef>
+        </p:style>
+        <p:txBody>
+          <a:bodyPr rtlCol="0" anchor="ctr"/>
+          <a:lstStyle/>
+          <a:p>
+            <a:pPr algn="ctr"/>
+            <a:endParaRPr lang="en-US"/>
+          </a:p>
+        </p:txBody>
+      </p:sp>
+      <p:sp>
+        <p:nvSpPr>
+          <p:cNvPr id="41" name="Multiply 40"/>
+          <p:cNvSpPr/>
+          <p:nvPr/>
+        </p:nvSpPr>
+        <p:spPr>
+          <a:xfrm>
+            <a:off x="3390900" y="5344837"/>
+            <a:ext cx="228600" cy="190502"/>
+          </a:xfrm>
+          <a:prstGeom prst="mathMultiply">
+            <a:avLst/>
+          </a:prstGeom>
+        </p:spPr>
+        <p:style>
+          <a:lnRef idx="2">
+            <a:schemeClr val="accent1">
+              <a:shade val="50000"/>
+            </a:schemeClr>
+          </a:lnRef>
+          <a:fillRef idx="1">
+            <a:schemeClr val="accent1"/>
+          </a:fillRef>
+          <a:effectRef idx="0">
+            <a:schemeClr val="accent1"/>
+          </a:effectRef>
+          <a:fontRef idx="minor">
+            <a:schemeClr val="lt1"/>
+          </a:fontRef>
+        </p:style>
+        <p:txBody>
+          <a:bodyPr rtlCol="0" anchor="ctr"/>
+          <a:lstStyle/>
+          <a:p>
+            <a:pPr algn="ctr"/>
+            <a:endParaRPr lang="en-US"/>
+          </a:p>
+        </p:txBody>
+      </p:sp>
+      <p:sp>
+        <p:nvSpPr>
+          <p:cNvPr id="42" name="Rectangle 41"/>
+          <p:cNvSpPr/>
+          <p:nvPr/>
+        </p:nvSpPr>
+        <p:spPr>
+          <a:xfrm>
+            <a:off x="3276600" y="5714998"/>
+            <a:ext cx="457200" cy="304800"/>
+          </a:xfrm>
+          <a:prstGeom prst="rect">
+            <a:avLst/>
+          </a:prstGeom>
+          <a:solidFill>
+            <a:schemeClr val="bg2">
+              <a:lumMod val="90000"/>
+            </a:schemeClr>
+          </a:solidFill>
+          <a:ln w="6350"/>
+        </p:spPr>
+        <p:style>
+          <a:lnRef idx="2">
+            <a:schemeClr val="accent1">
+              <a:shade val="50000"/>
+            </a:schemeClr>
+          </a:lnRef>
+          <a:fillRef idx="1">
+            <a:schemeClr val="accent1"/>
+          </a:fillRef>
+          <a:effectRef idx="0">
+            <a:schemeClr val="accent1"/>
+          </a:effectRef>
+          <a:fontRef idx="minor">
+            <a:schemeClr val="lt1"/>
+          </a:fontRef>
+        </p:style>
+        <p:txBody>
+          <a:bodyPr rtlCol="0" anchor="ctr"/>
+          <a:lstStyle/>
+          <a:p>
+            <a:pPr algn="ctr"/>
+            <a:endParaRPr lang="en-US"/>
+          </a:p>
+        </p:txBody>
+      </p:sp>
+      <p:sp>
+        <p:nvSpPr>
+          <p:cNvPr id="43" name="Multiply 42"/>
+          <p:cNvSpPr/>
+          <p:nvPr/>
+        </p:nvSpPr>
+        <p:spPr>
+          <a:xfrm>
+            <a:off x="3390900" y="5772147"/>
+            <a:ext cx="228600" cy="190502"/>
+          </a:xfrm>
+          <a:prstGeom prst="mathMultiply">
+            <a:avLst/>
+          </a:prstGeom>
+        </p:spPr>
+        <p:style>
+          <a:lnRef idx="2">
+            <a:schemeClr val="accent1">
+              <a:shade val="50000"/>
+            </a:schemeClr>
+          </a:lnRef>
+          <a:fillRef idx="1">
+            <a:schemeClr val="accent1"/>
+          </a:fillRef>
+          <a:effectRef idx="0">
+            <a:schemeClr val="accent1"/>
+          </a:effectRef>
+          <a:fontRef idx="minor">
+            <a:schemeClr val="lt1"/>
+          </a:fontRef>
+        </p:style>
+        <p:txBody>
+          <a:bodyPr rtlCol="0" anchor="ctr"/>
+          <a:lstStyle/>
+          <a:p>
+            <a:pPr algn="ctr"/>
+            <a:endParaRPr lang="en-US"/>
+          </a:p>
+        </p:txBody>
+      </p:sp>
+      <p:sp>
+        <p:nvSpPr>
+          <p:cNvPr id="14" name="Rectangle 13"/>
+          <p:cNvSpPr/>
+          <p:nvPr/>
+        </p:nvSpPr>
+        <p:spPr>
+          <a:xfrm>
+            <a:off x="1109638" y="2286000"/>
+            <a:ext cx="1371600" cy="1143000"/>
+          </a:xfrm>
+          <a:prstGeom prst="rect">
+            <a:avLst/>
+          </a:prstGeom>
+          <a:solidFill>
+            <a:schemeClr val="accent6">
+              <a:lumMod val="20000"/>
+              <a:lumOff val="80000"/>
+            </a:schemeClr>
+          </a:solidFill>
+          <a:ln w="3175"/>
+        </p:spPr>
+        <p:style>
+          <a:lnRef idx="2">
+            <a:schemeClr val="accent1">
+              <a:shade val="50000"/>
+            </a:schemeClr>
+          </a:lnRef>
+          <a:fillRef idx="1">
+            <a:schemeClr val="accent1"/>
+          </a:fillRef>
+          <a:effectRef idx="0">
+            <a:schemeClr val="accent1"/>
+          </a:effectRef>
+          <a:fontRef idx="minor">
+            <a:schemeClr val="lt1"/>
+          </a:fontRef>
+        </p:style>
+        <p:txBody>
+          <a:bodyPr rtlCol="0" anchor="ctr"/>
+          <a:lstStyle/>
+          <a:p>
+            <a:pPr algn="ctr"/>
+            <a:r>
+              <a:rPr lang="en-US" dirty="0" smtClean="0">
+                <a:solidFill>
+                  <a:schemeClr val="tx1"/>
+                </a:solidFill>
+              </a:rPr>
+              <a:t>Tag position</a:t>
+            </a:r>
+            <a:endParaRPr lang="en-US" dirty="0">
+              <a:solidFill>
+                <a:schemeClr val="tx1"/>
+              </a:solidFill>
+            </a:endParaRPr>
+          </a:p>
+        </p:txBody>
+      </p:sp>
     </p:spTree>
     <p:extLst>
       <p:ext uri="{BB962C8B-B14F-4D97-AF65-F5344CB8AC3E}">
         <p14:creationId xmlns:p14="http://schemas.microsoft.com/office/powerpoint/2010/main" val="2126693657"/>
+      </p:ext>
+    </p:extLst>
+  </p:cSld>
+  <p:clrMapOvr>
+    <a:masterClrMapping/>
+  </p:clrMapOvr>
+</p:sld>
+</file>
+
+<file path=ppt/slides/slide9.xml><?xml version="1.0" encoding="utf-8"?>
+<p:sld xmlns:a="http://schemas.openxmlformats.org/drawingml/2006/main" xmlns:r="http://schemas.openxmlformats.org/officeDocument/2006/relationships" xmlns:p="http://schemas.openxmlformats.org/presentationml/2006/main">
+  <p:cSld>
+    <p:spTree>
+      <p:nvGrpSpPr>
+        <p:cNvPr id="1" name=""/>
+        <p:cNvGrpSpPr/>
+        <p:nvPr/>
+      </p:nvGrpSpPr>
+      <p:grpSpPr>
+        <a:xfrm>
+          <a:off x="0" y="0"/>
+          <a:ext cx="0" cy="0"/>
+          <a:chOff x="0" y="0"/>
+          <a:chExt cx="0" cy="0"/>
+        </a:xfrm>
+      </p:grpSpPr>
+      <p:sp>
+        <p:nvSpPr>
+          <p:cNvPr id="2" name="Title 1"/>
+          <p:cNvSpPr>
+            <a:spLocks noGrp="1"/>
+          </p:cNvSpPr>
+          <p:nvPr>
+            <p:ph type="title"/>
+          </p:nvPr>
+        </p:nvSpPr>
+        <p:spPr/>
+        <p:txBody>
+          <a:bodyPr/>
+          <a:lstStyle/>
+          <a:p>
+            <a:r>
+              <a:rPr lang="en-US" dirty="0"/>
+              <a:t>BOM of </a:t>
+            </a:r>
+            <a:r>
+              <a:rPr lang="en-US" dirty="0" err="1"/>
+              <a:t>AlbumHeader</a:t>
+            </a:r>
+            <a:endParaRPr lang="en-US" dirty="0"/>
+          </a:p>
+        </p:txBody>
+      </p:sp>
+      <p:sp>
+        <p:nvSpPr>
+          <p:cNvPr id="3" name="Content Placeholder 2"/>
+          <p:cNvSpPr>
+            <a:spLocks noGrp="1"/>
+          </p:cNvSpPr>
+          <p:nvPr>
+            <p:ph idx="1"/>
+          </p:nvPr>
+        </p:nvSpPr>
+        <p:spPr/>
+        <p:txBody>
+          <a:bodyPr/>
+          <a:lstStyle/>
+          <a:p>
+            <a:r>
+              <a:rPr lang="en-US" dirty="0" err="1" smtClean="0"/>
+              <a:t>Mô</a:t>
+            </a:r>
+            <a:r>
+              <a:rPr lang="en-US" dirty="0" smtClean="0"/>
+              <a:t> </a:t>
+            </a:r>
+            <a:r>
+              <a:rPr lang="en-US" dirty="0" err="1" smtClean="0"/>
+              <a:t>tả</a:t>
+            </a:r>
+            <a:r>
+              <a:rPr lang="en-US" dirty="0" smtClean="0"/>
+              <a:t>:</a:t>
+            </a:r>
+          </a:p>
+          <a:p>
+            <a:pPr lvl="1"/>
+            <a:r>
+              <a:rPr lang="en-US" dirty="0" err="1" smtClean="0"/>
+              <a:t>Khi</a:t>
+            </a:r>
+            <a:r>
+              <a:rPr lang="en-US" dirty="0" smtClean="0"/>
+              <a:t> </a:t>
+            </a:r>
+            <a:r>
+              <a:rPr lang="en-US" dirty="0" err="1" smtClean="0"/>
+              <a:t>bấm</a:t>
+            </a:r>
+            <a:r>
+              <a:rPr lang="en-US" dirty="0" smtClean="0"/>
+              <a:t> </a:t>
+            </a:r>
+            <a:r>
+              <a:rPr lang="en-US" dirty="0" err="1" smtClean="0"/>
+              <a:t>vào</a:t>
+            </a:r>
+            <a:r>
+              <a:rPr lang="en-US" dirty="0" smtClean="0"/>
+              <a:t> </a:t>
+            </a:r>
+            <a:r>
+              <a:rPr lang="en-US" dirty="0" err="1" smtClean="0"/>
+              <a:t>nút</a:t>
+            </a:r>
+            <a:r>
+              <a:rPr lang="en-US" dirty="0" smtClean="0"/>
+              <a:t> 	</a:t>
+            </a:r>
+            <a:r>
+              <a:rPr lang="en-US" dirty="0" err="1" smtClean="0"/>
+              <a:t>thì</a:t>
+            </a:r>
+            <a:r>
+              <a:rPr lang="en-US" dirty="0" smtClean="0"/>
+              <a:t> </a:t>
+            </a:r>
+            <a:r>
+              <a:rPr lang="en-US" dirty="0" err="1" smtClean="0"/>
+              <a:t>sẽ</a:t>
+            </a:r>
+            <a:r>
+              <a:rPr lang="en-US" dirty="0" smtClean="0"/>
+              <a:t> </a:t>
+            </a:r>
+            <a:r>
+              <a:rPr lang="en-US" dirty="0" err="1" smtClean="0"/>
+              <a:t>hiển</a:t>
+            </a:r>
+            <a:r>
+              <a:rPr lang="en-US" dirty="0" smtClean="0"/>
+              <a:t> </a:t>
+            </a:r>
+            <a:r>
+              <a:rPr lang="en-US" dirty="0" err="1" smtClean="0"/>
+              <a:t>thị</a:t>
+            </a:r>
+            <a:r>
+              <a:rPr lang="en-US" dirty="0" smtClean="0"/>
+              <a:t> </a:t>
+            </a:r>
+            <a:r>
+              <a:rPr lang="en-US" dirty="0" err="1" smtClean="0"/>
+              <a:t>vị</a:t>
+            </a:r>
+            <a:r>
+              <a:rPr lang="en-US" dirty="0" smtClean="0"/>
+              <a:t> </a:t>
+            </a:r>
+            <a:r>
+              <a:rPr lang="en-US" dirty="0" err="1" smtClean="0"/>
+              <a:t>trí</a:t>
+            </a:r>
+            <a:r>
+              <a:rPr lang="en-US" dirty="0" smtClean="0"/>
+              <a:t> </a:t>
+            </a:r>
+            <a:r>
+              <a:rPr lang="en-US" dirty="0" err="1" smtClean="0"/>
+              <a:t>đã</a:t>
+            </a:r>
+            <a:r>
+              <a:rPr lang="en-US" dirty="0" smtClean="0"/>
+              <a:t> tag </a:t>
+            </a:r>
+            <a:r>
+              <a:rPr lang="en-US" dirty="0" err="1" smtClean="0"/>
+              <a:t>trên</a:t>
+            </a:r>
+            <a:r>
+              <a:rPr lang="en-US" dirty="0" smtClean="0"/>
+              <a:t> Image of Banner</a:t>
+            </a:r>
+          </a:p>
+          <a:p>
+            <a:pPr lvl="1"/>
+            <a:r>
+              <a:rPr lang="en-US" dirty="0" err="1" smtClean="0"/>
+              <a:t>Bấm</a:t>
+            </a:r>
+            <a:r>
+              <a:rPr lang="en-US" dirty="0" smtClean="0"/>
+              <a:t> </a:t>
+            </a:r>
+            <a:r>
+              <a:rPr lang="en-US" dirty="0" err="1" smtClean="0"/>
+              <a:t>nút</a:t>
+            </a:r>
+            <a:r>
+              <a:rPr lang="en-US" dirty="0" smtClean="0"/>
+              <a:t> x </a:t>
+            </a:r>
+            <a:r>
+              <a:rPr lang="en-US" dirty="0" err="1" smtClean="0"/>
+              <a:t>thì</a:t>
+            </a:r>
+            <a:r>
+              <a:rPr lang="en-US" dirty="0" smtClean="0"/>
+              <a:t> </a:t>
+            </a:r>
+            <a:r>
+              <a:rPr lang="en-US" dirty="0" err="1" smtClean="0"/>
+              <a:t>là</a:t>
+            </a:r>
+            <a:r>
+              <a:rPr lang="en-US" dirty="0" smtClean="0"/>
+              <a:t> remove </a:t>
+            </a:r>
+            <a:r>
+              <a:rPr lang="en-US" dirty="0" err="1" smtClean="0"/>
+              <a:t>đi</a:t>
+            </a:r>
+            <a:r>
+              <a:rPr lang="en-US" dirty="0" smtClean="0"/>
+              <a:t> tag </a:t>
+            </a:r>
+            <a:r>
+              <a:rPr lang="en-US" dirty="0" err="1" smtClean="0"/>
+              <a:t>đó</a:t>
+            </a:r>
+            <a:endParaRPr lang="en-US" dirty="0" smtClean="0"/>
+          </a:p>
+          <a:p>
+            <a:pPr lvl="1"/>
+            <a:r>
+              <a:rPr lang="en-US" dirty="0" err="1" smtClean="0"/>
+              <a:t>Bấm</a:t>
+            </a:r>
+            <a:r>
+              <a:rPr lang="en-US" dirty="0" smtClean="0"/>
+              <a:t> nut edit </a:t>
+            </a:r>
+            <a:r>
+              <a:rPr lang="en-US" dirty="0" err="1" smtClean="0"/>
+              <a:t>thì</a:t>
+            </a:r>
+            <a:r>
+              <a:rPr lang="en-US" dirty="0" smtClean="0"/>
+              <a:t> </a:t>
+            </a:r>
+            <a:r>
+              <a:rPr lang="en-US" dirty="0" err="1" smtClean="0"/>
+              <a:t>ngay</a:t>
+            </a:r>
+            <a:r>
+              <a:rPr lang="en-US" dirty="0" smtClean="0"/>
+              <a:t> </a:t>
+            </a:r>
+            <a:r>
+              <a:rPr lang="en-US" dirty="0" err="1" smtClean="0"/>
+              <a:t>chỗ</a:t>
+            </a:r>
+            <a:r>
+              <a:rPr lang="en-US" dirty="0" smtClean="0"/>
+              <a:t> Album name 1 </a:t>
+            </a:r>
+            <a:r>
+              <a:rPr lang="en-US" dirty="0" err="1" smtClean="0"/>
+              <a:t>sẽ</a:t>
+            </a:r>
+            <a:r>
+              <a:rPr lang="en-US" dirty="0" smtClean="0"/>
+              <a:t> </a:t>
+            </a:r>
+            <a:r>
+              <a:rPr lang="en-US" dirty="0" err="1" smtClean="0"/>
+              <a:t>biến</a:t>
+            </a:r>
+            <a:r>
+              <a:rPr lang="en-US" dirty="0" smtClean="0"/>
+              <a:t> </a:t>
+            </a:r>
+            <a:r>
+              <a:rPr lang="en-US" dirty="0" err="1" smtClean="0"/>
+              <a:t>thành</a:t>
+            </a:r>
+            <a:r>
+              <a:rPr lang="en-US" dirty="0" smtClean="0"/>
+              <a:t> auto complete </a:t>
+            </a:r>
+            <a:r>
+              <a:rPr lang="en-US" dirty="0" err="1" smtClean="0"/>
+              <a:t>textfield</a:t>
+            </a:r>
+            <a:r>
+              <a:rPr lang="en-US" dirty="0" smtClean="0"/>
+              <a:t> </a:t>
+            </a:r>
+            <a:r>
+              <a:rPr lang="en-US" dirty="0" err="1" smtClean="0"/>
+              <a:t>và</a:t>
+            </a:r>
+            <a:r>
+              <a:rPr lang="en-US" dirty="0" smtClean="0"/>
+              <a:t> </a:t>
+            </a:r>
+            <a:r>
+              <a:rPr lang="en-US" dirty="0" err="1" smtClean="0"/>
+              <a:t>sửa</a:t>
+            </a:r>
+            <a:r>
+              <a:rPr lang="en-US" dirty="0" smtClean="0"/>
+              <a:t> </a:t>
+            </a:r>
+            <a:r>
+              <a:rPr lang="en-US" dirty="0" err="1" smtClean="0"/>
+              <a:t>lại</a:t>
+            </a:r>
+            <a:r>
+              <a:rPr lang="en-US" dirty="0" smtClean="0"/>
+              <a:t> </a:t>
+            </a:r>
+            <a:r>
+              <a:rPr lang="en-US" dirty="0" err="1" smtClean="0"/>
+              <a:t>tên</a:t>
+            </a:r>
+            <a:r>
+              <a:rPr lang="en-US" dirty="0" smtClean="0"/>
+              <a:t> album</a:t>
+            </a:r>
+            <a:endParaRPr lang="en-US" dirty="0"/>
+          </a:p>
+        </p:txBody>
+      </p:sp>
+      <p:sp>
+        <p:nvSpPr>
+          <p:cNvPr id="4" name="Right Arrow 3"/>
+          <p:cNvSpPr/>
+          <p:nvPr/>
+        </p:nvSpPr>
+        <p:spPr>
+          <a:xfrm rot="16200000">
+            <a:off x="3771899" y="2362199"/>
+            <a:ext cx="152401" cy="152400"/>
+          </a:xfrm>
+          <a:prstGeom prst="rightArrow">
+            <a:avLst/>
+          </a:prstGeom>
+        </p:spPr>
+        <p:style>
+          <a:lnRef idx="2">
+            <a:schemeClr val="accent1">
+              <a:shade val="50000"/>
+            </a:schemeClr>
+          </a:lnRef>
+          <a:fillRef idx="1">
+            <a:schemeClr val="accent1"/>
+          </a:fillRef>
+          <a:effectRef idx="0">
+            <a:schemeClr val="accent1"/>
+          </a:effectRef>
+          <a:fontRef idx="minor">
+            <a:schemeClr val="lt1"/>
+          </a:fontRef>
+        </p:style>
+        <p:txBody>
+          <a:bodyPr rtlCol="0" anchor="ctr"/>
+          <a:lstStyle/>
+          <a:p>
+            <a:pPr algn="ctr"/>
+            <a:endParaRPr lang="en-US"/>
+          </a:p>
+        </p:txBody>
+      </p:sp>
+    </p:spTree>
+    <p:extLst>
+      <p:ext uri="{BB962C8B-B14F-4D97-AF65-F5344CB8AC3E}">
+        <p14:creationId xmlns:p14="http://schemas.microsoft.com/office/powerpoint/2010/main" val="3383639689"/>
       </p:ext>
     </p:extLst>
   </p:cSld>

--- a/source/musicpage/Documents/Music page.pptx
+++ b/source/musicpage/Documents/Music page.pptx
@@ -17,6 +17,11 @@
     <p:sldId id="265" r:id="rId11"/>
     <p:sldId id="266" r:id="rId12"/>
     <p:sldId id="267" r:id="rId13"/>
+    <p:sldId id="270" r:id="rId14"/>
+    <p:sldId id="268" r:id="rId15"/>
+    <p:sldId id="271" r:id="rId16"/>
+    <p:sldId id="272" r:id="rId17"/>
+    <p:sldId id="269" r:id="rId18"/>
   </p:sldIdLst>
   <p:sldSz cx="9144000" cy="6858000" type="screen4x3"/>
   <p:notesSz cx="6858000" cy="9144000"/>
@@ -115,6 +120,48 @@
       </a:defRPr>
     </a:lvl9pPr>
   </p:defaultTextStyle>
+  <p:extLst>
+    <p:ext uri="{521415D9-36F7-43E2-AB2F-B90AF26B5E84}">
+      <p14:sectionLst xmlns:p14="http://schemas.microsoft.com/office/powerpoint/2010/main">
+        <p14:section name="Default Section" id="{E0A7D6C4-A86B-43B7-A994-E1FF7B1DAB89}">
+          <p14:sldIdLst/>
+        </p14:section>
+        <p14:section name="General" id="{07B6E2F4-4009-4E79-B811-D57837DFC7B3}">
+          <p14:sldIdLst>
+            <p14:sldId id="256"/>
+            <p14:sldId id="257"/>
+            <p14:sldId id="258"/>
+            <p14:sldId id="259"/>
+            <p14:sldId id="260"/>
+            <p14:sldId id="261"/>
+          </p14:sldIdLst>
+        </p14:section>
+        <p14:section name="BOM" id="{8C4D9D08-F64B-4681-9E35-8AC59A52C3C3}">
+          <p14:sldIdLst>
+            <p14:sldId id="262"/>
+            <p14:sldId id="263"/>
+            <p14:sldId id="264"/>
+            <p14:sldId id="265"/>
+            <p14:sldId id="266"/>
+            <p14:sldId id="267"/>
+            <p14:sldId id="270"/>
+          </p14:sldIdLst>
+        </p14:section>
+        <p14:section name="Music player" id="{57D04DCF-E35C-46C4-B1A6-95397E6E8EE0}">
+          <p14:sldIdLst>
+            <p14:sldId id="268"/>
+            <p14:sldId id="271"/>
+            <p14:sldId id="272"/>
+          </p14:sldIdLst>
+        </p14:section>
+        <p14:section name="Back end" id="{04FAC04A-8904-4477-BA21-E1D5F19A1E70}">
+          <p14:sldIdLst>
+            <p14:sldId id="269"/>
+          </p14:sldIdLst>
+        </p14:section>
+      </p14:sectionLst>
+    </p:ext>
+  </p:extLst>
 </p:presentation>
 </file>
 
@@ -299,7 +346,7 @@
           <a:p>
             <a:fld id="{7DDD6D33-52EB-4E0A-A3B0-B44F76A61690}" type="datetimeFigureOut">
               <a:rPr lang="en-US" smtClean="0"/>
-              <a:t>4/14/2013</a:t>
+              <a:t>4/15/2013</a:t>
             </a:fld>
             <a:endParaRPr lang="en-US"/>
           </a:p>
@@ -469,7 +516,7 @@
           <a:p>
             <a:fld id="{7DDD6D33-52EB-4E0A-A3B0-B44F76A61690}" type="datetimeFigureOut">
               <a:rPr lang="en-US" smtClean="0"/>
-              <a:t>4/14/2013</a:t>
+              <a:t>4/15/2013</a:t>
             </a:fld>
             <a:endParaRPr lang="en-US"/>
           </a:p>
@@ -649,7 +696,7 @@
           <a:p>
             <a:fld id="{7DDD6D33-52EB-4E0A-A3B0-B44F76A61690}" type="datetimeFigureOut">
               <a:rPr lang="en-US" smtClean="0"/>
-              <a:t>4/14/2013</a:t>
+              <a:t>4/15/2013</a:t>
             </a:fld>
             <a:endParaRPr lang="en-US"/>
           </a:p>
@@ -819,7 +866,7 @@
           <a:p>
             <a:fld id="{7DDD6D33-52EB-4E0A-A3B0-B44F76A61690}" type="datetimeFigureOut">
               <a:rPr lang="en-US" smtClean="0"/>
-              <a:t>4/14/2013</a:t>
+              <a:t>4/15/2013</a:t>
             </a:fld>
             <a:endParaRPr lang="en-US"/>
           </a:p>
@@ -1065,7 +1112,7 @@
           <a:p>
             <a:fld id="{7DDD6D33-52EB-4E0A-A3B0-B44F76A61690}" type="datetimeFigureOut">
               <a:rPr lang="en-US" smtClean="0"/>
-              <a:t>4/14/2013</a:t>
+              <a:t>4/15/2013</a:t>
             </a:fld>
             <a:endParaRPr lang="en-US"/>
           </a:p>
@@ -1353,7 +1400,7 @@
           <a:p>
             <a:fld id="{7DDD6D33-52EB-4E0A-A3B0-B44F76A61690}" type="datetimeFigureOut">
               <a:rPr lang="en-US" smtClean="0"/>
-              <a:t>4/14/2013</a:t>
+              <a:t>4/15/2013</a:t>
             </a:fld>
             <a:endParaRPr lang="en-US"/>
           </a:p>
@@ -1775,7 +1822,7 @@
           <a:p>
             <a:fld id="{7DDD6D33-52EB-4E0A-A3B0-B44F76A61690}" type="datetimeFigureOut">
               <a:rPr lang="en-US" smtClean="0"/>
-              <a:t>4/14/2013</a:t>
+              <a:t>4/15/2013</a:t>
             </a:fld>
             <a:endParaRPr lang="en-US"/>
           </a:p>
@@ -1893,7 +1940,7 @@
           <a:p>
             <a:fld id="{7DDD6D33-52EB-4E0A-A3B0-B44F76A61690}" type="datetimeFigureOut">
               <a:rPr lang="en-US" smtClean="0"/>
-              <a:t>4/14/2013</a:t>
+              <a:t>4/15/2013</a:t>
             </a:fld>
             <a:endParaRPr lang="en-US"/>
           </a:p>
@@ -1988,7 +2035,7 @@
           <a:p>
             <a:fld id="{7DDD6D33-52EB-4E0A-A3B0-B44F76A61690}" type="datetimeFigureOut">
               <a:rPr lang="en-US" smtClean="0"/>
-              <a:t>4/14/2013</a:t>
+              <a:t>4/15/2013</a:t>
             </a:fld>
             <a:endParaRPr lang="en-US"/>
           </a:p>
@@ -2265,7 +2312,7 @@
           <a:p>
             <a:fld id="{7DDD6D33-52EB-4E0A-A3B0-B44F76A61690}" type="datetimeFigureOut">
               <a:rPr lang="en-US" smtClean="0"/>
-              <a:t>4/14/2013</a:t>
+              <a:t>4/15/2013</a:t>
             </a:fld>
             <a:endParaRPr lang="en-US"/>
           </a:p>
@@ -2518,7 +2565,7 @@
           <a:p>
             <a:fld id="{7DDD6D33-52EB-4E0A-A3B0-B44F76A61690}" type="datetimeFigureOut">
               <a:rPr lang="en-US" smtClean="0"/>
-              <a:t>4/14/2013</a:t>
+              <a:t>4/15/2013</a:t>
             </a:fld>
             <a:endParaRPr lang="en-US"/>
           </a:p>
@@ -2731,7 +2778,7 @@
           <a:p>
             <a:fld id="{7DDD6D33-52EB-4E0A-A3B0-B44F76A61690}" type="datetimeFigureOut">
               <a:rPr lang="en-US" smtClean="0"/>
-              <a:t>4/14/2013</a:t>
+              <a:t>4/15/2013</a:t>
             </a:fld>
             <a:endParaRPr lang="en-US"/>
           </a:p>
@@ -5579,6 +5626,52 @@
           </a:p>
         </p:txBody>
       </p:sp>
+      <p:sp>
+        <p:nvSpPr>
+          <p:cNvPr id="10" name="Rectangle 9"/>
+          <p:cNvSpPr/>
+          <p:nvPr/>
+        </p:nvSpPr>
+        <p:spPr>
+          <a:xfrm>
+            <a:off x="3143250" y="4362450"/>
+            <a:ext cx="723900" cy="590548"/>
+          </a:xfrm>
+          <a:prstGeom prst="rect">
+            <a:avLst/>
+          </a:prstGeom>
+          <a:noFill/>
+          <a:ln>
+            <a:solidFill>
+              <a:srgbClr val="FF0000"/>
+            </a:solidFill>
+          </a:ln>
+        </p:spPr>
+        <p:style>
+          <a:lnRef idx="2">
+            <a:schemeClr val="accent1">
+              <a:shade val="50000"/>
+            </a:schemeClr>
+          </a:lnRef>
+          <a:fillRef idx="1">
+            <a:schemeClr val="accent1"/>
+          </a:fillRef>
+          <a:effectRef idx="0">
+            <a:schemeClr val="accent1"/>
+          </a:effectRef>
+          <a:fontRef idx="minor">
+            <a:schemeClr val="lt1"/>
+          </a:fontRef>
+        </p:style>
+        <p:txBody>
+          <a:bodyPr rtlCol="0" anchor="ctr"/>
+          <a:lstStyle/>
+          <a:p>
+            <a:pPr algn="ctr"/>
+            <a:endParaRPr lang="en-US"/>
+          </a:p>
+        </p:txBody>
+      </p:sp>
     </p:spTree>
     <p:extLst>
       <p:ext uri="{BB962C8B-B14F-4D97-AF65-F5344CB8AC3E}">
@@ -6200,6 +6293,1055 @@
     <p:extLst>
       <p:ext uri="{BB962C8B-B14F-4D97-AF65-F5344CB8AC3E}">
         <p14:creationId xmlns:p14="http://schemas.microsoft.com/office/powerpoint/2010/main" val="2018152531"/>
+      </p:ext>
+    </p:extLst>
+  </p:cSld>
+  <p:clrMapOvr>
+    <a:masterClrMapping/>
+  </p:clrMapOvr>
+</p:sld>
+</file>
+
+<file path=ppt/slides/slide13.xml><?xml version="1.0" encoding="utf-8"?>
+<p:sld xmlns:a="http://schemas.openxmlformats.org/drawingml/2006/main" xmlns:r="http://schemas.openxmlformats.org/officeDocument/2006/relationships" xmlns:p="http://schemas.openxmlformats.org/presentationml/2006/main">
+  <p:cSld>
+    <p:spTree>
+      <p:nvGrpSpPr>
+        <p:cNvPr id="1" name=""/>
+        <p:cNvGrpSpPr/>
+        <p:nvPr/>
+      </p:nvGrpSpPr>
+      <p:grpSpPr>
+        <a:xfrm>
+          <a:off x="0" y="0"/>
+          <a:ext cx="0" cy="0"/>
+          <a:chOff x="0" y="0"/>
+          <a:chExt cx="0" cy="0"/>
+        </a:xfrm>
+      </p:grpSpPr>
+      <p:sp>
+        <p:nvSpPr>
+          <p:cNvPr id="2" name="Title 1"/>
+          <p:cNvSpPr>
+            <a:spLocks noGrp="1"/>
+          </p:cNvSpPr>
+          <p:nvPr>
+            <p:ph type="title"/>
+          </p:nvPr>
+        </p:nvSpPr>
+        <p:spPr/>
+        <p:txBody>
+          <a:bodyPr/>
+          <a:lstStyle/>
+          <a:p>
+            <a:r>
+              <a:rPr lang="en-US" dirty="0" smtClean="0"/>
+              <a:t>Model of BOM</a:t>
+            </a:r>
+            <a:endParaRPr lang="en-US" dirty="0"/>
+          </a:p>
+        </p:txBody>
+      </p:sp>
+      <p:sp>
+        <p:nvSpPr>
+          <p:cNvPr id="3" name="Content Placeholder 2"/>
+          <p:cNvSpPr>
+            <a:spLocks noGrp="1"/>
+          </p:cNvSpPr>
+          <p:nvPr>
+            <p:ph idx="1"/>
+          </p:nvPr>
+        </p:nvSpPr>
+        <p:spPr/>
+        <p:txBody>
+          <a:bodyPr>
+            <a:normAutofit fontScale="85000" lnSpcReduction="10000"/>
+          </a:bodyPr>
+          <a:lstStyle/>
+          <a:p>
+            <a:r>
+              <a:rPr lang="en-US" dirty="0" err="1" smtClean="0"/>
+              <a:t>TagPosition</a:t>
+            </a:r>
+            <a:r>
+              <a:rPr lang="en-US" dirty="0" smtClean="0"/>
+              <a:t> (</a:t>
+            </a:r>
+            <a:r>
+              <a:rPr lang="en-US" dirty="0" err="1" smtClean="0"/>
+              <a:t>là</a:t>
+            </a:r>
+            <a:r>
+              <a:rPr lang="en-US" dirty="0" smtClean="0"/>
+              <a:t> object </a:t>
+            </a:r>
+            <a:r>
+              <a:rPr lang="en-US" dirty="0" err="1" smtClean="0"/>
+              <a:t>để</a:t>
+            </a:r>
+            <a:r>
+              <a:rPr lang="en-US" dirty="0" smtClean="0"/>
+              <a:t> </a:t>
+            </a:r>
+            <a:r>
+              <a:rPr lang="en-US" dirty="0" err="1" smtClean="0"/>
+              <a:t>chỉ</a:t>
+            </a:r>
+            <a:r>
+              <a:rPr lang="en-US" dirty="0" smtClean="0"/>
+              <a:t> </a:t>
+            </a:r>
+            <a:r>
+              <a:rPr lang="en-US" dirty="0" err="1" smtClean="0"/>
+              <a:t>định</a:t>
+            </a:r>
+            <a:r>
+              <a:rPr lang="en-US" dirty="0" smtClean="0"/>
+              <a:t> </a:t>
+            </a:r>
+            <a:r>
+              <a:rPr lang="en-US" dirty="0" err="1" smtClean="0"/>
+              <a:t>vị</a:t>
+            </a:r>
+            <a:r>
+              <a:rPr lang="en-US" dirty="0" smtClean="0"/>
+              <a:t> </a:t>
+            </a:r>
+            <a:r>
+              <a:rPr lang="en-US" dirty="0" err="1" smtClean="0"/>
+              <a:t>trí</a:t>
+            </a:r>
+            <a:r>
+              <a:rPr lang="en-US" dirty="0" smtClean="0"/>
+              <a:t> </a:t>
+            </a:r>
+            <a:r>
+              <a:rPr lang="en-US" dirty="0" err="1" smtClean="0"/>
+              <a:t>của</a:t>
+            </a:r>
+            <a:r>
+              <a:rPr lang="en-US" dirty="0" smtClean="0"/>
+              <a:t> album </a:t>
+            </a:r>
+            <a:r>
+              <a:rPr lang="en-US" dirty="0" err="1" smtClean="0"/>
+              <a:t>trên</a:t>
+            </a:r>
+            <a:r>
+              <a:rPr lang="en-US" dirty="0" smtClean="0"/>
+              <a:t> </a:t>
+            </a:r>
+            <a:r>
+              <a:rPr lang="en-US" dirty="0" err="1" smtClean="0"/>
+              <a:t>TopBanner</a:t>
+            </a:r>
+            <a:r>
+              <a:rPr lang="en-US" dirty="0" smtClean="0"/>
+              <a:t>, </a:t>
+            </a:r>
+            <a:r>
+              <a:rPr lang="en-US" dirty="0" err="1" smtClean="0"/>
+              <a:t>đc</a:t>
+            </a:r>
+            <a:r>
+              <a:rPr lang="en-US" dirty="0"/>
+              <a:t> </a:t>
+            </a:r>
+            <a:r>
+              <a:rPr lang="en-US" dirty="0" err="1" smtClean="0"/>
+              <a:t>dùng</a:t>
+            </a:r>
+            <a:r>
+              <a:rPr lang="en-US" dirty="0" smtClean="0"/>
+              <a:t> </a:t>
+            </a:r>
+            <a:r>
+              <a:rPr lang="en-US" dirty="0" err="1" smtClean="0"/>
+              <a:t>để</a:t>
+            </a:r>
+            <a:r>
+              <a:rPr lang="en-US" dirty="0" smtClean="0"/>
+              <a:t> transfer </a:t>
+            </a:r>
+            <a:r>
+              <a:rPr lang="en-US" dirty="0" err="1" smtClean="0"/>
+              <a:t>giữa</a:t>
+            </a:r>
+            <a:r>
+              <a:rPr lang="en-US" dirty="0" smtClean="0"/>
+              <a:t> back-front end)</a:t>
+            </a:r>
+          </a:p>
+          <a:p>
+            <a:pPr lvl="1"/>
+            <a:r>
+              <a:rPr lang="en-US" dirty="0" smtClean="0"/>
+              <a:t>    </a:t>
+            </a:r>
+            <a:r>
+              <a:rPr lang="en-US" dirty="0" err="1" smtClean="0"/>
+              <a:t>this.x</a:t>
+            </a:r>
+            <a:r>
+              <a:rPr lang="en-US" dirty="0" smtClean="0"/>
+              <a:t> </a:t>
+            </a:r>
+            <a:r>
+              <a:rPr lang="en-US" dirty="0"/>
+              <a:t>= </a:t>
+            </a:r>
+            <a:r>
+              <a:rPr lang="en-US" dirty="0" err="1"/>
+              <a:t>eData.x</a:t>
+            </a:r>
+            <a:r>
+              <a:rPr lang="en-US" dirty="0"/>
+              <a:t>;</a:t>
+            </a:r>
+          </a:p>
+          <a:p>
+            <a:pPr lvl="1"/>
+            <a:r>
+              <a:rPr lang="en-US" dirty="0"/>
+              <a:t>    </a:t>
+            </a:r>
+            <a:r>
+              <a:rPr lang="en-US" dirty="0" err="1"/>
+              <a:t>this.y</a:t>
+            </a:r>
+            <a:r>
+              <a:rPr lang="en-US" dirty="0"/>
+              <a:t> = </a:t>
+            </a:r>
+            <a:r>
+              <a:rPr lang="en-US" dirty="0" err="1"/>
+              <a:t>eData.y</a:t>
+            </a:r>
+            <a:r>
+              <a:rPr lang="en-US" dirty="0"/>
+              <a:t>;</a:t>
+            </a:r>
+          </a:p>
+          <a:p>
+            <a:pPr lvl="1"/>
+            <a:r>
+              <a:rPr lang="en-US" dirty="0"/>
+              <a:t>    this.x2 = eData.x2;</a:t>
+            </a:r>
+          </a:p>
+          <a:p>
+            <a:pPr lvl="1"/>
+            <a:r>
+              <a:rPr lang="en-US" dirty="0"/>
+              <a:t>    this.y2 = eData.y2;</a:t>
+            </a:r>
+          </a:p>
+          <a:p>
+            <a:pPr lvl="1"/>
+            <a:r>
+              <a:rPr lang="en-US" dirty="0"/>
+              <a:t>    </a:t>
+            </a:r>
+            <a:r>
+              <a:rPr lang="en-US" dirty="0" err="1"/>
+              <a:t>this.width</a:t>
+            </a:r>
+            <a:r>
+              <a:rPr lang="en-US" dirty="0"/>
+              <a:t> = </a:t>
+            </a:r>
+            <a:r>
+              <a:rPr lang="en-US" dirty="0" err="1"/>
+              <a:t>eData.w</a:t>
+            </a:r>
+            <a:r>
+              <a:rPr lang="en-US" dirty="0"/>
+              <a:t>;</a:t>
+            </a:r>
+          </a:p>
+          <a:p>
+            <a:pPr lvl="1"/>
+            <a:r>
+              <a:rPr lang="en-US" dirty="0"/>
+              <a:t>    </a:t>
+            </a:r>
+            <a:r>
+              <a:rPr lang="en-US" dirty="0" err="1"/>
+              <a:t>this.height</a:t>
+            </a:r>
+            <a:r>
+              <a:rPr lang="en-US" dirty="0"/>
+              <a:t> = </a:t>
+            </a:r>
+            <a:r>
+              <a:rPr lang="en-US" dirty="0" err="1"/>
+              <a:t>eData.h</a:t>
+            </a:r>
+            <a:r>
+              <a:rPr lang="en-US" dirty="0"/>
+              <a:t>;</a:t>
+            </a:r>
+          </a:p>
+          <a:p>
+            <a:pPr lvl="1"/>
+            <a:r>
+              <a:rPr lang="en-US" dirty="0"/>
+              <a:t>    </a:t>
+            </a:r>
+            <a:r>
+              <a:rPr lang="en-US" dirty="0" err="1"/>
+              <a:t>this.boundWidth</a:t>
+            </a:r>
+            <a:r>
+              <a:rPr lang="en-US" dirty="0"/>
+              <a:t> = bound[0];</a:t>
+            </a:r>
+          </a:p>
+          <a:p>
+            <a:pPr lvl="1"/>
+            <a:r>
+              <a:rPr lang="en-US" dirty="0"/>
+              <a:t>    </a:t>
+            </a:r>
+            <a:r>
+              <a:rPr lang="en-US" dirty="0" err="1"/>
+              <a:t>this.boundHeight</a:t>
+            </a:r>
+            <a:r>
+              <a:rPr lang="en-US" dirty="0"/>
+              <a:t> = bound[1];</a:t>
+            </a:r>
+          </a:p>
+          <a:p>
+            <a:pPr lvl="1"/>
+            <a:r>
+              <a:rPr lang="en-US" dirty="0"/>
+              <a:t>    </a:t>
+            </a:r>
+            <a:r>
+              <a:rPr lang="en-US" dirty="0" err="1"/>
+              <a:t>this.title</a:t>
+            </a:r>
+            <a:r>
+              <a:rPr lang="en-US" dirty="0"/>
+              <a:t> = undefined;</a:t>
+            </a:r>
+          </a:p>
+        </p:txBody>
+      </p:sp>
+    </p:spTree>
+    <p:extLst>
+      <p:ext uri="{BB962C8B-B14F-4D97-AF65-F5344CB8AC3E}">
+        <p14:creationId xmlns:p14="http://schemas.microsoft.com/office/powerpoint/2010/main" val="2018451346"/>
+      </p:ext>
+    </p:extLst>
+  </p:cSld>
+  <p:clrMapOvr>
+    <a:masterClrMapping/>
+  </p:clrMapOvr>
+</p:sld>
+</file>
+
+<file path=ppt/slides/slide14.xml><?xml version="1.0" encoding="utf-8"?>
+<p:sld xmlns:a="http://schemas.openxmlformats.org/drawingml/2006/main" xmlns:r="http://schemas.openxmlformats.org/officeDocument/2006/relationships" xmlns:p="http://schemas.openxmlformats.org/presentationml/2006/main">
+  <p:cSld>
+    <p:spTree>
+      <p:nvGrpSpPr>
+        <p:cNvPr id="1" name=""/>
+        <p:cNvGrpSpPr/>
+        <p:nvPr/>
+      </p:nvGrpSpPr>
+      <p:grpSpPr>
+        <a:xfrm>
+          <a:off x="0" y="0"/>
+          <a:ext cx="0" cy="0"/>
+          <a:chOff x="0" y="0"/>
+          <a:chExt cx="0" cy="0"/>
+        </a:xfrm>
+      </p:grpSpPr>
+      <p:sp>
+        <p:nvSpPr>
+          <p:cNvPr id="2" name="Title 1"/>
+          <p:cNvSpPr>
+            <a:spLocks noGrp="1"/>
+          </p:cNvSpPr>
+          <p:nvPr>
+            <p:ph type="title"/>
+          </p:nvPr>
+        </p:nvSpPr>
+        <p:spPr/>
+        <p:txBody>
+          <a:bodyPr/>
+          <a:lstStyle/>
+          <a:p>
+            <a:r>
+              <a:rPr lang="en-US" dirty="0" err="1" smtClean="0"/>
+              <a:t>MusicPlayer</a:t>
+            </a:r>
+            <a:r>
+              <a:rPr lang="en-US" dirty="0" smtClean="0"/>
+              <a:t> </a:t>
+            </a:r>
+            <a:endParaRPr lang="en-US" dirty="0"/>
+          </a:p>
+        </p:txBody>
+      </p:sp>
+      <p:sp>
+        <p:nvSpPr>
+          <p:cNvPr id="3" name="Content Placeholder 2"/>
+          <p:cNvSpPr>
+            <a:spLocks noGrp="1"/>
+          </p:cNvSpPr>
+          <p:nvPr>
+            <p:ph idx="1"/>
+          </p:nvPr>
+        </p:nvSpPr>
+        <p:spPr/>
+        <p:txBody>
+          <a:bodyPr/>
+          <a:lstStyle/>
+          <a:p>
+            <a:r>
+              <a:rPr lang="en-US" dirty="0" err="1" smtClean="0"/>
+              <a:t>Play,Next,Previous,Pause</a:t>
+            </a:r>
+            <a:r>
+              <a:rPr lang="en-US" dirty="0" smtClean="0"/>
+              <a:t> ,</a:t>
+            </a:r>
+            <a:r>
+              <a:rPr lang="en-US" dirty="0" err="1" smtClean="0"/>
+              <a:t>Repeat,Volume</a:t>
+            </a:r>
+            <a:endParaRPr lang="en-US" dirty="0" smtClean="0"/>
+          </a:p>
+          <a:p>
+            <a:r>
+              <a:rPr lang="en-US" dirty="0" err="1" smtClean="0"/>
+              <a:t>processBar</a:t>
+            </a:r>
+            <a:endParaRPr lang="en-US" dirty="0" smtClean="0"/>
+          </a:p>
+          <a:p>
+            <a:r>
+              <a:rPr lang="en-US" dirty="0" smtClean="0"/>
+              <a:t>Timer Panel</a:t>
+            </a:r>
+          </a:p>
+          <a:p>
+            <a:r>
+              <a:rPr lang="en-US" dirty="0" err="1" smtClean="0"/>
+              <a:t>Bấm</a:t>
+            </a:r>
+            <a:r>
+              <a:rPr lang="en-US" dirty="0" smtClean="0"/>
+              <a:t> </a:t>
+            </a:r>
+            <a:r>
+              <a:rPr lang="en-US" dirty="0" err="1" smtClean="0"/>
+              <a:t>vào</a:t>
+            </a:r>
+            <a:r>
+              <a:rPr lang="en-US" dirty="0" smtClean="0"/>
+              <a:t> button </a:t>
+            </a:r>
+            <a:r>
+              <a:rPr lang="en-US" dirty="0" err="1" smtClean="0"/>
+              <a:t>phải</a:t>
+            </a:r>
+            <a:r>
+              <a:rPr lang="en-US" dirty="0" smtClean="0"/>
+              <a:t> </a:t>
+            </a:r>
+            <a:r>
+              <a:rPr lang="en-US" dirty="0" err="1" smtClean="0"/>
+              <a:t>có</a:t>
+            </a:r>
+            <a:r>
+              <a:rPr lang="en-US" dirty="0" smtClean="0"/>
+              <a:t> </a:t>
+            </a:r>
+            <a:r>
+              <a:rPr lang="en-US" dirty="0" err="1" smtClean="0"/>
+              <a:t>hiệu</a:t>
+            </a:r>
+            <a:r>
+              <a:rPr lang="en-US" dirty="0" smtClean="0"/>
+              <a:t> </a:t>
+            </a:r>
+            <a:r>
+              <a:rPr lang="en-US" dirty="0" err="1" smtClean="0"/>
+              <a:t>ứng</a:t>
+            </a:r>
+            <a:r>
+              <a:rPr lang="en-US" dirty="0" smtClean="0"/>
+              <a:t> blur</a:t>
+            </a:r>
+          </a:p>
+          <a:p>
+            <a:r>
+              <a:rPr lang="en-US" dirty="0" smtClean="0"/>
+              <a:t>Change state of </a:t>
+            </a:r>
+            <a:r>
+              <a:rPr lang="en-US" dirty="0" err="1" smtClean="0"/>
+              <a:t>các</a:t>
+            </a:r>
+            <a:r>
+              <a:rPr lang="en-US" dirty="0" smtClean="0"/>
+              <a:t> button next, previous, play</a:t>
+            </a:r>
+            <a:endParaRPr lang="en-US" dirty="0"/>
+          </a:p>
+        </p:txBody>
+      </p:sp>
+    </p:spTree>
+    <p:extLst>
+      <p:ext uri="{BB962C8B-B14F-4D97-AF65-F5344CB8AC3E}">
+        <p14:creationId xmlns:p14="http://schemas.microsoft.com/office/powerpoint/2010/main" val="1319494021"/>
+      </p:ext>
+    </p:extLst>
+  </p:cSld>
+  <p:clrMapOvr>
+    <a:masterClrMapping/>
+  </p:clrMapOvr>
+</p:sld>
+</file>
+
+<file path=ppt/slides/slide15.xml><?xml version="1.0" encoding="utf-8"?>
+<p:sld xmlns:a="http://schemas.openxmlformats.org/drawingml/2006/main" xmlns:r="http://schemas.openxmlformats.org/officeDocument/2006/relationships" xmlns:p="http://schemas.openxmlformats.org/presentationml/2006/main">
+  <p:cSld>
+    <p:spTree>
+      <p:nvGrpSpPr>
+        <p:cNvPr id="1" name=""/>
+        <p:cNvGrpSpPr/>
+        <p:nvPr/>
+      </p:nvGrpSpPr>
+      <p:grpSpPr>
+        <a:xfrm>
+          <a:off x="0" y="0"/>
+          <a:ext cx="0" cy="0"/>
+          <a:chOff x="0" y="0"/>
+          <a:chExt cx="0" cy="0"/>
+        </a:xfrm>
+      </p:grpSpPr>
+      <p:sp>
+        <p:nvSpPr>
+          <p:cNvPr id="2" name="Title 1"/>
+          <p:cNvSpPr>
+            <a:spLocks noGrp="1"/>
+          </p:cNvSpPr>
+          <p:nvPr>
+            <p:ph type="title"/>
+          </p:nvPr>
+        </p:nvSpPr>
+        <p:spPr/>
+        <p:txBody>
+          <a:bodyPr>
+            <a:normAutofit/>
+          </a:bodyPr>
+          <a:lstStyle/>
+          <a:p>
+            <a:r>
+              <a:rPr lang="en-US" dirty="0" smtClean="0"/>
+              <a:t>Volume</a:t>
+            </a:r>
+            <a:endParaRPr lang="en-US" dirty="0"/>
+          </a:p>
+        </p:txBody>
+      </p:sp>
+      <p:sp>
+        <p:nvSpPr>
+          <p:cNvPr id="3" name="Content Placeholder 2"/>
+          <p:cNvSpPr>
+            <a:spLocks noGrp="1"/>
+          </p:cNvSpPr>
+          <p:nvPr>
+            <p:ph idx="1"/>
+          </p:nvPr>
+        </p:nvSpPr>
+        <p:spPr/>
+        <p:txBody>
+          <a:bodyPr/>
+          <a:lstStyle/>
+          <a:p>
+            <a:r>
+              <a:rPr lang="en-US" dirty="0" err="1" smtClean="0"/>
+              <a:t>Khi</a:t>
+            </a:r>
+            <a:r>
+              <a:rPr lang="en-US" dirty="0" smtClean="0"/>
+              <a:t> </a:t>
+            </a:r>
+            <a:r>
+              <a:rPr lang="en-US" dirty="0" err="1" smtClean="0"/>
+              <a:t>bấm</a:t>
+            </a:r>
+            <a:r>
+              <a:rPr lang="en-US" dirty="0" smtClean="0"/>
+              <a:t> </a:t>
+            </a:r>
+            <a:r>
+              <a:rPr lang="en-US" dirty="0" err="1" smtClean="0"/>
+              <a:t>vào</a:t>
+            </a:r>
+            <a:r>
+              <a:rPr lang="en-US" dirty="0" smtClean="0"/>
+              <a:t> </a:t>
+            </a:r>
+            <a:r>
+              <a:rPr lang="en-US" dirty="0" err="1" smtClean="0"/>
+              <a:t>thì</a:t>
+            </a:r>
+            <a:r>
+              <a:rPr lang="en-US" dirty="0" smtClean="0"/>
+              <a:t> </a:t>
+            </a:r>
+            <a:r>
+              <a:rPr lang="en-US" dirty="0" err="1" smtClean="0"/>
+              <a:t>sẽ</a:t>
+            </a:r>
+            <a:r>
+              <a:rPr lang="en-US" dirty="0" smtClean="0"/>
+              <a:t> </a:t>
+            </a:r>
+            <a:r>
+              <a:rPr lang="en-US" dirty="0" err="1" smtClean="0"/>
+              <a:t>hiện</a:t>
+            </a:r>
+            <a:r>
+              <a:rPr lang="en-US" dirty="0" smtClean="0"/>
+              <a:t> </a:t>
+            </a:r>
+            <a:r>
+              <a:rPr lang="en-US" dirty="0" err="1" smtClean="0"/>
+              <a:t>ra</a:t>
+            </a:r>
+            <a:r>
+              <a:rPr lang="en-US" dirty="0" smtClean="0"/>
+              <a:t> 1 </a:t>
+            </a:r>
+            <a:r>
+              <a:rPr lang="en-US" dirty="0" err="1" smtClean="0"/>
+              <a:t>thanh</a:t>
+            </a:r>
+            <a:r>
+              <a:rPr lang="en-US" dirty="0" smtClean="0"/>
+              <a:t> scroll </a:t>
+            </a:r>
+            <a:r>
+              <a:rPr lang="en-US" dirty="0" err="1" smtClean="0"/>
+              <a:t>để</a:t>
+            </a:r>
+            <a:r>
+              <a:rPr lang="en-US" dirty="0" smtClean="0"/>
+              <a:t> </a:t>
+            </a:r>
+            <a:r>
+              <a:rPr lang="en-US" dirty="0" err="1" smtClean="0"/>
+              <a:t>tăng</a:t>
+            </a:r>
+            <a:r>
+              <a:rPr lang="en-US" dirty="0" smtClean="0"/>
+              <a:t> </a:t>
+            </a:r>
+            <a:r>
+              <a:rPr lang="en-US" dirty="0" err="1" smtClean="0"/>
+              <a:t>giảm</a:t>
+            </a:r>
+            <a:r>
+              <a:rPr lang="en-US" dirty="0" smtClean="0"/>
+              <a:t> volume</a:t>
+            </a:r>
+            <a:endParaRPr lang="en-US" dirty="0"/>
+          </a:p>
+        </p:txBody>
+      </p:sp>
+      <p:grpSp>
+        <p:nvGrpSpPr>
+          <p:cNvPr id="8" name="Group 7"/>
+          <p:cNvGrpSpPr/>
+          <p:nvPr/>
+        </p:nvGrpSpPr>
+        <p:grpSpPr>
+          <a:xfrm>
+            <a:off x="914400" y="2667000"/>
+            <a:ext cx="381000" cy="2133600"/>
+            <a:chOff x="2819400" y="2819400"/>
+            <a:chExt cx="381000" cy="2133600"/>
+          </a:xfrm>
+        </p:grpSpPr>
+        <p:sp>
+          <p:nvSpPr>
+            <p:cNvPr id="4" name="Rectangle 3"/>
+            <p:cNvSpPr/>
+            <p:nvPr/>
+          </p:nvSpPr>
+          <p:spPr>
+            <a:xfrm>
+              <a:off x="2819400" y="2819400"/>
+              <a:ext cx="381000" cy="2133600"/>
+            </a:xfrm>
+            <a:prstGeom prst="rect">
+              <a:avLst/>
+            </a:prstGeom>
+            <a:solidFill>
+              <a:schemeClr val="tx2">
+                <a:lumMod val="20000"/>
+                <a:lumOff val="80000"/>
+              </a:schemeClr>
+            </a:solidFill>
+            <a:ln w="9525">
+              <a:solidFill>
+                <a:schemeClr val="tx2"/>
+              </a:solidFill>
+            </a:ln>
+          </p:spPr>
+          <p:style>
+            <a:lnRef idx="2">
+              <a:schemeClr val="accent1">
+                <a:shade val="50000"/>
+              </a:schemeClr>
+            </a:lnRef>
+            <a:fillRef idx="1">
+              <a:schemeClr val="accent1"/>
+            </a:fillRef>
+            <a:effectRef idx="0">
+              <a:schemeClr val="accent1"/>
+            </a:effectRef>
+            <a:fontRef idx="minor">
+              <a:schemeClr val="lt1"/>
+            </a:fontRef>
+          </p:style>
+          <p:txBody>
+            <a:bodyPr rtlCol="0" anchor="ctr"/>
+            <a:lstStyle/>
+            <a:p>
+              <a:pPr algn="ctr"/>
+              <a:endParaRPr lang="en-US"/>
+            </a:p>
+          </p:txBody>
+        </p:sp>
+        <p:sp>
+          <p:nvSpPr>
+            <p:cNvPr id="6" name="Rectangle 5"/>
+            <p:cNvSpPr/>
+            <p:nvPr/>
+          </p:nvSpPr>
+          <p:spPr>
+            <a:xfrm>
+              <a:off x="2873084" y="3778249"/>
+              <a:ext cx="273628" cy="101601"/>
+            </a:xfrm>
+            <a:prstGeom prst="rect">
+              <a:avLst/>
+            </a:prstGeom>
+            <a:solidFill>
+              <a:srgbClr val="00B050"/>
+            </a:solidFill>
+            <a:ln>
+              <a:noFill/>
+            </a:ln>
+          </p:spPr>
+          <p:style>
+            <a:lnRef idx="2">
+              <a:schemeClr val="accent1">
+                <a:shade val="50000"/>
+              </a:schemeClr>
+            </a:lnRef>
+            <a:fillRef idx="1">
+              <a:schemeClr val="accent1"/>
+            </a:fillRef>
+            <a:effectRef idx="0">
+              <a:schemeClr val="accent1"/>
+            </a:effectRef>
+            <a:fontRef idx="minor">
+              <a:schemeClr val="lt1"/>
+            </a:fontRef>
+          </p:style>
+          <p:txBody>
+            <a:bodyPr rtlCol="0" anchor="ctr"/>
+            <a:lstStyle/>
+            <a:p>
+              <a:pPr algn="ctr"/>
+              <a:endParaRPr lang="en-US"/>
+            </a:p>
+          </p:txBody>
+        </p:sp>
+        <p:sp>
+          <p:nvSpPr>
+            <p:cNvPr id="7" name="Isosceles Triangle 6"/>
+            <p:cNvSpPr/>
+            <p:nvPr/>
+          </p:nvSpPr>
+          <p:spPr>
+            <a:xfrm rot="10800000">
+              <a:off x="2917892" y="3883818"/>
+              <a:ext cx="187466" cy="967579"/>
+            </a:xfrm>
+            <a:prstGeom prst="triangle">
+              <a:avLst/>
+            </a:prstGeom>
+            <a:ln>
+              <a:noFill/>
+            </a:ln>
+          </p:spPr>
+          <p:style>
+            <a:lnRef idx="2">
+              <a:schemeClr val="accent1">
+                <a:shade val="50000"/>
+              </a:schemeClr>
+            </a:lnRef>
+            <a:fillRef idx="1">
+              <a:schemeClr val="accent1"/>
+            </a:fillRef>
+            <a:effectRef idx="0">
+              <a:schemeClr val="accent1"/>
+            </a:effectRef>
+            <a:fontRef idx="minor">
+              <a:schemeClr val="lt1"/>
+            </a:fontRef>
+          </p:style>
+          <p:txBody>
+            <a:bodyPr rtlCol="0" anchor="ctr"/>
+            <a:lstStyle/>
+            <a:p>
+              <a:pPr algn="ctr"/>
+              <a:endParaRPr lang="en-US"/>
+            </a:p>
+          </p:txBody>
+        </p:sp>
+      </p:grpSp>
+    </p:spTree>
+    <p:extLst>
+      <p:ext uri="{BB962C8B-B14F-4D97-AF65-F5344CB8AC3E}">
+        <p14:creationId xmlns:p14="http://schemas.microsoft.com/office/powerpoint/2010/main" val="1141058977"/>
+      </p:ext>
+    </p:extLst>
+  </p:cSld>
+  <p:clrMapOvr>
+    <a:masterClrMapping/>
+  </p:clrMapOvr>
+</p:sld>
+</file>
+
+<file path=ppt/slides/slide16.xml><?xml version="1.0" encoding="utf-8"?>
+<p:sld xmlns:a="http://schemas.openxmlformats.org/drawingml/2006/main" xmlns:r="http://schemas.openxmlformats.org/officeDocument/2006/relationships" xmlns:p="http://schemas.openxmlformats.org/presentationml/2006/main">
+  <p:cSld>
+    <p:spTree>
+      <p:nvGrpSpPr>
+        <p:cNvPr id="1" name=""/>
+        <p:cNvGrpSpPr/>
+        <p:nvPr/>
+      </p:nvGrpSpPr>
+      <p:grpSpPr>
+        <a:xfrm>
+          <a:off x="0" y="0"/>
+          <a:ext cx="0" cy="0"/>
+          <a:chOff x="0" y="0"/>
+          <a:chExt cx="0" cy="0"/>
+        </a:xfrm>
+      </p:grpSpPr>
+      <p:sp>
+        <p:nvSpPr>
+          <p:cNvPr id="2" name="Title 1"/>
+          <p:cNvSpPr>
+            <a:spLocks noGrp="1"/>
+          </p:cNvSpPr>
+          <p:nvPr>
+            <p:ph type="title"/>
+          </p:nvPr>
+        </p:nvSpPr>
+        <p:spPr/>
+        <p:txBody>
+          <a:bodyPr/>
+          <a:lstStyle/>
+          <a:p>
+            <a:r>
+              <a:rPr lang="en-US" dirty="0" err="1" smtClean="0"/>
+              <a:t>ProcessBar</a:t>
+            </a:r>
+            <a:endParaRPr lang="en-US" dirty="0"/>
+          </a:p>
+        </p:txBody>
+      </p:sp>
+      <p:sp>
+        <p:nvSpPr>
+          <p:cNvPr id="3" name="Content Placeholder 2"/>
+          <p:cNvSpPr>
+            <a:spLocks noGrp="1"/>
+          </p:cNvSpPr>
+          <p:nvPr>
+            <p:ph idx="1"/>
+          </p:nvPr>
+        </p:nvSpPr>
+        <p:spPr/>
+        <p:txBody>
+          <a:bodyPr/>
+          <a:lstStyle/>
+          <a:p>
+            <a:r>
+              <a:rPr lang="en-US" dirty="0" err="1" smtClean="0"/>
+              <a:t>Phải</a:t>
+            </a:r>
+            <a:r>
+              <a:rPr lang="en-US" dirty="0" smtClean="0"/>
+              <a:t> </a:t>
+            </a:r>
+            <a:r>
+              <a:rPr lang="en-US" dirty="0" err="1" smtClean="0"/>
+              <a:t>cho</a:t>
+            </a:r>
+            <a:r>
+              <a:rPr lang="en-US" dirty="0" smtClean="0"/>
+              <a:t> </a:t>
+            </a:r>
+            <a:r>
+              <a:rPr lang="en-US" dirty="0" err="1" smtClean="0"/>
+              <a:t>phéo</a:t>
+            </a:r>
+            <a:r>
+              <a:rPr lang="en-US" dirty="0" smtClean="0"/>
+              <a:t> seek vi </a:t>
+            </a:r>
+            <a:r>
+              <a:rPr lang="en-US" dirty="0" err="1" smtClean="0"/>
+              <a:t>trí</a:t>
+            </a:r>
+            <a:r>
+              <a:rPr lang="en-US" dirty="0" smtClean="0"/>
+              <a:t> song</a:t>
+            </a:r>
+          </a:p>
+          <a:p>
+            <a:r>
+              <a:rPr lang="en-US" dirty="0" err="1" smtClean="0"/>
+              <a:t>Hiển</a:t>
+            </a:r>
+            <a:r>
+              <a:rPr lang="en-US" dirty="0" smtClean="0"/>
+              <a:t> </a:t>
+            </a:r>
+            <a:r>
+              <a:rPr lang="en-US" dirty="0" err="1" smtClean="0"/>
+              <a:t>thị</a:t>
+            </a:r>
+            <a:r>
+              <a:rPr lang="en-US" dirty="0" smtClean="0"/>
+              <a:t> </a:t>
+            </a:r>
+            <a:r>
+              <a:rPr lang="en-US" dirty="0" err="1" smtClean="0"/>
+              <a:t>trạng</a:t>
+            </a:r>
+            <a:r>
+              <a:rPr lang="en-US" dirty="0" smtClean="0"/>
+              <a:t> </a:t>
+            </a:r>
+            <a:r>
+              <a:rPr lang="en-US" dirty="0" err="1" smtClean="0"/>
+              <a:t>thái</a:t>
+            </a:r>
+            <a:r>
+              <a:rPr lang="en-US" dirty="0" smtClean="0"/>
+              <a:t> position </a:t>
+            </a:r>
+            <a:r>
+              <a:rPr lang="en-US" dirty="0" err="1" smtClean="0"/>
+              <a:t>của</a:t>
+            </a:r>
+            <a:r>
+              <a:rPr lang="en-US" dirty="0" smtClean="0"/>
+              <a:t> song </a:t>
+            </a:r>
+            <a:r>
+              <a:rPr lang="en-US" dirty="0" err="1" smtClean="0"/>
+              <a:t>tren</a:t>
+            </a:r>
+            <a:r>
+              <a:rPr lang="en-US" smtClean="0"/>
+              <a:t> process bar</a:t>
+            </a:r>
+            <a:endParaRPr lang="en-US" dirty="0"/>
+          </a:p>
+        </p:txBody>
+      </p:sp>
+    </p:spTree>
+    <p:extLst>
+      <p:ext uri="{BB962C8B-B14F-4D97-AF65-F5344CB8AC3E}">
+        <p14:creationId xmlns:p14="http://schemas.microsoft.com/office/powerpoint/2010/main" val="3998014263"/>
+      </p:ext>
+    </p:extLst>
+  </p:cSld>
+  <p:clrMapOvr>
+    <a:masterClrMapping/>
+  </p:clrMapOvr>
+</p:sld>
+</file>
+
+<file path=ppt/slides/slide17.xml><?xml version="1.0" encoding="utf-8"?>
+<p:sld xmlns:a="http://schemas.openxmlformats.org/drawingml/2006/main" xmlns:r="http://schemas.openxmlformats.org/officeDocument/2006/relationships" xmlns:p="http://schemas.openxmlformats.org/presentationml/2006/main">
+  <p:cSld>
+    <p:spTree>
+      <p:nvGrpSpPr>
+        <p:cNvPr id="1" name=""/>
+        <p:cNvGrpSpPr/>
+        <p:nvPr/>
+      </p:nvGrpSpPr>
+      <p:grpSpPr>
+        <a:xfrm>
+          <a:off x="0" y="0"/>
+          <a:ext cx="0" cy="0"/>
+          <a:chOff x="0" y="0"/>
+          <a:chExt cx="0" cy="0"/>
+        </a:xfrm>
+      </p:grpSpPr>
+      <p:sp>
+        <p:nvSpPr>
+          <p:cNvPr id="2" name="Title 1"/>
+          <p:cNvSpPr>
+            <a:spLocks noGrp="1"/>
+          </p:cNvSpPr>
+          <p:nvPr>
+            <p:ph type="title"/>
+          </p:nvPr>
+        </p:nvSpPr>
+        <p:spPr/>
+        <p:txBody>
+          <a:bodyPr/>
+          <a:lstStyle/>
+          <a:p>
+            <a:r>
+              <a:rPr lang="en-US" dirty="0" err="1" smtClean="0"/>
+              <a:t>BackEnd</a:t>
+            </a:r>
+            <a:endParaRPr lang="en-US" dirty="0"/>
+          </a:p>
+        </p:txBody>
+      </p:sp>
+      <p:sp>
+        <p:nvSpPr>
+          <p:cNvPr id="3" name="Content Placeholder 2"/>
+          <p:cNvSpPr>
+            <a:spLocks noGrp="1"/>
+          </p:cNvSpPr>
+          <p:nvPr>
+            <p:ph idx="1"/>
+          </p:nvPr>
+        </p:nvSpPr>
+        <p:spPr/>
+        <p:txBody>
+          <a:bodyPr/>
+          <a:lstStyle/>
+          <a:p>
+            <a:endParaRPr lang="en-US"/>
+          </a:p>
+        </p:txBody>
+      </p:sp>
+    </p:spTree>
+    <p:extLst>
+      <p:ext uri="{BB962C8B-B14F-4D97-AF65-F5344CB8AC3E}">
+        <p14:creationId xmlns:p14="http://schemas.microsoft.com/office/powerpoint/2010/main" val="1828107191"/>
       </p:ext>
     </p:extLst>
   </p:cSld>

--- a/source/musicpage/Documents/Music page.pptx
+++ b/source/musicpage/Documents/Music page.pptx
@@ -346,7 +346,7 @@
           <a:p>
             <a:fld id="{7DDD6D33-52EB-4E0A-A3B0-B44F76A61690}" type="datetimeFigureOut">
               <a:rPr lang="en-US" smtClean="0"/>
-              <a:t>4/15/2013</a:t>
+              <a:t>4/27/2013</a:t>
             </a:fld>
             <a:endParaRPr lang="en-US"/>
           </a:p>
@@ -516,7 +516,7 @@
           <a:p>
             <a:fld id="{7DDD6D33-52EB-4E0A-A3B0-B44F76A61690}" type="datetimeFigureOut">
               <a:rPr lang="en-US" smtClean="0"/>
-              <a:t>4/15/2013</a:t>
+              <a:t>4/27/2013</a:t>
             </a:fld>
             <a:endParaRPr lang="en-US"/>
           </a:p>
@@ -696,7 +696,7 @@
           <a:p>
             <a:fld id="{7DDD6D33-52EB-4E0A-A3B0-B44F76A61690}" type="datetimeFigureOut">
               <a:rPr lang="en-US" smtClean="0"/>
-              <a:t>4/15/2013</a:t>
+              <a:t>4/27/2013</a:t>
             </a:fld>
             <a:endParaRPr lang="en-US"/>
           </a:p>
@@ -866,7 +866,7 @@
           <a:p>
             <a:fld id="{7DDD6D33-52EB-4E0A-A3B0-B44F76A61690}" type="datetimeFigureOut">
               <a:rPr lang="en-US" smtClean="0"/>
-              <a:t>4/15/2013</a:t>
+              <a:t>4/27/2013</a:t>
             </a:fld>
             <a:endParaRPr lang="en-US"/>
           </a:p>
@@ -1112,7 +1112,7 @@
           <a:p>
             <a:fld id="{7DDD6D33-52EB-4E0A-A3B0-B44F76A61690}" type="datetimeFigureOut">
               <a:rPr lang="en-US" smtClean="0"/>
-              <a:t>4/15/2013</a:t>
+              <a:t>4/27/2013</a:t>
             </a:fld>
             <a:endParaRPr lang="en-US"/>
           </a:p>
@@ -1400,7 +1400,7 @@
           <a:p>
             <a:fld id="{7DDD6D33-52EB-4E0A-A3B0-B44F76A61690}" type="datetimeFigureOut">
               <a:rPr lang="en-US" smtClean="0"/>
-              <a:t>4/15/2013</a:t>
+              <a:t>4/27/2013</a:t>
             </a:fld>
             <a:endParaRPr lang="en-US"/>
           </a:p>
@@ -1822,7 +1822,7 @@
           <a:p>
             <a:fld id="{7DDD6D33-52EB-4E0A-A3B0-B44F76A61690}" type="datetimeFigureOut">
               <a:rPr lang="en-US" smtClean="0"/>
-              <a:t>4/15/2013</a:t>
+              <a:t>4/27/2013</a:t>
             </a:fld>
             <a:endParaRPr lang="en-US"/>
           </a:p>
@@ -1940,7 +1940,7 @@
           <a:p>
             <a:fld id="{7DDD6D33-52EB-4E0A-A3B0-B44F76A61690}" type="datetimeFigureOut">
               <a:rPr lang="en-US" smtClean="0"/>
-              <a:t>4/15/2013</a:t>
+              <a:t>4/27/2013</a:t>
             </a:fld>
             <a:endParaRPr lang="en-US"/>
           </a:p>
@@ -2035,7 +2035,7 @@
           <a:p>
             <a:fld id="{7DDD6D33-52EB-4E0A-A3B0-B44F76A61690}" type="datetimeFigureOut">
               <a:rPr lang="en-US" smtClean="0"/>
-              <a:t>4/15/2013</a:t>
+              <a:t>4/27/2013</a:t>
             </a:fld>
             <a:endParaRPr lang="en-US"/>
           </a:p>
@@ -2312,7 +2312,7 @@
           <a:p>
             <a:fld id="{7DDD6D33-52EB-4E0A-A3B0-B44F76A61690}" type="datetimeFigureOut">
               <a:rPr lang="en-US" smtClean="0"/>
-              <a:t>4/15/2013</a:t>
+              <a:t>4/27/2013</a:t>
             </a:fld>
             <a:endParaRPr lang="en-US"/>
           </a:p>
@@ -2565,7 +2565,7 @@
           <a:p>
             <a:fld id="{7DDD6D33-52EB-4E0A-A3B0-B44F76A61690}" type="datetimeFigureOut">
               <a:rPr lang="en-US" smtClean="0"/>
-              <a:t>4/15/2013</a:t>
+              <a:t>4/27/2013</a:t>
             </a:fld>
             <a:endParaRPr lang="en-US"/>
           </a:p>
@@ -2778,7 +2778,7 @@
           <a:p>
             <a:fld id="{7DDD6D33-52EB-4E0A-A3B0-B44F76A61690}" type="datetimeFigureOut">
               <a:rPr lang="en-US" smtClean="0"/>
-              <a:t>4/15/2013</a:t>
+              <a:t>4/27/2013</a:t>
             </a:fld>
             <a:endParaRPr lang="en-US"/>
           </a:p>
@@ -7259,13 +7259,107 @@
               <a:t>tren</a:t>
             </a:r>
             <a:r>
-              <a:rPr lang="en-US" smtClean="0"/>
-              <a:t> process bar</a:t>
-            </a:r>
+              <a:rPr lang="en-US" dirty="0" smtClean="0"/>
+              <a:t> process </a:t>
+            </a:r>
+            <a:r>
+              <a:rPr lang="en-US" dirty="0" smtClean="0"/>
+              <a:t>bar</a:t>
+            </a:r>
+          </a:p>
+          <a:p>
+            <a:endParaRPr lang="en-US" dirty="0" smtClean="0"/>
+          </a:p>
+          <a:p>
+            <a:r>
+              <a:rPr lang="vi-VN" dirty="0"/>
+              <a:t>1. khi đang play thì cho process nó animation trượt </a:t>
+            </a:r>
+            <a:r>
+              <a:rPr lang="vi-VN" dirty="0" smtClean="0"/>
+              <a:t>trượ</a:t>
+            </a:r>
+            <a:r>
+              <a:rPr lang="en-US" dirty="0" smtClean="0"/>
+              <a:t>t</a:t>
+            </a:r>
+            <a:endParaRPr lang="vi-VN" dirty="0"/>
+          </a:p>
+          <a:p>
+            <a:r>
+              <a:rPr lang="vi-VN" dirty="0"/>
+              <a:t>2. khi đang pause state thì animation trên process bar cũng bị dừng lại</a:t>
+            </a:r>
+          </a:p>
+          <a:p>
             <a:endParaRPr lang="en-US" dirty="0"/>
           </a:p>
         </p:txBody>
       </p:sp>
+      <p:pic>
+        <p:nvPicPr>
+          <p:cNvPr id="1026" name="Picture 2"/>
+          <p:cNvPicPr>
+            <a:picLocks noChangeAspect="1" noChangeArrowheads="1"/>
+          </p:cNvPicPr>
+          <p:nvPr/>
+        </p:nvPicPr>
+        <p:blipFill>
+          <a:blip r:embed="rId2">
+            <a:extLst>
+              <a:ext uri="{28A0092B-C50C-407E-A947-70E740481C1C}">
+                <a14:useLocalDpi xmlns:a14="http://schemas.microsoft.com/office/drawing/2010/main" val="0"/>
+              </a:ext>
+            </a:extLst>
+          </a:blip>
+          <a:srcRect/>
+          <a:stretch>
+            <a:fillRect/>
+          </a:stretch>
+        </p:blipFill>
+        <p:spPr bwMode="auto">
+          <a:xfrm>
+            <a:off x="-152400" y="3311237"/>
+            <a:ext cx="10744200" cy="304800"/>
+          </a:xfrm>
+          <a:prstGeom prst="rect">
+            <a:avLst/>
+          </a:prstGeom>
+          <a:noFill/>
+          <a:ln>
+            <a:noFill/>
+          </a:ln>
+          <a:effectLst/>
+          <a:extLst>
+            <a:ext uri="{909E8E84-426E-40DD-AFC4-6F175D3DCCD1}">
+              <a14:hiddenFill xmlns:a14="http://schemas.microsoft.com/office/drawing/2010/main">
+                <a:solidFill>
+                  <a:schemeClr val="accent1"/>
+                </a:solidFill>
+              </a14:hiddenFill>
+            </a:ext>
+            <a:ext uri="{91240B29-F687-4F45-9708-019B960494DF}">
+              <a14:hiddenLine xmlns:a14="http://schemas.microsoft.com/office/drawing/2010/main" w="9525">
+                <a:solidFill>
+                  <a:schemeClr val="tx1"/>
+                </a:solidFill>
+                <a:miter lim="800000"/>
+                <a:headEnd/>
+                <a:tailEnd/>
+              </a14:hiddenLine>
+            </a:ext>
+            <a:ext uri="{AF507438-7753-43E0-B8FC-AC1667EBCBE1}">
+              <a14:hiddenEffects xmlns:a14="http://schemas.microsoft.com/office/drawing/2010/main">
+                <a:effectLst>
+                  <a:outerShdw dist="35921" dir="2700000" algn="ctr" rotWithShape="0">
+                    <a:schemeClr val="bg2"/>
+                  </a:outerShdw>
+                </a:effectLst>
+              </a14:hiddenEffects>
+            </a:ext>
+          </a:extLst>
+        </p:spPr>
+      </p:pic>
     </p:spTree>
     <p:extLst>
       <p:ext uri="{BB962C8B-B14F-4D97-AF65-F5344CB8AC3E}">
@@ -7276,6 +7370,13 @@
   <p:clrMapOvr>
     <a:masterClrMapping/>
   </p:clrMapOvr>
+  <p:timing>
+    <p:tnLst>
+      <p:par>
+        <p:cTn id="1" dur="indefinite" restart="never" nodeType="tmRoot"/>
+      </p:par>
+    </p:tnLst>
+  </p:timing>
 </p:sld>
 </file>
 

--- a/source/musicpage/Documents/Music page.pptx
+++ b/source/musicpage/Documents/Music page.pptx
@@ -19,9 +19,12 @@
     <p:sldId id="267" r:id="rId13"/>
     <p:sldId id="270" r:id="rId14"/>
     <p:sldId id="268" r:id="rId15"/>
-    <p:sldId id="271" r:id="rId16"/>
-    <p:sldId id="272" r:id="rId17"/>
-    <p:sldId id="269" r:id="rId18"/>
+    <p:sldId id="272" r:id="rId16"/>
+    <p:sldId id="273" r:id="rId17"/>
+    <p:sldId id="274" r:id="rId18"/>
+    <p:sldId id="271" r:id="rId19"/>
+    <p:sldId id="275" r:id="rId20"/>
+    <p:sldId id="269" r:id="rId21"/>
   </p:sldIdLst>
   <p:sldSz cx="9144000" cy="6858000" type="screen4x3"/>
   <p:notesSz cx="6858000" cy="9144000"/>
@@ -150,8 +153,15 @@
         <p14:section name="Music player" id="{57D04DCF-E35C-46C4-B1A6-95397E6E8EE0}">
           <p14:sldIdLst>
             <p14:sldId id="268"/>
+            <p14:sldId id="272"/>
+            <p14:sldId id="273"/>
+            <p14:sldId id="274"/>
+          </p14:sldIdLst>
+        </p14:section>
+        <p14:section name="Volume handle" id="{85DC40FA-AABD-4DD9-87BA-24BD600A7164}">
+          <p14:sldIdLst>
             <p14:sldId id="271"/>
-            <p14:sldId id="272"/>
+            <p14:sldId id="275"/>
           </p14:sldIdLst>
         </p14:section>
         <p14:section name="Back end" id="{04FAC04A-8904-4477-BA21-E1D5F19A1E70}">
@@ -346,7 +356,7 @@
           <a:p>
             <a:fld id="{7DDD6D33-52EB-4E0A-A3B0-B44F76A61690}" type="datetimeFigureOut">
               <a:rPr lang="en-US" smtClean="0"/>
-              <a:t>4/27/2013</a:t>
+              <a:t>4/29/2013</a:t>
             </a:fld>
             <a:endParaRPr lang="en-US"/>
           </a:p>
@@ -516,7 +526,7 @@
           <a:p>
             <a:fld id="{7DDD6D33-52EB-4E0A-A3B0-B44F76A61690}" type="datetimeFigureOut">
               <a:rPr lang="en-US" smtClean="0"/>
-              <a:t>4/27/2013</a:t>
+              <a:t>4/29/2013</a:t>
             </a:fld>
             <a:endParaRPr lang="en-US"/>
           </a:p>
@@ -696,7 +706,7 @@
           <a:p>
             <a:fld id="{7DDD6D33-52EB-4E0A-A3B0-B44F76A61690}" type="datetimeFigureOut">
               <a:rPr lang="en-US" smtClean="0"/>
-              <a:t>4/27/2013</a:t>
+              <a:t>4/29/2013</a:t>
             </a:fld>
             <a:endParaRPr lang="en-US"/>
           </a:p>
@@ -866,7 +876,7 @@
           <a:p>
             <a:fld id="{7DDD6D33-52EB-4E0A-A3B0-B44F76A61690}" type="datetimeFigureOut">
               <a:rPr lang="en-US" smtClean="0"/>
-              <a:t>4/27/2013</a:t>
+              <a:t>4/29/2013</a:t>
             </a:fld>
             <a:endParaRPr lang="en-US"/>
           </a:p>
@@ -1112,7 +1122,7 @@
           <a:p>
             <a:fld id="{7DDD6D33-52EB-4E0A-A3B0-B44F76A61690}" type="datetimeFigureOut">
               <a:rPr lang="en-US" smtClean="0"/>
-              <a:t>4/27/2013</a:t>
+              <a:t>4/29/2013</a:t>
             </a:fld>
             <a:endParaRPr lang="en-US"/>
           </a:p>
@@ -1400,7 +1410,7 @@
           <a:p>
             <a:fld id="{7DDD6D33-52EB-4E0A-A3B0-B44F76A61690}" type="datetimeFigureOut">
               <a:rPr lang="en-US" smtClean="0"/>
-              <a:t>4/27/2013</a:t>
+              <a:t>4/29/2013</a:t>
             </a:fld>
             <a:endParaRPr lang="en-US"/>
           </a:p>
@@ -1822,7 +1832,7 @@
           <a:p>
             <a:fld id="{7DDD6D33-52EB-4E0A-A3B0-B44F76A61690}" type="datetimeFigureOut">
               <a:rPr lang="en-US" smtClean="0"/>
-              <a:t>4/27/2013</a:t>
+              <a:t>4/29/2013</a:t>
             </a:fld>
             <a:endParaRPr lang="en-US"/>
           </a:p>
@@ -1940,7 +1950,7 @@
           <a:p>
             <a:fld id="{7DDD6D33-52EB-4E0A-A3B0-B44F76A61690}" type="datetimeFigureOut">
               <a:rPr lang="en-US" smtClean="0"/>
-              <a:t>4/27/2013</a:t>
+              <a:t>4/29/2013</a:t>
             </a:fld>
             <a:endParaRPr lang="en-US"/>
           </a:p>
@@ -2035,7 +2045,7 @@
           <a:p>
             <a:fld id="{7DDD6D33-52EB-4E0A-A3B0-B44F76A61690}" type="datetimeFigureOut">
               <a:rPr lang="en-US" smtClean="0"/>
-              <a:t>4/27/2013</a:t>
+              <a:t>4/29/2013</a:t>
             </a:fld>
             <a:endParaRPr lang="en-US"/>
           </a:p>
@@ -2312,7 +2322,7 @@
           <a:p>
             <a:fld id="{7DDD6D33-52EB-4E0A-A3B0-B44F76A61690}" type="datetimeFigureOut">
               <a:rPr lang="en-US" smtClean="0"/>
-              <a:t>4/27/2013</a:t>
+              <a:t>4/29/2013</a:t>
             </a:fld>
             <a:endParaRPr lang="en-US"/>
           </a:p>
@@ -2565,7 +2575,7 @@
           <a:p>
             <a:fld id="{7DDD6D33-52EB-4E0A-A3B0-B44F76A61690}" type="datetimeFigureOut">
               <a:rPr lang="en-US" smtClean="0"/>
-              <a:t>4/27/2013</a:t>
+              <a:t>4/29/2013</a:t>
             </a:fld>
             <a:endParaRPr lang="en-US"/>
           </a:p>
@@ -2778,7 +2788,7 @@
           <a:p>
             <a:fld id="{7DDD6D33-52EB-4E0A-A3B0-B44F76A61690}" type="datetimeFigureOut">
               <a:rPr lang="en-US" smtClean="0"/>
-              <a:t>4/27/2013</a:t>
+              <a:t>4/29/2013</a:t>
             </a:fld>
             <a:endParaRPr lang="en-US"/>
           </a:p>
@@ -6837,6 +6847,507 @@
         </p:nvSpPr>
         <p:spPr/>
         <p:txBody>
+          <a:bodyPr/>
+          <a:lstStyle/>
+          <a:p>
+            <a:r>
+              <a:rPr lang="en-US" dirty="0" err="1" smtClean="0"/>
+              <a:t>ProcessBar</a:t>
+            </a:r>
+            <a:endParaRPr lang="en-US" dirty="0"/>
+          </a:p>
+        </p:txBody>
+      </p:sp>
+      <p:sp>
+        <p:nvSpPr>
+          <p:cNvPr id="3" name="Content Placeholder 2"/>
+          <p:cNvSpPr>
+            <a:spLocks noGrp="1"/>
+          </p:cNvSpPr>
+          <p:nvPr>
+            <p:ph idx="1"/>
+          </p:nvPr>
+        </p:nvSpPr>
+        <p:spPr/>
+        <p:txBody>
+          <a:bodyPr/>
+          <a:lstStyle/>
+          <a:p>
+            <a:r>
+              <a:rPr lang="en-US" dirty="0" err="1" smtClean="0"/>
+              <a:t>Phải</a:t>
+            </a:r>
+            <a:r>
+              <a:rPr lang="en-US" dirty="0" smtClean="0"/>
+              <a:t> </a:t>
+            </a:r>
+            <a:r>
+              <a:rPr lang="en-US" dirty="0" err="1" smtClean="0"/>
+              <a:t>cho</a:t>
+            </a:r>
+            <a:r>
+              <a:rPr lang="en-US" dirty="0" smtClean="0"/>
+              <a:t> </a:t>
+            </a:r>
+            <a:r>
+              <a:rPr lang="en-US" dirty="0" err="1" smtClean="0"/>
+              <a:t>phéo</a:t>
+            </a:r>
+            <a:r>
+              <a:rPr lang="en-US" dirty="0" smtClean="0"/>
+              <a:t> seek vi </a:t>
+            </a:r>
+            <a:r>
+              <a:rPr lang="en-US" dirty="0" err="1" smtClean="0"/>
+              <a:t>trí</a:t>
+            </a:r>
+            <a:r>
+              <a:rPr lang="en-US" dirty="0" smtClean="0"/>
+              <a:t> song</a:t>
+            </a:r>
+          </a:p>
+          <a:p>
+            <a:r>
+              <a:rPr lang="en-US" dirty="0" err="1" smtClean="0"/>
+              <a:t>Hiển</a:t>
+            </a:r>
+            <a:r>
+              <a:rPr lang="en-US" dirty="0" smtClean="0"/>
+              <a:t> </a:t>
+            </a:r>
+            <a:r>
+              <a:rPr lang="en-US" dirty="0" err="1" smtClean="0"/>
+              <a:t>thị</a:t>
+            </a:r>
+            <a:r>
+              <a:rPr lang="en-US" dirty="0" smtClean="0"/>
+              <a:t> </a:t>
+            </a:r>
+            <a:r>
+              <a:rPr lang="en-US" dirty="0" err="1" smtClean="0"/>
+              <a:t>trạng</a:t>
+            </a:r>
+            <a:r>
+              <a:rPr lang="en-US" dirty="0" smtClean="0"/>
+              <a:t> </a:t>
+            </a:r>
+            <a:r>
+              <a:rPr lang="en-US" dirty="0" err="1" smtClean="0"/>
+              <a:t>thái</a:t>
+            </a:r>
+            <a:r>
+              <a:rPr lang="en-US" dirty="0" smtClean="0"/>
+              <a:t> position </a:t>
+            </a:r>
+            <a:r>
+              <a:rPr lang="en-US" dirty="0" err="1" smtClean="0"/>
+              <a:t>của</a:t>
+            </a:r>
+            <a:r>
+              <a:rPr lang="en-US" dirty="0" smtClean="0"/>
+              <a:t> song </a:t>
+            </a:r>
+            <a:r>
+              <a:rPr lang="en-US" dirty="0" err="1" smtClean="0"/>
+              <a:t>tren</a:t>
+            </a:r>
+            <a:r>
+              <a:rPr lang="en-US" dirty="0" smtClean="0"/>
+              <a:t> process bar</a:t>
+            </a:r>
+          </a:p>
+          <a:p>
+            <a:endParaRPr lang="en-US" dirty="0" smtClean="0"/>
+          </a:p>
+          <a:p>
+            <a:r>
+              <a:rPr lang="vi-VN" dirty="0"/>
+              <a:t>1. khi đang play thì cho process nó animation trượt </a:t>
+            </a:r>
+            <a:r>
+              <a:rPr lang="vi-VN" dirty="0" smtClean="0"/>
+              <a:t>trượ</a:t>
+            </a:r>
+            <a:r>
+              <a:rPr lang="en-US" dirty="0" smtClean="0"/>
+              <a:t>t</a:t>
+            </a:r>
+            <a:endParaRPr lang="vi-VN" dirty="0"/>
+          </a:p>
+          <a:p>
+            <a:r>
+              <a:rPr lang="vi-VN" dirty="0"/>
+              <a:t>2. khi đang pause state thì animation trên process bar cũng bị dừng lại</a:t>
+            </a:r>
+          </a:p>
+          <a:p>
+            <a:endParaRPr lang="en-US" dirty="0"/>
+          </a:p>
+        </p:txBody>
+      </p:sp>
+      <p:pic>
+        <p:nvPicPr>
+          <p:cNvPr id="1026" name="Picture 2"/>
+          <p:cNvPicPr>
+            <a:picLocks noChangeAspect="1" noChangeArrowheads="1"/>
+          </p:cNvPicPr>
+          <p:nvPr/>
+        </p:nvPicPr>
+        <p:blipFill>
+          <a:blip r:embed="rId2">
+            <a:extLst>
+              <a:ext uri="{28A0092B-C50C-407E-A947-70E740481C1C}">
+                <a14:useLocalDpi xmlns:a14="http://schemas.microsoft.com/office/drawing/2010/main" val="0"/>
+              </a:ext>
+            </a:extLst>
+          </a:blip>
+          <a:srcRect/>
+          <a:stretch>
+            <a:fillRect/>
+          </a:stretch>
+        </p:blipFill>
+        <p:spPr bwMode="auto">
+          <a:xfrm>
+            <a:off x="-152400" y="3311237"/>
+            <a:ext cx="10744200" cy="304800"/>
+          </a:xfrm>
+          <a:prstGeom prst="rect">
+            <a:avLst/>
+          </a:prstGeom>
+          <a:noFill/>
+          <a:ln>
+            <a:noFill/>
+          </a:ln>
+          <a:effectLst/>
+          <a:extLst>
+            <a:ext uri="{909E8E84-426E-40DD-AFC4-6F175D3DCCD1}">
+              <a14:hiddenFill xmlns:a14="http://schemas.microsoft.com/office/drawing/2010/main">
+                <a:solidFill>
+                  <a:schemeClr val="accent1"/>
+                </a:solidFill>
+              </a14:hiddenFill>
+            </a:ext>
+            <a:ext uri="{91240B29-F687-4F45-9708-019B960494DF}">
+              <a14:hiddenLine xmlns:a14="http://schemas.microsoft.com/office/drawing/2010/main" w="9525">
+                <a:solidFill>
+                  <a:schemeClr val="tx1"/>
+                </a:solidFill>
+                <a:miter lim="800000"/>
+                <a:headEnd/>
+                <a:tailEnd/>
+              </a14:hiddenLine>
+            </a:ext>
+            <a:ext uri="{AF507438-7753-43E0-B8FC-AC1667EBCBE1}">
+              <a14:hiddenEffects xmlns:a14="http://schemas.microsoft.com/office/drawing/2010/main">
+                <a:effectLst>
+                  <a:outerShdw dist="35921" dir="2700000" algn="ctr" rotWithShape="0">
+                    <a:schemeClr val="bg2"/>
+                  </a:outerShdw>
+                </a:effectLst>
+              </a14:hiddenEffects>
+            </a:ext>
+          </a:extLst>
+        </p:spPr>
+      </p:pic>
+    </p:spTree>
+    <p:extLst>
+      <p:ext uri="{BB962C8B-B14F-4D97-AF65-F5344CB8AC3E}">
+        <p14:creationId xmlns:p14="http://schemas.microsoft.com/office/powerpoint/2010/main" val="3998014263"/>
+      </p:ext>
+    </p:extLst>
+  </p:cSld>
+  <p:clrMapOvr>
+    <a:masterClrMapping/>
+  </p:clrMapOvr>
+  <p:timing>
+    <p:tnLst>
+      <p:par>
+        <p:cTn id="1" dur="indefinite" restart="never" nodeType="tmRoot"/>
+      </p:par>
+    </p:tnLst>
+  </p:timing>
+</p:sld>
+</file>
+
+<file path=ppt/slides/slide16.xml><?xml version="1.0" encoding="utf-8"?>
+<p:sld xmlns:a="http://schemas.openxmlformats.org/drawingml/2006/main" xmlns:r="http://schemas.openxmlformats.org/officeDocument/2006/relationships" xmlns:p="http://schemas.openxmlformats.org/presentationml/2006/main">
+  <p:cSld>
+    <p:spTree>
+      <p:nvGrpSpPr>
+        <p:cNvPr id="1" name=""/>
+        <p:cNvGrpSpPr/>
+        <p:nvPr/>
+      </p:nvGrpSpPr>
+      <p:grpSpPr>
+        <a:xfrm>
+          <a:off x="0" y="0"/>
+          <a:ext cx="0" cy="0"/>
+          <a:chOff x="0" y="0"/>
+          <a:chExt cx="0" cy="0"/>
+        </a:xfrm>
+      </p:grpSpPr>
+      <p:sp>
+        <p:nvSpPr>
+          <p:cNvPr id="2" name="Title 1"/>
+          <p:cNvSpPr>
+            <a:spLocks noGrp="1"/>
+          </p:cNvSpPr>
+          <p:nvPr>
+            <p:ph type="title"/>
+          </p:nvPr>
+        </p:nvSpPr>
+        <p:spPr/>
+        <p:txBody>
+          <a:bodyPr/>
+          <a:lstStyle/>
+          <a:p>
+            <a:r>
+              <a:rPr lang="en-US" dirty="0" smtClean="0"/>
+              <a:t>End song</a:t>
+            </a:r>
+            <a:endParaRPr lang="en-US" dirty="0"/>
+          </a:p>
+        </p:txBody>
+      </p:sp>
+      <p:sp>
+        <p:nvSpPr>
+          <p:cNvPr id="3" name="Content Placeholder 2"/>
+          <p:cNvSpPr>
+            <a:spLocks noGrp="1"/>
+          </p:cNvSpPr>
+          <p:nvPr>
+            <p:ph idx="1"/>
+          </p:nvPr>
+        </p:nvSpPr>
+        <p:spPr/>
+        <p:txBody>
+          <a:bodyPr/>
+          <a:lstStyle/>
+          <a:p>
+            <a:r>
+              <a:rPr lang="en-US" dirty="0" smtClean="0"/>
+              <a:t>End song </a:t>
+            </a:r>
+            <a:r>
+              <a:rPr lang="en-US" dirty="0" err="1" smtClean="0"/>
+              <a:t>là</a:t>
+            </a:r>
+            <a:r>
+              <a:rPr lang="en-US" dirty="0" smtClean="0"/>
+              <a:t> </a:t>
+            </a:r>
+            <a:r>
+              <a:rPr lang="en-US" dirty="0" err="1" smtClean="0"/>
+              <a:t>sự</a:t>
+            </a:r>
+            <a:r>
+              <a:rPr lang="en-US" dirty="0" smtClean="0"/>
+              <a:t> </a:t>
+            </a:r>
+            <a:r>
+              <a:rPr lang="en-US" dirty="0" err="1" smtClean="0"/>
+              <a:t>kiện</a:t>
+            </a:r>
+            <a:r>
+              <a:rPr lang="en-US" dirty="0" smtClean="0"/>
+              <a:t> </a:t>
+            </a:r>
+            <a:r>
+              <a:rPr lang="en-US" dirty="0" err="1" smtClean="0"/>
+              <a:t>khi</a:t>
+            </a:r>
+            <a:r>
+              <a:rPr lang="en-US" dirty="0" smtClean="0"/>
+              <a:t> play </a:t>
+            </a:r>
+            <a:r>
+              <a:rPr lang="en-US" dirty="0" err="1" smtClean="0"/>
+              <a:t>hết</a:t>
+            </a:r>
+            <a:r>
+              <a:rPr lang="en-US" dirty="0" smtClean="0"/>
+              <a:t> 1 song </a:t>
+            </a:r>
+          </a:p>
+          <a:p>
+            <a:r>
+              <a:rPr lang="en-US" dirty="0" smtClean="0"/>
+              <a:t>End song </a:t>
+            </a:r>
+            <a:r>
+              <a:rPr lang="en-US" dirty="0" err="1" smtClean="0"/>
+              <a:t>dựa</a:t>
+            </a:r>
+            <a:r>
+              <a:rPr lang="en-US" dirty="0" smtClean="0"/>
+              <a:t> </a:t>
+            </a:r>
+            <a:r>
+              <a:rPr lang="en-US" dirty="0" err="1" smtClean="0"/>
+              <a:t>vào</a:t>
+            </a:r>
+            <a:r>
+              <a:rPr lang="en-US" dirty="0" smtClean="0"/>
+              <a:t> option</a:t>
+            </a:r>
+          </a:p>
+          <a:p>
+            <a:pPr lvl="1"/>
+            <a:r>
+              <a:rPr lang="en-US" dirty="0"/>
+              <a:t> </a:t>
+            </a:r>
+            <a:r>
+              <a:rPr lang="en-US" dirty="0" smtClean="0"/>
+              <a:t>repeat : repeat for list songs</a:t>
+            </a:r>
+          </a:p>
+          <a:p>
+            <a:pPr lvl="1"/>
+            <a:r>
+              <a:rPr lang="en-US" dirty="0"/>
+              <a:t> </a:t>
+            </a:r>
+            <a:r>
+              <a:rPr lang="en-US" dirty="0" smtClean="0"/>
+              <a:t>next song : always next</a:t>
+            </a:r>
+          </a:p>
+          <a:p>
+            <a:pPr lvl="1"/>
+            <a:r>
+              <a:rPr lang="en-US" dirty="0"/>
+              <a:t> </a:t>
+            </a:r>
+            <a:r>
+              <a:rPr lang="en-US" dirty="0" smtClean="0"/>
+              <a:t>stop : if user does not select repeat , play to last song</a:t>
+            </a:r>
+          </a:p>
+          <a:p>
+            <a:pPr lvl="1"/>
+            <a:endParaRPr lang="en-US" dirty="0"/>
+          </a:p>
+        </p:txBody>
+      </p:sp>
+    </p:spTree>
+    <p:extLst>
+      <p:ext uri="{BB962C8B-B14F-4D97-AF65-F5344CB8AC3E}">
+        <p14:creationId xmlns:p14="http://schemas.microsoft.com/office/powerpoint/2010/main" val="1015459125"/>
+      </p:ext>
+    </p:extLst>
+  </p:cSld>
+  <p:clrMapOvr>
+    <a:masterClrMapping/>
+  </p:clrMapOvr>
+</p:sld>
+</file>
+
+<file path=ppt/slides/slide17.xml><?xml version="1.0" encoding="utf-8"?>
+<p:sld xmlns:a="http://schemas.openxmlformats.org/drawingml/2006/main" xmlns:r="http://schemas.openxmlformats.org/officeDocument/2006/relationships" xmlns:p="http://schemas.openxmlformats.org/presentationml/2006/main">
+  <p:cSld>
+    <p:spTree>
+      <p:nvGrpSpPr>
+        <p:cNvPr id="1" name=""/>
+        <p:cNvGrpSpPr/>
+        <p:nvPr/>
+      </p:nvGrpSpPr>
+      <p:grpSpPr>
+        <a:xfrm>
+          <a:off x="0" y="0"/>
+          <a:ext cx="0" cy="0"/>
+          <a:chOff x="0" y="0"/>
+          <a:chExt cx="0" cy="0"/>
+        </a:xfrm>
+      </p:grpSpPr>
+      <p:sp>
+        <p:nvSpPr>
+          <p:cNvPr id="2" name="Title 1"/>
+          <p:cNvSpPr>
+            <a:spLocks noGrp="1"/>
+          </p:cNvSpPr>
+          <p:nvPr>
+            <p:ph type="title"/>
+          </p:nvPr>
+        </p:nvSpPr>
+        <p:spPr/>
+        <p:txBody>
+          <a:bodyPr/>
+          <a:lstStyle/>
+          <a:p>
+            <a:r>
+              <a:rPr lang="en-US" dirty="0" smtClean="0"/>
+              <a:t>Handle error buffer data</a:t>
+            </a:r>
+            <a:endParaRPr lang="en-US" dirty="0"/>
+          </a:p>
+        </p:txBody>
+      </p:sp>
+      <p:sp>
+        <p:nvSpPr>
+          <p:cNvPr id="3" name="Content Placeholder 2"/>
+          <p:cNvSpPr>
+            <a:spLocks noGrp="1"/>
+          </p:cNvSpPr>
+          <p:nvPr>
+            <p:ph idx="1"/>
+          </p:nvPr>
+        </p:nvSpPr>
+        <p:spPr/>
+        <p:txBody>
+          <a:bodyPr/>
+          <a:lstStyle/>
+          <a:p>
+            <a:r>
+              <a:rPr lang="en-US" smtClean="0"/>
+              <a:t>s</a:t>
+            </a:r>
+            <a:endParaRPr lang="en-US"/>
+          </a:p>
+        </p:txBody>
+      </p:sp>
+    </p:spTree>
+    <p:extLst>
+      <p:ext uri="{BB962C8B-B14F-4D97-AF65-F5344CB8AC3E}">
+        <p14:creationId xmlns:p14="http://schemas.microsoft.com/office/powerpoint/2010/main" val="98900872"/>
+      </p:ext>
+    </p:extLst>
+  </p:cSld>
+  <p:clrMapOvr>
+    <a:masterClrMapping/>
+  </p:clrMapOvr>
+</p:sld>
+</file>
+
+<file path=ppt/slides/slide18.xml><?xml version="1.0" encoding="utf-8"?>
+<p:sld xmlns:a="http://schemas.openxmlformats.org/drawingml/2006/main" xmlns:r="http://schemas.openxmlformats.org/officeDocument/2006/relationships" xmlns:p="http://schemas.openxmlformats.org/presentationml/2006/main">
+  <p:cSld>
+    <p:spTree>
+      <p:nvGrpSpPr>
+        <p:cNvPr id="1" name=""/>
+        <p:cNvGrpSpPr/>
+        <p:nvPr/>
+      </p:nvGrpSpPr>
+      <p:grpSpPr>
+        <a:xfrm>
+          <a:off x="0" y="0"/>
+          <a:ext cx="0" cy="0"/>
+          <a:chOff x="0" y="0"/>
+          <a:chExt cx="0" cy="0"/>
+        </a:xfrm>
+      </p:grpSpPr>
+      <p:sp>
+        <p:nvSpPr>
+          <p:cNvPr id="2" name="Title 1"/>
+          <p:cNvSpPr>
+            <a:spLocks noGrp="1"/>
+          </p:cNvSpPr>
+          <p:nvPr>
+            <p:ph type="title"/>
+          </p:nvPr>
+        </p:nvSpPr>
+        <p:spPr/>
+        <p:txBody>
           <a:bodyPr>
             <a:normAutofit/>
           </a:bodyPr>
@@ -7112,187 +7623,53 @@
           </p:txBody>
         </p:sp>
       </p:grpSp>
-    </p:spTree>
-    <p:extLst>
-      <p:ext uri="{BB962C8B-B14F-4D97-AF65-F5344CB8AC3E}">
-        <p14:creationId xmlns:p14="http://schemas.microsoft.com/office/powerpoint/2010/main" val="1141058977"/>
-      </p:ext>
-    </p:extLst>
-  </p:cSld>
-  <p:clrMapOvr>
-    <a:masterClrMapping/>
-  </p:clrMapOvr>
-</p:sld>
-</file>
-
-<file path=ppt/slides/slide16.xml><?xml version="1.0" encoding="utf-8"?>
-<p:sld xmlns:a="http://schemas.openxmlformats.org/drawingml/2006/main" xmlns:r="http://schemas.openxmlformats.org/officeDocument/2006/relationships" xmlns:p="http://schemas.openxmlformats.org/presentationml/2006/main">
-  <p:cSld>
-    <p:spTree>
-      <p:nvGrpSpPr>
-        <p:cNvPr id="1" name=""/>
-        <p:cNvGrpSpPr/>
-        <p:nvPr/>
-      </p:nvGrpSpPr>
-      <p:grpSpPr>
-        <a:xfrm>
-          <a:off x="0" y="0"/>
-          <a:ext cx="0" cy="0"/>
-          <a:chOff x="0" y="0"/>
-          <a:chExt cx="0" cy="0"/>
-        </a:xfrm>
-      </p:grpSpPr>
-      <p:sp>
-        <p:nvSpPr>
-          <p:cNvPr id="2" name="Title 1"/>
-          <p:cNvSpPr>
-            <a:spLocks noGrp="1"/>
-          </p:cNvSpPr>
-          <p:nvPr>
-            <p:ph type="title"/>
-          </p:nvPr>
-        </p:nvSpPr>
-        <p:spPr/>
-        <p:txBody>
-          <a:bodyPr/>
-          <a:lstStyle/>
-          <a:p>
-            <a:r>
-              <a:rPr lang="en-US" dirty="0" err="1" smtClean="0"/>
-              <a:t>ProcessBar</a:t>
-            </a:r>
-            <a:endParaRPr lang="en-US" dirty="0"/>
-          </a:p>
-        </p:txBody>
-      </p:sp>
-      <p:sp>
-        <p:nvSpPr>
-          <p:cNvPr id="3" name="Content Placeholder 2"/>
-          <p:cNvSpPr>
-            <a:spLocks noGrp="1"/>
-          </p:cNvSpPr>
-          <p:nvPr>
-            <p:ph idx="1"/>
-          </p:nvPr>
-        </p:nvSpPr>
-        <p:spPr/>
-        <p:txBody>
-          <a:bodyPr/>
-          <a:lstStyle/>
-          <a:p>
-            <a:r>
-              <a:rPr lang="en-US" dirty="0" err="1" smtClean="0"/>
-              <a:t>Phải</a:t>
-            </a:r>
-            <a:r>
-              <a:rPr lang="en-US" dirty="0" smtClean="0"/>
-              <a:t> </a:t>
-            </a:r>
-            <a:r>
-              <a:rPr lang="en-US" dirty="0" err="1" smtClean="0"/>
-              <a:t>cho</a:t>
-            </a:r>
-            <a:r>
-              <a:rPr lang="en-US" dirty="0" smtClean="0"/>
-              <a:t> </a:t>
-            </a:r>
-            <a:r>
-              <a:rPr lang="en-US" dirty="0" err="1" smtClean="0"/>
-              <a:t>phéo</a:t>
-            </a:r>
-            <a:r>
-              <a:rPr lang="en-US" dirty="0" smtClean="0"/>
-              <a:t> seek vi </a:t>
-            </a:r>
-            <a:r>
-              <a:rPr lang="en-US" dirty="0" err="1" smtClean="0"/>
-              <a:t>trí</a:t>
-            </a:r>
-            <a:r>
-              <a:rPr lang="en-US" dirty="0" smtClean="0"/>
-              <a:t> song</a:t>
-            </a:r>
-          </a:p>
-          <a:p>
-            <a:r>
-              <a:rPr lang="en-US" dirty="0" err="1" smtClean="0"/>
-              <a:t>Hiển</a:t>
-            </a:r>
-            <a:r>
-              <a:rPr lang="en-US" dirty="0" smtClean="0"/>
-              <a:t> </a:t>
-            </a:r>
-            <a:r>
-              <a:rPr lang="en-US" dirty="0" err="1" smtClean="0"/>
-              <a:t>thị</a:t>
-            </a:r>
-            <a:r>
-              <a:rPr lang="en-US" dirty="0" smtClean="0"/>
-              <a:t> </a:t>
-            </a:r>
-            <a:r>
-              <a:rPr lang="en-US" dirty="0" err="1" smtClean="0"/>
-              <a:t>trạng</a:t>
-            </a:r>
-            <a:r>
-              <a:rPr lang="en-US" dirty="0" smtClean="0"/>
-              <a:t> </a:t>
-            </a:r>
-            <a:r>
-              <a:rPr lang="en-US" dirty="0" err="1" smtClean="0"/>
-              <a:t>thái</a:t>
-            </a:r>
-            <a:r>
-              <a:rPr lang="en-US" dirty="0" smtClean="0"/>
-              <a:t> position </a:t>
-            </a:r>
-            <a:r>
-              <a:rPr lang="en-US" dirty="0" err="1" smtClean="0"/>
-              <a:t>của</a:t>
-            </a:r>
-            <a:r>
-              <a:rPr lang="en-US" dirty="0" smtClean="0"/>
-              <a:t> song </a:t>
-            </a:r>
-            <a:r>
-              <a:rPr lang="en-US" dirty="0" err="1" smtClean="0"/>
-              <a:t>tren</a:t>
-            </a:r>
-            <a:r>
-              <a:rPr lang="en-US" dirty="0" smtClean="0"/>
-              <a:t> process </a:t>
-            </a:r>
-            <a:r>
-              <a:rPr lang="en-US" dirty="0" smtClean="0"/>
-              <a:t>bar</a:t>
-            </a:r>
-          </a:p>
-          <a:p>
-            <a:endParaRPr lang="en-US" dirty="0" smtClean="0"/>
-          </a:p>
-          <a:p>
-            <a:r>
-              <a:rPr lang="vi-VN" dirty="0"/>
-              <a:t>1. khi đang play thì cho process nó animation trượt </a:t>
-            </a:r>
-            <a:r>
-              <a:rPr lang="vi-VN" dirty="0" smtClean="0"/>
-              <a:t>trượ</a:t>
-            </a:r>
-            <a:r>
-              <a:rPr lang="en-US" dirty="0" smtClean="0"/>
-              <a:t>t</a:t>
-            </a:r>
-            <a:endParaRPr lang="vi-VN" dirty="0"/>
-          </a:p>
-          <a:p>
-            <a:r>
-              <a:rPr lang="vi-VN" dirty="0"/>
-              <a:t>2. khi đang pause state thì animation trên process bar cũng bị dừng lại</a:t>
-            </a:r>
-          </a:p>
-          <a:p>
-            <a:endParaRPr lang="en-US" dirty="0"/>
+      <p:sp>
+        <p:nvSpPr>
+          <p:cNvPr id="5" name="Multiply 4"/>
+          <p:cNvSpPr/>
+          <p:nvPr/>
+        </p:nvSpPr>
+        <p:spPr>
+          <a:xfrm>
+            <a:off x="-704642" y="1981200"/>
+            <a:ext cx="3810000" cy="3505200"/>
+          </a:xfrm>
+          <a:prstGeom prst="mathMultiply">
+            <a:avLst>
+              <a:gd name="adj1" fmla="val 2571"/>
+            </a:avLst>
+          </a:prstGeom>
+          <a:solidFill>
+            <a:srgbClr val="FF0000"/>
+          </a:solidFill>
+          <a:ln>
+            <a:solidFill>
+              <a:srgbClr val="FF0000"/>
+            </a:solidFill>
+          </a:ln>
+        </p:spPr>
+        <p:style>
+          <a:lnRef idx="2">
+            <a:schemeClr val="accent1">
+              <a:shade val="50000"/>
+            </a:schemeClr>
+          </a:lnRef>
+          <a:fillRef idx="1">
+            <a:schemeClr val="accent1"/>
+          </a:fillRef>
+          <a:effectRef idx="0">
+            <a:schemeClr val="accent1"/>
+          </a:effectRef>
+          <a:fontRef idx="minor">
+            <a:schemeClr val="lt1"/>
+          </a:fontRef>
+        </p:style>
+        <p:txBody>
+          <a:bodyPr rtlCol="0" anchor="ctr"/>
+          <a:lstStyle/>
+          <a:p>
+            <a:pPr algn="ctr"/>
+            <a:endParaRPr lang="en-US"/>
           </a:p>
         </p:txBody>
       </p:sp>
@@ -7319,8 +7696,8 @@
         </p:blipFill>
         <p:spPr bwMode="auto">
           <a:xfrm>
-            <a:off x="-152400" y="3311237"/>
-            <a:ext cx="10744200" cy="304800"/>
+            <a:off x="2819400" y="3127371"/>
+            <a:ext cx="3577957" cy="1571626"/>
           </a:xfrm>
           <a:prstGeom prst="rect">
             <a:avLst/>
@@ -7363,24 +7740,17 @@
     </p:spTree>
     <p:extLst>
       <p:ext uri="{BB962C8B-B14F-4D97-AF65-F5344CB8AC3E}">
-        <p14:creationId xmlns:p14="http://schemas.microsoft.com/office/powerpoint/2010/main" val="3998014263"/>
+        <p14:creationId xmlns:p14="http://schemas.microsoft.com/office/powerpoint/2010/main" val="1141058977"/>
       </p:ext>
     </p:extLst>
   </p:cSld>
   <p:clrMapOvr>
     <a:masterClrMapping/>
   </p:clrMapOvr>
-  <p:timing>
-    <p:tnLst>
-      <p:par>
-        <p:cTn id="1" dur="indefinite" restart="never" nodeType="tmRoot"/>
-      </p:par>
-    </p:tnLst>
-  </p:timing>
 </p:sld>
 </file>
 
-<file path=ppt/slides/slide17.xml><?xml version="1.0" encoding="utf-8"?>
+<file path=ppt/slides/slide19.xml><?xml version="1.0" encoding="utf-8"?>
 <p:sld xmlns:a="http://schemas.openxmlformats.org/drawingml/2006/main" xmlns:r="http://schemas.openxmlformats.org/officeDocument/2006/relationships" xmlns:p="http://schemas.openxmlformats.org/presentationml/2006/main">
   <p:cSld>
     <p:spTree>
@@ -7409,12 +7779,14 @@
         </p:nvSpPr>
         <p:spPr/>
         <p:txBody>
-          <a:bodyPr/>
-          <a:lstStyle/>
-          <a:p>
-            <a:r>
-              <a:rPr lang="en-US" dirty="0" err="1" smtClean="0"/>
-              <a:t>BackEnd</a:t>
+          <a:bodyPr>
+            <a:normAutofit/>
+          </a:bodyPr>
+          <a:lstStyle/>
+          <a:p>
+            <a:r>
+              <a:rPr lang="en-US" dirty="0" smtClean="0"/>
+              <a:t>Tasks</a:t>
             </a:r>
             <a:endParaRPr lang="en-US" dirty="0"/>
           </a:p>
@@ -7435,14 +7807,31 @@
           <a:bodyPr/>
           <a:lstStyle/>
           <a:p>
-            <a:endParaRPr lang="en-US"/>
+            <a:r>
+              <a:rPr lang="en-US" dirty="0" smtClean="0"/>
+              <a:t>Done. </a:t>
+            </a:r>
+          </a:p>
+          <a:p>
+            <a:r>
+              <a:rPr lang="en-US" dirty="0" smtClean="0"/>
+              <a:t>Update data </a:t>
+            </a:r>
+            <a:r>
+              <a:rPr lang="en-US" smtClean="0"/>
+              <a:t>for volume</a:t>
+            </a:r>
+            <a:endParaRPr lang="en-US" dirty="0" smtClean="0"/>
+          </a:p>
+          <a:p>
+            <a:endParaRPr lang="en-US" dirty="0"/>
           </a:p>
         </p:txBody>
       </p:sp>
     </p:spTree>
     <p:extLst>
       <p:ext uri="{BB962C8B-B14F-4D97-AF65-F5344CB8AC3E}">
-        <p14:creationId xmlns:p14="http://schemas.microsoft.com/office/powerpoint/2010/main" val="1828107191"/>
+        <p14:creationId xmlns:p14="http://schemas.microsoft.com/office/powerpoint/2010/main" val="1374688988"/>
       </p:ext>
     </p:extLst>
   </p:cSld>
@@ -7545,6 +7934,78 @@
     <p:extLst>
       <p:ext uri="{BB962C8B-B14F-4D97-AF65-F5344CB8AC3E}">
         <p14:creationId xmlns:p14="http://schemas.microsoft.com/office/powerpoint/2010/main" val="2007640518"/>
+      </p:ext>
+    </p:extLst>
+  </p:cSld>
+  <p:clrMapOvr>
+    <a:masterClrMapping/>
+  </p:clrMapOvr>
+</p:sld>
+</file>
+
+<file path=ppt/slides/slide20.xml><?xml version="1.0" encoding="utf-8"?>
+<p:sld xmlns:a="http://schemas.openxmlformats.org/drawingml/2006/main" xmlns:r="http://schemas.openxmlformats.org/officeDocument/2006/relationships" xmlns:p="http://schemas.openxmlformats.org/presentationml/2006/main">
+  <p:cSld>
+    <p:spTree>
+      <p:nvGrpSpPr>
+        <p:cNvPr id="1" name=""/>
+        <p:cNvGrpSpPr/>
+        <p:nvPr/>
+      </p:nvGrpSpPr>
+      <p:grpSpPr>
+        <a:xfrm>
+          <a:off x="0" y="0"/>
+          <a:ext cx="0" cy="0"/>
+          <a:chOff x="0" y="0"/>
+          <a:chExt cx="0" cy="0"/>
+        </a:xfrm>
+      </p:grpSpPr>
+      <p:sp>
+        <p:nvSpPr>
+          <p:cNvPr id="2" name="Title 1"/>
+          <p:cNvSpPr>
+            <a:spLocks noGrp="1"/>
+          </p:cNvSpPr>
+          <p:nvPr>
+            <p:ph type="title"/>
+          </p:nvPr>
+        </p:nvSpPr>
+        <p:spPr/>
+        <p:txBody>
+          <a:bodyPr/>
+          <a:lstStyle/>
+          <a:p>
+            <a:r>
+              <a:rPr lang="en-US" dirty="0" err="1" smtClean="0"/>
+              <a:t>BackEnd</a:t>
+            </a:r>
+            <a:endParaRPr lang="en-US" dirty="0"/>
+          </a:p>
+        </p:txBody>
+      </p:sp>
+      <p:sp>
+        <p:nvSpPr>
+          <p:cNvPr id="3" name="Content Placeholder 2"/>
+          <p:cNvSpPr>
+            <a:spLocks noGrp="1"/>
+          </p:cNvSpPr>
+          <p:nvPr>
+            <p:ph idx="1"/>
+          </p:nvPr>
+        </p:nvSpPr>
+        <p:spPr/>
+        <p:txBody>
+          <a:bodyPr/>
+          <a:lstStyle/>
+          <a:p>
+            <a:endParaRPr lang="en-US"/>
+          </a:p>
+        </p:txBody>
+      </p:sp>
+    </p:spTree>
+    <p:extLst>
+      <p:ext uri="{BB962C8B-B14F-4D97-AF65-F5344CB8AC3E}">
+        <p14:creationId xmlns:p14="http://schemas.microsoft.com/office/powerpoint/2010/main" val="1828107191"/>
       </p:ext>
     </p:extLst>
   </p:cSld>

--- a/source/musicpage/Documents/Music page.pptx
+++ b/source/musicpage/Documents/Music page.pptx
@@ -25,6 +25,8 @@
     <p:sldId id="271" r:id="rId19"/>
     <p:sldId id="275" r:id="rId20"/>
     <p:sldId id="269" r:id="rId21"/>
+    <p:sldId id="276" r:id="rId22"/>
+    <p:sldId id="277" r:id="rId23"/>
   </p:sldIdLst>
   <p:sldSz cx="9144000" cy="6858000" type="screen4x3"/>
   <p:notesSz cx="6858000" cy="9144000"/>
@@ -167,6 +169,8 @@
         <p14:section name="Back end" id="{04FAC04A-8904-4477-BA21-E1D5F19A1E70}">
           <p14:sldIdLst>
             <p14:sldId id="269"/>
+            <p14:sldId id="276"/>
+            <p14:sldId id="277"/>
           </p14:sldIdLst>
         </p14:section>
       </p14:sectionLst>
@@ -356,7 +360,7 @@
           <a:p>
             <a:fld id="{7DDD6D33-52EB-4E0A-A3B0-B44F76A61690}" type="datetimeFigureOut">
               <a:rPr lang="en-US" smtClean="0"/>
-              <a:t>4/29/2013</a:t>
+              <a:t>5/18/2013</a:t>
             </a:fld>
             <a:endParaRPr lang="en-US"/>
           </a:p>
@@ -526,7 +530,7 @@
           <a:p>
             <a:fld id="{7DDD6D33-52EB-4E0A-A3B0-B44F76A61690}" type="datetimeFigureOut">
               <a:rPr lang="en-US" smtClean="0"/>
-              <a:t>4/29/2013</a:t>
+              <a:t>5/18/2013</a:t>
             </a:fld>
             <a:endParaRPr lang="en-US"/>
           </a:p>
@@ -706,7 +710,7 @@
           <a:p>
             <a:fld id="{7DDD6D33-52EB-4E0A-A3B0-B44F76A61690}" type="datetimeFigureOut">
               <a:rPr lang="en-US" smtClean="0"/>
-              <a:t>4/29/2013</a:t>
+              <a:t>5/18/2013</a:t>
             </a:fld>
             <a:endParaRPr lang="en-US"/>
           </a:p>
@@ -876,7 +880,7 @@
           <a:p>
             <a:fld id="{7DDD6D33-52EB-4E0A-A3B0-B44F76A61690}" type="datetimeFigureOut">
               <a:rPr lang="en-US" smtClean="0"/>
-              <a:t>4/29/2013</a:t>
+              <a:t>5/18/2013</a:t>
             </a:fld>
             <a:endParaRPr lang="en-US"/>
           </a:p>
@@ -1122,7 +1126,7 @@
           <a:p>
             <a:fld id="{7DDD6D33-52EB-4E0A-A3B0-B44F76A61690}" type="datetimeFigureOut">
               <a:rPr lang="en-US" smtClean="0"/>
-              <a:t>4/29/2013</a:t>
+              <a:t>5/18/2013</a:t>
             </a:fld>
             <a:endParaRPr lang="en-US"/>
           </a:p>
@@ -1410,7 +1414,7 @@
           <a:p>
             <a:fld id="{7DDD6D33-52EB-4E0A-A3B0-B44F76A61690}" type="datetimeFigureOut">
               <a:rPr lang="en-US" smtClean="0"/>
-              <a:t>4/29/2013</a:t>
+              <a:t>5/18/2013</a:t>
             </a:fld>
             <a:endParaRPr lang="en-US"/>
           </a:p>
@@ -1832,7 +1836,7 @@
           <a:p>
             <a:fld id="{7DDD6D33-52EB-4E0A-A3B0-B44F76A61690}" type="datetimeFigureOut">
               <a:rPr lang="en-US" smtClean="0"/>
-              <a:t>4/29/2013</a:t>
+              <a:t>5/18/2013</a:t>
             </a:fld>
             <a:endParaRPr lang="en-US"/>
           </a:p>
@@ -1950,7 +1954,7 @@
           <a:p>
             <a:fld id="{7DDD6D33-52EB-4E0A-A3B0-B44F76A61690}" type="datetimeFigureOut">
               <a:rPr lang="en-US" smtClean="0"/>
-              <a:t>4/29/2013</a:t>
+              <a:t>5/18/2013</a:t>
             </a:fld>
             <a:endParaRPr lang="en-US"/>
           </a:p>
@@ -2045,7 +2049,7 @@
           <a:p>
             <a:fld id="{7DDD6D33-52EB-4E0A-A3B0-B44F76A61690}" type="datetimeFigureOut">
               <a:rPr lang="en-US" smtClean="0"/>
-              <a:t>4/29/2013</a:t>
+              <a:t>5/18/2013</a:t>
             </a:fld>
             <a:endParaRPr lang="en-US"/>
           </a:p>
@@ -2322,7 +2326,7 @@
           <a:p>
             <a:fld id="{7DDD6D33-52EB-4E0A-A3B0-B44F76A61690}" type="datetimeFigureOut">
               <a:rPr lang="en-US" smtClean="0"/>
-              <a:t>4/29/2013</a:t>
+              <a:t>5/18/2013</a:t>
             </a:fld>
             <a:endParaRPr lang="en-US"/>
           </a:p>
@@ -2575,7 +2579,7 @@
           <a:p>
             <a:fld id="{7DDD6D33-52EB-4E0A-A3B0-B44F76A61690}" type="datetimeFigureOut">
               <a:rPr lang="en-US" smtClean="0"/>
-              <a:t>4/29/2013</a:t>
+              <a:t>5/18/2013</a:t>
             </a:fld>
             <a:endParaRPr lang="en-US"/>
           </a:p>
@@ -2788,7 +2792,7 @@
           <a:p>
             <a:fld id="{7DDD6D33-52EB-4E0A-A3B0-B44F76A61690}" type="datetimeFigureOut">
               <a:rPr lang="en-US" smtClean="0"/>
-              <a:t>4/29/2013</a:t>
+              <a:t>5/18/2013</a:t>
             </a:fld>
             <a:endParaRPr lang="en-US"/>
           </a:p>
@@ -7299,10 +7303,10 @@
           <a:lstStyle/>
           <a:p>
             <a:r>
-              <a:rPr lang="en-US" smtClean="0"/>
+              <a:rPr lang="en-US" dirty="0" smtClean="0"/>
               <a:t>s</a:t>
             </a:r>
-            <a:endParaRPr lang="en-US"/>
+            <a:endParaRPr lang="en-US" dirty="0"/>
           </a:p>
         </p:txBody>
       </p:sp>
@@ -7998,7 +8002,25 @@
           <a:bodyPr/>
           <a:lstStyle/>
           <a:p>
-            <a:endParaRPr lang="en-US"/>
+            <a:r>
+              <a:rPr lang="en-US" dirty="0" smtClean="0"/>
+              <a:t>Crawler auto update data to database from chiasenhac.com</a:t>
+            </a:r>
+          </a:p>
+          <a:p>
+            <a:r>
+              <a:rPr lang="en-US" dirty="0" smtClean="0"/>
+              <a:t>Optional feature add data to </a:t>
+            </a:r>
+            <a:r>
+              <a:rPr lang="en-US" dirty="0" err="1" smtClean="0"/>
+              <a:t>google</a:t>
+            </a:r>
+            <a:r>
+              <a:rPr lang="en-US" dirty="0" smtClean="0"/>
+              <a:t> drive. Its can be done if user (admin) want some songs must be</a:t>
+            </a:r>
+            <a:endParaRPr lang="en-US" dirty="0"/>
           </a:p>
         </p:txBody>
       </p:sp>
@@ -8006,6 +8028,496 @@
     <p:extLst>
       <p:ext uri="{BB962C8B-B14F-4D97-AF65-F5344CB8AC3E}">
         <p14:creationId xmlns:p14="http://schemas.microsoft.com/office/powerpoint/2010/main" val="1828107191"/>
+      </p:ext>
+    </p:extLst>
+  </p:cSld>
+  <p:clrMapOvr>
+    <a:masterClrMapping/>
+  </p:clrMapOvr>
+</p:sld>
+</file>
+
+<file path=ppt/slides/slide21.xml><?xml version="1.0" encoding="utf-8"?>
+<p:sld xmlns:a="http://schemas.openxmlformats.org/drawingml/2006/main" xmlns:r="http://schemas.openxmlformats.org/officeDocument/2006/relationships" xmlns:p="http://schemas.openxmlformats.org/presentationml/2006/main">
+  <p:cSld>
+    <p:spTree>
+      <p:nvGrpSpPr>
+        <p:cNvPr id="1" name=""/>
+        <p:cNvGrpSpPr/>
+        <p:nvPr/>
+      </p:nvGrpSpPr>
+      <p:grpSpPr>
+        <a:xfrm>
+          <a:off x="0" y="0"/>
+          <a:ext cx="0" cy="0"/>
+          <a:chOff x="0" y="0"/>
+          <a:chExt cx="0" cy="0"/>
+        </a:xfrm>
+      </p:grpSpPr>
+      <p:sp>
+        <p:nvSpPr>
+          <p:cNvPr id="2" name="Title 1"/>
+          <p:cNvSpPr>
+            <a:spLocks noGrp="1"/>
+          </p:cNvSpPr>
+          <p:nvPr>
+            <p:ph type="title"/>
+          </p:nvPr>
+        </p:nvSpPr>
+        <p:spPr/>
+        <p:txBody>
+          <a:bodyPr/>
+          <a:lstStyle/>
+          <a:p>
+            <a:r>
+              <a:rPr lang="en-US" dirty="0" smtClean="0"/>
+              <a:t>Describe crawler</a:t>
+            </a:r>
+            <a:endParaRPr lang="en-US" dirty="0"/>
+          </a:p>
+        </p:txBody>
+      </p:sp>
+      <p:sp>
+        <p:nvSpPr>
+          <p:cNvPr id="3" name="Content Placeholder 2"/>
+          <p:cNvSpPr>
+            <a:spLocks noGrp="1"/>
+          </p:cNvSpPr>
+          <p:nvPr>
+            <p:ph idx="1"/>
+          </p:nvPr>
+        </p:nvSpPr>
+        <p:spPr/>
+        <p:txBody>
+          <a:bodyPr/>
+          <a:lstStyle/>
+          <a:p>
+            <a:r>
+              <a:rPr lang="en-US" dirty="0" smtClean="0"/>
+              <a:t>Crawler </a:t>
+            </a:r>
+            <a:r>
+              <a:rPr lang="en-US" dirty="0" err="1" smtClean="0"/>
+              <a:t>chỗ</a:t>
+            </a:r>
+            <a:r>
+              <a:rPr lang="en-US" dirty="0" smtClean="0"/>
+              <a:t> get link </a:t>
+            </a:r>
+            <a:r>
+              <a:rPr lang="en-US" dirty="0" err="1" smtClean="0"/>
+              <a:t>nhạc</a:t>
+            </a:r>
+            <a:endParaRPr lang="en-US" dirty="0" smtClean="0"/>
+          </a:p>
+          <a:p>
+            <a:r>
+              <a:rPr lang="en-US" dirty="0" smtClean="0"/>
+              <a:t>Crawler </a:t>
+            </a:r>
+            <a:r>
+              <a:rPr lang="en-US" dirty="0" err="1" smtClean="0"/>
+              <a:t>để</a:t>
+            </a:r>
+            <a:r>
+              <a:rPr lang="en-US" dirty="0" smtClean="0"/>
+              <a:t> </a:t>
+            </a:r>
+            <a:r>
+              <a:rPr lang="en-US" dirty="0" err="1" smtClean="0"/>
+              <a:t>thêm</a:t>
+            </a:r>
+            <a:r>
+              <a:rPr lang="en-US" dirty="0" smtClean="0"/>
+              <a:t> </a:t>
+            </a:r>
+            <a:r>
+              <a:rPr lang="en-US" dirty="0" err="1" smtClean="0"/>
+              <a:t>vào</a:t>
+            </a:r>
+            <a:r>
+              <a:rPr lang="en-US" dirty="0" smtClean="0"/>
+              <a:t> database</a:t>
+            </a:r>
+          </a:p>
+          <a:p>
+            <a:pPr lvl="1"/>
+            <a:r>
+              <a:rPr lang="en-US" dirty="0" err="1" smtClean="0"/>
+              <a:t>Dựa</a:t>
+            </a:r>
+            <a:r>
+              <a:rPr lang="en-US" dirty="0" smtClean="0"/>
+              <a:t> </a:t>
+            </a:r>
+            <a:r>
+              <a:rPr lang="en-US" dirty="0" err="1" smtClean="0"/>
+              <a:t>vào</a:t>
+            </a:r>
+            <a:r>
+              <a:rPr lang="en-US" dirty="0" smtClean="0"/>
+              <a:t> web link </a:t>
+            </a:r>
+            <a:r>
+              <a:rPr lang="en-US" dirty="0" err="1" smtClean="0"/>
+              <a:t>để</a:t>
+            </a:r>
+            <a:r>
+              <a:rPr lang="en-US" dirty="0" smtClean="0"/>
+              <a:t> </a:t>
+            </a:r>
+            <a:r>
+              <a:rPr lang="en-US" dirty="0" err="1" smtClean="0"/>
+              <a:t>bik</a:t>
+            </a:r>
+            <a:r>
+              <a:rPr lang="en-US" dirty="0" smtClean="0"/>
+              <a:t> </a:t>
+            </a:r>
+            <a:r>
+              <a:rPr lang="en-US" dirty="0" err="1" smtClean="0"/>
+              <a:t>có</a:t>
+            </a:r>
+            <a:r>
+              <a:rPr lang="en-US" dirty="0" smtClean="0"/>
+              <a:t> </a:t>
+            </a:r>
+            <a:r>
+              <a:rPr lang="en-US" dirty="0" err="1" smtClean="0"/>
+              <a:t>trùng</a:t>
+            </a:r>
+            <a:r>
+              <a:rPr lang="en-US" dirty="0" smtClean="0"/>
+              <a:t> </a:t>
+            </a:r>
+            <a:r>
+              <a:rPr lang="en-US" dirty="0" err="1" smtClean="0"/>
+              <a:t>không</a:t>
+            </a:r>
+            <a:endParaRPr lang="en-US" dirty="0"/>
+          </a:p>
+        </p:txBody>
+      </p:sp>
+    </p:spTree>
+    <p:extLst>
+      <p:ext uri="{BB962C8B-B14F-4D97-AF65-F5344CB8AC3E}">
+        <p14:creationId xmlns:p14="http://schemas.microsoft.com/office/powerpoint/2010/main" val="2742721334"/>
+      </p:ext>
+    </p:extLst>
+  </p:cSld>
+  <p:clrMapOvr>
+    <a:masterClrMapping/>
+  </p:clrMapOvr>
+</p:sld>
+</file>
+
+<file path=ppt/slides/slide22.xml><?xml version="1.0" encoding="utf-8"?>
+<p:sld xmlns:a="http://schemas.openxmlformats.org/drawingml/2006/main" xmlns:r="http://schemas.openxmlformats.org/officeDocument/2006/relationships" xmlns:p="http://schemas.openxmlformats.org/presentationml/2006/main">
+  <p:cSld>
+    <p:spTree>
+      <p:nvGrpSpPr>
+        <p:cNvPr id="1" name=""/>
+        <p:cNvGrpSpPr/>
+        <p:nvPr/>
+      </p:nvGrpSpPr>
+      <p:grpSpPr>
+        <a:xfrm>
+          <a:off x="0" y="0"/>
+          <a:ext cx="0" cy="0"/>
+          <a:chOff x="0" y="0"/>
+          <a:chExt cx="0" cy="0"/>
+        </a:xfrm>
+      </p:grpSpPr>
+      <p:sp>
+        <p:nvSpPr>
+          <p:cNvPr id="2" name="Title 1"/>
+          <p:cNvSpPr>
+            <a:spLocks noGrp="1"/>
+          </p:cNvSpPr>
+          <p:nvPr>
+            <p:ph type="title"/>
+          </p:nvPr>
+        </p:nvSpPr>
+        <p:spPr/>
+        <p:txBody>
+          <a:bodyPr/>
+          <a:lstStyle/>
+          <a:p>
+            <a:r>
+              <a:rPr lang="en-US" dirty="0" smtClean="0"/>
+              <a:t>Crawler Database</a:t>
+            </a:r>
+            <a:endParaRPr lang="en-US" dirty="0"/>
+          </a:p>
+        </p:txBody>
+      </p:sp>
+      <p:sp>
+        <p:nvSpPr>
+          <p:cNvPr id="3" name="Content Placeholder 2"/>
+          <p:cNvSpPr>
+            <a:spLocks noGrp="1"/>
+          </p:cNvSpPr>
+          <p:nvPr>
+            <p:ph idx="1"/>
+          </p:nvPr>
+        </p:nvSpPr>
+        <p:spPr/>
+        <p:txBody>
+          <a:bodyPr/>
+          <a:lstStyle/>
+          <a:p>
+            <a:r>
+              <a:rPr lang="en-US" dirty="0" smtClean="0"/>
+              <a:t>1 </a:t>
+            </a:r>
+            <a:r>
+              <a:rPr lang="en-US" dirty="0" err="1" smtClean="0"/>
+              <a:t>quét</a:t>
+            </a:r>
+            <a:r>
+              <a:rPr lang="en-US" dirty="0" smtClean="0"/>
+              <a:t> 2 </a:t>
+            </a:r>
+            <a:r>
+              <a:rPr lang="en-US" dirty="0" err="1" smtClean="0"/>
+              <a:t>loại</a:t>
+            </a:r>
+            <a:r>
+              <a:rPr lang="en-US" dirty="0" smtClean="0"/>
+              <a:t> link -&gt; link </a:t>
+            </a:r>
+            <a:r>
+              <a:rPr lang="en-US" dirty="0" err="1" smtClean="0"/>
+              <a:t>download.php</a:t>
+            </a:r>
+            <a:r>
+              <a:rPr lang="en-US" dirty="0" smtClean="0"/>
+              <a:t> </a:t>
+            </a:r>
+            <a:r>
+              <a:rPr lang="en-US" dirty="0" err="1" smtClean="0"/>
+              <a:t>và</a:t>
+            </a:r>
+            <a:r>
+              <a:rPr lang="en-US" dirty="0" smtClean="0"/>
+              <a:t> link </a:t>
+            </a:r>
+            <a:r>
+              <a:rPr lang="en-US" dirty="0" err="1" smtClean="0"/>
+              <a:t>dạng</a:t>
+            </a:r>
+            <a:r>
+              <a:rPr lang="en-US" dirty="0" smtClean="0"/>
+              <a:t> playlist</a:t>
+            </a:r>
+          </a:p>
+          <a:p>
+            <a:pPr lvl="1"/>
+            <a:r>
+              <a:rPr lang="en-US" dirty="0" smtClean="0"/>
+              <a:t>Link </a:t>
+            </a:r>
+            <a:r>
+              <a:rPr lang="en-US" dirty="0" err="1" smtClean="0"/>
+              <a:t>download.php</a:t>
+            </a:r>
+            <a:r>
+              <a:rPr lang="en-US" dirty="0" smtClean="0"/>
+              <a:t> </a:t>
+            </a:r>
+            <a:r>
+              <a:rPr lang="en-US" dirty="0" err="1" smtClean="0"/>
+              <a:t>thì</a:t>
+            </a:r>
+            <a:r>
+              <a:rPr lang="en-US" dirty="0" smtClean="0"/>
+              <a:t> add </a:t>
+            </a:r>
+            <a:r>
+              <a:rPr lang="en-US" dirty="0" err="1" smtClean="0"/>
+              <a:t>vào</a:t>
+            </a:r>
+            <a:r>
+              <a:rPr lang="en-US" dirty="0" smtClean="0"/>
+              <a:t> database</a:t>
+            </a:r>
+          </a:p>
+          <a:p>
+            <a:pPr lvl="1"/>
+            <a:r>
+              <a:rPr lang="en-US" dirty="0" smtClean="0"/>
+              <a:t>Link playlist </a:t>
+            </a:r>
+            <a:r>
+              <a:rPr lang="en-US" dirty="0" err="1" smtClean="0"/>
+              <a:t>thì</a:t>
+            </a:r>
+            <a:r>
+              <a:rPr lang="en-US" dirty="0" smtClean="0"/>
+              <a:t> </a:t>
+            </a:r>
+            <a:r>
+              <a:rPr lang="en-US" dirty="0" err="1" smtClean="0"/>
+              <a:t>thực</a:t>
+            </a:r>
+            <a:r>
+              <a:rPr lang="en-US" dirty="0" smtClean="0"/>
+              <a:t> </a:t>
+            </a:r>
+            <a:r>
+              <a:rPr lang="en-US" dirty="0" err="1" smtClean="0"/>
+              <a:t>hiện</a:t>
+            </a:r>
+            <a:r>
+              <a:rPr lang="en-US" dirty="0" smtClean="0"/>
+              <a:t> </a:t>
+            </a:r>
+            <a:r>
+              <a:rPr lang="en-US" dirty="0" err="1" smtClean="0"/>
+              <a:t>đệ</a:t>
+            </a:r>
+            <a:r>
+              <a:rPr lang="en-US" dirty="0" smtClean="0"/>
+              <a:t> </a:t>
+            </a:r>
+            <a:r>
+              <a:rPr lang="en-US" dirty="0" err="1" smtClean="0"/>
+              <a:t>quy</a:t>
+            </a:r>
+            <a:r>
+              <a:rPr lang="en-US" dirty="0" smtClean="0"/>
+              <a:t> crawler </a:t>
+            </a:r>
+            <a:r>
+              <a:rPr lang="en-US" dirty="0" err="1" smtClean="0"/>
+              <a:t>nhưng</a:t>
+            </a:r>
+            <a:r>
+              <a:rPr lang="en-US" dirty="0" smtClean="0"/>
+              <a:t> </a:t>
+            </a:r>
+            <a:r>
+              <a:rPr lang="en-US" dirty="0" err="1" smtClean="0"/>
+              <a:t>có</a:t>
+            </a:r>
+            <a:r>
+              <a:rPr lang="en-US" dirty="0" smtClean="0"/>
+              <a:t> </a:t>
+            </a:r>
+            <a:r>
+              <a:rPr lang="en-US" dirty="0" err="1" smtClean="0"/>
+              <a:t>kèm</a:t>
+            </a:r>
+            <a:r>
+              <a:rPr lang="en-US" dirty="0" smtClean="0"/>
+              <a:t> </a:t>
+            </a:r>
+            <a:r>
+              <a:rPr lang="en-US" dirty="0" err="1" smtClean="0"/>
+              <a:t>theo</a:t>
+            </a:r>
+            <a:r>
+              <a:rPr lang="en-US" dirty="0" smtClean="0"/>
+              <a:t> add table album</a:t>
+            </a:r>
+          </a:p>
+          <a:p>
+            <a:pPr lvl="1"/>
+            <a:r>
+              <a:rPr lang="en-US" dirty="0" err="1" smtClean="0"/>
+              <a:t>Các</a:t>
+            </a:r>
+            <a:r>
+              <a:rPr lang="en-US" dirty="0" smtClean="0"/>
+              <a:t> link </a:t>
+            </a:r>
+            <a:r>
+              <a:rPr lang="en-US" dirty="0" err="1" smtClean="0"/>
+              <a:t>còn</a:t>
+            </a:r>
+            <a:r>
+              <a:rPr lang="en-US" dirty="0" smtClean="0"/>
+              <a:t> </a:t>
+            </a:r>
+            <a:r>
+              <a:rPr lang="en-US" dirty="0" err="1" smtClean="0"/>
+              <a:t>lại</a:t>
+            </a:r>
+            <a:r>
+              <a:rPr lang="en-US" dirty="0" smtClean="0"/>
+              <a:t> </a:t>
+            </a:r>
+            <a:r>
+              <a:rPr lang="en-US" dirty="0" err="1" smtClean="0"/>
+              <a:t>thì</a:t>
+            </a:r>
+            <a:r>
+              <a:rPr lang="en-US" dirty="0" smtClean="0"/>
+              <a:t> crawler </a:t>
+            </a:r>
+            <a:r>
+              <a:rPr lang="en-US" dirty="0" err="1" smtClean="0"/>
+              <a:t>sâu</a:t>
+            </a:r>
+            <a:r>
+              <a:rPr lang="en-US" dirty="0" smtClean="0"/>
+              <a:t> </a:t>
+            </a:r>
+            <a:r>
+              <a:rPr lang="en-US" dirty="0" err="1" smtClean="0"/>
+              <a:t>vào</a:t>
+            </a:r>
+            <a:r>
+              <a:rPr lang="en-US" dirty="0" smtClean="0"/>
+              <a:t> </a:t>
+            </a:r>
+            <a:r>
+              <a:rPr lang="en-US" dirty="0" err="1" smtClean="0"/>
+              <a:t>trong</a:t>
+            </a:r>
+            <a:r>
+              <a:rPr lang="en-US" dirty="0" smtClean="0"/>
+              <a:t>.</a:t>
+            </a:r>
+          </a:p>
+          <a:p>
+            <a:pPr lvl="1"/>
+            <a:r>
+              <a:rPr lang="en-US" dirty="0" err="1" smtClean="0"/>
+              <a:t>chỉ</a:t>
+            </a:r>
+            <a:r>
+              <a:rPr lang="en-US" dirty="0" smtClean="0"/>
+              <a:t> crawler </a:t>
+            </a:r>
+            <a:r>
+              <a:rPr lang="en-US" dirty="0" err="1" smtClean="0"/>
+              <a:t>các</a:t>
+            </a:r>
+            <a:r>
+              <a:rPr lang="en-US" dirty="0" smtClean="0"/>
+              <a:t> link </a:t>
+            </a:r>
+            <a:r>
+              <a:rPr lang="en-US" dirty="0" err="1" smtClean="0"/>
+              <a:t>cùng</a:t>
+            </a:r>
+            <a:r>
+              <a:rPr lang="en-US" dirty="0" smtClean="0"/>
+              <a:t> </a:t>
+            </a:r>
+            <a:r>
+              <a:rPr lang="en-US" smtClean="0"/>
+              <a:t>1 domain</a:t>
+            </a:r>
+            <a:endParaRPr lang="en-US" dirty="0"/>
+          </a:p>
+        </p:txBody>
+      </p:sp>
+    </p:spTree>
+    <p:extLst>
+      <p:ext uri="{BB962C8B-B14F-4D97-AF65-F5344CB8AC3E}">
+        <p14:creationId xmlns:p14="http://schemas.microsoft.com/office/powerpoint/2010/main" val="2599988761"/>
       </p:ext>
     </p:extLst>
   </p:cSld>

--- a/source/musicpage/Documents/Music page.pptx
+++ b/source/musicpage/Documents/Music page.pptx
@@ -27,6 +27,7 @@
     <p:sldId id="269" r:id="rId21"/>
     <p:sldId id="276" r:id="rId22"/>
     <p:sldId id="277" r:id="rId23"/>
+    <p:sldId id="278" r:id="rId24"/>
   </p:sldIdLst>
   <p:sldSz cx="9144000" cy="6858000" type="screen4x3"/>
   <p:notesSz cx="6858000" cy="9144000"/>
@@ -171,6 +172,7 @@
             <p14:sldId id="269"/>
             <p14:sldId id="276"/>
             <p14:sldId id="277"/>
+            <p14:sldId id="278"/>
           </p14:sldIdLst>
         </p14:section>
       </p14:sectionLst>
@@ -360,7 +362,7 @@
           <a:p>
             <a:fld id="{7DDD6D33-52EB-4E0A-A3B0-B44F76A61690}" type="datetimeFigureOut">
               <a:rPr lang="en-US" smtClean="0"/>
-              <a:t>5/18/2013</a:t>
+              <a:t>5/31/2013</a:t>
             </a:fld>
             <a:endParaRPr lang="en-US"/>
           </a:p>
@@ -530,7 +532,7 @@
           <a:p>
             <a:fld id="{7DDD6D33-52EB-4E0A-A3B0-B44F76A61690}" type="datetimeFigureOut">
               <a:rPr lang="en-US" smtClean="0"/>
-              <a:t>5/18/2013</a:t>
+              <a:t>5/31/2013</a:t>
             </a:fld>
             <a:endParaRPr lang="en-US"/>
           </a:p>
@@ -710,7 +712,7 @@
           <a:p>
             <a:fld id="{7DDD6D33-52EB-4E0A-A3B0-B44F76A61690}" type="datetimeFigureOut">
               <a:rPr lang="en-US" smtClean="0"/>
-              <a:t>5/18/2013</a:t>
+              <a:t>5/31/2013</a:t>
             </a:fld>
             <a:endParaRPr lang="en-US"/>
           </a:p>
@@ -880,7 +882,7 @@
           <a:p>
             <a:fld id="{7DDD6D33-52EB-4E0A-A3B0-B44F76A61690}" type="datetimeFigureOut">
               <a:rPr lang="en-US" smtClean="0"/>
-              <a:t>5/18/2013</a:t>
+              <a:t>5/31/2013</a:t>
             </a:fld>
             <a:endParaRPr lang="en-US"/>
           </a:p>
@@ -1126,7 +1128,7 @@
           <a:p>
             <a:fld id="{7DDD6D33-52EB-4E0A-A3B0-B44F76A61690}" type="datetimeFigureOut">
               <a:rPr lang="en-US" smtClean="0"/>
-              <a:t>5/18/2013</a:t>
+              <a:t>5/31/2013</a:t>
             </a:fld>
             <a:endParaRPr lang="en-US"/>
           </a:p>
@@ -1414,7 +1416,7 @@
           <a:p>
             <a:fld id="{7DDD6D33-52EB-4E0A-A3B0-B44F76A61690}" type="datetimeFigureOut">
               <a:rPr lang="en-US" smtClean="0"/>
-              <a:t>5/18/2013</a:t>
+              <a:t>5/31/2013</a:t>
             </a:fld>
             <a:endParaRPr lang="en-US"/>
           </a:p>
@@ -1836,7 +1838,7 @@
           <a:p>
             <a:fld id="{7DDD6D33-52EB-4E0A-A3B0-B44F76A61690}" type="datetimeFigureOut">
               <a:rPr lang="en-US" smtClean="0"/>
-              <a:t>5/18/2013</a:t>
+              <a:t>5/31/2013</a:t>
             </a:fld>
             <a:endParaRPr lang="en-US"/>
           </a:p>
@@ -1954,7 +1956,7 @@
           <a:p>
             <a:fld id="{7DDD6D33-52EB-4E0A-A3B0-B44F76A61690}" type="datetimeFigureOut">
               <a:rPr lang="en-US" smtClean="0"/>
-              <a:t>5/18/2013</a:t>
+              <a:t>5/31/2013</a:t>
             </a:fld>
             <a:endParaRPr lang="en-US"/>
           </a:p>
@@ -2049,7 +2051,7 @@
           <a:p>
             <a:fld id="{7DDD6D33-52EB-4E0A-A3B0-B44F76A61690}" type="datetimeFigureOut">
               <a:rPr lang="en-US" smtClean="0"/>
-              <a:t>5/18/2013</a:t>
+              <a:t>5/31/2013</a:t>
             </a:fld>
             <a:endParaRPr lang="en-US"/>
           </a:p>
@@ -2326,7 +2328,7 @@
           <a:p>
             <a:fld id="{7DDD6D33-52EB-4E0A-A3B0-B44F76A61690}" type="datetimeFigureOut">
               <a:rPr lang="en-US" smtClean="0"/>
-              <a:t>5/18/2013</a:t>
+              <a:t>5/31/2013</a:t>
             </a:fld>
             <a:endParaRPr lang="en-US"/>
           </a:p>
@@ -2579,7 +2581,7 @@
           <a:p>
             <a:fld id="{7DDD6D33-52EB-4E0A-A3B0-B44F76A61690}" type="datetimeFigureOut">
               <a:rPr lang="en-US" smtClean="0"/>
-              <a:t>5/18/2013</a:t>
+              <a:t>5/31/2013</a:t>
             </a:fld>
             <a:endParaRPr lang="en-US"/>
           </a:p>
@@ -2792,7 +2794,7 @@
           <a:p>
             <a:fld id="{7DDD6D33-52EB-4E0A-A3B0-B44F76A61690}" type="datetimeFigureOut">
               <a:rPr lang="en-US" smtClean="0"/>
-              <a:t>5/18/2013</a:t>
+              <a:t>5/31/2013</a:t>
             </a:fld>
             <a:endParaRPr lang="en-US"/>
           </a:p>
@@ -8092,107 +8094,24 @@
           <a:bodyPr/>
           <a:lstStyle/>
           <a:p>
-            <a:r>
-              <a:rPr lang="en-US" dirty="0" smtClean="0"/>
-              <a:t>Crawler </a:t>
-            </a:r>
-            <a:r>
-              <a:rPr lang="en-US" dirty="0" err="1" smtClean="0"/>
-              <a:t>chỗ</a:t>
-            </a:r>
-            <a:r>
-              <a:rPr lang="en-US" dirty="0" smtClean="0"/>
-              <a:t> get link </a:t>
-            </a:r>
-            <a:r>
-              <a:rPr lang="en-US" dirty="0" err="1" smtClean="0"/>
-              <a:t>nhạc</a:t>
-            </a:r>
             <a:endParaRPr lang="en-US" dirty="0" smtClean="0"/>
           </a:p>
           <a:p>
-            <a:r>
-              <a:rPr lang="en-US" dirty="0" smtClean="0"/>
-              <a:t>Crawler </a:t>
-            </a:r>
-            <a:r>
-              <a:rPr lang="en-US" dirty="0" err="1" smtClean="0"/>
-              <a:t>để</a:t>
-            </a:r>
-            <a:r>
-              <a:rPr lang="en-US" dirty="0" smtClean="0"/>
-              <a:t> </a:t>
-            </a:r>
-            <a:r>
-              <a:rPr lang="en-US" dirty="0" err="1" smtClean="0"/>
-              <a:t>thêm</a:t>
-            </a:r>
-            <a:r>
-              <a:rPr lang="en-US" dirty="0" smtClean="0"/>
-              <a:t> </a:t>
-            </a:r>
-            <a:r>
-              <a:rPr lang="en-US" dirty="0" err="1" smtClean="0"/>
-              <a:t>vào</a:t>
-            </a:r>
-            <a:r>
-              <a:rPr lang="en-US" dirty="0" smtClean="0"/>
-              <a:t> database</a:t>
-            </a:r>
-          </a:p>
-          <a:p>
-            <a:pPr lvl="1"/>
-            <a:r>
-              <a:rPr lang="en-US" dirty="0" err="1" smtClean="0"/>
-              <a:t>Dựa</a:t>
-            </a:r>
-            <a:r>
-              <a:rPr lang="en-US" dirty="0" smtClean="0"/>
-              <a:t> </a:t>
-            </a:r>
-            <a:r>
-              <a:rPr lang="en-US" dirty="0" err="1" smtClean="0"/>
-              <a:t>vào</a:t>
-            </a:r>
-            <a:r>
-              <a:rPr lang="en-US" dirty="0" smtClean="0"/>
-              <a:t> web link </a:t>
-            </a:r>
-            <a:r>
-              <a:rPr lang="en-US" dirty="0" err="1" smtClean="0"/>
-              <a:t>để</a:t>
-            </a:r>
-            <a:r>
-              <a:rPr lang="en-US" dirty="0" smtClean="0"/>
-              <a:t> </a:t>
-            </a:r>
-            <a:r>
-              <a:rPr lang="en-US" dirty="0" err="1" smtClean="0"/>
-              <a:t>bik</a:t>
-            </a:r>
-            <a:r>
-              <a:rPr lang="en-US" dirty="0" smtClean="0"/>
-              <a:t> </a:t>
-            </a:r>
-            <a:r>
-              <a:rPr lang="en-US" dirty="0" err="1" smtClean="0"/>
-              <a:t>có</a:t>
-            </a:r>
-            <a:r>
-              <a:rPr lang="en-US" dirty="0" smtClean="0"/>
-              <a:t> </a:t>
-            </a:r>
-            <a:r>
-              <a:rPr lang="en-US" dirty="0" err="1" smtClean="0"/>
-              <a:t>trùng</a:t>
-            </a:r>
-            <a:r>
-              <a:rPr lang="en-US" dirty="0" smtClean="0"/>
-              <a:t> </a:t>
-            </a:r>
-            <a:r>
-              <a:rPr lang="en-US" dirty="0" err="1" smtClean="0"/>
-              <a:t>không</a:t>
+            <a:pPr marL="514350" indent="-514350">
+              <a:buAutoNum type="arabicPeriod"/>
+            </a:pPr>
+            <a:r>
+              <a:rPr lang="en-US" dirty="0" smtClean="0"/>
+              <a:t>Describe how to allow scan inside </a:t>
+            </a:r>
+          </a:p>
+          <a:p>
+            <a:pPr marL="514350" indent="-514350">
+              <a:buAutoNum type="arabicPeriod"/>
+            </a:pPr>
+            <a:r>
+              <a:rPr lang="en-US" dirty="0" smtClean="0"/>
+              <a:t>Each page scanned which  data will be collected</a:t>
             </a:r>
             <a:endParaRPr lang="en-US" dirty="0"/>
           </a:p>
@@ -8244,8 +8163,12 @@
           <a:lstStyle/>
           <a:p>
             <a:r>
-              <a:rPr lang="en-US" dirty="0" smtClean="0"/>
-              <a:t>Crawler Database</a:t>
+              <a:rPr lang="en-US" dirty="0" err="1" smtClean="0"/>
+              <a:t>ChiaseNhac</a:t>
+            </a:r>
+            <a:r>
+              <a:rPr lang="en-US" dirty="0" smtClean="0"/>
+              <a:t> crawler	</a:t>
             </a:r>
             <a:endParaRPr lang="en-US" dirty="0"/>
           </a:p>
@@ -8266,258 +8189,174 @@
           <a:bodyPr/>
           <a:lstStyle/>
           <a:p>
-            <a:r>
-              <a:rPr lang="en-US" dirty="0" smtClean="0"/>
-              <a:t>1 </a:t>
-            </a:r>
-            <a:r>
-              <a:rPr lang="en-US" dirty="0" err="1" smtClean="0"/>
-              <a:t>quét</a:t>
-            </a:r>
-            <a:r>
-              <a:rPr lang="en-US" dirty="0" smtClean="0"/>
-              <a:t> 2 </a:t>
-            </a:r>
-            <a:r>
-              <a:rPr lang="en-US" dirty="0" err="1" smtClean="0"/>
-              <a:t>loại</a:t>
-            </a:r>
-            <a:r>
-              <a:rPr lang="en-US" dirty="0" smtClean="0"/>
-              <a:t> link -&gt; link </a:t>
+            <a:pPr marL="514350" indent="-514350">
+              <a:buFont typeface="+mj-lt"/>
+              <a:buAutoNum type="arabicPeriod"/>
+            </a:pPr>
+            <a:r>
+              <a:rPr lang="en-US" dirty="0" smtClean="0"/>
+              <a:t>How to scan inside</a:t>
+            </a:r>
+          </a:p>
+          <a:p>
+            <a:pPr marL="857250" lvl="1" indent="-457200">
+              <a:buFont typeface="Arial" pitchFamily="34" charset="0"/>
+              <a:buChar char="•"/>
+            </a:pPr>
+            <a:r>
+              <a:rPr lang="en-US" dirty="0" smtClean="0"/>
+              <a:t>Does not contain </a:t>
             </a:r>
             <a:r>
               <a:rPr lang="en-US" dirty="0" err="1" smtClean="0"/>
               <a:t>download.php</a:t>
             </a:r>
-            <a:r>
-              <a:rPr lang="en-US" dirty="0" smtClean="0"/>
-              <a:t> </a:t>
-            </a:r>
-            <a:r>
-              <a:rPr lang="en-US" dirty="0" err="1" smtClean="0"/>
-              <a:t>và</a:t>
-            </a:r>
-            <a:r>
-              <a:rPr lang="en-US" dirty="0" smtClean="0"/>
-              <a:t> link </a:t>
-            </a:r>
-            <a:r>
-              <a:rPr lang="en-US" dirty="0" err="1" smtClean="0"/>
-              <a:t>dạng</a:t>
-            </a:r>
-            <a:r>
-              <a:rPr lang="en-US" dirty="0" smtClean="0"/>
-              <a:t> playlist</a:t>
-            </a:r>
-          </a:p>
-          <a:p>
-            <a:pPr lvl="1"/>
-            <a:r>
-              <a:rPr lang="en-US" dirty="0" smtClean="0"/>
-              <a:t>Link </a:t>
-            </a:r>
-            <a:r>
-              <a:rPr lang="en-US" dirty="0" err="1" smtClean="0"/>
+            <a:endParaRPr lang="en-US" dirty="0" smtClean="0"/>
+          </a:p>
+          <a:p>
+            <a:pPr marL="857250" lvl="1" indent="-457200">
+              <a:buFont typeface="Arial" pitchFamily="34" charset="0"/>
+              <a:buChar char="•"/>
+            </a:pPr>
+            <a:r>
+              <a:rPr lang="en-US" dirty="0" smtClean="0"/>
+              <a:t>Must contain chiasenhac.com</a:t>
+            </a:r>
+          </a:p>
+          <a:p>
+            <a:pPr marL="514350" indent="-514350">
+              <a:buFont typeface="+mj-lt"/>
+              <a:buAutoNum type="arabicPeriod"/>
+            </a:pPr>
+            <a:r>
+              <a:rPr lang="en-US" dirty="0" smtClean="0"/>
+              <a:t>Process a page</a:t>
+            </a:r>
+          </a:p>
+          <a:p>
+            <a:pPr marL="914400" lvl="1" indent="-514350">
+              <a:buFont typeface="Arial" pitchFamily="34" charset="0"/>
+              <a:buChar char="•"/>
+            </a:pPr>
+            <a:r>
+              <a:rPr lang="en-US" sz="3200" dirty="0" err="1" smtClean="0"/>
+              <a:t>Baseuri</a:t>
+            </a:r>
+            <a:r>
+              <a:rPr lang="en-US" sz="3200" dirty="0" smtClean="0"/>
+              <a:t> is playlist store data follow playlist style</a:t>
+            </a:r>
+          </a:p>
+          <a:p>
+            <a:pPr marL="914400" lvl="1" indent="-514350">
+              <a:buFont typeface="Arial" pitchFamily="34" charset="0"/>
+              <a:buChar char="•"/>
+            </a:pPr>
+            <a:r>
+              <a:rPr lang="en-US" sz="3200" dirty="0" smtClean="0"/>
+              <a:t>Collect all link contain </a:t>
+            </a:r>
+            <a:r>
+              <a:rPr lang="en-US" sz="3200" dirty="0" err="1" smtClean="0"/>
               <a:t>download.php</a:t>
             </a:r>
             <a:r>
-              <a:rPr lang="en-US" dirty="0" smtClean="0"/>
-              <a:t> </a:t>
-            </a:r>
-            <a:r>
-              <a:rPr lang="en-US" dirty="0" err="1" smtClean="0"/>
-              <a:t>thì</a:t>
-            </a:r>
-            <a:r>
-              <a:rPr lang="en-US" dirty="0" smtClean="0"/>
-              <a:t> add </a:t>
-            </a:r>
-            <a:r>
-              <a:rPr lang="en-US" dirty="0" err="1" smtClean="0"/>
-              <a:t>vào</a:t>
-            </a:r>
-            <a:r>
-              <a:rPr lang="en-US" dirty="0" smtClean="0"/>
-              <a:t> database</a:t>
-            </a:r>
-          </a:p>
-          <a:p>
-            <a:pPr lvl="1"/>
-            <a:r>
-              <a:rPr lang="en-US" dirty="0" smtClean="0"/>
-              <a:t>Link playlist </a:t>
-            </a:r>
-            <a:r>
-              <a:rPr lang="en-US" dirty="0" err="1" smtClean="0"/>
-              <a:t>thì</a:t>
-            </a:r>
-            <a:r>
-              <a:rPr lang="en-US" dirty="0" smtClean="0"/>
-              <a:t> </a:t>
-            </a:r>
-            <a:r>
-              <a:rPr lang="en-US" dirty="0" err="1" smtClean="0"/>
-              <a:t>thực</a:t>
-            </a:r>
-            <a:r>
-              <a:rPr lang="en-US" dirty="0" smtClean="0"/>
-              <a:t> </a:t>
-            </a:r>
-            <a:r>
-              <a:rPr lang="en-US" dirty="0" err="1" smtClean="0"/>
-              <a:t>hiện</a:t>
-            </a:r>
-            <a:r>
-              <a:rPr lang="en-US" dirty="0" smtClean="0"/>
-              <a:t> </a:t>
-            </a:r>
-            <a:r>
-              <a:rPr lang="en-US" dirty="0" err="1" smtClean="0"/>
-              <a:t>đệ</a:t>
-            </a:r>
-            <a:r>
-              <a:rPr lang="en-US" dirty="0" smtClean="0"/>
-              <a:t> </a:t>
-            </a:r>
-            <a:r>
-              <a:rPr lang="en-US" dirty="0" err="1" smtClean="0"/>
-              <a:t>quy</a:t>
-            </a:r>
-            <a:r>
-              <a:rPr lang="en-US" dirty="0" smtClean="0"/>
-              <a:t> crawler </a:t>
-            </a:r>
-            <a:r>
-              <a:rPr lang="en-US" dirty="0" err="1" smtClean="0"/>
-              <a:t>nhưng</a:t>
-            </a:r>
-            <a:r>
-              <a:rPr lang="en-US" dirty="0" smtClean="0"/>
-              <a:t> </a:t>
-            </a:r>
-            <a:r>
-              <a:rPr lang="en-US" dirty="0" err="1" smtClean="0"/>
-              <a:t>có</a:t>
-            </a:r>
-            <a:r>
-              <a:rPr lang="en-US" dirty="0" smtClean="0"/>
-              <a:t> </a:t>
-            </a:r>
-            <a:r>
-              <a:rPr lang="en-US" dirty="0" err="1" smtClean="0"/>
-              <a:t>kèm</a:t>
-            </a:r>
-            <a:r>
-              <a:rPr lang="en-US" dirty="0" smtClean="0"/>
-              <a:t> </a:t>
-            </a:r>
-            <a:r>
-              <a:rPr lang="en-US" dirty="0" err="1" smtClean="0"/>
-              <a:t>theo</a:t>
-            </a:r>
-            <a:r>
-              <a:rPr lang="en-US" dirty="0" smtClean="0"/>
-              <a:t> add table album</a:t>
-            </a:r>
-          </a:p>
-          <a:p>
-            <a:pPr lvl="1"/>
-            <a:r>
-              <a:rPr lang="en-US" dirty="0" err="1" smtClean="0"/>
-              <a:t>Các</a:t>
-            </a:r>
-            <a:r>
-              <a:rPr lang="en-US" dirty="0" smtClean="0"/>
-              <a:t> link </a:t>
-            </a:r>
-            <a:r>
-              <a:rPr lang="en-US" dirty="0" err="1" smtClean="0"/>
-              <a:t>còn</a:t>
-            </a:r>
-            <a:r>
-              <a:rPr lang="en-US" dirty="0" smtClean="0"/>
-              <a:t> </a:t>
-            </a:r>
-            <a:r>
-              <a:rPr lang="en-US" dirty="0" err="1" smtClean="0"/>
-              <a:t>lại</a:t>
-            </a:r>
-            <a:r>
-              <a:rPr lang="en-US" dirty="0" smtClean="0"/>
-              <a:t> </a:t>
-            </a:r>
-            <a:r>
-              <a:rPr lang="en-US" dirty="0" err="1" smtClean="0"/>
-              <a:t>thì</a:t>
-            </a:r>
-            <a:r>
-              <a:rPr lang="en-US" dirty="0" smtClean="0"/>
-              <a:t> crawler </a:t>
-            </a:r>
-            <a:r>
-              <a:rPr lang="en-US" dirty="0" err="1" smtClean="0"/>
-              <a:t>sâu</a:t>
-            </a:r>
-            <a:r>
-              <a:rPr lang="en-US" dirty="0" smtClean="0"/>
-              <a:t> </a:t>
-            </a:r>
-            <a:r>
-              <a:rPr lang="en-US" dirty="0" err="1" smtClean="0"/>
-              <a:t>vào</a:t>
-            </a:r>
-            <a:r>
-              <a:rPr lang="en-US" dirty="0" smtClean="0"/>
-              <a:t> </a:t>
-            </a:r>
-            <a:r>
-              <a:rPr lang="en-US" dirty="0" err="1" smtClean="0"/>
-              <a:t>trong</a:t>
-            </a:r>
-            <a:r>
-              <a:rPr lang="en-US" dirty="0" smtClean="0"/>
-              <a:t>.</a:t>
-            </a:r>
-          </a:p>
-          <a:p>
-            <a:pPr lvl="1"/>
-            <a:r>
-              <a:rPr lang="en-US" dirty="0" err="1" smtClean="0"/>
-              <a:t>chỉ</a:t>
-            </a:r>
-            <a:r>
-              <a:rPr lang="en-US" dirty="0" smtClean="0"/>
-              <a:t> crawler </a:t>
-            </a:r>
-            <a:r>
-              <a:rPr lang="en-US" dirty="0" err="1" smtClean="0"/>
-              <a:t>các</a:t>
-            </a:r>
-            <a:r>
-              <a:rPr lang="en-US" dirty="0" smtClean="0"/>
-              <a:t> link </a:t>
-            </a:r>
-            <a:r>
-              <a:rPr lang="en-US" dirty="0" err="1" smtClean="0"/>
-              <a:t>cùng</a:t>
-            </a:r>
-            <a:r>
-              <a:rPr lang="en-US" dirty="0" smtClean="0"/>
-              <a:t> </a:t>
-            </a:r>
-            <a:r>
-              <a:rPr lang="en-US" smtClean="0"/>
-              <a:t>1 domain</a:t>
-            </a:r>
-            <a:endParaRPr lang="en-US" dirty="0"/>
+              <a:rPr lang="en-US" sz="3200" dirty="0" smtClean="0"/>
+              <a:t> and store into database.</a:t>
+            </a:r>
           </a:p>
         </p:txBody>
       </p:sp>
     </p:spTree>
     <p:extLst>
       <p:ext uri="{BB962C8B-B14F-4D97-AF65-F5344CB8AC3E}">
-        <p14:creationId xmlns:p14="http://schemas.microsoft.com/office/powerpoint/2010/main" val="2599988761"/>
+        <p14:creationId xmlns:p14="http://schemas.microsoft.com/office/powerpoint/2010/main" val="1849097947"/>
+      </p:ext>
+    </p:extLst>
+  </p:cSld>
+  <p:clrMapOvr>
+    <a:masterClrMapping/>
+  </p:clrMapOvr>
+</p:sld>
+</file>
+
+<file path=ppt/slides/slide23.xml><?xml version="1.0" encoding="utf-8"?>
+<p:sld xmlns:a="http://schemas.openxmlformats.org/drawingml/2006/main" xmlns:r="http://schemas.openxmlformats.org/officeDocument/2006/relationships" xmlns:p="http://schemas.openxmlformats.org/presentationml/2006/main">
+  <p:cSld>
+    <p:spTree>
+      <p:nvGrpSpPr>
+        <p:cNvPr id="1" name=""/>
+        <p:cNvGrpSpPr/>
+        <p:nvPr/>
+      </p:nvGrpSpPr>
+      <p:grpSpPr>
+        <a:xfrm>
+          <a:off x="0" y="0"/>
+          <a:ext cx="0" cy="0"/>
+          <a:chOff x="0" y="0"/>
+          <a:chExt cx="0" cy="0"/>
+        </a:xfrm>
+      </p:grpSpPr>
+      <p:sp>
+        <p:nvSpPr>
+          <p:cNvPr id="2" name="Title 1"/>
+          <p:cNvSpPr>
+            <a:spLocks noGrp="1"/>
+          </p:cNvSpPr>
+          <p:nvPr>
+            <p:ph type="title"/>
+          </p:nvPr>
+        </p:nvSpPr>
+        <p:spPr/>
+        <p:txBody>
+          <a:bodyPr/>
+          <a:lstStyle/>
+          <a:p>
+            <a:r>
+              <a:rPr lang="en-US" dirty="0" smtClean="0"/>
+              <a:t>Store into database</a:t>
+            </a:r>
+            <a:endParaRPr lang="en-US" dirty="0"/>
+          </a:p>
+        </p:txBody>
+      </p:sp>
+      <p:sp>
+        <p:nvSpPr>
+          <p:cNvPr id="3" name="Content Placeholder 2"/>
+          <p:cNvSpPr>
+            <a:spLocks noGrp="1"/>
+          </p:cNvSpPr>
+          <p:nvPr>
+            <p:ph idx="1"/>
+          </p:nvPr>
+        </p:nvSpPr>
+        <p:spPr/>
+        <p:txBody>
+          <a:bodyPr/>
+          <a:lstStyle/>
+          <a:p>
+            <a:r>
+              <a:rPr lang="en-US" dirty="0" smtClean="0"/>
+              <a:t>Do not duplicate music source link</a:t>
+            </a:r>
+          </a:p>
+          <a:p>
+            <a:r>
+              <a:rPr lang="en-US" dirty="0" smtClean="0"/>
+              <a:t>Do not duplicate playlist </a:t>
+            </a:r>
+            <a:r>
+              <a:rPr lang="en-US" smtClean="0"/>
+              <a:t>source link</a:t>
+            </a:r>
+            <a:endParaRPr lang="en-US"/>
+          </a:p>
+        </p:txBody>
+      </p:sp>
+    </p:spTree>
+    <p:extLst>
+      <p:ext uri="{BB962C8B-B14F-4D97-AF65-F5344CB8AC3E}">
+        <p14:creationId xmlns:p14="http://schemas.microsoft.com/office/powerpoint/2010/main" val="1867786190"/>
       </p:ext>
     </p:extLst>
   </p:cSld>
